--- a/PPT/Intro.pptx
+++ b/PPT/Intro.pptx
@@ -5,31 +5,29 @@
     <p:sldMasterId id="2147483768" r:id="rId1"/>
   </p:sldMasterIdLst>
   <p:notesMasterIdLst>
-    <p:notesMasterId r:id="rId24"/>
+    <p:notesMasterId r:id="rId22"/>
   </p:notesMasterIdLst>
   <p:sldIdLst>
     <p:sldId id="256" r:id="rId2"/>
-    <p:sldId id="304" r:id="rId3"/>
-    <p:sldId id="303" r:id="rId4"/>
-    <p:sldId id="257" r:id="rId5"/>
-    <p:sldId id="286" r:id="rId6"/>
-    <p:sldId id="272" r:id="rId7"/>
-    <p:sldId id="275" r:id="rId8"/>
-    <p:sldId id="273" r:id="rId9"/>
-    <p:sldId id="280" r:id="rId10"/>
-    <p:sldId id="274" r:id="rId11"/>
-    <p:sldId id="305" r:id="rId12"/>
-    <p:sldId id="258" r:id="rId13"/>
-    <p:sldId id="302" r:id="rId14"/>
-    <p:sldId id="288" r:id="rId15"/>
-    <p:sldId id="277" r:id="rId16"/>
-    <p:sldId id="291" r:id="rId17"/>
-    <p:sldId id="292" r:id="rId18"/>
-    <p:sldId id="290" r:id="rId19"/>
-    <p:sldId id="279" r:id="rId20"/>
-    <p:sldId id="281" r:id="rId21"/>
-    <p:sldId id="283" r:id="rId22"/>
-    <p:sldId id="282" r:id="rId23"/>
+    <p:sldId id="286" r:id="rId3"/>
+    <p:sldId id="272" r:id="rId4"/>
+    <p:sldId id="275" r:id="rId5"/>
+    <p:sldId id="273" r:id="rId6"/>
+    <p:sldId id="280" r:id="rId7"/>
+    <p:sldId id="274" r:id="rId8"/>
+    <p:sldId id="305" r:id="rId9"/>
+    <p:sldId id="258" r:id="rId10"/>
+    <p:sldId id="302" r:id="rId11"/>
+    <p:sldId id="288" r:id="rId12"/>
+    <p:sldId id="306" r:id="rId13"/>
+    <p:sldId id="277" r:id="rId14"/>
+    <p:sldId id="291" r:id="rId15"/>
+    <p:sldId id="292" r:id="rId16"/>
+    <p:sldId id="290" r:id="rId17"/>
+    <p:sldId id="279" r:id="rId18"/>
+    <p:sldId id="281" r:id="rId19"/>
+    <p:sldId id="283" r:id="rId20"/>
+    <p:sldId id="282" r:id="rId21"/>
   </p:sldIdLst>
   <p:sldSz cx="12192000" cy="6858000"/>
   <p:notesSz cx="6858000" cy="9144000"/>
@@ -134,9 +132,6 @@
         <p14:section name="Default Section" id="{4750C514-79BA-42DB-91E2-0AB5F1864B5B}">
           <p14:sldIdLst>
             <p14:sldId id="256"/>
-            <p14:sldId id="304"/>
-            <p14:sldId id="303"/>
-            <p14:sldId id="257"/>
             <p14:sldId id="286"/>
             <p14:sldId id="272"/>
             <p14:sldId id="275"/>
@@ -147,6 +142,7 @@
             <p14:sldId id="258"/>
             <p14:sldId id="302"/>
             <p14:sldId id="288"/>
+            <p14:sldId id="306"/>
             <p14:sldId id="277"/>
             <p14:sldId id="291"/>
             <p14:sldId id="292"/>
@@ -271,7 +267,7 @@
           <a:p>
             <a:fld id="{5578FD48-7BBA-4787-8980-5DFB65E0734D}" type="datetimeFigureOut">
               <a:rPr lang="en-US" smtClean="0"/>
-              <a:t>5/27/2023</a:t>
+              <a:t>2/29/2024</a:t>
             </a:fld>
             <a:endParaRPr lang="en-US"/>
           </a:p>
@@ -670,23 +666,13 @@
           <a:lstStyle/>
           <a:p>
             <a:r>
+              <a:rPr lang="en-US" b="1" dirty="0"/>
+              <a:t>Why </a:t>
+            </a:r>
+            <a:r>
               <a:rPr lang="en-US" dirty="0"/>
-              <a:t>DEMO how to ask question: Type I question and write “Q”</a:t>
-            </a:r>
-          </a:p>
-          <a:p>
-            <a:endParaRPr lang="en-US" dirty="0"/>
-          </a:p>
-          <a:p>
-            <a:r>
-              <a:rPr lang="zh-CN" altLang="en-US" dirty="0"/>
-              <a:t>我的问题是怎么推出 </a:t>
-            </a:r>
-            <a:r>
-              <a:rPr lang="en-US" altLang="zh-CN" dirty="0"/>
-              <a:t>annotate?</a:t>
-            </a:r>
-            <a:endParaRPr lang="en-US" dirty="0"/>
+              <a:t>poll</a:t>
+            </a:r>
           </a:p>
         </p:txBody>
       </p:sp>
@@ -716,7 +702,7 @@
     </p:spTree>
     <p:extLst>
       <p:ext uri="{BB962C8B-B14F-4D97-AF65-F5344CB8AC3E}">
-        <p14:creationId xmlns:p14="http://schemas.microsoft.com/office/powerpoint/2010/main" val="2362803635"/>
+        <p14:creationId xmlns:p14="http://schemas.microsoft.com/office/powerpoint/2010/main" val="2757749698"/>
       </p:ext>
     </p:extLst>
   </p:cSld>
@@ -770,18 +756,62 @@
           <a:bodyPr/>
           <a:lstStyle/>
           <a:p>
-            <a:r>
-              <a:rPr lang="en-US" b="1" dirty="0">
-                <a:solidFill>
-                  <a:srgbClr val="FF0000"/>
-                </a:solidFill>
-              </a:rPr>
-              <a:t>Learn how to annotate</a:t>
+            <a:pPr marL="0" marR="0" lvl="0" indent="0" algn="l" defTabSz="914400" rtl="0" eaLnBrk="1" fontAlgn="auto" latinLnBrk="0" hangingPunct="1">
+              <a:lnSpc>
+                <a:spcPct val="100000"/>
+              </a:lnSpc>
+              <a:spcBef>
+                <a:spcPts val="0"/>
+              </a:spcBef>
+              <a:spcAft>
+                <a:spcPts val="0"/>
+              </a:spcAft>
+              <a:buClrTx/>
+              <a:buSzTx/>
+              <a:buFontTx/>
+              <a:buNone/>
+              <a:tabLst/>
+              <a:defRPr/>
+            </a:pPr>
+            <a:r>
+              <a:rPr lang="en-US" b="1" dirty="0"/>
+              <a:t>Programming Languages </a:t>
             </a:r>
             <a:r>
               <a:rPr lang="en-US" dirty="0"/>
-              <a:t>: put a dot or circle your school, or write your school if not here</a:t>
-            </a:r>
+              <a:t>poll</a:t>
+            </a:r>
+          </a:p>
+          <a:p>
+            <a:pPr marL="0" marR="0" lvl="0" indent="0" algn="l" defTabSz="914400" rtl="0" eaLnBrk="1" fontAlgn="auto" latinLnBrk="0" hangingPunct="1">
+              <a:lnSpc>
+                <a:spcPct val="100000"/>
+              </a:lnSpc>
+              <a:spcBef>
+                <a:spcPts val="0"/>
+              </a:spcBef>
+              <a:spcAft>
+                <a:spcPts val="0"/>
+              </a:spcAft>
+              <a:buClrTx/>
+              <a:buSzTx/>
+              <a:buFontTx/>
+              <a:buNone/>
+              <a:tabLst/>
+              <a:defRPr/>
+            </a:pPr>
+            <a:r>
+              <a:rPr lang="en-US" b="1" dirty="0"/>
+              <a:t>Background </a:t>
+            </a:r>
+            <a:r>
+              <a:rPr lang="en-US" b="0" dirty="0"/>
+              <a:t>poll</a:t>
+            </a:r>
+            <a:endParaRPr lang="en-US" b="1" dirty="0"/>
+          </a:p>
+          <a:p>
+            <a:endParaRPr lang="en-US" dirty="0"/>
           </a:p>
         </p:txBody>
       </p:sp>
@@ -802,7 +832,7 @@
           <a:p>
             <a:fld id="{F7DB80D0-0163-4942-8F25-71DA65E50049}" type="slidenum">
               <a:rPr lang="en-US" smtClean="0"/>
-              <a:t>4</a:t>
+              <a:t>5</a:t>
             </a:fld>
             <a:endParaRPr lang="en-US"/>
           </a:p>
@@ -811,7 +841,7 @@
     </p:spTree>
     <p:extLst>
       <p:ext uri="{BB962C8B-B14F-4D97-AF65-F5344CB8AC3E}">
-        <p14:creationId xmlns:p14="http://schemas.microsoft.com/office/powerpoint/2010/main" val="365669905"/>
+        <p14:creationId xmlns:p14="http://schemas.microsoft.com/office/powerpoint/2010/main" val="2770493715"/>
       </p:ext>
     </p:extLst>
   </p:cSld>
@@ -865,14 +895,7 @@
           <a:bodyPr/>
           <a:lstStyle/>
           <a:p>
-            <a:r>
-              <a:rPr lang="en-US" b="1" dirty="0"/>
-              <a:t>Why </a:t>
-            </a:r>
-            <a:r>
-              <a:rPr lang="en-US" dirty="0"/>
-              <a:t>poll</a:t>
-            </a:r>
+            <a:endParaRPr lang="en-US" dirty="0"/>
           </a:p>
         </p:txBody>
       </p:sp>
@@ -893,230 +916,7 @@
           <a:p>
             <a:fld id="{F7DB80D0-0163-4942-8F25-71DA65E50049}" type="slidenum">
               <a:rPr lang="en-US" smtClean="0"/>
-              <a:t>6</a:t>
-            </a:fld>
-            <a:endParaRPr lang="en-US"/>
-          </a:p>
-        </p:txBody>
-      </p:sp>
-    </p:spTree>
-    <p:extLst>
-      <p:ext uri="{BB962C8B-B14F-4D97-AF65-F5344CB8AC3E}">
-        <p14:creationId xmlns:p14="http://schemas.microsoft.com/office/powerpoint/2010/main" val="2757749698"/>
-      </p:ext>
-    </p:extLst>
-  </p:cSld>
-  <p:clrMapOvr>
-    <a:masterClrMapping/>
-  </p:clrMapOvr>
-</p:notes>
-</file>
-
-<file path=ppt/notesSlides/notesSlide5.xml><?xml version="1.0" encoding="utf-8"?>
-<p:notes xmlns:a="http://schemas.openxmlformats.org/drawingml/2006/main" xmlns:r="http://schemas.openxmlformats.org/officeDocument/2006/relationships" xmlns:p="http://schemas.openxmlformats.org/presentationml/2006/main">
-  <p:cSld>
-    <p:spTree>
-      <p:nvGrpSpPr>
-        <p:cNvPr id="1" name=""/>
-        <p:cNvGrpSpPr/>
-        <p:nvPr/>
-      </p:nvGrpSpPr>
-      <p:grpSpPr>
-        <a:xfrm>
-          <a:off x="0" y="0"/>
-          <a:ext cx="0" cy="0"/>
-          <a:chOff x="0" y="0"/>
-          <a:chExt cx="0" cy="0"/>
-        </a:xfrm>
-      </p:grpSpPr>
-      <p:sp>
-        <p:nvSpPr>
-          <p:cNvPr id="2" name="Slide Image Placeholder 1"/>
-          <p:cNvSpPr>
-            <a:spLocks noGrp="1" noRot="1" noChangeAspect="1"/>
-          </p:cNvSpPr>
-          <p:nvPr>
-            <p:ph type="sldImg"/>
-          </p:nvPr>
-        </p:nvSpPr>
-        <p:spPr/>
-      </p:sp>
-      <p:sp>
-        <p:nvSpPr>
-          <p:cNvPr id="3" name="Notes Placeholder 2"/>
-          <p:cNvSpPr>
-            <a:spLocks noGrp="1"/>
-          </p:cNvSpPr>
-          <p:nvPr>
-            <p:ph type="body" idx="1"/>
-          </p:nvPr>
-        </p:nvSpPr>
-        <p:spPr/>
-        <p:txBody>
-          <a:bodyPr/>
-          <a:lstStyle/>
-          <a:p>
-            <a:pPr marL="0" marR="0" lvl="0" indent="0" algn="l" defTabSz="914400" rtl="0" eaLnBrk="1" fontAlgn="auto" latinLnBrk="0" hangingPunct="1">
-              <a:lnSpc>
-                <a:spcPct val="100000"/>
-              </a:lnSpc>
-              <a:spcBef>
-                <a:spcPts val="0"/>
-              </a:spcBef>
-              <a:spcAft>
-                <a:spcPts val="0"/>
-              </a:spcAft>
-              <a:buClrTx/>
-              <a:buSzTx/>
-              <a:buFontTx/>
-              <a:buNone/>
-              <a:tabLst/>
-              <a:defRPr/>
-            </a:pPr>
-            <a:r>
-              <a:rPr lang="en-US" b="1" dirty="0"/>
-              <a:t>Programming Languages </a:t>
-            </a:r>
-            <a:r>
-              <a:rPr lang="en-US" dirty="0"/>
-              <a:t>poll</a:t>
-            </a:r>
-          </a:p>
-          <a:p>
-            <a:pPr marL="0" marR="0" lvl="0" indent="0" algn="l" defTabSz="914400" rtl="0" eaLnBrk="1" fontAlgn="auto" latinLnBrk="0" hangingPunct="1">
-              <a:lnSpc>
-                <a:spcPct val="100000"/>
-              </a:lnSpc>
-              <a:spcBef>
-                <a:spcPts val="0"/>
-              </a:spcBef>
-              <a:spcAft>
-                <a:spcPts val="0"/>
-              </a:spcAft>
-              <a:buClrTx/>
-              <a:buSzTx/>
-              <a:buFontTx/>
-              <a:buNone/>
-              <a:tabLst/>
-              <a:defRPr/>
-            </a:pPr>
-            <a:r>
-              <a:rPr lang="en-US" b="1" dirty="0"/>
-              <a:t>Background </a:t>
-            </a:r>
-            <a:r>
-              <a:rPr lang="en-US" b="0" dirty="0"/>
-              <a:t>poll</a:t>
-            </a:r>
-            <a:endParaRPr lang="en-US" b="1" dirty="0"/>
-          </a:p>
-          <a:p>
-            <a:endParaRPr lang="en-US" dirty="0"/>
-          </a:p>
-        </p:txBody>
-      </p:sp>
-      <p:sp>
-        <p:nvSpPr>
-          <p:cNvPr id="4" name="Slide Number Placeholder 3"/>
-          <p:cNvSpPr>
-            <a:spLocks noGrp="1"/>
-          </p:cNvSpPr>
-          <p:nvPr>
-            <p:ph type="sldNum" sz="quarter" idx="5"/>
-          </p:nvPr>
-        </p:nvSpPr>
-        <p:spPr/>
-        <p:txBody>
-          <a:bodyPr/>
-          <a:lstStyle/>
-          <a:p>
-            <a:fld id="{F7DB80D0-0163-4942-8F25-71DA65E50049}" type="slidenum">
-              <a:rPr lang="en-US" smtClean="0"/>
-              <a:t>8</a:t>
-            </a:fld>
-            <a:endParaRPr lang="en-US"/>
-          </a:p>
-        </p:txBody>
-      </p:sp>
-    </p:spTree>
-    <p:extLst>
-      <p:ext uri="{BB962C8B-B14F-4D97-AF65-F5344CB8AC3E}">
-        <p14:creationId xmlns:p14="http://schemas.microsoft.com/office/powerpoint/2010/main" val="2770493715"/>
-      </p:ext>
-    </p:extLst>
-  </p:cSld>
-  <p:clrMapOvr>
-    <a:masterClrMapping/>
-  </p:clrMapOvr>
-</p:notes>
-</file>
-
-<file path=ppt/notesSlides/notesSlide6.xml><?xml version="1.0" encoding="utf-8"?>
-<p:notes xmlns:a="http://schemas.openxmlformats.org/drawingml/2006/main" xmlns:r="http://schemas.openxmlformats.org/officeDocument/2006/relationships" xmlns:p="http://schemas.openxmlformats.org/presentationml/2006/main">
-  <p:cSld>
-    <p:spTree>
-      <p:nvGrpSpPr>
-        <p:cNvPr id="1" name=""/>
-        <p:cNvGrpSpPr/>
-        <p:nvPr/>
-      </p:nvGrpSpPr>
-      <p:grpSpPr>
-        <a:xfrm>
-          <a:off x="0" y="0"/>
-          <a:ext cx="0" cy="0"/>
-          <a:chOff x="0" y="0"/>
-          <a:chExt cx="0" cy="0"/>
-        </a:xfrm>
-      </p:grpSpPr>
-      <p:sp>
-        <p:nvSpPr>
-          <p:cNvPr id="2" name="Slide Image Placeholder 1"/>
-          <p:cNvSpPr>
-            <a:spLocks noGrp="1" noRot="1" noChangeAspect="1"/>
-          </p:cNvSpPr>
-          <p:nvPr>
-            <p:ph type="sldImg"/>
-          </p:nvPr>
-        </p:nvSpPr>
-        <p:spPr/>
-      </p:sp>
-      <p:sp>
-        <p:nvSpPr>
-          <p:cNvPr id="3" name="Notes Placeholder 2"/>
-          <p:cNvSpPr>
-            <a:spLocks noGrp="1"/>
-          </p:cNvSpPr>
-          <p:nvPr>
-            <p:ph type="body" idx="1"/>
-          </p:nvPr>
-        </p:nvSpPr>
-        <p:spPr/>
-        <p:txBody>
-          <a:bodyPr/>
-          <a:lstStyle/>
-          <a:p>
-            <a:endParaRPr lang="en-US" dirty="0"/>
-          </a:p>
-        </p:txBody>
-      </p:sp>
-      <p:sp>
-        <p:nvSpPr>
-          <p:cNvPr id="4" name="Slide Number Placeholder 3"/>
-          <p:cNvSpPr>
-            <a:spLocks noGrp="1"/>
-          </p:cNvSpPr>
-          <p:nvPr>
-            <p:ph type="sldNum" sz="quarter" idx="5"/>
-          </p:nvPr>
-        </p:nvSpPr>
-        <p:spPr/>
-        <p:txBody>
-          <a:bodyPr/>
-          <a:lstStyle/>
-          <a:p>
-            <a:fld id="{F7DB80D0-0163-4942-8F25-71DA65E50049}" type="slidenum">
-              <a:rPr lang="en-US" smtClean="0"/>
-              <a:t>10</a:t>
+              <a:t>7</a:t>
             </a:fld>
             <a:endParaRPr lang="en-US"/>
           </a:p>
@@ -1135,7 +935,7 @@
 </p:notes>
 </file>
 
-<file path=ppt/notesSlides/notesSlide7.xml><?xml version="1.0" encoding="utf-8"?>
+<file path=ppt/notesSlides/notesSlide5.xml><?xml version="1.0" encoding="utf-8"?>
 <p:notes xmlns:a="http://schemas.openxmlformats.org/drawingml/2006/main" xmlns:r="http://schemas.openxmlformats.org/officeDocument/2006/relationships" xmlns:p="http://schemas.openxmlformats.org/presentationml/2006/main">
   <p:cSld>
     <p:spTree>
@@ -1217,7 +1017,7 @@
           <a:p>
             <a:fld id="{F7DB80D0-0163-4942-8F25-71DA65E50049}" type="slidenum">
               <a:rPr lang="en-US" smtClean="0"/>
-              <a:t>12</a:t>
+              <a:t>9</a:t>
             </a:fld>
             <a:endParaRPr lang="en-US"/>
           </a:p>
@@ -1296,7 +1096,7 @@
             <a:fld id="{1D8BD707-D9CF-40AE-B4C6-C98DA3205C09}" type="datetimeFigureOut">
               <a:rPr lang="en-US" smtClean="0"/>
               <a:pPr/>
-              <a:t>5/27/2023</a:t>
+              <a:t>2/29/2024</a:t>
             </a:fld>
             <a:endParaRPr lang="en-US"/>
           </a:p>
@@ -1613,7 +1413,7 @@
             <a:fld id="{1D8BD707-D9CF-40AE-B4C6-C98DA3205C09}" type="datetimeFigureOut">
               <a:rPr lang="en-US" smtClean="0"/>
               <a:pPr/>
-              <a:t>5/27/2023</a:t>
+              <a:t>2/29/2024</a:t>
             </a:fld>
             <a:endParaRPr lang="en-US"/>
           </a:p>
@@ -1789,7 +1589,7 @@
             <a:fld id="{1D8BD707-D9CF-40AE-B4C6-C98DA3205C09}" type="datetimeFigureOut">
               <a:rPr lang="en-US" smtClean="0"/>
               <a:pPr/>
-              <a:t>5/27/2023</a:t>
+              <a:t>2/29/2024</a:t>
             </a:fld>
             <a:endParaRPr lang="en-US"/>
           </a:p>
@@ -1909,7 +1709,7 @@
             <a:fld id="{1D8BD707-D9CF-40AE-B4C6-C98DA3205C09}" type="datetimeFigureOut">
               <a:rPr lang="en-US" smtClean="0"/>
               <a:pPr/>
-              <a:t>5/27/2023</a:t>
+              <a:t>2/29/2024</a:t>
             </a:fld>
             <a:endParaRPr lang="en-US"/>
           </a:p>
@@ -2209,7 +2009,7 @@
             <a:fld id="{1D8BD707-D9CF-40AE-B4C6-C98DA3205C09}" type="datetimeFigureOut">
               <a:rPr lang="en-US" smtClean="0"/>
               <a:pPr/>
-              <a:t>5/27/2023</a:t>
+              <a:t>2/29/2024</a:t>
             </a:fld>
             <a:endParaRPr lang="en-US"/>
           </a:p>
@@ -2504,7 +2304,7 @@
             <a:fld id="{1D8BD707-D9CF-40AE-B4C6-C98DA3205C09}" type="datetimeFigureOut">
               <a:rPr lang="en-US" smtClean="0"/>
               <a:pPr/>
-              <a:t>5/27/2023</a:t>
+              <a:t>2/29/2024</a:t>
             </a:fld>
             <a:endParaRPr lang="en-US"/>
           </a:p>
@@ -2934,7 +2734,7 @@
             <a:fld id="{1D8BD707-D9CF-40AE-B4C6-C98DA3205C09}" type="datetimeFigureOut">
               <a:rPr lang="en-US" smtClean="0"/>
               <a:pPr/>
-              <a:t>5/27/2023</a:t>
+              <a:t>2/29/2024</a:t>
             </a:fld>
             <a:endParaRPr lang="en-US"/>
           </a:p>
@@ -3054,7 +2854,7 @@
             <a:fld id="{1D8BD707-D9CF-40AE-B4C6-C98DA3205C09}" type="datetimeFigureOut">
               <a:rPr lang="en-US" smtClean="0"/>
               <a:pPr/>
-              <a:t>5/27/2023</a:t>
+              <a:t>2/29/2024</a:t>
             </a:fld>
             <a:endParaRPr lang="en-US"/>
           </a:p>
@@ -3146,7 +2946,7 @@
             <a:fld id="{1D8BD707-D9CF-40AE-B4C6-C98DA3205C09}" type="datetimeFigureOut">
               <a:rPr lang="en-US" smtClean="0"/>
               <a:pPr/>
-              <a:t>5/27/2023</a:t>
+              <a:t>2/29/2024</a:t>
             </a:fld>
             <a:endParaRPr lang="en-US"/>
           </a:p>
@@ -3398,7 +3198,7 @@
             <a:fld id="{1D8BD707-D9CF-40AE-B4C6-C98DA3205C09}" type="datetimeFigureOut">
               <a:rPr lang="en-US" smtClean="0"/>
               <a:pPr/>
-              <a:t>5/27/2023</a:t>
+              <a:t>2/29/2024</a:t>
             </a:fld>
             <a:endParaRPr lang="en-US"/>
           </a:p>
@@ -3916,7 +3716,7 @@
             <a:fld id="{1D8BD707-D9CF-40AE-B4C6-C98DA3205C09}" type="datetimeFigureOut">
               <a:rPr lang="en-US" smtClean="0"/>
               <a:pPr/>
-              <a:t>5/27/2023</a:t>
+              <a:t>2/29/2024</a:t>
             </a:fld>
             <a:endParaRPr lang="en-US"/>
           </a:p>
@@ -4148,7 +3948,7 @@
             <a:fld id="{1D8BD707-D9CF-40AE-B4C6-C98DA3205C09}" type="datetimeFigureOut">
               <a:rPr lang="en-US" smtClean="0"/>
               <a:pPr/>
-              <a:t>5/27/2023</a:t>
+              <a:t>2/29/2024</a:t>
             </a:fld>
             <a:endParaRPr lang="en-US"/>
           </a:p>
@@ -4692,7 +4492,7 @@
           <a:p>
             <a:r>
               <a:rPr lang="en-US" dirty="0"/>
-              <a:t>Summer 2023</a:t>
+              <a:t>March 2024</a:t>
             </a:r>
           </a:p>
         </p:txBody>
@@ -4712,26 +4512,27 @@
           <a:bodyPr/>
           <a:lstStyle/>
           <a:p>
-            <a:r>
-              <a:rPr lang="en-US" dirty="0"/>
-              <a:t>Summer Fun: </a:t>
-            </a:r>
             <a:br>
               <a:rPr lang="en-US" dirty="0"/>
             </a:br>
+            <a:r>
+              <a:rPr lang="en-US" sz="4400" b="1" dirty="0"/>
+              <a:t>COMP561405—</a:t>
+            </a:r>
+            <a:r>
+              <a:rPr lang="zh-CN" altLang="en-US" sz="4400" b="1" dirty="0"/>
+              <a:t>游戏设计与开发</a:t>
+            </a:r>
+            <a:r>
+              <a:rPr lang="zh-CN" altLang="en-US" sz="4400" dirty="0"/>
+              <a:t> </a:t>
+            </a:r>
             <a:br>
-              <a:rPr lang="en-US" dirty="0"/>
+              <a:rPr lang="en-US" altLang="zh-CN" sz="4400" dirty="0"/>
             </a:br>
             <a:r>
-              <a:rPr lang="en-US" dirty="0"/>
-              <a:t>Introduction to </a:t>
-            </a:r>
-            <a:br>
-              <a:rPr lang="en-US" dirty="0"/>
-            </a:br>
-            <a:r>
-              <a:rPr lang="en-US" dirty="0"/>
-              <a:t>2D Game Development</a:t>
+              <a:rPr lang="en-US" sz="1600" dirty="0"/>
+              <a:t>Introduction to 2D Game Development</a:t>
             </a:r>
           </a:p>
         </p:txBody>
@@ -4783,7 +4584,7 @@
           <a:p>
             <a:r>
               <a:rPr lang="en-US" dirty="0"/>
-              <a:t>A Word about me … </a:t>
+              <a:t>THIS CLASS</a:t>
             </a:r>
           </a:p>
         </p:txBody>
@@ -4810,1531 +4611,63 @@
           </a:bodyPr>
           <a:lstStyle/>
           <a:p>
-            <a:r>
-              <a:rPr lang="en-US" altLang="zh-TW" dirty="0"/>
-              <a:t>Kelvin Sung, Shandong-ese from Taiwan province	</a:t>
-            </a:r>
-            <a:r>
-              <a:rPr lang="zh-TW" altLang="en-US" dirty="0"/>
-              <a:t>宋賢清</a:t>
-            </a:r>
-            <a:r>
-              <a:rPr lang="en-US" altLang="zh-TW" dirty="0"/>
-              <a:t>, </a:t>
-            </a:r>
-            <a:r>
-              <a:rPr lang="zh-TW" altLang="en-US" dirty="0"/>
-              <a:t>台灣省山東青島人，</a:t>
-            </a:r>
-            <a:endParaRPr lang="en-US" altLang="zh-TW" dirty="0"/>
+            <a:pPr lvl="0"/>
+            <a:r>
+              <a:rPr lang="en-US" sz="1800" dirty="0"/>
+              <a:t>This week:   yes, literally from Monday to Friday!</a:t>
+            </a:r>
           </a:p>
           <a:p>
             <a:pPr lvl="1"/>
             <a:r>
-              <a:rPr lang="en-US" altLang="zh-TW" dirty="0"/>
-              <a:t>Born in Taiwan, been back to Shandong … 	</a:t>
-            </a:r>
-            <a:r>
-              <a:rPr lang="zh-TW" altLang="en-US" dirty="0"/>
-              <a:t>台灣出生，到過山東，沒去過青島 </a:t>
-            </a:r>
-            <a:endParaRPr lang="en-US" dirty="0"/>
+              <a:rPr lang="en-US" sz="1800" dirty="0"/>
+              <a:t>I want to:  … teach …elementary topics</a:t>
+            </a:r>
           </a:p>
           <a:p>
             <a:pPr lvl="1"/>
             <a:r>
-              <a:rPr lang="en-US" altLang="zh-TW" dirty="0"/>
-              <a:t>Grew up in Singapore (since I was 6)	</a:t>
-            </a:r>
-            <a:r>
-              <a:rPr lang="zh-CN" altLang="en-US" dirty="0">
-                <a:latin typeface="Microsoft JhengHei" panose="020B0604030504040204" pitchFamily="34" charset="-120"/>
-                <a:ea typeface="Microsoft JhengHei" panose="020B0604030504040204" pitchFamily="34" charset="-120"/>
+              <a:rPr lang="en-US" sz="1800" dirty="0"/>
+              <a:t>You want to: … learn … about yourself, your interests, </a:t>
+            </a:r>
+            <a:r>
+              <a:rPr lang="en-US" sz="1800" b="1" dirty="0">
+                <a:solidFill>
+                  <a:srgbClr val="FFFF00"/>
+                </a:solidFill>
               </a:rPr>
-              <a:t>在新加坡长大</a:t>
-            </a:r>
-            <a:endParaRPr lang="en-US" altLang="zh-TW" dirty="0">
-              <a:latin typeface="Microsoft JhengHei" panose="020B0604030504040204" pitchFamily="34" charset="-120"/>
-              <a:ea typeface="Microsoft JhengHei" panose="020B0604030504040204" pitchFamily="34" charset="-120"/>
+              <a:t>From Teams of 5 or 6 members</a:t>
+            </a:r>
+            <a:endParaRPr lang="en-US" sz="1800" dirty="0">
+              <a:solidFill>
+                <a:srgbClr val="FFFF00"/>
+              </a:solidFill>
             </a:endParaRPr>
           </a:p>
           <a:p>
             <a:r>
-              <a:rPr lang="en-US" altLang="zh-TW" dirty="0"/>
-              <a:t>Education: in US since 16</a:t>
+              <a:rPr lang="en-US" sz="1800" dirty="0"/>
+              <a:t>Weekend: Saturday and Sunday</a:t>
             </a:r>
           </a:p>
           <a:p>
             <a:pPr lvl="1"/>
             <a:r>
-              <a:rPr lang="en-US" altLang="zh-TW" dirty="0"/>
-              <a:t>BS in EE: University of Wisconsin-Madison</a:t>
+              <a:rPr lang="en-US" sz="1800" dirty="0"/>
+              <a:t>Brainstorm for game design, playtest to evaluate and provide feedback</a:t>
             </a:r>
           </a:p>
           <a:p>
             <a:pPr lvl="1"/>
             <a:r>
-              <a:rPr lang="en-US" altLang="zh-TW" dirty="0"/>
-              <a:t>MS, PHD in CS: University of Illinois at Urbana-Champaign</a:t>
-            </a:r>
-          </a:p>
-          <a:p>
-            <a:r>
-              <a:rPr lang="en-US" altLang="zh-TW" dirty="0"/>
-              <a:t>Experience and </a:t>
-            </a:r>
-            <a:r>
-              <a:rPr lang="en-US" altLang="zh-TW" dirty="0">
-                <a:hlinkClick r:id="rId3"/>
-              </a:rPr>
-              <a:t>Areas of Research</a:t>
-            </a:r>
-            <a:endParaRPr lang="en-US" altLang="zh-TW" dirty="0"/>
-          </a:p>
-          <a:p>
-            <a:pPr lvl="1"/>
-            <a:r>
-              <a:rPr lang="en-US" altLang="zh-TW" dirty="0"/>
-              <a:t>Computer graphics: image synthesis</a:t>
-            </a:r>
-          </a:p>
-          <a:p>
-            <a:pPr lvl="2"/>
-            <a:r>
-              <a:rPr lang="en-US" altLang="zh-TW" dirty="0"/>
-              <a:t>Maya Renderer: one of the chief designers</a:t>
-            </a:r>
-          </a:p>
-          <a:p>
-            <a:pPr lvl="1"/>
-            <a:r>
-              <a:rPr lang="en-US" altLang="zh-TW" dirty="0"/>
-              <a:t>More recently: Video games for non-entertainment purposes, remote AR/VR collaboration</a:t>
-            </a:r>
-          </a:p>
-        </p:txBody>
-      </p:sp>
-    </p:spTree>
-    <p:extLst>
-      <p:ext uri="{BB962C8B-B14F-4D97-AF65-F5344CB8AC3E}">
-        <p14:creationId xmlns:p14="http://schemas.microsoft.com/office/powerpoint/2010/main" val="4027672039"/>
-      </p:ext>
-    </p:extLst>
-  </p:cSld>
-  <p:clrMapOvr>
-    <a:masterClrMapping/>
-  </p:clrMapOvr>
-  <p:timing>
-    <p:tnLst>
-      <p:par>
-        <p:cTn id="1" dur="indefinite" restart="never" nodeType="tmRoot">
-          <p:childTnLst>
-            <p:seq concurrent="1" nextAc="seek">
-              <p:cTn id="2" dur="indefinite" nodeType="mainSeq">
-                <p:childTnLst>
-                  <p:par>
-                    <p:cTn id="3" fill="hold">
-                      <p:stCondLst>
-                        <p:cond delay="indefinite"/>
-                      </p:stCondLst>
-                      <p:childTnLst>
-                        <p:par>
-                          <p:cTn id="4" fill="hold">
-                            <p:stCondLst>
-                              <p:cond delay="0"/>
-                            </p:stCondLst>
-                            <p:childTnLst>
-                              <p:par>
-                                <p:cTn id="5" presetID="1" presetClass="entr" presetSubtype="0" fill="hold" nodeType="clickEffect">
-                                  <p:stCondLst>
-                                    <p:cond delay="0"/>
-                                  </p:stCondLst>
-                                  <p:childTnLst>
-                                    <p:set>
-                                      <p:cBhvr>
-                                        <p:cTn id="6" dur="1" fill="hold">
-                                          <p:stCondLst>
-                                            <p:cond delay="0"/>
-                                          </p:stCondLst>
-                                        </p:cTn>
-                                        <p:tgtEl>
-                                          <p:spTgt spid="3">
-                                            <p:txEl>
-                                              <p:pRg st="0" end="0"/>
-                                            </p:txEl>
-                                          </p:spTgt>
-                                        </p:tgtEl>
-                                        <p:attrNameLst>
-                                          <p:attrName>style.visibility</p:attrName>
-                                        </p:attrNameLst>
-                                      </p:cBhvr>
-                                      <p:to>
-                                        <p:strVal val="visible"/>
-                                      </p:to>
-                                    </p:set>
-                                  </p:childTnLst>
-                                </p:cTn>
-                              </p:par>
-                              <p:par>
-                                <p:cTn id="7" presetID="1" presetClass="entr" presetSubtype="0" fill="hold" nodeType="withEffect">
-                                  <p:stCondLst>
-                                    <p:cond delay="0"/>
-                                  </p:stCondLst>
-                                  <p:childTnLst>
-                                    <p:set>
-                                      <p:cBhvr>
-                                        <p:cTn id="8" dur="1" fill="hold">
-                                          <p:stCondLst>
-                                            <p:cond delay="0"/>
-                                          </p:stCondLst>
-                                        </p:cTn>
-                                        <p:tgtEl>
-                                          <p:spTgt spid="3">
-                                            <p:txEl>
-                                              <p:pRg st="1" end="1"/>
-                                            </p:txEl>
-                                          </p:spTgt>
-                                        </p:tgtEl>
-                                        <p:attrNameLst>
-                                          <p:attrName>style.visibility</p:attrName>
-                                        </p:attrNameLst>
-                                      </p:cBhvr>
-                                      <p:to>
-                                        <p:strVal val="visible"/>
-                                      </p:to>
-                                    </p:set>
-                                  </p:childTnLst>
-                                </p:cTn>
-                              </p:par>
-                              <p:par>
-                                <p:cTn id="9" presetID="1" presetClass="entr" presetSubtype="0" fill="hold" nodeType="withEffect">
-                                  <p:stCondLst>
-                                    <p:cond delay="0"/>
-                                  </p:stCondLst>
-                                  <p:childTnLst>
-                                    <p:set>
-                                      <p:cBhvr>
-                                        <p:cTn id="10" dur="1" fill="hold">
-                                          <p:stCondLst>
-                                            <p:cond delay="0"/>
-                                          </p:stCondLst>
-                                        </p:cTn>
-                                        <p:tgtEl>
-                                          <p:spTgt spid="3">
-                                            <p:txEl>
-                                              <p:pRg st="2" end="2"/>
-                                            </p:txEl>
-                                          </p:spTgt>
-                                        </p:tgtEl>
-                                        <p:attrNameLst>
-                                          <p:attrName>style.visibility</p:attrName>
-                                        </p:attrNameLst>
-                                      </p:cBhvr>
-                                      <p:to>
-                                        <p:strVal val="visible"/>
-                                      </p:to>
-                                    </p:set>
-                                  </p:childTnLst>
-                                </p:cTn>
-                              </p:par>
-                            </p:childTnLst>
-                          </p:cTn>
-                        </p:par>
-                      </p:childTnLst>
-                    </p:cTn>
-                  </p:par>
-                  <p:par>
-                    <p:cTn id="11" fill="hold">
-                      <p:stCondLst>
-                        <p:cond delay="indefinite"/>
-                      </p:stCondLst>
-                      <p:childTnLst>
-                        <p:par>
-                          <p:cTn id="12" fill="hold">
-                            <p:stCondLst>
-                              <p:cond delay="0"/>
-                            </p:stCondLst>
-                            <p:childTnLst>
-                              <p:par>
-                                <p:cTn id="13" presetID="1" presetClass="entr" presetSubtype="0" fill="hold" nodeType="clickEffect">
-                                  <p:stCondLst>
-                                    <p:cond delay="0"/>
-                                  </p:stCondLst>
-                                  <p:childTnLst>
-                                    <p:set>
-                                      <p:cBhvr>
-                                        <p:cTn id="14" dur="1" fill="hold">
-                                          <p:stCondLst>
-                                            <p:cond delay="0"/>
-                                          </p:stCondLst>
-                                        </p:cTn>
-                                        <p:tgtEl>
-                                          <p:spTgt spid="3">
-                                            <p:txEl>
-                                              <p:pRg st="3" end="3"/>
-                                            </p:txEl>
-                                          </p:spTgt>
-                                        </p:tgtEl>
-                                        <p:attrNameLst>
-                                          <p:attrName>style.visibility</p:attrName>
-                                        </p:attrNameLst>
-                                      </p:cBhvr>
-                                      <p:to>
-                                        <p:strVal val="visible"/>
-                                      </p:to>
-                                    </p:set>
-                                  </p:childTnLst>
-                                </p:cTn>
-                              </p:par>
-                              <p:par>
-                                <p:cTn id="15" presetID="1" presetClass="entr" presetSubtype="0" fill="hold" nodeType="withEffect">
-                                  <p:stCondLst>
-                                    <p:cond delay="0"/>
-                                  </p:stCondLst>
-                                  <p:childTnLst>
-                                    <p:set>
-                                      <p:cBhvr>
-                                        <p:cTn id="16" dur="1" fill="hold">
-                                          <p:stCondLst>
-                                            <p:cond delay="0"/>
-                                          </p:stCondLst>
-                                        </p:cTn>
-                                        <p:tgtEl>
-                                          <p:spTgt spid="3">
-                                            <p:txEl>
-                                              <p:pRg st="4" end="4"/>
-                                            </p:txEl>
-                                          </p:spTgt>
-                                        </p:tgtEl>
-                                        <p:attrNameLst>
-                                          <p:attrName>style.visibility</p:attrName>
-                                        </p:attrNameLst>
-                                      </p:cBhvr>
-                                      <p:to>
-                                        <p:strVal val="visible"/>
-                                      </p:to>
-                                    </p:set>
-                                  </p:childTnLst>
-                                </p:cTn>
-                              </p:par>
-                              <p:par>
-                                <p:cTn id="17" presetID="1" presetClass="entr" presetSubtype="0" fill="hold" nodeType="withEffect">
-                                  <p:stCondLst>
-                                    <p:cond delay="0"/>
-                                  </p:stCondLst>
-                                  <p:childTnLst>
-                                    <p:set>
-                                      <p:cBhvr>
-                                        <p:cTn id="18" dur="1" fill="hold">
-                                          <p:stCondLst>
-                                            <p:cond delay="0"/>
-                                          </p:stCondLst>
-                                        </p:cTn>
-                                        <p:tgtEl>
-                                          <p:spTgt spid="3">
-                                            <p:txEl>
-                                              <p:pRg st="5" end="5"/>
-                                            </p:txEl>
-                                          </p:spTgt>
-                                        </p:tgtEl>
-                                        <p:attrNameLst>
-                                          <p:attrName>style.visibility</p:attrName>
-                                        </p:attrNameLst>
-                                      </p:cBhvr>
-                                      <p:to>
-                                        <p:strVal val="visible"/>
-                                      </p:to>
-                                    </p:set>
-                                  </p:childTnLst>
-                                </p:cTn>
-                              </p:par>
-                            </p:childTnLst>
-                          </p:cTn>
-                        </p:par>
-                      </p:childTnLst>
-                    </p:cTn>
-                  </p:par>
-                  <p:par>
-                    <p:cTn id="19" fill="hold">
-                      <p:stCondLst>
-                        <p:cond delay="indefinite"/>
-                      </p:stCondLst>
-                      <p:childTnLst>
-                        <p:par>
-                          <p:cTn id="20" fill="hold">
-                            <p:stCondLst>
-                              <p:cond delay="0"/>
-                            </p:stCondLst>
-                            <p:childTnLst>
-                              <p:par>
-                                <p:cTn id="21" presetID="1" presetClass="entr" presetSubtype="0" fill="hold" nodeType="clickEffect">
-                                  <p:stCondLst>
-                                    <p:cond delay="0"/>
-                                  </p:stCondLst>
-                                  <p:childTnLst>
-                                    <p:set>
-                                      <p:cBhvr>
-                                        <p:cTn id="22" dur="1" fill="hold">
-                                          <p:stCondLst>
-                                            <p:cond delay="0"/>
-                                          </p:stCondLst>
-                                        </p:cTn>
-                                        <p:tgtEl>
-                                          <p:spTgt spid="3">
-                                            <p:txEl>
-                                              <p:pRg st="6" end="6"/>
-                                            </p:txEl>
-                                          </p:spTgt>
-                                        </p:tgtEl>
-                                        <p:attrNameLst>
-                                          <p:attrName>style.visibility</p:attrName>
-                                        </p:attrNameLst>
-                                      </p:cBhvr>
-                                      <p:to>
-                                        <p:strVal val="visible"/>
-                                      </p:to>
-                                    </p:set>
-                                  </p:childTnLst>
-                                </p:cTn>
-                              </p:par>
-                            </p:childTnLst>
-                          </p:cTn>
-                        </p:par>
-                      </p:childTnLst>
-                    </p:cTn>
-                  </p:par>
-                  <p:par>
-                    <p:cTn id="23" fill="hold">
-                      <p:stCondLst>
-                        <p:cond delay="indefinite"/>
-                      </p:stCondLst>
-                      <p:childTnLst>
-                        <p:par>
-                          <p:cTn id="24" fill="hold">
-                            <p:stCondLst>
-                              <p:cond delay="0"/>
-                            </p:stCondLst>
-                            <p:childTnLst>
-                              <p:par>
-                                <p:cTn id="25" presetID="1" presetClass="entr" presetSubtype="0" fill="hold" nodeType="clickEffect">
-                                  <p:stCondLst>
-                                    <p:cond delay="0"/>
-                                  </p:stCondLst>
-                                  <p:childTnLst>
-                                    <p:set>
-                                      <p:cBhvr>
-                                        <p:cTn id="26" dur="1" fill="hold">
-                                          <p:stCondLst>
-                                            <p:cond delay="0"/>
-                                          </p:stCondLst>
-                                        </p:cTn>
-                                        <p:tgtEl>
-                                          <p:spTgt spid="3">
-                                            <p:txEl>
-                                              <p:pRg st="7" end="7"/>
-                                            </p:txEl>
-                                          </p:spTgt>
-                                        </p:tgtEl>
-                                        <p:attrNameLst>
-                                          <p:attrName>style.visibility</p:attrName>
-                                        </p:attrNameLst>
-                                      </p:cBhvr>
-                                      <p:to>
-                                        <p:strVal val="visible"/>
-                                      </p:to>
-                                    </p:set>
-                                  </p:childTnLst>
-                                </p:cTn>
-                              </p:par>
-                              <p:par>
-                                <p:cTn id="27" presetID="1" presetClass="entr" presetSubtype="0" fill="hold" nodeType="withEffect">
-                                  <p:stCondLst>
-                                    <p:cond delay="0"/>
-                                  </p:stCondLst>
-                                  <p:childTnLst>
-                                    <p:set>
-                                      <p:cBhvr>
-                                        <p:cTn id="28" dur="1" fill="hold">
-                                          <p:stCondLst>
-                                            <p:cond delay="0"/>
-                                          </p:stCondLst>
-                                        </p:cTn>
-                                        <p:tgtEl>
-                                          <p:spTgt spid="3">
-                                            <p:txEl>
-                                              <p:pRg st="8" end="8"/>
-                                            </p:txEl>
-                                          </p:spTgt>
-                                        </p:tgtEl>
-                                        <p:attrNameLst>
-                                          <p:attrName>style.visibility</p:attrName>
-                                        </p:attrNameLst>
-                                      </p:cBhvr>
-                                      <p:to>
-                                        <p:strVal val="visible"/>
-                                      </p:to>
-                                    </p:set>
-                                  </p:childTnLst>
-                                </p:cTn>
-                              </p:par>
-                            </p:childTnLst>
-                          </p:cTn>
-                        </p:par>
-                      </p:childTnLst>
-                    </p:cTn>
-                  </p:par>
-                  <p:par>
-                    <p:cTn id="29" fill="hold">
-                      <p:stCondLst>
-                        <p:cond delay="indefinite"/>
-                      </p:stCondLst>
-                      <p:childTnLst>
-                        <p:par>
-                          <p:cTn id="30" fill="hold">
-                            <p:stCondLst>
-                              <p:cond delay="0"/>
-                            </p:stCondLst>
-                            <p:childTnLst>
-                              <p:par>
-                                <p:cTn id="31" presetID="1" presetClass="entr" presetSubtype="0" fill="hold" nodeType="clickEffect">
-                                  <p:stCondLst>
-                                    <p:cond delay="0"/>
-                                  </p:stCondLst>
-                                  <p:childTnLst>
-                                    <p:set>
-                                      <p:cBhvr>
-                                        <p:cTn id="32" dur="1" fill="hold">
-                                          <p:stCondLst>
-                                            <p:cond delay="0"/>
-                                          </p:stCondLst>
-                                        </p:cTn>
-                                        <p:tgtEl>
-                                          <p:spTgt spid="3">
-                                            <p:txEl>
-                                              <p:pRg st="9" end="9"/>
-                                            </p:txEl>
-                                          </p:spTgt>
-                                        </p:tgtEl>
-                                        <p:attrNameLst>
-                                          <p:attrName>style.visibility</p:attrName>
-                                        </p:attrNameLst>
-                                      </p:cBhvr>
-                                      <p:to>
-                                        <p:strVal val="visible"/>
-                                      </p:to>
-                                    </p:set>
-                                  </p:childTnLst>
-                                </p:cTn>
-                              </p:par>
-                            </p:childTnLst>
-                          </p:cTn>
-                        </p:par>
-                      </p:childTnLst>
-                    </p:cTn>
-                  </p:par>
-                </p:childTnLst>
-              </p:cTn>
-              <p:prevCondLst>
-                <p:cond evt="onPrev" delay="0">
-                  <p:tgtEl>
-                    <p:sldTgt/>
-                  </p:tgtEl>
-                </p:cond>
-              </p:prevCondLst>
-              <p:nextCondLst>
-                <p:cond evt="onNext" delay="0">
-                  <p:tgtEl>
-                    <p:sldTgt/>
-                  </p:tgtEl>
-                </p:cond>
-              </p:nextCondLst>
-            </p:seq>
-          </p:childTnLst>
-        </p:cTn>
-      </p:par>
-    </p:tnLst>
-  </p:timing>
-</p:sld>
-</file>
-
-<file path=ppt/slides/slide11.xml><?xml version="1.0" encoding="utf-8"?>
-<p:sld xmlns:a="http://schemas.openxmlformats.org/drawingml/2006/main" xmlns:r="http://schemas.openxmlformats.org/officeDocument/2006/relationships" xmlns:p="http://schemas.openxmlformats.org/presentationml/2006/main">
-  <p:cSld>
-    <p:spTree>
-      <p:nvGrpSpPr>
-        <p:cNvPr id="1" name=""/>
-        <p:cNvGrpSpPr/>
-        <p:nvPr/>
-      </p:nvGrpSpPr>
-      <p:grpSpPr>
-        <a:xfrm>
-          <a:off x="0" y="0"/>
-          <a:ext cx="0" cy="0"/>
-          <a:chOff x="0" y="0"/>
-          <a:chExt cx="0" cy="0"/>
-        </a:xfrm>
-      </p:grpSpPr>
-      <p:sp>
-        <p:nvSpPr>
-          <p:cNvPr id="2" name="Title 1">
-            <a:extLst>
-              <a:ext uri="{FF2B5EF4-FFF2-40B4-BE49-F238E27FC236}">
-                <a16:creationId xmlns:a16="http://schemas.microsoft.com/office/drawing/2014/main" id="{A4E3FDF5-7787-4A07-B490-BDDD6C7A5229}"/>
-              </a:ext>
-            </a:extLst>
-          </p:cNvPr>
-          <p:cNvSpPr>
-            <a:spLocks noGrp="1"/>
-          </p:cNvSpPr>
-          <p:nvPr>
-            <p:ph type="title"/>
-          </p:nvPr>
-        </p:nvSpPr>
-        <p:spPr/>
-        <p:txBody>
-          <a:bodyPr/>
-          <a:lstStyle/>
-          <a:p>
-            <a:r>
-              <a:rPr lang="en-US" dirty="0"/>
-              <a:t>Summary of you and I</a:t>
-            </a:r>
-          </a:p>
-        </p:txBody>
-      </p:sp>
-      <p:sp>
-        <p:nvSpPr>
-          <p:cNvPr id="3" name="Content Placeholder 2">
-            <a:extLst>
-              <a:ext uri="{FF2B5EF4-FFF2-40B4-BE49-F238E27FC236}">
-                <a16:creationId xmlns:a16="http://schemas.microsoft.com/office/drawing/2014/main" id="{C74DF839-B02B-492A-A58F-D84BAAE72201}"/>
-              </a:ext>
-            </a:extLst>
-          </p:cNvPr>
-          <p:cNvSpPr>
-            <a:spLocks noGrp="1"/>
-          </p:cNvSpPr>
-          <p:nvPr>
-            <p:ph sz="quarter" idx="13"/>
-          </p:nvPr>
-        </p:nvSpPr>
-        <p:spPr/>
-        <p:txBody>
-          <a:bodyPr/>
-          <a:lstStyle/>
-          <a:p>
-            <a:r>
-              <a:rPr lang="en-US" dirty="0"/>
-              <a:t>Your motivations match the goals of this class</a:t>
-            </a:r>
-          </a:p>
-          <a:p>
-            <a:pPr lvl="1"/>
-            <a:r>
-              <a:rPr lang="en-US" dirty="0"/>
-              <a:t>Learn/apply knowledge</a:t>
-            </a:r>
-          </a:p>
-          <a:p>
-            <a:pPr lvl="1"/>
-            <a:r>
-              <a:rPr lang="en-US" dirty="0"/>
-              <a:t>Teaching and Learning from a different culture</a:t>
-            </a:r>
-          </a:p>
-          <a:p>
-            <a:pPr lvl="1"/>
-            <a:r>
-              <a:rPr lang="en-US" dirty="0"/>
-              <a:t>Fun</a:t>
-            </a:r>
-          </a:p>
-          <a:p>
-            <a:r>
-              <a:rPr lang="en-US" dirty="0"/>
-              <a:t>You have proper backgrounds</a:t>
-            </a:r>
-          </a:p>
-          <a:p>
-            <a:pPr lvl="1"/>
-            <a:r>
-              <a:rPr lang="en-US" dirty="0"/>
-              <a:t>Programming languages, technical background (OO + data structures)</a:t>
-            </a:r>
-          </a:p>
-          <a:p>
-            <a:r>
-              <a:rPr lang="en-US" dirty="0"/>
-              <a:t>You know a little about who I am</a:t>
-            </a:r>
-          </a:p>
-          <a:p>
-            <a:pPr lvl="1"/>
-            <a:endParaRPr lang="en-US" dirty="0"/>
-          </a:p>
-          <a:p>
-            <a:pPr marL="0" indent="0">
-              <a:buNone/>
-            </a:pPr>
-            <a:r>
-              <a:rPr lang="en-US" dirty="0"/>
-              <a:t>We are well-positioned to begin!</a:t>
-            </a:r>
-          </a:p>
-        </p:txBody>
-      </p:sp>
-    </p:spTree>
-    <p:extLst>
-      <p:ext uri="{BB962C8B-B14F-4D97-AF65-F5344CB8AC3E}">
-        <p14:creationId xmlns:p14="http://schemas.microsoft.com/office/powerpoint/2010/main" val="2165346807"/>
-      </p:ext>
-    </p:extLst>
-  </p:cSld>
-  <p:clrMapOvr>
-    <a:masterClrMapping/>
-  </p:clrMapOvr>
-</p:sld>
-</file>
-
-<file path=ppt/slides/slide12.xml><?xml version="1.0" encoding="utf-8"?>
-<p:sld xmlns:a="http://schemas.openxmlformats.org/drawingml/2006/main" xmlns:r="http://schemas.openxmlformats.org/officeDocument/2006/relationships" xmlns:p="http://schemas.openxmlformats.org/presentationml/2006/main">
-  <p:cSld>
-    <p:spTree>
-      <p:nvGrpSpPr>
-        <p:cNvPr id="1" name=""/>
-        <p:cNvGrpSpPr/>
-        <p:nvPr/>
-      </p:nvGrpSpPr>
-      <p:grpSpPr>
-        <a:xfrm>
-          <a:off x="0" y="0"/>
-          <a:ext cx="0" cy="0"/>
-          <a:chOff x="0" y="0"/>
-          <a:chExt cx="0" cy="0"/>
-        </a:xfrm>
-      </p:grpSpPr>
-      <p:sp>
-        <p:nvSpPr>
-          <p:cNvPr id="2" name="Title 1"/>
-          <p:cNvSpPr>
-            <a:spLocks noGrp="1"/>
-          </p:cNvSpPr>
-          <p:nvPr>
-            <p:ph type="title"/>
-          </p:nvPr>
-        </p:nvSpPr>
-        <p:spPr/>
-        <p:txBody>
-          <a:bodyPr/>
-          <a:lstStyle/>
-          <a:p>
-            <a:r>
-              <a:rPr lang="en-US" dirty="0"/>
-              <a:t>Now this class:</a:t>
-            </a:r>
-          </a:p>
-        </p:txBody>
-      </p:sp>
-      <p:sp>
-        <p:nvSpPr>
-          <p:cNvPr id="3" name="Content Placeholder 2"/>
-          <p:cNvSpPr>
-            <a:spLocks noGrp="1"/>
-          </p:cNvSpPr>
-          <p:nvPr>
-            <p:ph sz="quarter" idx="13"/>
-          </p:nvPr>
-        </p:nvSpPr>
-        <p:spPr>
-          <a:xfrm>
-            <a:off x="1143000" y="1600200"/>
-            <a:ext cx="10236200" cy="4114800"/>
-          </a:xfrm>
-        </p:spPr>
-        <p:txBody>
-          <a:bodyPr>
-            <a:normAutofit lnSpcReduction="10000"/>
-          </a:bodyPr>
-          <a:lstStyle/>
-          <a:p>
-            <a:r>
-              <a:rPr lang="en-US" dirty="0"/>
-              <a:t>2D Videogame Development</a:t>
-            </a:r>
-          </a:p>
-          <a:p>
-            <a:pPr lvl="1"/>
-            <a:r>
-              <a:rPr lang="en-US" dirty="0"/>
-              <a:t>Why limit to 2D? </a:t>
-            </a:r>
-          </a:p>
-          <a:p>
-            <a:r>
-              <a:rPr lang="en-US" dirty="0"/>
-              <a:t>What is the difference between building a game and other software systems?</a:t>
-            </a:r>
-          </a:p>
-          <a:p>
-            <a:r>
-              <a:rPr lang="en-US" dirty="0"/>
-              <a:t>We will learn …</a:t>
-            </a:r>
-          </a:p>
-          <a:p>
-            <a:pPr lvl="1"/>
-            <a:r>
-              <a:rPr lang="en-US" dirty="0"/>
-              <a:t>The fundamental tool for building a videogame: the game engine</a:t>
-            </a:r>
-          </a:p>
-          <a:p>
-            <a:pPr lvl="2"/>
-            <a:r>
-              <a:rPr lang="en-US" dirty="0"/>
-              <a:t>Conceptual and programming model of a game engine and game objects</a:t>
-            </a:r>
-          </a:p>
-          <a:p>
-            <a:pPr lvl="1"/>
-            <a:r>
-              <a:rPr lang="en-US" dirty="0"/>
-              <a:t>Essentials of videogames</a:t>
-            </a:r>
-          </a:p>
-          <a:p>
-            <a:pPr lvl="2"/>
-            <a:r>
-              <a:rPr lang="en-US" dirty="0"/>
-              <a:t>Fun, the world, UI, behavior, interaction (rigid bodies), effects (illumination, particle systems)</a:t>
-            </a:r>
-          </a:p>
-          <a:p>
-            <a:pPr lvl="1"/>
-            <a:r>
-              <a:rPr lang="en-US" dirty="0"/>
-              <a:t>Fundamentals of building a game</a:t>
-            </a:r>
-          </a:p>
-          <a:p>
-            <a:pPr lvl="2"/>
-            <a:r>
-              <a:rPr lang="en-US" dirty="0"/>
-              <a:t>Presentation of idea, prototypes to demo feasibility, vertical slice to sell the idea, and, PLAY TESTS</a:t>
-            </a:r>
-          </a:p>
-          <a:p>
-            <a:pPr lvl="1"/>
-            <a:r>
-              <a:rPr lang="en-US" dirty="0"/>
-              <a:t>Build a game!</a:t>
-            </a:r>
-          </a:p>
-        </p:txBody>
-      </p:sp>
-    </p:spTree>
-    <p:extLst>
-      <p:ext uri="{BB962C8B-B14F-4D97-AF65-F5344CB8AC3E}">
-        <p14:creationId xmlns:p14="http://schemas.microsoft.com/office/powerpoint/2010/main" val="380188063"/>
-      </p:ext>
-    </p:extLst>
-  </p:cSld>
-  <p:clrMapOvr>
-    <a:masterClrMapping/>
-  </p:clrMapOvr>
-  <p:timing>
-    <p:tnLst>
-      <p:par>
-        <p:cTn id="1" dur="indefinite" restart="never" nodeType="tmRoot">
-          <p:childTnLst>
-            <p:seq concurrent="1" nextAc="seek">
-              <p:cTn id="2" dur="indefinite" nodeType="mainSeq">
-                <p:childTnLst>
-                  <p:par>
-                    <p:cTn id="3" fill="hold">
-                      <p:stCondLst>
-                        <p:cond delay="indefinite"/>
-                      </p:stCondLst>
-                      <p:childTnLst>
-                        <p:par>
-                          <p:cTn id="4" fill="hold">
-                            <p:stCondLst>
-                              <p:cond delay="0"/>
-                            </p:stCondLst>
-                            <p:childTnLst>
-                              <p:par>
-                                <p:cTn id="5" presetID="1" presetClass="entr" presetSubtype="0" fill="hold" nodeType="clickEffect">
-                                  <p:stCondLst>
-                                    <p:cond delay="0"/>
-                                  </p:stCondLst>
-                                  <p:childTnLst>
-                                    <p:set>
-                                      <p:cBhvr>
-                                        <p:cTn id="6" dur="1" fill="hold">
-                                          <p:stCondLst>
-                                            <p:cond delay="0"/>
-                                          </p:stCondLst>
-                                        </p:cTn>
-                                        <p:tgtEl>
-                                          <p:spTgt spid="3">
-                                            <p:txEl>
-                                              <p:pRg st="0" end="0"/>
-                                            </p:txEl>
-                                          </p:spTgt>
-                                        </p:tgtEl>
-                                        <p:attrNameLst>
-                                          <p:attrName>style.visibility</p:attrName>
-                                        </p:attrNameLst>
-                                      </p:cBhvr>
-                                      <p:to>
-                                        <p:strVal val="visible"/>
-                                      </p:to>
-                                    </p:set>
-                                  </p:childTnLst>
-                                </p:cTn>
-                              </p:par>
-                            </p:childTnLst>
-                          </p:cTn>
-                        </p:par>
-                      </p:childTnLst>
-                    </p:cTn>
-                  </p:par>
-                  <p:par>
-                    <p:cTn id="7" fill="hold">
-                      <p:stCondLst>
-                        <p:cond delay="indefinite"/>
-                      </p:stCondLst>
-                      <p:childTnLst>
-                        <p:par>
-                          <p:cTn id="8" fill="hold">
-                            <p:stCondLst>
-                              <p:cond delay="0"/>
-                            </p:stCondLst>
-                            <p:childTnLst>
-                              <p:par>
-                                <p:cTn id="9" presetID="1" presetClass="entr" presetSubtype="0" fill="hold" nodeType="clickEffect">
-                                  <p:stCondLst>
-                                    <p:cond delay="0"/>
-                                  </p:stCondLst>
-                                  <p:childTnLst>
-                                    <p:set>
-                                      <p:cBhvr>
-                                        <p:cTn id="10" dur="1" fill="hold">
-                                          <p:stCondLst>
-                                            <p:cond delay="0"/>
-                                          </p:stCondLst>
-                                        </p:cTn>
-                                        <p:tgtEl>
-                                          <p:spTgt spid="3">
-                                            <p:txEl>
-                                              <p:pRg st="1" end="1"/>
-                                            </p:txEl>
-                                          </p:spTgt>
-                                        </p:tgtEl>
-                                        <p:attrNameLst>
-                                          <p:attrName>style.visibility</p:attrName>
-                                        </p:attrNameLst>
-                                      </p:cBhvr>
-                                      <p:to>
-                                        <p:strVal val="visible"/>
-                                      </p:to>
-                                    </p:set>
-                                  </p:childTnLst>
-                                </p:cTn>
-                              </p:par>
-                            </p:childTnLst>
-                          </p:cTn>
-                        </p:par>
-                      </p:childTnLst>
-                    </p:cTn>
-                  </p:par>
-                  <p:par>
-                    <p:cTn id="11" fill="hold">
-                      <p:stCondLst>
-                        <p:cond delay="indefinite"/>
-                      </p:stCondLst>
-                      <p:childTnLst>
-                        <p:par>
-                          <p:cTn id="12" fill="hold">
-                            <p:stCondLst>
-                              <p:cond delay="0"/>
-                            </p:stCondLst>
-                            <p:childTnLst>
-                              <p:par>
-                                <p:cTn id="13" presetID="1" presetClass="entr" presetSubtype="0" fill="hold" nodeType="clickEffect">
-                                  <p:stCondLst>
-                                    <p:cond delay="0"/>
-                                  </p:stCondLst>
-                                  <p:childTnLst>
-                                    <p:set>
-                                      <p:cBhvr>
-                                        <p:cTn id="14" dur="1" fill="hold">
-                                          <p:stCondLst>
-                                            <p:cond delay="0"/>
-                                          </p:stCondLst>
-                                        </p:cTn>
-                                        <p:tgtEl>
-                                          <p:spTgt spid="3">
-                                            <p:txEl>
-                                              <p:pRg st="2" end="2"/>
-                                            </p:txEl>
-                                          </p:spTgt>
-                                        </p:tgtEl>
-                                        <p:attrNameLst>
-                                          <p:attrName>style.visibility</p:attrName>
-                                        </p:attrNameLst>
-                                      </p:cBhvr>
-                                      <p:to>
-                                        <p:strVal val="visible"/>
-                                      </p:to>
-                                    </p:set>
-                                  </p:childTnLst>
-                                </p:cTn>
-                              </p:par>
-                            </p:childTnLst>
-                          </p:cTn>
-                        </p:par>
-                      </p:childTnLst>
-                    </p:cTn>
-                  </p:par>
-                  <p:par>
-                    <p:cTn id="15" fill="hold">
-                      <p:stCondLst>
-                        <p:cond delay="indefinite"/>
-                      </p:stCondLst>
-                      <p:childTnLst>
-                        <p:par>
-                          <p:cTn id="16" fill="hold">
-                            <p:stCondLst>
-                              <p:cond delay="0"/>
-                            </p:stCondLst>
-                            <p:childTnLst>
-                              <p:par>
-                                <p:cTn id="17" presetID="1" presetClass="entr" presetSubtype="0" fill="hold" nodeType="clickEffect">
-                                  <p:stCondLst>
-                                    <p:cond delay="0"/>
-                                  </p:stCondLst>
-                                  <p:childTnLst>
-                                    <p:set>
-                                      <p:cBhvr>
-                                        <p:cTn id="18" dur="1" fill="hold">
-                                          <p:stCondLst>
-                                            <p:cond delay="0"/>
-                                          </p:stCondLst>
-                                        </p:cTn>
-                                        <p:tgtEl>
-                                          <p:spTgt spid="3">
-                                            <p:txEl>
-                                              <p:pRg st="3" end="3"/>
-                                            </p:txEl>
-                                          </p:spTgt>
-                                        </p:tgtEl>
-                                        <p:attrNameLst>
-                                          <p:attrName>style.visibility</p:attrName>
-                                        </p:attrNameLst>
-                                      </p:cBhvr>
-                                      <p:to>
-                                        <p:strVal val="visible"/>
-                                      </p:to>
-                                    </p:set>
-                                  </p:childTnLst>
-                                </p:cTn>
-                              </p:par>
-                            </p:childTnLst>
-                          </p:cTn>
-                        </p:par>
-                      </p:childTnLst>
-                    </p:cTn>
-                  </p:par>
-                  <p:par>
-                    <p:cTn id="19" fill="hold">
-                      <p:stCondLst>
-                        <p:cond delay="indefinite"/>
-                      </p:stCondLst>
-                      <p:childTnLst>
-                        <p:par>
-                          <p:cTn id="20" fill="hold">
-                            <p:stCondLst>
-                              <p:cond delay="0"/>
-                            </p:stCondLst>
-                            <p:childTnLst>
-                              <p:par>
-                                <p:cTn id="21" presetID="1" presetClass="entr" presetSubtype="0" fill="hold" nodeType="clickEffect">
-                                  <p:stCondLst>
-                                    <p:cond delay="0"/>
-                                  </p:stCondLst>
-                                  <p:childTnLst>
-                                    <p:set>
-                                      <p:cBhvr>
-                                        <p:cTn id="22" dur="1" fill="hold">
-                                          <p:stCondLst>
-                                            <p:cond delay="0"/>
-                                          </p:stCondLst>
-                                        </p:cTn>
-                                        <p:tgtEl>
-                                          <p:spTgt spid="3">
-                                            <p:txEl>
-                                              <p:pRg st="4" end="4"/>
-                                            </p:txEl>
-                                          </p:spTgt>
-                                        </p:tgtEl>
-                                        <p:attrNameLst>
-                                          <p:attrName>style.visibility</p:attrName>
-                                        </p:attrNameLst>
-                                      </p:cBhvr>
-                                      <p:to>
-                                        <p:strVal val="visible"/>
-                                      </p:to>
-                                    </p:set>
-                                  </p:childTnLst>
-                                </p:cTn>
-                              </p:par>
-                            </p:childTnLst>
-                          </p:cTn>
-                        </p:par>
-                      </p:childTnLst>
-                    </p:cTn>
-                  </p:par>
-                  <p:par>
-                    <p:cTn id="23" fill="hold">
-                      <p:stCondLst>
-                        <p:cond delay="indefinite"/>
-                      </p:stCondLst>
-                      <p:childTnLst>
-                        <p:par>
-                          <p:cTn id="24" fill="hold">
-                            <p:stCondLst>
-                              <p:cond delay="0"/>
-                            </p:stCondLst>
-                            <p:childTnLst>
-                              <p:par>
-                                <p:cTn id="25" presetID="1" presetClass="entr" presetSubtype="0" fill="hold" nodeType="clickEffect">
-                                  <p:stCondLst>
-                                    <p:cond delay="0"/>
-                                  </p:stCondLst>
-                                  <p:childTnLst>
-                                    <p:set>
-                                      <p:cBhvr>
-                                        <p:cTn id="26" dur="1" fill="hold">
-                                          <p:stCondLst>
-                                            <p:cond delay="0"/>
-                                          </p:stCondLst>
-                                        </p:cTn>
-                                        <p:tgtEl>
-                                          <p:spTgt spid="3">
-                                            <p:txEl>
-                                              <p:pRg st="5" end="5"/>
-                                            </p:txEl>
-                                          </p:spTgt>
-                                        </p:tgtEl>
-                                        <p:attrNameLst>
-                                          <p:attrName>style.visibility</p:attrName>
-                                        </p:attrNameLst>
-                                      </p:cBhvr>
-                                      <p:to>
-                                        <p:strVal val="visible"/>
-                                      </p:to>
-                                    </p:set>
-                                  </p:childTnLst>
-                                </p:cTn>
-                              </p:par>
-                            </p:childTnLst>
-                          </p:cTn>
-                        </p:par>
-                      </p:childTnLst>
-                    </p:cTn>
-                  </p:par>
-                  <p:par>
-                    <p:cTn id="27" fill="hold">
-                      <p:stCondLst>
-                        <p:cond delay="indefinite"/>
-                      </p:stCondLst>
-                      <p:childTnLst>
-                        <p:par>
-                          <p:cTn id="28" fill="hold">
-                            <p:stCondLst>
-                              <p:cond delay="0"/>
-                            </p:stCondLst>
-                            <p:childTnLst>
-                              <p:par>
-                                <p:cTn id="29" presetID="1" presetClass="entr" presetSubtype="0" fill="hold" nodeType="clickEffect">
-                                  <p:stCondLst>
-                                    <p:cond delay="0"/>
-                                  </p:stCondLst>
-                                  <p:childTnLst>
-                                    <p:set>
-                                      <p:cBhvr>
-                                        <p:cTn id="30" dur="1" fill="hold">
-                                          <p:stCondLst>
-                                            <p:cond delay="0"/>
-                                          </p:stCondLst>
-                                        </p:cTn>
-                                        <p:tgtEl>
-                                          <p:spTgt spid="3">
-                                            <p:txEl>
-                                              <p:pRg st="6" end="6"/>
-                                            </p:txEl>
-                                          </p:spTgt>
-                                        </p:tgtEl>
-                                        <p:attrNameLst>
-                                          <p:attrName>style.visibility</p:attrName>
-                                        </p:attrNameLst>
-                                      </p:cBhvr>
-                                      <p:to>
-                                        <p:strVal val="visible"/>
-                                      </p:to>
-                                    </p:set>
-                                  </p:childTnLst>
-                                </p:cTn>
-                              </p:par>
-                            </p:childTnLst>
-                          </p:cTn>
-                        </p:par>
-                      </p:childTnLst>
-                    </p:cTn>
-                  </p:par>
-                  <p:par>
-                    <p:cTn id="31" fill="hold">
-                      <p:stCondLst>
-                        <p:cond delay="indefinite"/>
-                      </p:stCondLst>
-                      <p:childTnLst>
-                        <p:par>
-                          <p:cTn id="32" fill="hold">
-                            <p:stCondLst>
-                              <p:cond delay="0"/>
-                            </p:stCondLst>
-                            <p:childTnLst>
-                              <p:par>
-                                <p:cTn id="33" presetID="1" presetClass="entr" presetSubtype="0" fill="hold" nodeType="clickEffect">
-                                  <p:stCondLst>
-                                    <p:cond delay="0"/>
-                                  </p:stCondLst>
-                                  <p:childTnLst>
-                                    <p:set>
-                                      <p:cBhvr>
-                                        <p:cTn id="34" dur="1" fill="hold">
-                                          <p:stCondLst>
-                                            <p:cond delay="0"/>
-                                          </p:stCondLst>
-                                        </p:cTn>
-                                        <p:tgtEl>
-                                          <p:spTgt spid="3">
-                                            <p:txEl>
-                                              <p:pRg st="7" end="7"/>
-                                            </p:txEl>
-                                          </p:spTgt>
-                                        </p:tgtEl>
-                                        <p:attrNameLst>
-                                          <p:attrName>style.visibility</p:attrName>
-                                        </p:attrNameLst>
-                                      </p:cBhvr>
-                                      <p:to>
-                                        <p:strVal val="visible"/>
-                                      </p:to>
-                                    </p:set>
-                                  </p:childTnLst>
-                                </p:cTn>
-                              </p:par>
-                            </p:childTnLst>
-                          </p:cTn>
-                        </p:par>
-                      </p:childTnLst>
-                    </p:cTn>
-                  </p:par>
-                  <p:par>
-                    <p:cTn id="35" fill="hold">
-                      <p:stCondLst>
-                        <p:cond delay="indefinite"/>
-                      </p:stCondLst>
-                      <p:childTnLst>
-                        <p:par>
-                          <p:cTn id="36" fill="hold">
-                            <p:stCondLst>
-                              <p:cond delay="0"/>
-                            </p:stCondLst>
-                            <p:childTnLst>
-                              <p:par>
-                                <p:cTn id="37" presetID="1" presetClass="entr" presetSubtype="0" fill="hold" nodeType="clickEffect">
-                                  <p:stCondLst>
-                                    <p:cond delay="0"/>
-                                  </p:stCondLst>
-                                  <p:childTnLst>
-                                    <p:set>
-                                      <p:cBhvr>
-                                        <p:cTn id="38" dur="1" fill="hold">
-                                          <p:stCondLst>
-                                            <p:cond delay="0"/>
-                                          </p:stCondLst>
-                                        </p:cTn>
-                                        <p:tgtEl>
-                                          <p:spTgt spid="3">
-                                            <p:txEl>
-                                              <p:pRg st="8" end="8"/>
-                                            </p:txEl>
-                                          </p:spTgt>
-                                        </p:tgtEl>
-                                        <p:attrNameLst>
-                                          <p:attrName>style.visibility</p:attrName>
-                                        </p:attrNameLst>
-                                      </p:cBhvr>
-                                      <p:to>
-                                        <p:strVal val="visible"/>
-                                      </p:to>
-                                    </p:set>
-                                  </p:childTnLst>
-                                </p:cTn>
-                              </p:par>
-                            </p:childTnLst>
-                          </p:cTn>
-                        </p:par>
-                      </p:childTnLst>
-                    </p:cTn>
-                  </p:par>
-                  <p:par>
-                    <p:cTn id="39" fill="hold">
-                      <p:stCondLst>
-                        <p:cond delay="indefinite"/>
-                      </p:stCondLst>
-                      <p:childTnLst>
-                        <p:par>
-                          <p:cTn id="40" fill="hold">
-                            <p:stCondLst>
-                              <p:cond delay="0"/>
-                            </p:stCondLst>
-                            <p:childTnLst>
-                              <p:par>
-                                <p:cTn id="41" presetID="1" presetClass="entr" presetSubtype="0" fill="hold" nodeType="clickEffect">
-                                  <p:stCondLst>
-                                    <p:cond delay="0"/>
-                                  </p:stCondLst>
-                                  <p:childTnLst>
-                                    <p:set>
-                                      <p:cBhvr>
-                                        <p:cTn id="42" dur="1" fill="hold">
-                                          <p:stCondLst>
-                                            <p:cond delay="0"/>
-                                          </p:stCondLst>
-                                        </p:cTn>
-                                        <p:tgtEl>
-                                          <p:spTgt spid="3">
-                                            <p:txEl>
-                                              <p:pRg st="9" end="9"/>
-                                            </p:txEl>
-                                          </p:spTgt>
-                                        </p:tgtEl>
-                                        <p:attrNameLst>
-                                          <p:attrName>style.visibility</p:attrName>
-                                        </p:attrNameLst>
-                                      </p:cBhvr>
-                                      <p:to>
-                                        <p:strVal val="visible"/>
-                                      </p:to>
-                                    </p:set>
-                                  </p:childTnLst>
-                                </p:cTn>
-                              </p:par>
-                            </p:childTnLst>
-                          </p:cTn>
-                        </p:par>
-                      </p:childTnLst>
-                    </p:cTn>
-                  </p:par>
-                  <p:par>
-                    <p:cTn id="43" fill="hold">
-                      <p:stCondLst>
-                        <p:cond delay="indefinite"/>
-                      </p:stCondLst>
-                      <p:childTnLst>
-                        <p:par>
-                          <p:cTn id="44" fill="hold">
-                            <p:stCondLst>
-                              <p:cond delay="0"/>
-                            </p:stCondLst>
-                            <p:childTnLst>
-                              <p:par>
-                                <p:cTn id="45" presetID="1" presetClass="entr" presetSubtype="0" fill="hold" nodeType="clickEffect">
-                                  <p:stCondLst>
-                                    <p:cond delay="0"/>
-                                  </p:stCondLst>
-                                  <p:childTnLst>
-                                    <p:set>
-                                      <p:cBhvr>
-                                        <p:cTn id="46" dur="1" fill="hold">
-                                          <p:stCondLst>
-                                            <p:cond delay="0"/>
-                                          </p:stCondLst>
-                                        </p:cTn>
-                                        <p:tgtEl>
-                                          <p:spTgt spid="3">
-                                            <p:txEl>
-                                              <p:pRg st="10" end="10"/>
-                                            </p:txEl>
-                                          </p:spTgt>
-                                        </p:tgtEl>
-                                        <p:attrNameLst>
-                                          <p:attrName>style.visibility</p:attrName>
-                                        </p:attrNameLst>
-                                      </p:cBhvr>
-                                      <p:to>
-                                        <p:strVal val="visible"/>
-                                      </p:to>
-                                    </p:set>
-                                  </p:childTnLst>
-                                </p:cTn>
-                              </p:par>
-                            </p:childTnLst>
-                          </p:cTn>
-                        </p:par>
-                      </p:childTnLst>
-                    </p:cTn>
-                  </p:par>
-                </p:childTnLst>
-              </p:cTn>
-              <p:prevCondLst>
-                <p:cond evt="onPrev" delay="0">
-                  <p:tgtEl>
-                    <p:sldTgt/>
-                  </p:tgtEl>
-                </p:cond>
-              </p:prevCondLst>
-              <p:nextCondLst>
-                <p:cond evt="onNext" delay="0">
-                  <p:tgtEl>
-                    <p:sldTgt/>
-                  </p:tgtEl>
-                </p:cond>
-              </p:nextCondLst>
-            </p:seq>
-          </p:childTnLst>
-        </p:cTn>
-      </p:par>
-    </p:tnLst>
-  </p:timing>
-</p:sld>
-</file>
-
-<file path=ppt/slides/slide13.xml><?xml version="1.0" encoding="utf-8"?>
-<p:sld xmlns:a="http://schemas.openxmlformats.org/drawingml/2006/main" xmlns:r="http://schemas.openxmlformats.org/officeDocument/2006/relationships" xmlns:p="http://schemas.openxmlformats.org/presentationml/2006/main">
-  <p:cSld>
-    <p:spTree>
-      <p:nvGrpSpPr>
-        <p:cNvPr id="1" name=""/>
-        <p:cNvGrpSpPr/>
-        <p:nvPr/>
-      </p:nvGrpSpPr>
-      <p:grpSpPr>
-        <a:xfrm>
-          <a:off x="0" y="0"/>
-          <a:ext cx="0" cy="0"/>
-          <a:chOff x="0" y="0"/>
-          <a:chExt cx="0" cy="0"/>
-        </a:xfrm>
-      </p:grpSpPr>
-      <p:sp>
-        <p:nvSpPr>
-          <p:cNvPr id="2" name="Title 1"/>
-          <p:cNvSpPr>
-            <a:spLocks noGrp="1"/>
-          </p:cNvSpPr>
-          <p:nvPr>
-            <p:ph type="title"/>
-          </p:nvPr>
-        </p:nvSpPr>
-        <p:spPr/>
-        <p:txBody>
-          <a:bodyPr/>
-          <a:lstStyle/>
-          <a:p>
-            <a:r>
-              <a:rPr lang="en-US" dirty="0"/>
-              <a:t>THIS CLASS</a:t>
-            </a:r>
-          </a:p>
-        </p:txBody>
-      </p:sp>
-      <p:sp>
-        <p:nvSpPr>
-          <p:cNvPr id="3" name="Content Placeholder 2"/>
-          <p:cNvSpPr>
-            <a:spLocks noGrp="1"/>
-          </p:cNvSpPr>
-          <p:nvPr>
-            <p:ph sz="quarter" idx="13"/>
-          </p:nvPr>
-        </p:nvSpPr>
-        <p:spPr>
-          <a:xfrm>
-            <a:off x="1219200" y="1600200"/>
-            <a:ext cx="10160000" cy="4114800"/>
-          </a:xfrm>
-        </p:spPr>
-        <p:txBody>
-          <a:bodyPr>
-            <a:normAutofit/>
-          </a:bodyPr>
-          <a:lstStyle/>
-          <a:p>
-            <a:pPr lvl="0"/>
-            <a:r>
               <a:rPr lang="en-US" sz="1800" dirty="0"/>
-              <a:t>Part I (28</a:t>
-            </a:r>
-            <a:r>
-              <a:rPr lang="en-US" sz="1800" baseline="30000" dirty="0"/>
-              <a:t>th</a:t>
-            </a:r>
+              <a:t>Start designing your game!</a:t>
+            </a:r>
+          </a:p>
+          <a:p>
             <a:r>
               <a:rPr lang="en-US" sz="1800" dirty="0"/>
-              <a:t> May 2023): </a:t>
-            </a:r>
-          </a:p>
-          <a:p>
-            <a:pPr lvl="1"/>
-            <a:r>
-              <a:rPr lang="en-US" sz="1800" dirty="0"/>
-              <a:t>I want to:  … teach …</a:t>
-            </a:r>
-          </a:p>
-          <a:p>
-            <a:pPr lvl="2"/>
-            <a:r>
-              <a:rPr lang="en-US" sz="1800" dirty="0"/>
-              <a:t>elementary topics</a:t>
-            </a:r>
-          </a:p>
-          <a:p>
-            <a:pPr lvl="1"/>
-            <a:r>
-              <a:rPr lang="en-US" sz="1800" dirty="0"/>
-              <a:t>You want to: … learn …</a:t>
-            </a:r>
-          </a:p>
-          <a:p>
-            <a:pPr lvl="2"/>
-            <a:r>
-              <a:rPr lang="en-US" sz="1800" dirty="0"/>
-              <a:t>about yourself, your interests</a:t>
-            </a:r>
-          </a:p>
-          <a:p>
-            <a:r>
-              <a:rPr lang="en-US" sz="1800" dirty="0"/>
-              <a:t>Part II (July 2023): </a:t>
-            </a:r>
-          </a:p>
-          <a:p>
-            <a:pPr lvl="1"/>
-            <a:r>
-              <a:rPr lang="en-US" sz="1800" dirty="0"/>
-              <a:t>We want to: </a:t>
-            </a:r>
-          </a:p>
-          <a:p>
-            <a:pPr lvl="2"/>
-            <a:r>
-              <a:rPr lang="en-US" sz="1800" dirty="0"/>
-              <a:t>Build the </a:t>
+              <a:t>Next week: Monday to Thursday: Build the </a:t>
             </a:r>
             <a:r>
               <a:rPr lang="en-US" sz="1800" b="1" dirty="0">
@@ -6347,6 +4680,13 @@
             <a:r>
               <a:rPr lang="en-US" sz="1800" dirty="0"/>
               <a:t> ever</a:t>
+            </a:r>
+          </a:p>
+          <a:p>
+            <a:pPr lvl="1"/>
+            <a:r>
+              <a:rPr lang="en-US" sz="1800" dirty="0"/>
+              <a:t>Present idea, show demo, we play your alpha, and we play your final game</a:t>
             </a:r>
           </a:p>
         </p:txBody>
@@ -6446,7 +4786,7 @@
                                         <p:tgtEl>
                                           <p:spTgt spid="3">
                                             <p:txEl>
-                                              <p:pRg st="5" end="5"/>
+                                              <p:pRg st="3" end="3"/>
                                             </p:txEl>
                                           </p:spTgt>
                                         </p:tgtEl>
@@ -6495,7 +4835,7 @@
                                         <p:tgtEl>
                                           <p:spTgt spid="3">
                                             <p:txEl>
-                                              <p:pRg st="1" end="1"/>
+                                              <p:pRg st="6" end="6"/>
                                             </p:txEl>
                                           </p:spTgt>
                                         </p:tgtEl>
@@ -6544,7 +4884,7 @@
                                         <p:tgtEl>
                                           <p:spTgt spid="3">
                                             <p:txEl>
-                                              <p:pRg st="3" end="3"/>
+                                              <p:pRg st="1" end="1"/>
                                             </p:txEl>
                                           </p:spTgt>
                                         </p:tgtEl>
@@ -6593,7 +4933,7 @@
                                         <p:tgtEl>
                                           <p:spTgt spid="3">
                                             <p:txEl>
-                                              <p:pRg st="6" end="6"/>
+                                              <p:pRg st="2" end="2"/>
                                             </p:txEl>
                                           </p:spTgt>
                                         </p:tgtEl>
@@ -6642,7 +4982,7 @@
                                         <p:tgtEl>
                                           <p:spTgt spid="3">
                                             <p:txEl>
-                                              <p:pRg st="2" end="2"/>
+                                              <p:pRg st="4" end="4"/>
                                             </p:txEl>
                                           </p:spTgt>
                                         </p:tgtEl>
@@ -6691,7 +5031,7 @@
                                         <p:tgtEl>
                                           <p:spTgt spid="3">
                                             <p:txEl>
-                                              <p:pRg st="4" end="4"/>
+                                              <p:pRg st="5" end="5"/>
                                             </p:txEl>
                                           </p:spTgt>
                                         </p:tgtEl>
@@ -6786,7 +5126,7 @@
 </p:sld>
 </file>
 
-<file path=ppt/slides/slide14.xml><?xml version="1.0" encoding="utf-8"?>
+<file path=ppt/slides/slide11.xml><?xml version="1.0" encoding="utf-8"?>
 <p:sld xmlns:a="http://schemas.openxmlformats.org/drawingml/2006/main" xmlns:r="http://schemas.openxmlformats.org/officeDocument/2006/relationships" xmlns:p="http://schemas.openxmlformats.org/presentationml/2006/main">
   <p:cSld>
     <p:spTree>
@@ -6827,104 +5167,6 @@
       </p:sp>
       <p:sp>
         <p:nvSpPr>
-          <p:cNvPr id="3" name="Content Placeholder 2"/>
-          <p:cNvSpPr>
-            <a:spLocks noGrp="1"/>
-          </p:cNvSpPr>
-          <p:nvPr>
-            <p:ph sz="quarter" idx="13"/>
-          </p:nvPr>
-        </p:nvSpPr>
-        <p:spPr>
-          <a:xfrm>
-            <a:off x="1219200" y="1600200"/>
-            <a:ext cx="10160000" cy="4114800"/>
-          </a:xfrm>
-        </p:spPr>
-        <p:txBody>
-          <a:bodyPr>
-            <a:normAutofit/>
-          </a:bodyPr>
-          <a:lstStyle/>
-          <a:p>
-            <a:pPr lvl="0"/>
-            <a:r>
-              <a:rPr lang="en-US" sz="1800" dirty="0"/>
-              <a:t>Part I (28</a:t>
-            </a:r>
-            <a:r>
-              <a:rPr lang="en-US" sz="1800" baseline="30000" dirty="0"/>
-              <a:t>th</a:t>
-            </a:r>
-            <a:r>
-              <a:rPr lang="en-US" sz="1800" dirty="0"/>
-              <a:t> May 2023): </a:t>
-            </a:r>
-          </a:p>
-          <a:p>
-            <a:pPr lvl="1"/>
-            <a:r>
-              <a:rPr lang="en-US" sz="1800" dirty="0"/>
-              <a:t>I want to:  … teach …</a:t>
-            </a:r>
-          </a:p>
-          <a:p>
-            <a:pPr lvl="2"/>
-            <a:r>
-              <a:rPr lang="en-US" sz="1800" dirty="0"/>
-              <a:t>elementary topics</a:t>
-            </a:r>
-          </a:p>
-          <a:p>
-            <a:pPr lvl="1"/>
-            <a:r>
-              <a:rPr lang="en-US" sz="1800" dirty="0"/>
-              <a:t>You want to: … learn …</a:t>
-            </a:r>
-          </a:p>
-          <a:p>
-            <a:pPr lvl="2"/>
-            <a:r>
-              <a:rPr lang="en-US" sz="1800" dirty="0"/>
-              <a:t>about yourself, your interests</a:t>
-            </a:r>
-          </a:p>
-          <a:p>
-            <a:r>
-              <a:rPr lang="en-US" sz="1800" dirty="0"/>
-              <a:t>Part II (July 2023): </a:t>
-            </a:r>
-          </a:p>
-          <a:p>
-            <a:pPr lvl="1"/>
-            <a:r>
-              <a:rPr lang="en-US" sz="1800" dirty="0"/>
-              <a:t>We want to: </a:t>
-            </a:r>
-          </a:p>
-          <a:p>
-            <a:pPr lvl="2"/>
-            <a:r>
-              <a:rPr lang="en-US" sz="1800" dirty="0"/>
-              <a:t>Build the </a:t>
-            </a:r>
-            <a:r>
-              <a:rPr lang="en-US" sz="1800" b="1" dirty="0">
-                <a:solidFill>
-                  <a:srgbClr val="FFFF00"/>
-                </a:solidFill>
-              </a:rPr>
-              <a:t>best game</a:t>
-            </a:r>
-            <a:r>
-              <a:rPr lang="en-US" sz="1800" dirty="0"/>
-              <a:t> ever</a:t>
-            </a:r>
-          </a:p>
-        </p:txBody>
-      </p:sp>
-      <p:sp>
-        <p:nvSpPr>
           <p:cNvPr id="4" name="Content Placeholder 2">
             <a:extLst>
               <a:ext uri="{FF2B5EF4-FFF2-40B4-BE49-F238E27FC236}">
@@ -6939,7 +5181,7 @@
         </p:nvSpPr>
         <p:spPr>
           <a:xfrm>
-            <a:off x="5715000" y="1524000"/>
+            <a:off x="914400" y="1524000"/>
             <a:ext cx="5105400" cy="4114800"/>
           </a:xfrm>
           <a:prstGeom prst="rect">
@@ -7239,9 +5481,6 @@
                     <p:cTn id="3" fill="hold">
                       <p:stCondLst>
                         <p:cond delay="indefinite"/>
-                        <p:cond evt="onBegin" delay="0">
-                          <p:tn val="2"/>
-                        </p:cond>
                       </p:stCondLst>
                       <p:childTnLst>
                         <p:par>
@@ -7251,7 +5490,7 @@
                             </p:stCondLst>
                             <p:childTnLst>
                               <p:par>
-                                <p:cTn id="5" presetID="1" presetClass="entr" presetSubtype="0" fill="hold" nodeType="withEffect">
+                                <p:cTn id="5" presetID="1" presetClass="entr" presetSubtype="0" fill="hold" nodeType="clickEffect">
                                   <p:stCondLst>
                                     <p:cond delay="0"/>
                                   </p:stCondLst>
@@ -7259,272 +5498,6 @@
                                     <p:set>
                                       <p:cBhvr>
                                         <p:cTn id="6" dur="1" fill="hold">
-                                          <p:stCondLst>
-                                            <p:cond delay="0"/>
-                                          </p:stCondLst>
-                                        </p:cTn>
-                                        <p:tgtEl>
-                                          <p:spTgt spid="3">
-                                            <p:txEl>
-                                              <p:pRg st="0" end="0"/>
-                                            </p:txEl>
-                                          </p:spTgt>
-                                        </p:tgtEl>
-                                        <p:attrNameLst>
-                                          <p:attrName>style.visibility</p:attrName>
-                                        </p:attrNameLst>
-                                      </p:cBhvr>
-                                      <p:to>
-                                        <p:strVal val="visible"/>
-                                      </p:to>
-                                    </p:set>
-                                  </p:childTnLst>
-                                </p:cTn>
-                              </p:par>
-                              <p:par>
-                                <p:cTn id="7" presetID="1" presetClass="entr" presetSubtype="0" fill="hold" nodeType="withEffect">
-                                  <p:stCondLst>
-                                    <p:cond delay="0"/>
-                                  </p:stCondLst>
-                                  <p:childTnLst>
-                                    <p:set>
-                                      <p:cBhvr>
-                                        <p:cTn id="8" dur="1" fill="hold">
-                                          <p:stCondLst>
-                                            <p:cond delay="0"/>
-                                          </p:stCondLst>
-                                        </p:cTn>
-                                        <p:tgtEl>
-                                          <p:spTgt spid="3">
-                                            <p:txEl>
-                                              <p:pRg st="5" end="5"/>
-                                            </p:txEl>
-                                          </p:spTgt>
-                                        </p:tgtEl>
-                                        <p:attrNameLst>
-                                          <p:attrName>style.visibility</p:attrName>
-                                        </p:attrNameLst>
-                                      </p:cBhvr>
-                                      <p:to>
-                                        <p:strVal val="visible"/>
-                                      </p:to>
-                                    </p:set>
-                                  </p:childTnLst>
-                                </p:cTn>
-                              </p:par>
-                              <p:par>
-                                <p:cTn id="9" presetID="1" presetClass="entr" presetSubtype="0" fill="hold" nodeType="withEffect">
-                                  <p:stCondLst>
-                                    <p:cond delay="0"/>
-                                  </p:stCondLst>
-                                  <p:childTnLst>
-                                    <p:set>
-                                      <p:cBhvr>
-                                        <p:cTn id="10" dur="1" fill="hold">
-                                          <p:stCondLst>
-                                            <p:cond delay="0"/>
-                                          </p:stCondLst>
-                                        </p:cTn>
-                                        <p:tgtEl>
-                                          <p:spTgt spid="3">
-                                            <p:txEl>
-                                              <p:pRg st="1" end="1"/>
-                                            </p:txEl>
-                                          </p:spTgt>
-                                        </p:tgtEl>
-                                        <p:attrNameLst>
-                                          <p:attrName>style.visibility</p:attrName>
-                                        </p:attrNameLst>
-                                      </p:cBhvr>
-                                      <p:to>
-                                        <p:strVal val="visible"/>
-                                      </p:to>
-                                    </p:set>
-                                  </p:childTnLst>
-                                </p:cTn>
-                              </p:par>
-                              <p:par>
-                                <p:cTn id="11" presetID="1" presetClass="entr" presetSubtype="0" fill="hold" nodeType="withEffect">
-                                  <p:stCondLst>
-                                    <p:cond delay="0"/>
-                                  </p:stCondLst>
-                                  <p:childTnLst>
-                                    <p:set>
-                                      <p:cBhvr>
-                                        <p:cTn id="12" dur="1" fill="hold">
-                                          <p:stCondLst>
-                                            <p:cond delay="0"/>
-                                          </p:stCondLst>
-                                        </p:cTn>
-                                        <p:tgtEl>
-                                          <p:spTgt spid="3">
-                                            <p:txEl>
-                                              <p:pRg st="3" end="3"/>
-                                            </p:txEl>
-                                          </p:spTgt>
-                                        </p:tgtEl>
-                                        <p:attrNameLst>
-                                          <p:attrName>style.visibility</p:attrName>
-                                        </p:attrNameLst>
-                                      </p:cBhvr>
-                                      <p:to>
-                                        <p:strVal val="visible"/>
-                                      </p:to>
-                                    </p:set>
-                                  </p:childTnLst>
-                                </p:cTn>
-                              </p:par>
-                              <p:par>
-                                <p:cTn id="13" presetID="1" presetClass="entr" presetSubtype="0" fill="hold" nodeType="withEffect">
-                                  <p:stCondLst>
-                                    <p:cond delay="0"/>
-                                  </p:stCondLst>
-                                  <p:childTnLst>
-                                    <p:set>
-                                      <p:cBhvr>
-                                        <p:cTn id="14" dur="1" fill="hold">
-                                          <p:stCondLst>
-                                            <p:cond delay="0"/>
-                                          </p:stCondLst>
-                                        </p:cTn>
-                                        <p:tgtEl>
-                                          <p:spTgt spid="3">
-                                            <p:txEl>
-                                              <p:pRg st="6" end="6"/>
-                                            </p:txEl>
-                                          </p:spTgt>
-                                        </p:tgtEl>
-                                        <p:attrNameLst>
-                                          <p:attrName>style.visibility</p:attrName>
-                                        </p:attrNameLst>
-                                      </p:cBhvr>
-                                      <p:to>
-                                        <p:strVal val="visible"/>
-                                      </p:to>
-                                    </p:set>
-                                  </p:childTnLst>
-                                </p:cTn>
-                              </p:par>
-                              <p:par>
-                                <p:cTn id="15" presetID="1" presetClass="entr" presetSubtype="0" fill="hold" nodeType="withEffect">
-                                  <p:stCondLst>
-                                    <p:cond delay="0"/>
-                                  </p:stCondLst>
-                                  <p:childTnLst>
-                                    <p:set>
-                                      <p:cBhvr>
-                                        <p:cTn id="16" dur="1" fill="hold">
-                                          <p:stCondLst>
-                                            <p:cond delay="0"/>
-                                          </p:stCondLst>
-                                        </p:cTn>
-                                        <p:tgtEl>
-                                          <p:spTgt spid="3">
-                                            <p:txEl>
-                                              <p:pRg st="2" end="2"/>
-                                            </p:txEl>
-                                          </p:spTgt>
-                                        </p:tgtEl>
-                                        <p:attrNameLst>
-                                          <p:attrName>style.visibility</p:attrName>
-                                        </p:attrNameLst>
-                                      </p:cBhvr>
-                                      <p:to>
-                                        <p:strVal val="visible"/>
-                                      </p:to>
-                                    </p:set>
-                                  </p:childTnLst>
-                                </p:cTn>
-                              </p:par>
-                              <p:par>
-                                <p:cTn id="17" presetID="1" presetClass="entr" presetSubtype="0" fill="hold" nodeType="withEffect">
-                                  <p:stCondLst>
-                                    <p:cond delay="0"/>
-                                  </p:stCondLst>
-                                  <p:childTnLst>
-                                    <p:set>
-                                      <p:cBhvr>
-                                        <p:cTn id="18" dur="1" fill="hold">
-                                          <p:stCondLst>
-                                            <p:cond delay="0"/>
-                                          </p:stCondLst>
-                                        </p:cTn>
-                                        <p:tgtEl>
-                                          <p:spTgt spid="3">
-                                            <p:txEl>
-                                              <p:pRg st="4" end="4"/>
-                                            </p:txEl>
-                                          </p:spTgt>
-                                        </p:tgtEl>
-                                        <p:attrNameLst>
-                                          <p:attrName>style.visibility</p:attrName>
-                                        </p:attrNameLst>
-                                      </p:cBhvr>
-                                      <p:to>
-                                        <p:strVal val="visible"/>
-                                      </p:to>
-                                    </p:set>
-                                  </p:childTnLst>
-                                </p:cTn>
-                              </p:par>
-                              <p:par>
-                                <p:cTn id="19" presetID="1" presetClass="entr" presetSubtype="0" fill="hold" nodeType="withEffect">
-                                  <p:stCondLst>
-                                    <p:cond delay="0"/>
-                                  </p:stCondLst>
-                                  <p:childTnLst>
-                                    <p:set>
-                                      <p:cBhvr>
-                                        <p:cTn id="20" dur="1" fill="hold">
-                                          <p:stCondLst>
-                                            <p:cond delay="0"/>
-                                          </p:stCondLst>
-                                        </p:cTn>
-                                        <p:tgtEl>
-                                          <p:spTgt spid="3">
-                                            <p:txEl>
-                                              <p:pRg st="7" end="7"/>
-                                            </p:txEl>
-                                          </p:spTgt>
-                                        </p:tgtEl>
-                                        <p:attrNameLst>
-                                          <p:attrName>style.visibility</p:attrName>
-                                        </p:attrNameLst>
-                                      </p:cBhvr>
-                                      <p:to>
-                                        <p:strVal val="visible"/>
-                                      </p:to>
-                                    </p:set>
-                                  </p:childTnLst>
-                                </p:cTn>
-                              </p:par>
-                            </p:childTnLst>
-                          </p:cTn>
-                        </p:par>
-                      </p:childTnLst>
-                    </p:cTn>
-                  </p:par>
-                  <p:par>
-                    <p:cTn id="21" fill="hold">
-                      <p:stCondLst>
-                        <p:cond delay="indefinite"/>
-                      </p:stCondLst>
-                      <p:childTnLst>
-                        <p:par>
-                          <p:cTn id="22" fill="hold">
-                            <p:stCondLst>
-                              <p:cond delay="0"/>
-                            </p:stCondLst>
-                            <p:childTnLst>
-                              <p:par>
-                                <p:cTn id="23" presetID="1" presetClass="entr" presetSubtype="0" fill="hold" nodeType="clickEffect">
-                                  <p:stCondLst>
-                                    <p:cond delay="0"/>
-                                  </p:stCondLst>
-                                  <p:childTnLst>
-                                    <p:set>
-                                      <p:cBhvr>
-                                        <p:cTn id="24" dur="1" fill="hold">
                                           <p:stCondLst>
                                             <p:cond delay="0"/>
                                           </p:stCondLst>
@@ -7554,26 +5527,26 @@
                     </p:cTn>
                   </p:par>
                   <p:par>
-                    <p:cTn id="25" fill="hold">
+                    <p:cTn id="7" fill="hold">
                       <p:stCondLst>
                         <p:cond delay="indefinite"/>
                       </p:stCondLst>
                       <p:childTnLst>
                         <p:par>
-                          <p:cTn id="26" fill="hold">
+                          <p:cTn id="8" fill="hold">
                             <p:stCondLst>
                               <p:cond delay="0"/>
                             </p:stCondLst>
                             <p:childTnLst>
                               <p:par>
-                                <p:cTn id="27" presetID="1" presetClass="entr" presetSubtype="0" fill="hold" nodeType="clickEffect">
+                                <p:cTn id="9" presetID="1" presetClass="entr" presetSubtype="0" fill="hold" nodeType="clickEffect">
                                   <p:stCondLst>
                                     <p:cond delay="0"/>
                                   </p:stCondLst>
                                   <p:childTnLst>
                                     <p:set>
                                       <p:cBhvr>
-                                        <p:cTn id="28" dur="1" fill="hold">
+                                        <p:cTn id="10" dur="1" fill="hold">
                                           <p:stCondLst>
                                             <p:cond delay="0"/>
                                           </p:stCondLst>
@@ -7603,26 +5576,26 @@
                     </p:cTn>
                   </p:par>
                   <p:par>
-                    <p:cTn id="29" fill="hold">
+                    <p:cTn id="11" fill="hold">
                       <p:stCondLst>
                         <p:cond delay="indefinite"/>
                       </p:stCondLst>
                       <p:childTnLst>
                         <p:par>
-                          <p:cTn id="30" fill="hold">
+                          <p:cTn id="12" fill="hold">
                             <p:stCondLst>
                               <p:cond delay="0"/>
                             </p:stCondLst>
                             <p:childTnLst>
                               <p:par>
-                                <p:cTn id="31" presetID="1" presetClass="entr" presetSubtype="0" fill="hold" nodeType="clickEffect">
+                                <p:cTn id="13" presetID="1" presetClass="entr" presetSubtype="0" fill="hold" nodeType="clickEffect">
                                   <p:stCondLst>
                                     <p:cond delay="0"/>
                                   </p:stCondLst>
                                   <p:childTnLst>
                                     <p:set>
                                       <p:cBhvr>
-                                        <p:cTn id="32" dur="1" fill="hold">
+                                        <p:cTn id="14" dur="1" fill="hold">
                                           <p:stCondLst>
                                             <p:cond delay="0"/>
                                           </p:stCondLst>
@@ -7652,26 +5625,26 @@
                     </p:cTn>
                   </p:par>
                   <p:par>
-                    <p:cTn id="33" fill="hold">
+                    <p:cTn id="15" fill="hold">
                       <p:stCondLst>
                         <p:cond delay="indefinite"/>
                       </p:stCondLst>
                       <p:childTnLst>
                         <p:par>
-                          <p:cTn id="34" fill="hold">
+                          <p:cTn id="16" fill="hold">
                             <p:stCondLst>
                               <p:cond delay="0"/>
                             </p:stCondLst>
                             <p:childTnLst>
                               <p:par>
-                                <p:cTn id="35" presetID="1" presetClass="entr" presetSubtype="0" fill="hold" nodeType="clickEffect">
+                                <p:cTn id="17" presetID="1" presetClass="entr" presetSubtype="0" fill="hold" nodeType="clickEffect">
                                   <p:stCondLst>
                                     <p:cond delay="0"/>
                                   </p:stCondLst>
                                   <p:childTnLst>
                                     <p:set>
                                       <p:cBhvr>
-                                        <p:cTn id="36" dur="1" fill="hold">
+                                        <p:cTn id="18" dur="1" fill="hold">
                                           <p:stCondLst>
                                             <p:cond delay="0"/>
                                           </p:stCondLst>
@@ -7701,26 +5674,26 @@
                     </p:cTn>
                   </p:par>
                   <p:par>
-                    <p:cTn id="37" fill="hold">
+                    <p:cTn id="19" fill="hold">
                       <p:stCondLst>
                         <p:cond delay="indefinite"/>
                       </p:stCondLst>
                       <p:childTnLst>
                         <p:par>
-                          <p:cTn id="38" fill="hold">
+                          <p:cTn id="20" fill="hold">
                             <p:stCondLst>
                               <p:cond delay="0"/>
                             </p:stCondLst>
                             <p:childTnLst>
                               <p:par>
-                                <p:cTn id="39" presetID="1" presetClass="entr" presetSubtype="0" fill="hold" nodeType="clickEffect">
+                                <p:cTn id="21" presetID="1" presetClass="entr" presetSubtype="0" fill="hold" nodeType="clickEffect">
                                   <p:stCondLst>
                                     <p:cond delay="0"/>
                                   </p:stCondLst>
                                   <p:childTnLst>
                                     <p:set>
                                       <p:cBhvr>
-                                        <p:cTn id="40" dur="1" fill="hold">
+                                        <p:cTn id="22" dur="1" fill="hold">
                                           <p:stCondLst>
                                             <p:cond delay="0"/>
                                           </p:stCondLst>
@@ -7750,26 +5723,26 @@
                     </p:cTn>
                   </p:par>
                   <p:par>
-                    <p:cTn id="41" fill="hold">
+                    <p:cTn id="23" fill="hold">
                       <p:stCondLst>
                         <p:cond delay="indefinite"/>
                       </p:stCondLst>
                       <p:childTnLst>
                         <p:par>
-                          <p:cTn id="42" fill="hold">
+                          <p:cTn id="24" fill="hold">
                             <p:stCondLst>
                               <p:cond delay="0"/>
                             </p:stCondLst>
                             <p:childTnLst>
                               <p:par>
-                                <p:cTn id="43" presetID="1" presetClass="entr" presetSubtype="0" fill="hold" nodeType="clickEffect">
+                                <p:cTn id="25" presetID="1" presetClass="entr" presetSubtype="0" fill="hold" nodeType="clickEffect">
                                   <p:stCondLst>
                                     <p:cond delay="0"/>
                                   </p:stCondLst>
                                   <p:childTnLst>
                                     <p:set>
                                       <p:cBhvr>
-                                        <p:cTn id="44" dur="1" fill="hold">
+                                        <p:cTn id="26" dur="1" fill="hold">
                                           <p:stCondLst>
                                             <p:cond delay="0"/>
                                           </p:stCondLst>
@@ -7799,26 +5772,26 @@
                     </p:cTn>
                   </p:par>
                   <p:par>
-                    <p:cTn id="45" fill="hold">
+                    <p:cTn id="27" fill="hold">
                       <p:stCondLst>
                         <p:cond delay="indefinite"/>
                       </p:stCondLst>
                       <p:childTnLst>
                         <p:par>
-                          <p:cTn id="46" fill="hold">
+                          <p:cTn id="28" fill="hold">
                             <p:stCondLst>
                               <p:cond delay="0"/>
                             </p:stCondLst>
                             <p:childTnLst>
                               <p:par>
-                                <p:cTn id="47" presetID="1" presetClass="entr" presetSubtype="0" fill="hold" nodeType="clickEffect">
+                                <p:cTn id="29" presetID="1" presetClass="entr" presetSubtype="0" fill="hold" nodeType="clickEffect">
                                   <p:stCondLst>
                                     <p:cond delay="0"/>
                                   </p:stCondLst>
                                   <p:childTnLst>
                                     <p:set>
                                       <p:cBhvr>
-                                        <p:cTn id="48" dur="1" fill="hold">
+                                        <p:cTn id="30" dur="1" fill="hold">
                                           <p:stCondLst>
                                             <p:cond delay="0"/>
                                           </p:stCondLst>
@@ -7872,7 +5845,87 @@
 </p:sld>
 </file>
 
-<file path=ppt/slides/slide15.xml><?xml version="1.0" encoding="utf-8"?>
+<file path=ppt/slides/slide12.xml><?xml version="1.0" encoding="utf-8"?>
+<p:sld xmlns:a="http://schemas.openxmlformats.org/drawingml/2006/main" xmlns:r="http://schemas.openxmlformats.org/officeDocument/2006/relationships" xmlns:p="http://schemas.openxmlformats.org/presentationml/2006/main">
+  <p:cSld>
+    <p:spTree>
+      <p:nvGrpSpPr>
+        <p:cNvPr id="1" name=""/>
+        <p:cNvGrpSpPr/>
+        <p:nvPr/>
+      </p:nvGrpSpPr>
+      <p:grpSpPr>
+        <a:xfrm>
+          <a:off x="0" y="0"/>
+          <a:ext cx="0" cy="0"/>
+          <a:chOff x="0" y="0"/>
+          <a:chExt cx="0" cy="0"/>
+        </a:xfrm>
+      </p:grpSpPr>
+      <p:sp>
+        <p:nvSpPr>
+          <p:cNvPr id="2" name="Title 1">
+            <a:extLst>
+              <a:ext uri="{FF2B5EF4-FFF2-40B4-BE49-F238E27FC236}">
+                <a16:creationId xmlns:a16="http://schemas.microsoft.com/office/drawing/2014/main" id="{0B193B8B-C156-4A95-9FA5-461E0DC66C34}"/>
+              </a:ext>
+            </a:extLst>
+          </p:cNvPr>
+          <p:cNvSpPr>
+            <a:spLocks noGrp="1"/>
+          </p:cNvSpPr>
+          <p:nvPr>
+            <p:ph type="title"/>
+          </p:nvPr>
+        </p:nvSpPr>
+        <p:spPr/>
+        <p:txBody>
+          <a:bodyPr/>
+          <a:lstStyle/>
+          <a:p>
+            <a:endParaRPr lang="en-US"/>
+          </a:p>
+        </p:txBody>
+      </p:sp>
+      <p:sp>
+        <p:nvSpPr>
+          <p:cNvPr id="3" name="Content Placeholder 2">
+            <a:extLst>
+              <a:ext uri="{FF2B5EF4-FFF2-40B4-BE49-F238E27FC236}">
+                <a16:creationId xmlns:a16="http://schemas.microsoft.com/office/drawing/2014/main" id="{F34EB28B-D7DE-4B5C-8CF3-DDBD90D61C75}"/>
+              </a:ext>
+            </a:extLst>
+          </p:cNvPr>
+          <p:cNvSpPr>
+            <a:spLocks noGrp="1"/>
+          </p:cNvSpPr>
+          <p:nvPr>
+            <p:ph sz="quarter" idx="13"/>
+          </p:nvPr>
+        </p:nvSpPr>
+        <p:spPr/>
+        <p:txBody>
+          <a:bodyPr/>
+          <a:lstStyle/>
+          <a:p>
+            <a:endParaRPr lang="en-US"/>
+          </a:p>
+        </p:txBody>
+      </p:sp>
+    </p:spTree>
+    <p:extLst>
+      <p:ext uri="{BB962C8B-B14F-4D97-AF65-F5344CB8AC3E}">
+        <p14:creationId xmlns:p14="http://schemas.microsoft.com/office/powerpoint/2010/main" val="2616143649"/>
+      </p:ext>
+    </p:extLst>
+  </p:cSld>
+  <p:clrMapOvr>
+    <a:masterClrMapping/>
+  </p:clrMapOvr>
+</p:sld>
+</file>
+
+<file path=ppt/slides/slide13.xml><?xml version="1.0" encoding="utf-8"?>
 <p:sld xmlns:a="http://schemas.openxmlformats.org/drawingml/2006/main" xmlns:r="http://schemas.openxmlformats.org/officeDocument/2006/relationships" xmlns:p="http://schemas.openxmlformats.org/presentationml/2006/main">
   <p:cSld>
     <p:spTree>
@@ -8540,7 +6593,7 @@
 </p:sld>
 </file>
 
-<file path=ppt/slides/slide16.xml><?xml version="1.0" encoding="utf-8"?>
+<file path=ppt/slides/slide14.xml><?xml version="1.0" encoding="utf-8"?>
 <p:sld xmlns:a="http://schemas.openxmlformats.org/drawingml/2006/main" xmlns:r="http://schemas.openxmlformats.org/officeDocument/2006/relationships" xmlns:p="http://schemas.openxmlformats.org/presentationml/2006/main">
   <p:cSld>
     <p:spTree>
@@ -9575,7 +7628,7 @@
 </p:sld>
 </file>
 
-<file path=ppt/slides/slide17.xml><?xml version="1.0" encoding="utf-8"?>
+<file path=ppt/slides/slide15.xml><?xml version="1.0" encoding="utf-8"?>
 <p:sld xmlns:a="http://schemas.openxmlformats.org/drawingml/2006/main" xmlns:r="http://schemas.openxmlformats.org/officeDocument/2006/relationships" xmlns:p="http://schemas.openxmlformats.org/presentationml/2006/main">
   <p:cSld>
     <p:spTree>
@@ -10179,7 +8232,7 @@
 </p:sld>
 </file>
 
-<file path=ppt/slides/slide18.xml><?xml version="1.0" encoding="utf-8"?>
+<file path=ppt/slides/slide16.xml><?xml version="1.0" encoding="utf-8"?>
 <p:sld xmlns:a="http://schemas.openxmlformats.org/drawingml/2006/main" xmlns:r="http://schemas.openxmlformats.org/officeDocument/2006/relationships" xmlns:p="http://schemas.openxmlformats.org/presentationml/2006/main">
   <p:cSld>
     <p:spTree>
@@ -10728,7 +8781,7 @@
 </p:sld>
 </file>
 
-<file path=ppt/slides/slide19.xml><?xml version="1.0" encoding="utf-8"?>
+<file path=ppt/slides/slide17.xml><?xml version="1.0" encoding="utf-8"?>
 <p:sld xmlns:a="http://schemas.openxmlformats.org/drawingml/2006/main" xmlns:r="http://schemas.openxmlformats.org/officeDocument/2006/relationships" xmlns:p="http://schemas.openxmlformats.org/presentationml/2006/main">
   <p:cSld>
     <p:spTree>
@@ -11481,847 +9534,7 @@
 </p:sld>
 </file>
 
-<file path=ppt/slides/slide2.xml><?xml version="1.0" encoding="utf-8"?>
-<p:sld xmlns:a="http://schemas.openxmlformats.org/drawingml/2006/main" xmlns:r="http://schemas.openxmlformats.org/officeDocument/2006/relationships" xmlns:p="http://schemas.openxmlformats.org/presentationml/2006/main">
-  <p:cSld>
-    <p:spTree>
-      <p:nvGrpSpPr>
-        <p:cNvPr id="1" name=""/>
-        <p:cNvGrpSpPr/>
-        <p:nvPr/>
-      </p:nvGrpSpPr>
-      <p:grpSpPr>
-        <a:xfrm>
-          <a:off x="0" y="0"/>
-          <a:ext cx="0" cy="0"/>
-          <a:chOff x="0" y="0"/>
-          <a:chExt cx="0" cy="0"/>
-        </a:xfrm>
-      </p:grpSpPr>
-      <p:sp>
-        <p:nvSpPr>
-          <p:cNvPr id="2" name="Title 1">
-            <a:extLst>
-              <a:ext uri="{FF2B5EF4-FFF2-40B4-BE49-F238E27FC236}">
-                <a16:creationId xmlns:a16="http://schemas.microsoft.com/office/drawing/2014/main" id="{AFCE614A-3F43-4E5C-8378-0F630C48FAE4}"/>
-              </a:ext>
-            </a:extLst>
-          </p:cNvPr>
-          <p:cNvSpPr>
-            <a:spLocks noGrp="1"/>
-          </p:cNvSpPr>
-          <p:nvPr>
-            <p:ph type="title"/>
-          </p:nvPr>
-        </p:nvSpPr>
-        <p:spPr/>
-        <p:txBody>
-          <a:bodyPr/>
-          <a:lstStyle/>
-          <a:p>
-            <a:r>
-              <a:rPr lang="en-US" dirty="0"/>
-              <a:t>Reminder</a:t>
-            </a:r>
-          </a:p>
-        </p:txBody>
-      </p:sp>
-      <p:sp>
-        <p:nvSpPr>
-          <p:cNvPr id="3" name="Content Placeholder 2">
-            <a:extLst>
-              <a:ext uri="{FF2B5EF4-FFF2-40B4-BE49-F238E27FC236}">
-                <a16:creationId xmlns:a16="http://schemas.microsoft.com/office/drawing/2014/main" id="{052D3616-09CD-4092-9DB8-E73ABBB52527}"/>
-              </a:ext>
-            </a:extLst>
-          </p:cNvPr>
-          <p:cNvSpPr>
-            <a:spLocks noGrp="1"/>
-          </p:cNvSpPr>
-          <p:nvPr>
-            <p:ph sz="quarter" idx="13"/>
-          </p:nvPr>
-        </p:nvSpPr>
-        <p:spPr/>
-        <p:txBody>
-          <a:bodyPr/>
-          <a:lstStyle/>
-          <a:p>
-            <a:r>
-              <a:rPr lang="en-US" dirty="0"/>
-              <a:t>Begin recording</a:t>
-            </a:r>
-          </a:p>
-          <a:p>
-            <a:pPr marL="0" indent="0">
-              <a:buNone/>
-            </a:pPr>
-            <a:endParaRPr lang="en-US" dirty="0"/>
-          </a:p>
-          <a:p>
-            <a:r>
-              <a:rPr lang="en-US" dirty="0"/>
-              <a:t>You must check in</a:t>
-            </a:r>
-          </a:p>
-          <a:p>
-            <a:pPr lvl="1"/>
-            <a:r>
-              <a:rPr lang="en-US" dirty="0"/>
-              <a:t>Type your name in </a:t>
-            </a:r>
-            <a:r>
-              <a:rPr lang="en-US" b="1" dirty="0">
-                <a:solidFill>
-                  <a:srgbClr val="FF0000"/>
-                </a:solidFill>
-              </a:rPr>
-              <a:t>Chat</a:t>
-            </a:r>
-            <a:r>
-              <a:rPr lang="en-US" dirty="0"/>
-              <a:t> </a:t>
-            </a:r>
-            <a:br>
-              <a:rPr lang="en-US" dirty="0"/>
-            </a:br>
-            <a:r>
-              <a:rPr lang="en-US" dirty="0"/>
-              <a:t>(in Chinese is fine)</a:t>
-            </a:r>
-          </a:p>
-          <a:p>
-            <a:pPr lvl="1"/>
-            <a:endParaRPr lang="en-US" dirty="0"/>
-          </a:p>
-          <a:p>
-            <a:r>
-              <a:rPr lang="en-US" dirty="0"/>
-              <a:t>Make sure to mute yourself</a:t>
-            </a:r>
-          </a:p>
-          <a:p>
-            <a:pPr lvl="1"/>
-            <a:r>
-              <a:rPr lang="en-US" dirty="0"/>
-              <a:t>Unless you have questions</a:t>
-            </a:r>
-            <a:br>
-              <a:rPr lang="en-US" dirty="0"/>
-            </a:br>
-            <a:r>
-              <a:rPr lang="en-US" dirty="0"/>
-              <a:t>(which are welcomed!)</a:t>
-            </a:r>
-          </a:p>
-          <a:p>
-            <a:r>
-              <a:rPr lang="en-US" dirty="0"/>
-              <a:t>You are welcome to share video</a:t>
-            </a:r>
-          </a:p>
-          <a:p>
-            <a:pPr lvl="1"/>
-            <a:r>
-              <a:rPr lang="en-US" dirty="0"/>
-              <a:t>But not compulsory</a:t>
-            </a:r>
-          </a:p>
-          <a:p>
-            <a:endParaRPr lang="en-US" dirty="0"/>
-          </a:p>
-        </p:txBody>
-      </p:sp>
-      <p:pic>
-        <p:nvPicPr>
-          <p:cNvPr id="4" name="Picture 3">
-            <a:extLst>
-              <a:ext uri="{FF2B5EF4-FFF2-40B4-BE49-F238E27FC236}">
-                <a16:creationId xmlns:a16="http://schemas.microsoft.com/office/drawing/2014/main" id="{A4D3EA6B-C87A-4F57-A2B9-AA4D3126ABDA}"/>
-              </a:ext>
-            </a:extLst>
-          </p:cNvPr>
-          <p:cNvPicPr>
-            <a:picLocks noChangeAspect="1"/>
-          </p:cNvPicPr>
-          <p:nvPr/>
-        </p:nvPicPr>
-        <p:blipFill>
-          <a:blip r:embed="rId2"/>
-          <a:stretch>
-            <a:fillRect/>
-          </a:stretch>
-        </p:blipFill>
-        <p:spPr>
-          <a:xfrm>
-            <a:off x="4114800" y="1752600"/>
-            <a:ext cx="7409199" cy="2469733"/>
-          </a:xfrm>
-          <a:prstGeom prst="rect">
-            <a:avLst/>
-          </a:prstGeom>
-        </p:spPr>
-      </p:pic>
-      <p:sp>
-        <p:nvSpPr>
-          <p:cNvPr id="5" name="Rectangle 4">
-            <a:extLst>
-              <a:ext uri="{FF2B5EF4-FFF2-40B4-BE49-F238E27FC236}">
-                <a16:creationId xmlns:a16="http://schemas.microsoft.com/office/drawing/2014/main" id="{B8551408-5688-462A-A6F9-278BDF8613ED}"/>
-              </a:ext>
-            </a:extLst>
-          </p:cNvPr>
-          <p:cNvSpPr/>
-          <p:nvPr/>
-        </p:nvSpPr>
-        <p:spPr>
-          <a:xfrm>
-            <a:off x="7590798" y="3621447"/>
-            <a:ext cx="457201" cy="492719"/>
-          </a:xfrm>
-          <a:prstGeom prst="rect">
-            <a:avLst/>
-          </a:prstGeom>
-          <a:noFill/>
-          <a:ln w="38100">
-            <a:solidFill>
-              <a:srgbClr val="FF0000"/>
-            </a:solidFill>
-          </a:ln>
-        </p:spPr>
-        <p:style>
-          <a:lnRef idx="2">
-            <a:schemeClr val="accent1">
-              <a:shade val="50000"/>
-            </a:schemeClr>
-          </a:lnRef>
-          <a:fillRef idx="1">
-            <a:schemeClr val="accent1"/>
-          </a:fillRef>
-          <a:effectRef idx="0">
-            <a:schemeClr val="accent1"/>
-          </a:effectRef>
-          <a:fontRef idx="minor">
-            <a:schemeClr val="lt1"/>
-          </a:fontRef>
-        </p:style>
-        <p:txBody>
-          <a:bodyPr rtlCol="0" anchor="ctr"/>
-          <a:lstStyle/>
-          <a:p>
-            <a:pPr algn="ctr"/>
-            <a:endParaRPr lang="en-US"/>
-          </a:p>
-        </p:txBody>
-      </p:sp>
-      <p:sp>
-        <p:nvSpPr>
-          <p:cNvPr id="6" name="Rectangle 5">
-            <a:extLst>
-              <a:ext uri="{FF2B5EF4-FFF2-40B4-BE49-F238E27FC236}">
-                <a16:creationId xmlns:a16="http://schemas.microsoft.com/office/drawing/2014/main" id="{B5B1FA1F-F603-4A4A-B002-274D066E0CA9}"/>
-              </a:ext>
-            </a:extLst>
-          </p:cNvPr>
-          <p:cNvSpPr/>
-          <p:nvPr/>
-        </p:nvSpPr>
-        <p:spPr>
-          <a:xfrm>
-            <a:off x="4157351" y="3634332"/>
-            <a:ext cx="457201" cy="492719"/>
-          </a:xfrm>
-          <a:prstGeom prst="rect">
-            <a:avLst/>
-          </a:prstGeom>
-          <a:noFill/>
-          <a:ln w="38100">
-            <a:solidFill>
-              <a:srgbClr val="FF0000"/>
-            </a:solidFill>
-          </a:ln>
-        </p:spPr>
-        <p:style>
-          <a:lnRef idx="2">
-            <a:schemeClr val="accent1">
-              <a:shade val="50000"/>
-            </a:schemeClr>
-          </a:lnRef>
-          <a:fillRef idx="1">
-            <a:schemeClr val="accent1"/>
-          </a:fillRef>
-          <a:effectRef idx="0">
-            <a:schemeClr val="accent1"/>
-          </a:effectRef>
-          <a:fontRef idx="minor">
-            <a:schemeClr val="lt1"/>
-          </a:fontRef>
-        </p:style>
-        <p:txBody>
-          <a:bodyPr rtlCol="0" anchor="ctr"/>
-          <a:lstStyle/>
-          <a:p>
-            <a:pPr algn="ctr"/>
-            <a:endParaRPr lang="en-US"/>
-          </a:p>
-        </p:txBody>
-      </p:sp>
-      <p:sp>
-        <p:nvSpPr>
-          <p:cNvPr id="7" name="Rectangle 6">
-            <a:extLst>
-              <a:ext uri="{FF2B5EF4-FFF2-40B4-BE49-F238E27FC236}">
-                <a16:creationId xmlns:a16="http://schemas.microsoft.com/office/drawing/2014/main" id="{F9CB7184-EB3A-479F-93A9-9A9E91F68220}"/>
-              </a:ext>
-            </a:extLst>
-          </p:cNvPr>
-          <p:cNvSpPr/>
-          <p:nvPr/>
-        </p:nvSpPr>
-        <p:spPr>
-          <a:xfrm>
-            <a:off x="4724400" y="3634332"/>
-            <a:ext cx="457201" cy="492719"/>
-          </a:xfrm>
-          <a:prstGeom prst="rect">
-            <a:avLst/>
-          </a:prstGeom>
-          <a:noFill/>
-          <a:ln w="38100">
-            <a:solidFill>
-              <a:srgbClr val="FF0000"/>
-            </a:solidFill>
-          </a:ln>
-        </p:spPr>
-        <p:style>
-          <a:lnRef idx="2">
-            <a:schemeClr val="accent1">
-              <a:shade val="50000"/>
-            </a:schemeClr>
-          </a:lnRef>
-          <a:fillRef idx="1">
-            <a:schemeClr val="accent1"/>
-          </a:fillRef>
-          <a:effectRef idx="0">
-            <a:schemeClr val="accent1"/>
-          </a:effectRef>
-          <a:fontRef idx="minor">
-            <a:schemeClr val="lt1"/>
-          </a:fontRef>
-        </p:style>
-        <p:txBody>
-          <a:bodyPr rtlCol="0" anchor="ctr"/>
-          <a:lstStyle/>
-          <a:p>
-            <a:pPr algn="ctr"/>
-            <a:endParaRPr lang="en-US"/>
-          </a:p>
-        </p:txBody>
-      </p:sp>
-    </p:spTree>
-    <p:extLst>
-      <p:ext uri="{BB962C8B-B14F-4D97-AF65-F5344CB8AC3E}">
-        <p14:creationId xmlns:p14="http://schemas.microsoft.com/office/powerpoint/2010/main" val="191698959"/>
-      </p:ext>
-    </p:extLst>
-  </p:cSld>
-  <p:clrMapOvr>
-    <a:masterClrMapping/>
-  </p:clrMapOvr>
-  <p:timing>
-    <p:tnLst>
-      <p:par>
-        <p:cTn id="1" dur="indefinite" restart="never" nodeType="tmRoot">
-          <p:childTnLst>
-            <p:seq concurrent="1" nextAc="seek">
-              <p:cTn id="2" dur="indefinite" nodeType="mainSeq">
-                <p:childTnLst>
-                  <p:par>
-                    <p:cTn id="3" fill="hold">
-                      <p:stCondLst>
-                        <p:cond delay="indefinite"/>
-                        <p:cond evt="onBegin" delay="0">
-                          <p:tn val="2"/>
-                        </p:cond>
-                      </p:stCondLst>
-                      <p:childTnLst>
-                        <p:par>
-                          <p:cTn id="4" fill="hold">
-                            <p:stCondLst>
-                              <p:cond delay="0"/>
-                            </p:stCondLst>
-                            <p:childTnLst>
-                              <p:par>
-                                <p:cTn id="5" presetID="1" presetClass="entr" presetSubtype="0" fill="hold" grpId="0" nodeType="withEffect">
-                                  <p:stCondLst>
-                                    <p:cond delay="0"/>
-                                  </p:stCondLst>
-                                  <p:childTnLst>
-                                    <p:set>
-                                      <p:cBhvr>
-                                        <p:cTn id="6" dur="1" fill="hold">
-                                          <p:stCondLst>
-                                            <p:cond delay="0"/>
-                                          </p:stCondLst>
-                                        </p:cTn>
-                                        <p:tgtEl>
-                                          <p:spTgt spid="3">
-                                            <p:txEl>
-                                              <p:pRg st="0" end="0"/>
-                                            </p:txEl>
-                                          </p:spTgt>
-                                        </p:tgtEl>
-                                        <p:attrNameLst>
-                                          <p:attrName>style.visibility</p:attrName>
-                                        </p:attrNameLst>
-                                      </p:cBhvr>
-                                      <p:to>
-                                        <p:strVal val="visible"/>
-                                      </p:to>
-                                    </p:set>
-                                  </p:childTnLst>
-                                </p:cTn>
-                              </p:par>
-                            </p:childTnLst>
-                          </p:cTn>
-                        </p:par>
-                      </p:childTnLst>
-                    </p:cTn>
-                  </p:par>
-                  <p:par>
-                    <p:cTn id="7" fill="hold">
-                      <p:stCondLst>
-                        <p:cond delay="indefinite"/>
-                      </p:stCondLst>
-                      <p:childTnLst>
-                        <p:par>
-                          <p:cTn id="8" fill="hold">
-                            <p:stCondLst>
-                              <p:cond delay="0"/>
-                            </p:stCondLst>
-                            <p:childTnLst>
-                              <p:par>
-                                <p:cTn id="9" presetID="1" presetClass="entr" presetSubtype="0" fill="hold" grpId="0" nodeType="clickEffect">
-                                  <p:stCondLst>
-                                    <p:cond delay="0"/>
-                                  </p:stCondLst>
-                                  <p:childTnLst>
-                                    <p:set>
-                                      <p:cBhvr>
-                                        <p:cTn id="10" dur="1" fill="hold">
-                                          <p:stCondLst>
-                                            <p:cond delay="0"/>
-                                          </p:stCondLst>
-                                        </p:cTn>
-                                        <p:tgtEl>
-                                          <p:spTgt spid="3">
-                                            <p:txEl>
-                                              <p:pRg st="2" end="2"/>
-                                            </p:txEl>
-                                          </p:spTgt>
-                                        </p:tgtEl>
-                                        <p:attrNameLst>
-                                          <p:attrName>style.visibility</p:attrName>
-                                        </p:attrNameLst>
-                                      </p:cBhvr>
-                                      <p:to>
-                                        <p:strVal val="visible"/>
-                                      </p:to>
-                                    </p:set>
-                                  </p:childTnLst>
-                                </p:cTn>
-                              </p:par>
-                            </p:childTnLst>
-                          </p:cTn>
-                        </p:par>
-                      </p:childTnLst>
-                    </p:cTn>
-                  </p:par>
-                  <p:par>
-                    <p:cTn id="11" fill="hold">
-                      <p:stCondLst>
-                        <p:cond delay="indefinite"/>
-                      </p:stCondLst>
-                      <p:childTnLst>
-                        <p:par>
-                          <p:cTn id="12" fill="hold">
-                            <p:stCondLst>
-                              <p:cond delay="0"/>
-                            </p:stCondLst>
-                            <p:childTnLst>
-                              <p:par>
-                                <p:cTn id="13" presetID="1" presetClass="entr" presetSubtype="0" fill="hold" grpId="0" nodeType="clickEffect">
-                                  <p:stCondLst>
-                                    <p:cond delay="0"/>
-                                  </p:stCondLst>
-                                  <p:childTnLst>
-                                    <p:set>
-                                      <p:cBhvr>
-                                        <p:cTn id="14" dur="1" fill="hold">
-                                          <p:stCondLst>
-                                            <p:cond delay="0"/>
-                                          </p:stCondLst>
-                                        </p:cTn>
-                                        <p:tgtEl>
-                                          <p:spTgt spid="3">
-                                            <p:txEl>
-                                              <p:pRg st="3" end="3"/>
-                                            </p:txEl>
-                                          </p:spTgt>
-                                        </p:tgtEl>
-                                        <p:attrNameLst>
-                                          <p:attrName>style.visibility</p:attrName>
-                                        </p:attrNameLst>
-                                      </p:cBhvr>
-                                      <p:to>
-                                        <p:strVal val="visible"/>
-                                      </p:to>
-                                    </p:set>
-                                  </p:childTnLst>
-                                </p:cTn>
-                              </p:par>
-                            </p:childTnLst>
-                          </p:cTn>
-                        </p:par>
-                      </p:childTnLst>
-                    </p:cTn>
-                  </p:par>
-                  <p:par>
-                    <p:cTn id="15" fill="hold">
-                      <p:stCondLst>
-                        <p:cond delay="indefinite"/>
-                      </p:stCondLst>
-                      <p:childTnLst>
-                        <p:par>
-                          <p:cTn id="16" fill="hold">
-                            <p:stCondLst>
-                              <p:cond delay="0"/>
-                            </p:stCondLst>
-                            <p:childTnLst>
-                              <p:par>
-                                <p:cTn id="17" presetID="1" presetClass="entr" presetSubtype="0" fill="hold" nodeType="clickEffect">
-                                  <p:stCondLst>
-                                    <p:cond delay="0"/>
-                                  </p:stCondLst>
-                                  <p:childTnLst>
-                                    <p:set>
-                                      <p:cBhvr>
-                                        <p:cTn id="18" dur="1" fill="hold">
-                                          <p:stCondLst>
-                                            <p:cond delay="0"/>
-                                          </p:stCondLst>
-                                        </p:cTn>
-                                        <p:tgtEl>
-                                          <p:spTgt spid="4"/>
-                                        </p:tgtEl>
-                                        <p:attrNameLst>
-                                          <p:attrName>style.visibility</p:attrName>
-                                        </p:attrNameLst>
-                                      </p:cBhvr>
-                                      <p:to>
-                                        <p:strVal val="visible"/>
-                                      </p:to>
-                                    </p:set>
-                                  </p:childTnLst>
-                                </p:cTn>
-                              </p:par>
-                            </p:childTnLst>
-                          </p:cTn>
-                        </p:par>
-                      </p:childTnLst>
-                    </p:cTn>
-                  </p:par>
-                  <p:par>
-                    <p:cTn id="19" fill="hold">
-                      <p:stCondLst>
-                        <p:cond delay="indefinite"/>
-                      </p:stCondLst>
-                      <p:childTnLst>
-                        <p:par>
-                          <p:cTn id="20" fill="hold">
-                            <p:stCondLst>
-                              <p:cond delay="0"/>
-                            </p:stCondLst>
-                            <p:childTnLst>
-                              <p:par>
-                                <p:cTn id="21" presetID="1" presetClass="entr" presetSubtype="0" fill="hold" grpId="0" nodeType="clickEffect">
-                                  <p:stCondLst>
-                                    <p:cond delay="0"/>
-                                  </p:stCondLst>
-                                  <p:childTnLst>
-                                    <p:set>
-                                      <p:cBhvr>
-                                        <p:cTn id="22" dur="1" fill="hold">
-                                          <p:stCondLst>
-                                            <p:cond delay="0"/>
-                                          </p:stCondLst>
-                                        </p:cTn>
-                                        <p:tgtEl>
-                                          <p:spTgt spid="5"/>
-                                        </p:tgtEl>
-                                        <p:attrNameLst>
-                                          <p:attrName>style.visibility</p:attrName>
-                                        </p:attrNameLst>
-                                      </p:cBhvr>
-                                      <p:to>
-                                        <p:strVal val="visible"/>
-                                      </p:to>
-                                    </p:set>
-                                  </p:childTnLst>
-                                </p:cTn>
-                              </p:par>
-                            </p:childTnLst>
-                          </p:cTn>
-                        </p:par>
-                      </p:childTnLst>
-                    </p:cTn>
-                  </p:par>
-                  <p:par>
-                    <p:cTn id="23" fill="hold">
-                      <p:stCondLst>
-                        <p:cond delay="indefinite"/>
-                      </p:stCondLst>
-                      <p:childTnLst>
-                        <p:par>
-                          <p:cTn id="24" fill="hold">
-                            <p:stCondLst>
-                              <p:cond delay="0"/>
-                            </p:stCondLst>
-                            <p:childTnLst>
-                              <p:par>
-                                <p:cTn id="25" presetID="1" presetClass="entr" presetSubtype="0" fill="hold" grpId="0" nodeType="clickEffect">
-                                  <p:stCondLst>
-                                    <p:cond delay="0"/>
-                                  </p:stCondLst>
-                                  <p:childTnLst>
-                                    <p:set>
-                                      <p:cBhvr>
-                                        <p:cTn id="26" dur="1" fill="hold">
-                                          <p:stCondLst>
-                                            <p:cond delay="0"/>
-                                          </p:stCondLst>
-                                        </p:cTn>
-                                        <p:tgtEl>
-                                          <p:spTgt spid="3">
-                                            <p:txEl>
-                                              <p:pRg st="5" end="5"/>
-                                            </p:txEl>
-                                          </p:spTgt>
-                                        </p:tgtEl>
-                                        <p:attrNameLst>
-                                          <p:attrName>style.visibility</p:attrName>
-                                        </p:attrNameLst>
-                                      </p:cBhvr>
-                                      <p:to>
-                                        <p:strVal val="visible"/>
-                                      </p:to>
-                                    </p:set>
-                                  </p:childTnLst>
-                                </p:cTn>
-                              </p:par>
-                              <p:par>
-                                <p:cTn id="27" presetID="1" presetClass="entr" presetSubtype="0" fill="hold" grpId="0" nodeType="withEffect">
-                                  <p:stCondLst>
-                                    <p:cond delay="0"/>
-                                  </p:stCondLst>
-                                  <p:childTnLst>
-                                    <p:set>
-                                      <p:cBhvr>
-                                        <p:cTn id="28" dur="1" fill="hold">
-                                          <p:stCondLst>
-                                            <p:cond delay="0"/>
-                                          </p:stCondLst>
-                                        </p:cTn>
-                                        <p:tgtEl>
-                                          <p:spTgt spid="6"/>
-                                        </p:tgtEl>
-                                        <p:attrNameLst>
-                                          <p:attrName>style.visibility</p:attrName>
-                                        </p:attrNameLst>
-                                      </p:cBhvr>
-                                      <p:to>
-                                        <p:strVal val="visible"/>
-                                      </p:to>
-                                    </p:set>
-                                  </p:childTnLst>
-                                </p:cTn>
-                              </p:par>
-                              <p:par>
-                                <p:cTn id="29" presetID="1" presetClass="entr" presetSubtype="0" fill="hold" grpId="0" nodeType="withEffect">
-                                  <p:stCondLst>
-                                    <p:cond delay="0"/>
-                                  </p:stCondLst>
-                                  <p:childTnLst>
-                                    <p:set>
-                                      <p:cBhvr>
-                                        <p:cTn id="30" dur="1" fill="hold">
-                                          <p:stCondLst>
-                                            <p:cond delay="0"/>
-                                          </p:stCondLst>
-                                        </p:cTn>
-                                        <p:tgtEl>
-                                          <p:spTgt spid="3">
-                                            <p:txEl>
-                                              <p:pRg st="6" end="6"/>
-                                            </p:txEl>
-                                          </p:spTgt>
-                                        </p:tgtEl>
-                                        <p:attrNameLst>
-                                          <p:attrName>style.visibility</p:attrName>
-                                        </p:attrNameLst>
-                                      </p:cBhvr>
-                                      <p:to>
-                                        <p:strVal val="visible"/>
-                                      </p:to>
-                                    </p:set>
-                                  </p:childTnLst>
-                                </p:cTn>
-                              </p:par>
-                            </p:childTnLst>
-                          </p:cTn>
-                        </p:par>
-                      </p:childTnLst>
-                    </p:cTn>
-                  </p:par>
-                  <p:par>
-                    <p:cTn id="31" fill="hold">
-                      <p:stCondLst>
-                        <p:cond delay="indefinite"/>
-                      </p:stCondLst>
-                      <p:childTnLst>
-                        <p:par>
-                          <p:cTn id="32" fill="hold">
-                            <p:stCondLst>
-                              <p:cond delay="0"/>
-                            </p:stCondLst>
-                            <p:childTnLst>
-                              <p:par>
-                                <p:cTn id="33" presetID="1" presetClass="entr" presetSubtype="0" fill="hold" grpId="0" nodeType="clickEffect">
-                                  <p:stCondLst>
-                                    <p:cond delay="0"/>
-                                  </p:stCondLst>
-                                  <p:childTnLst>
-                                    <p:set>
-                                      <p:cBhvr>
-                                        <p:cTn id="34" dur="1" fill="hold">
-                                          <p:stCondLst>
-                                            <p:cond delay="0"/>
-                                          </p:stCondLst>
-                                        </p:cTn>
-                                        <p:tgtEl>
-                                          <p:spTgt spid="3">
-                                            <p:txEl>
-                                              <p:pRg st="7" end="7"/>
-                                            </p:txEl>
-                                          </p:spTgt>
-                                        </p:tgtEl>
-                                        <p:attrNameLst>
-                                          <p:attrName>style.visibility</p:attrName>
-                                        </p:attrNameLst>
-                                      </p:cBhvr>
-                                      <p:to>
-                                        <p:strVal val="visible"/>
-                                      </p:to>
-                                    </p:set>
-                                  </p:childTnLst>
-                                </p:cTn>
-                              </p:par>
-                              <p:par>
-                                <p:cTn id="35" presetID="1" presetClass="entr" presetSubtype="0" fill="hold" grpId="0" nodeType="withEffect">
-                                  <p:stCondLst>
-                                    <p:cond delay="0"/>
-                                  </p:stCondLst>
-                                  <p:childTnLst>
-                                    <p:set>
-                                      <p:cBhvr>
-                                        <p:cTn id="36" dur="1" fill="hold">
-                                          <p:stCondLst>
-                                            <p:cond delay="0"/>
-                                          </p:stCondLst>
-                                        </p:cTn>
-                                        <p:tgtEl>
-                                          <p:spTgt spid="3">
-                                            <p:txEl>
-                                              <p:pRg st="8" end="8"/>
-                                            </p:txEl>
-                                          </p:spTgt>
-                                        </p:tgtEl>
-                                        <p:attrNameLst>
-                                          <p:attrName>style.visibility</p:attrName>
-                                        </p:attrNameLst>
-                                      </p:cBhvr>
-                                      <p:to>
-                                        <p:strVal val="visible"/>
-                                      </p:to>
-                                    </p:set>
-                                  </p:childTnLst>
-                                </p:cTn>
-                              </p:par>
-                              <p:par>
-                                <p:cTn id="37" presetID="1" presetClass="entr" presetSubtype="0" fill="hold" grpId="0" nodeType="withEffect">
-                                  <p:stCondLst>
-                                    <p:cond delay="0"/>
-                                  </p:stCondLst>
-                                  <p:childTnLst>
-                                    <p:set>
-                                      <p:cBhvr>
-                                        <p:cTn id="38" dur="1" fill="hold">
-                                          <p:stCondLst>
-                                            <p:cond delay="0"/>
-                                          </p:stCondLst>
-                                        </p:cTn>
-                                        <p:tgtEl>
-                                          <p:spTgt spid="7"/>
-                                        </p:tgtEl>
-                                        <p:attrNameLst>
-                                          <p:attrName>style.visibility</p:attrName>
-                                        </p:attrNameLst>
-                                      </p:cBhvr>
-                                      <p:to>
-                                        <p:strVal val="visible"/>
-                                      </p:to>
-                                    </p:set>
-                                  </p:childTnLst>
-                                </p:cTn>
-                              </p:par>
-                            </p:childTnLst>
-                          </p:cTn>
-                        </p:par>
-                      </p:childTnLst>
-                    </p:cTn>
-                  </p:par>
-                </p:childTnLst>
-              </p:cTn>
-              <p:prevCondLst>
-                <p:cond evt="onPrev" delay="0">
-                  <p:tgtEl>
-                    <p:sldTgt/>
-                  </p:tgtEl>
-                </p:cond>
-              </p:prevCondLst>
-              <p:nextCondLst>
-                <p:cond evt="onNext" delay="0">
-                  <p:tgtEl>
-                    <p:sldTgt/>
-                  </p:tgtEl>
-                </p:cond>
-              </p:nextCondLst>
-            </p:seq>
-          </p:childTnLst>
-        </p:cTn>
-      </p:par>
-    </p:tnLst>
-    <p:bldLst>
-      <p:bldP spid="3" grpId="0" uiExpand="1" build="p"/>
-      <p:bldP spid="5" grpId="0" animBg="1"/>
-      <p:bldP spid="6" grpId="0" animBg="1"/>
-      <p:bldP spid="7" grpId="0" animBg="1"/>
-    </p:bldLst>
-  </p:timing>
-</p:sld>
-</file>
-
-<file path=ppt/slides/slide20.xml><?xml version="1.0" encoding="utf-8"?>
+<file path=ppt/slides/slide18.xml><?xml version="1.0" encoding="utf-8"?>
 <p:sld xmlns:a="http://schemas.openxmlformats.org/drawingml/2006/main" xmlns:r="http://schemas.openxmlformats.org/officeDocument/2006/relationships" xmlns:p="http://schemas.openxmlformats.org/presentationml/2006/main">
   <p:cSld>
     <p:spTree>
@@ -12762,7 +9975,7 @@
 </p:sld>
 </file>
 
-<file path=ppt/slides/slide21.xml><?xml version="1.0" encoding="utf-8"?>
+<file path=ppt/slides/slide19.xml><?xml version="1.0" encoding="utf-8"?>
 <p:sld xmlns:a="http://schemas.openxmlformats.org/drawingml/2006/main" xmlns:r="http://schemas.openxmlformats.org/officeDocument/2006/relationships" xmlns:p="http://schemas.openxmlformats.org/presentationml/2006/main">
   <p:cSld>
     <p:spTree>
@@ -12860,7 +10073,7 @@
 </p:sld>
 </file>
 
-<file path=ppt/slides/slide22.xml><?xml version="1.0" encoding="utf-8"?>
+<file path=ppt/slides/slide2.xml><?xml version="1.0" encoding="utf-8"?>
 <p:sld xmlns:a="http://schemas.openxmlformats.org/drawingml/2006/main" xmlns:r="http://schemas.openxmlformats.org/officeDocument/2006/relationships" xmlns:p="http://schemas.openxmlformats.org/presentationml/2006/main">
   <p:cSld>
     <p:spTree>
@@ -12892,2582 +10105,6 @@
           <a:bodyPr/>
           <a:lstStyle/>
           <a:p>
-            <a:endParaRPr lang="en-US"/>
-          </a:p>
-        </p:txBody>
-      </p:sp>
-      <p:sp>
-        <p:nvSpPr>
-          <p:cNvPr id="3" name="Content Placeholder 2"/>
-          <p:cNvSpPr>
-            <a:spLocks noGrp="1"/>
-          </p:cNvSpPr>
-          <p:nvPr>
-            <p:ph sz="quarter" idx="13"/>
-          </p:nvPr>
-        </p:nvSpPr>
-        <p:spPr/>
-        <p:txBody>
-          <a:bodyPr/>
-          <a:lstStyle/>
-          <a:p>
-            <a:pPr marL="0" indent="0">
-              <a:buNone/>
-            </a:pPr>
-            <a:endParaRPr lang="en-US" dirty="0"/>
-          </a:p>
-          <a:p>
-            <a:pPr marL="0" indent="0">
-              <a:buNone/>
-            </a:pPr>
-            <a:endParaRPr lang="en-US" dirty="0"/>
-          </a:p>
-          <a:p>
-            <a:pPr marL="0" indent="0">
-              <a:buNone/>
-            </a:pPr>
-            <a:endParaRPr lang="en-US" dirty="0"/>
-          </a:p>
-          <a:p>
-            <a:pPr marL="0" indent="0" algn="ctr">
-              <a:buNone/>
-            </a:pPr>
-            <a:r>
-              <a:rPr lang="en-US" sz="3200" dirty="0"/>
-              <a:t>https://myuwbclasses.github.io/IntroGameDevelopment/</a:t>
-            </a:r>
-          </a:p>
-        </p:txBody>
-      </p:sp>
-    </p:spTree>
-    <p:extLst>
-      <p:ext uri="{BB962C8B-B14F-4D97-AF65-F5344CB8AC3E}">
-        <p14:creationId xmlns:p14="http://schemas.microsoft.com/office/powerpoint/2010/main" val="1945664101"/>
-      </p:ext>
-    </p:extLst>
-  </p:cSld>
-  <p:clrMapOvr>
-    <a:masterClrMapping/>
-  </p:clrMapOvr>
-</p:sld>
-</file>
-
-<file path=ppt/slides/slide3.xml><?xml version="1.0" encoding="utf-8"?>
-<p:sld xmlns:a="http://schemas.openxmlformats.org/drawingml/2006/main" xmlns:r="http://schemas.openxmlformats.org/officeDocument/2006/relationships" xmlns:p="http://schemas.openxmlformats.org/presentationml/2006/main">
-  <p:cSld>
-    <p:spTree>
-      <p:nvGrpSpPr>
-        <p:cNvPr id="1" name=""/>
-        <p:cNvGrpSpPr/>
-        <p:nvPr/>
-      </p:nvGrpSpPr>
-      <p:grpSpPr>
-        <a:xfrm>
-          <a:off x="0" y="0"/>
-          <a:ext cx="0" cy="0"/>
-          <a:chOff x="0" y="0"/>
-          <a:chExt cx="0" cy="0"/>
-        </a:xfrm>
-      </p:grpSpPr>
-      <p:sp>
-        <p:nvSpPr>
-          <p:cNvPr id="2" name="Title 1">
-            <a:extLst>
-              <a:ext uri="{FF2B5EF4-FFF2-40B4-BE49-F238E27FC236}">
-                <a16:creationId xmlns:a16="http://schemas.microsoft.com/office/drawing/2014/main" id="{7E4BDF45-BF86-4824-8D4D-ADAE32DE81AA}"/>
-              </a:ext>
-            </a:extLst>
-          </p:cNvPr>
-          <p:cNvSpPr>
-            <a:spLocks noGrp="1"/>
-          </p:cNvSpPr>
-          <p:nvPr>
-            <p:ph type="title"/>
-          </p:nvPr>
-        </p:nvSpPr>
-        <p:spPr/>
-        <p:txBody>
-          <a:bodyPr/>
-          <a:lstStyle/>
-          <a:p>
-            <a:r>
-              <a:rPr lang="en-US" dirty="0"/>
-              <a:t>Technology … Zoom</a:t>
-            </a:r>
-          </a:p>
-        </p:txBody>
-      </p:sp>
-      <p:sp>
-        <p:nvSpPr>
-          <p:cNvPr id="6" name="Content Placeholder 5">
-            <a:extLst>
-              <a:ext uri="{FF2B5EF4-FFF2-40B4-BE49-F238E27FC236}">
-                <a16:creationId xmlns:a16="http://schemas.microsoft.com/office/drawing/2014/main" id="{FD7F8CB5-AE6D-46A5-A3B9-E5041368D312}"/>
-              </a:ext>
-            </a:extLst>
-          </p:cNvPr>
-          <p:cNvSpPr>
-            <a:spLocks noGrp="1"/>
-          </p:cNvSpPr>
-          <p:nvPr>
-            <p:ph sz="quarter" idx="13"/>
-          </p:nvPr>
-        </p:nvSpPr>
-        <p:spPr/>
-        <p:txBody>
-          <a:bodyPr>
-            <a:normAutofit lnSpcReduction="10000"/>
-          </a:bodyPr>
-          <a:lstStyle/>
-          <a:p>
-            <a:r>
-              <a:rPr lang="en-US" dirty="0"/>
-              <a:t>How to annotate</a:t>
-            </a:r>
-          </a:p>
-          <a:p>
-            <a:pPr lvl="1"/>
-            <a:r>
-              <a:rPr lang="en-US" dirty="0"/>
-              <a:t>Change draw color</a:t>
-            </a:r>
-          </a:p>
-          <a:p>
-            <a:pPr lvl="1"/>
-            <a:r>
-              <a:rPr lang="en-US" dirty="0"/>
-              <a:t>Change draw size</a:t>
-            </a:r>
-          </a:p>
-          <a:p>
-            <a:endParaRPr lang="en-US" dirty="0"/>
-          </a:p>
-          <a:p>
-            <a:endParaRPr lang="en-US" dirty="0"/>
-          </a:p>
-          <a:p>
-            <a:r>
-              <a:rPr lang="en-US" dirty="0"/>
-              <a:t>Now annotate on this slide by drawing a check mark in your </a:t>
-            </a:r>
-            <a:r>
-              <a:rPr lang="en-US" dirty="0" err="1"/>
-              <a:t>favorate</a:t>
-            </a:r>
-            <a:r>
-              <a:rPr lang="en-US" dirty="0"/>
-              <a:t> color:</a:t>
-            </a:r>
-            <a:endParaRPr lang="en-US" sz="4000" dirty="0">
-              <a:solidFill>
-                <a:srgbClr val="FF0000"/>
-              </a:solidFill>
-            </a:endParaRPr>
-          </a:p>
-          <a:p>
-            <a:pPr lvl="1"/>
-            <a:r>
-              <a:rPr lang="en-US" dirty="0"/>
-              <a:t>It’s OK … I can clear everything!</a:t>
-            </a:r>
-          </a:p>
-          <a:p>
-            <a:r>
-              <a:rPr lang="en-US" dirty="0"/>
-              <a:t>Suggestion on asking question (you can simply un-mute and ask!), or … </a:t>
-            </a:r>
-            <a:endParaRPr lang="en-US" b="1" dirty="0"/>
-          </a:p>
-          <a:p>
-            <a:pPr lvl="1"/>
-            <a:r>
-              <a:rPr lang="en-US" dirty="0"/>
-              <a:t>Type in your questions in </a:t>
-            </a:r>
-            <a:r>
-              <a:rPr lang="en-US" b="1" dirty="0"/>
-              <a:t>Chat</a:t>
-            </a:r>
-            <a:r>
-              <a:rPr lang="en-US" dirty="0"/>
-              <a:t> (Chinese is ok), and </a:t>
-            </a:r>
-          </a:p>
-          <a:p>
-            <a:pPr lvl="1"/>
-            <a:r>
-              <a:rPr lang="en-US" dirty="0"/>
-              <a:t>Write/Annotate a “Q” on share screen (Anywhere is fine) so that I won’t miss your question</a:t>
-            </a:r>
-          </a:p>
-          <a:p>
-            <a:r>
-              <a:rPr lang="en-US" dirty="0"/>
-              <a:t>How to exit from annotation  </a:t>
-            </a:r>
-          </a:p>
-        </p:txBody>
-      </p:sp>
-      <p:pic>
-        <p:nvPicPr>
-          <p:cNvPr id="9" name="Picture 8">
-            <a:extLst>
-              <a:ext uri="{FF2B5EF4-FFF2-40B4-BE49-F238E27FC236}">
-                <a16:creationId xmlns:a16="http://schemas.microsoft.com/office/drawing/2014/main" id="{079FF073-51DE-45E9-B39F-A7E52856BF1A}"/>
-              </a:ext>
-            </a:extLst>
-          </p:cNvPr>
-          <p:cNvPicPr>
-            <a:picLocks noChangeAspect="1"/>
-          </p:cNvPicPr>
-          <p:nvPr/>
-        </p:nvPicPr>
-        <p:blipFill>
-          <a:blip r:embed="rId3"/>
-          <a:stretch>
-            <a:fillRect/>
-          </a:stretch>
-        </p:blipFill>
-        <p:spPr>
-          <a:xfrm>
-            <a:off x="4267200" y="762000"/>
-            <a:ext cx="7658100" cy="2519762"/>
-          </a:xfrm>
-          <a:prstGeom prst="rect">
-            <a:avLst/>
-          </a:prstGeom>
-        </p:spPr>
-      </p:pic>
-      <p:pic>
-        <p:nvPicPr>
-          <p:cNvPr id="10" name="Picture 9">
-            <a:extLst>
-              <a:ext uri="{FF2B5EF4-FFF2-40B4-BE49-F238E27FC236}">
-                <a16:creationId xmlns:a16="http://schemas.microsoft.com/office/drawing/2014/main" id="{836CC5C9-E961-4439-AA84-8211B656F614}"/>
-              </a:ext>
-            </a:extLst>
-          </p:cNvPr>
-          <p:cNvPicPr>
-            <a:picLocks noChangeAspect="1"/>
-          </p:cNvPicPr>
-          <p:nvPr/>
-        </p:nvPicPr>
-        <p:blipFill rotWithShape="1">
-          <a:blip r:embed="rId4"/>
-          <a:srcRect l="2380" t="50000" r="7168" b="25000"/>
-          <a:stretch/>
-        </p:blipFill>
-        <p:spPr>
-          <a:xfrm>
-            <a:off x="4742574" y="2048773"/>
-            <a:ext cx="5791200" cy="381000"/>
-          </a:xfrm>
-          <a:prstGeom prst="rect">
-            <a:avLst/>
-          </a:prstGeom>
-        </p:spPr>
-      </p:pic>
-      <p:sp>
-        <p:nvSpPr>
-          <p:cNvPr id="11" name="Rectangle 10">
-            <a:extLst>
-              <a:ext uri="{FF2B5EF4-FFF2-40B4-BE49-F238E27FC236}">
-                <a16:creationId xmlns:a16="http://schemas.microsoft.com/office/drawing/2014/main" id="{AA19DF7F-6BF0-4857-AF06-DF4C5F7D9AAA}"/>
-              </a:ext>
-            </a:extLst>
-          </p:cNvPr>
-          <p:cNvSpPr/>
-          <p:nvPr/>
-        </p:nvSpPr>
-        <p:spPr>
-          <a:xfrm>
-            <a:off x="7866774" y="838199"/>
-            <a:ext cx="1582026" cy="1028011"/>
-          </a:xfrm>
-          <a:prstGeom prst="rect">
-            <a:avLst/>
-          </a:prstGeom>
-          <a:noFill/>
-          <a:ln w="38100">
-            <a:solidFill>
-              <a:srgbClr val="FF0000"/>
-            </a:solidFill>
-          </a:ln>
-        </p:spPr>
-        <p:style>
-          <a:lnRef idx="2">
-            <a:schemeClr val="accent1">
-              <a:shade val="50000"/>
-            </a:schemeClr>
-          </a:lnRef>
-          <a:fillRef idx="1">
-            <a:schemeClr val="accent1"/>
-          </a:fillRef>
-          <a:effectRef idx="0">
-            <a:schemeClr val="accent1"/>
-          </a:effectRef>
-          <a:fontRef idx="minor">
-            <a:schemeClr val="lt1"/>
-          </a:fontRef>
-        </p:style>
-        <p:txBody>
-          <a:bodyPr rtlCol="0" anchor="ctr"/>
-          <a:lstStyle/>
-          <a:p>
-            <a:pPr algn="ctr"/>
-            <a:endParaRPr lang="en-US"/>
-          </a:p>
-        </p:txBody>
-      </p:sp>
-      <p:sp>
-        <p:nvSpPr>
-          <p:cNvPr id="12" name="Rectangle 11">
-            <a:extLst>
-              <a:ext uri="{FF2B5EF4-FFF2-40B4-BE49-F238E27FC236}">
-                <a16:creationId xmlns:a16="http://schemas.microsoft.com/office/drawing/2014/main" id="{415E5BBD-A04F-42CF-A072-CC11586FBFD8}"/>
-              </a:ext>
-            </a:extLst>
-          </p:cNvPr>
-          <p:cNvSpPr/>
-          <p:nvPr/>
-        </p:nvSpPr>
-        <p:spPr>
-          <a:xfrm>
-            <a:off x="7942974" y="1344019"/>
-            <a:ext cx="1447800" cy="228600"/>
-          </a:xfrm>
-          <a:prstGeom prst="rect">
-            <a:avLst/>
-          </a:prstGeom>
-          <a:noFill/>
-          <a:ln w="38100">
-            <a:solidFill>
-              <a:srgbClr val="FF0000"/>
-            </a:solidFill>
-          </a:ln>
-        </p:spPr>
-        <p:style>
-          <a:lnRef idx="2">
-            <a:schemeClr val="accent1">
-              <a:shade val="50000"/>
-            </a:schemeClr>
-          </a:lnRef>
-          <a:fillRef idx="1">
-            <a:schemeClr val="accent1"/>
-          </a:fillRef>
-          <a:effectRef idx="0">
-            <a:schemeClr val="accent1"/>
-          </a:effectRef>
-          <a:fontRef idx="minor">
-            <a:schemeClr val="lt1"/>
-          </a:fontRef>
-        </p:style>
-        <p:txBody>
-          <a:bodyPr rtlCol="0" anchor="ctr"/>
-          <a:lstStyle/>
-          <a:p>
-            <a:pPr algn="ctr"/>
-            <a:endParaRPr lang="en-US"/>
-          </a:p>
-        </p:txBody>
-      </p:sp>
-      <p:sp>
-        <p:nvSpPr>
-          <p:cNvPr id="13" name="Rectangle 12">
-            <a:extLst>
-              <a:ext uri="{FF2B5EF4-FFF2-40B4-BE49-F238E27FC236}">
-                <a16:creationId xmlns:a16="http://schemas.microsoft.com/office/drawing/2014/main" id="{8D6D295F-0B5D-4619-BAD6-30D07C8415D5}"/>
-              </a:ext>
-            </a:extLst>
-          </p:cNvPr>
-          <p:cNvSpPr/>
-          <p:nvPr/>
-        </p:nvSpPr>
-        <p:spPr>
-          <a:xfrm>
-            <a:off x="10134599" y="2021881"/>
-            <a:ext cx="457201" cy="492719"/>
-          </a:xfrm>
-          <a:prstGeom prst="rect">
-            <a:avLst/>
-          </a:prstGeom>
-          <a:noFill/>
-          <a:ln w="38100">
-            <a:solidFill>
-              <a:srgbClr val="FF0000"/>
-            </a:solidFill>
-          </a:ln>
-        </p:spPr>
-        <p:style>
-          <a:lnRef idx="2">
-            <a:schemeClr val="accent1">
-              <a:shade val="50000"/>
-            </a:schemeClr>
-          </a:lnRef>
-          <a:fillRef idx="1">
-            <a:schemeClr val="accent1"/>
-          </a:fillRef>
-          <a:effectRef idx="0">
-            <a:schemeClr val="accent1"/>
-          </a:effectRef>
-          <a:fontRef idx="minor">
-            <a:schemeClr val="lt1"/>
-          </a:fontRef>
-        </p:style>
-        <p:txBody>
-          <a:bodyPr rtlCol="0" anchor="ctr"/>
-          <a:lstStyle/>
-          <a:p>
-            <a:pPr algn="ctr"/>
-            <a:endParaRPr lang="en-US"/>
-          </a:p>
-        </p:txBody>
-      </p:sp>
-      <p:sp>
-        <p:nvSpPr>
-          <p:cNvPr id="14" name="Rectangle 13">
-            <a:extLst>
-              <a:ext uri="{FF2B5EF4-FFF2-40B4-BE49-F238E27FC236}">
-                <a16:creationId xmlns:a16="http://schemas.microsoft.com/office/drawing/2014/main" id="{8F560C1C-895D-488C-9D19-EAFBE7F006CC}"/>
-              </a:ext>
-            </a:extLst>
-          </p:cNvPr>
-          <p:cNvSpPr/>
-          <p:nvPr/>
-        </p:nvSpPr>
-        <p:spPr>
-          <a:xfrm>
-            <a:off x="7357702" y="3495194"/>
-            <a:ext cx="689052" cy="584775"/>
-          </a:xfrm>
-          <a:prstGeom prst="rect">
-            <a:avLst/>
-          </a:prstGeom>
-        </p:spPr>
-        <p:txBody>
-          <a:bodyPr wrap="square">
-            <a:spAutoFit/>
-          </a:bodyPr>
-          <a:lstStyle/>
-          <a:p>
-            <a:r>
-              <a:rPr lang="en-US" sz="3200" dirty="0">
-                <a:solidFill>
-                  <a:srgbClr val="00B0F0"/>
-                </a:solidFill>
-              </a:rPr>
-              <a:t>√</a:t>
-            </a:r>
-          </a:p>
-        </p:txBody>
-      </p:sp>
-      <p:sp>
-        <p:nvSpPr>
-          <p:cNvPr id="15" name="Rectangle 14">
-            <a:extLst>
-              <a:ext uri="{FF2B5EF4-FFF2-40B4-BE49-F238E27FC236}">
-                <a16:creationId xmlns:a16="http://schemas.microsoft.com/office/drawing/2014/main" id="{5DB40076-87D2-4A18-BE36-E1E1D0A734D2}"/>
-              </a:ext>
-            </a:extLst>
-          </p:cNvPr>
-          <p:cNvSpPr/>
-          <p:nvPr/>
-        </p:nvSpPr>
-        <p:spPr>
-          <a:xfrm>
-            <a:off x="7800536" y="2013537"/>
-            <a:ext cx="457201" cy="492719"/>
-          </a:xfrm>
-          <a:prstGeom prst="rect">
-            <a:avLst/>
-          </a:prstGeom>
-          <a:noFill/>
-          <a:ln w="38100">
-            <a:solidFill>
-              <a:srgbClr val="FF0000"/>
-            </a:solidFill>
-          </a:ln>
-        </p:spPr>
-        <p:style>
-          <a:lnRef idx="2">
-            <a:schemeClr val="accent1">
-              <a:shade val="50000"/>
-            </a:schemeClr>
-          </a:lnRef>
-          <a:fillRef idx="1">
-            <a:schemeClr val="accent1"/>
-          </a:fillRef>
-          <a:effectRef idx="0">
-            <a:schemeClr val="accent1"/>
-          </a:effectRef>
-          <a:fontRef idx="minor">
-            <a:schemeClr val="lt1"/>
-          </a:fontRef>
-        </p:style>
-        <p:txBody>
-          <a:bodyPr rtlCol="0" anchor="ctr"/>
-          <a:lstStyle/>
-          <a:p>
-            <a:pPr algn="ctr"/>
-            <a:endParaRPr lang="en-US"/>
-          </a:p>
-        </p:txBody>
-      </p:sp>
-      <p:sp>
-        <p:nvSpPr>
-          <p:cNvPr id="16" name="Rectangle 15">
-            <a:extLst>
-              <a:ext uri="{FF2B5EF4-FFF2-40B4-BE49-F238E27FC236}">
-                <a16:creationId xmlns:a16="http://schemas.microsoft.com/office/drawing/2014/main" id="{C4A4C009-ADC1-4040-B0B6-C413E873E54F}"/>
-              </a:ext>
-            </a:extLst>
-          </p:cNvPr>
-          <p:cNvSpPr/>
-          <p:nvPr/>
-        </p:nvSpPr>
-        <p:spPr>
-          <a:xfrm>
-            <a:off x="5801162" y="2021880"/>
-            <a:ext cx="457201" cy="492719"/>
-          </a:xfrm>
-          <a:prstGeom prst="rect">
-            <a:avLst/>
-          </a:prstGeom>
-          <a:noFill/>
-          <a:ln w="38100">
-            <a:solidFill>
-              <a:srgbClr val="FF0000"/>
-            </a:solidFill>
-          </a:ln>
-        </p:spPr>
-        <p:style>
-          <a:lnRef idx="2">
-            <a:schemeClr val="accent1">
-              <a:shade val="50000"/>
-            </a:schemeClr>
-          </a:lnRef>
-          <a:fillRef idx="1">
-            <a:schemeClr val="accent1"/>
-          </a:fillRef>
-          <a:effectRef idx="0">
-            <a:schemeClr val="accent1"/>
-          </a:effectRef>
-          <a:fontRef idx="minor">
-            <a:schemeClr val="lt1"/>
-          </a:fontRef>
-        </p:style>
-        <p:txBody>
-          <a:bodyPr rtlCol="0" anchor="ctr"/>
-          <a:lstStyle/>
-          <a:p>
-            <a:pPr algn="ctr"/>
-            <a:endParaRPr lang="en-US"/>
-          </a:p>
-        </p:txBody>
-      </p:sp>
-    </p:spTree>
-    <p:extLst>
-      <p:ext uri="{BB962C8B-B14F-4D97-AF65-F5344CB8AC3E}">
-        <p14:creationId xmlns:p14="http://schemas.microsoft.com/office/powerpoint/2010/main" val="1565038147"/>
-      </p:ext>
-    </p:extLst>
-  </p:cSld>
-  <p:clrMapOvr>
-    <a:masterClrMapping/>
-  </p:clrMapOvr>
-  <p:timing>
-    <p:tnLst>
-      <p:par>
-        <p:cTn id="1" dur="indefinite" restart="never" nodeType="tmRoot">
-          <p:childTnLst>
-            <p:seq concurrent="1" nextAc="seek">
-              <p:cTn id="2" dur="indefinite" nodeType="mainSeq">
-                <p:childTnLst>
-                  <p:par>
-                    <p:cTn id="3" fill="hold">
-                      <p:stCondLst>
-                        <p:cond delay="indefinite"/>
-                      </p:stCondLst>
-                      <p:childTnLst>
-                        <p:par>
-                          <p:cTn id="4" fill="hold">
-                            <p:stCondLst>
-                              <p:cond delay="0"/>
-                            </p:stCondLst>
-                            <p:childTnLst>
-                              <p:par>
-                                <p:cTn id="5" presetID="1" presetClass="entr" presetSubtype="0" fill="hold" grpId="0" nodeType="clickEffect">
-                                  <p:stCondLst>
-                                    <p:cond delay="0"/>
-                                  </p:stCondLst>
-                                  <p:childTnLst>
-                                    <p:set>
-                                      <p:cBhvr>
-                                        <p:cTn id="6" dur="1" fill="hold">
-                                          <p:stCondLst>
-                                            <p:cond delay="0"/>
-                                          </p:stCondLst>
-                                        </p:cTn>
-                                        <p:tgtEl>
-                                          <p:spTgt spid="6">
-                                            <p:txEl>
-                                              <p:pRg st="0" end="0"/>
-                                            </p:txEl>
-                                          </p:spTgt>
-                                        </p:tgtEl>
-                                        <p:attrNameLst>
-                                          <p:attrName>style.visibility</p:attrName>
-                                        </p:attrNameLst>
-                                      </p:cBhvr>
-                                      <p:to>
-                                        <p:strVal val="visible"/>
-                                      </p:to>
-                                    </p:set>
-                                  </p:childTnLst>
-                                </p:cTn>
-                              </p:par>
-                            </p:childTnLst>
-                          </p:cTn>
-                        </p:par>
-                      </p:childTnLst>
-                    </p:cTn>
-                  </p:par>
-                  <p:par>
-                    <p:cTn id="7" fill="hold">
-                      <p:stCondLst>
-                        <p:cond delay="indefinite"/>
-                      </p:stCondLst>
-                      <p:childTnLst>
-                        <p:par>
-                          <p:cTn id="8" fill="hold">
-                            <p:stCondLst>
-                              <p:cond delay="0"/>
-                            </p:stCondLst>
-                            <p:childTnLst>
-                              <p:par>
-                                <p:cTn id="9" presetID="1" presetClass="entr" presetSubtype="0" fill="hold" nodeType="clickEffect">
-                                  <p:stCondLst>
-                                    <p:cond delay="0"/>
-                                  </p:stCondLst>
-                                  <p:childTnLst>
-                                    <p:set>
-                                      <p:cBhvr>
-                                        <p:cTn id="10" dur="1" fill="hold">
-                                          <p:stCondLst>
-                                            <p:cond delay="0"/>
-                                          </p:stCondLst>
-                                        </p:cTn>
-                                        <p:tgtEl>
-                                          <p:spTgt spid="9"/>
-                                        </p:tgtEl>
-                                        <p:attrNameLst>
-                                          <p:attrName>style.visibility</p:attrName>
-                                        </p:attrNameLst>
-                                      </p:cBhvr>
-                                      <p:to>
-                                        <p:strVal val="visible"/>
-                                      </p:to>
-                                    </p:set>
-                                  </p:childTnLst>
-                                </p:cTn>
-                              </p:par>
-                              <p:par>
-                                <p:cTn id="11" presetID="1" presetClass="entr" presetSubtype="0" fill="hold" grpId="0" nodeType="withEffect">
-                                  <p:stCondLst>
-                                    <p:cond delay="0"/>
-                                  </p:stCondLst>
-                                  <p:childTnLst>
-                                    <p:set>
-                                      <p:cBhvr>
-                                        <p:cTn id="12" dur="1" fill="hold">
-                                          <p:stCondLst>
-                                            <p:cond delay="0"/>
-                                          </p:stCondLst>
-                                        </p:cTn>
-                                        <p:tgtEl>
-                                          <p:spTgt spid="11"/>
-                                        </p:tgtEl>
-                                        <p:attrNameLst>
-                                          <p:attrName>style.visibility</p:attrName>
-                                        </p:attrNameLst>
-                                      </p:cBhvr>
-                                      <p:to>
-                                        <p:strVal val="visible"/>
-                                      </p:to>
-                                    </p:set>
-                                  </p:childTnLst>
-                                </p:cTn>
-                              </p:par>
-                            </p:childTnLst>
-                          </p:cTn>
-                        </p:par>
-                      </p:childTnLst>
-                    </p:cTn>
-                  </p:par>
-                  <p:par>
-                    <p:cTn id="13" fill="hold">
-                      <p:stCondLst>
-                        <p:cond delay="indefinite"/>
-                      </p:stCondLst>
-                      <p:childTnLst>
-                        <p:par>
-                          <p:cTn id="14" fill="hold">
-                            <p:stCondLst>
-                              <p:cond delay="0"/>
-                            </p:stCondLst>
-                            <p:childTnLst>
-                              <p:par>
-                                <p:cTn id="15" presetID="1" presetClass="entr" presetSubtype="0" fill="hold" grpId="0" nodeType="clickEffect">
-                                  <p:stCondLst>
-                                    <p:cond delay="0"/>
-                                  </p:stCondLst>
-                                  <p:childTnLst>
-                                    <p:set>
-                                      <p:cBhvr>
-                                        <p:cTn id="16" dur="1" fill="hold">
-                                          <p:stCondLst>
-                                            <p:cond delay="0"/>
-                                          </p:stCondLst>
-                                        </p:cTn>
-                                        <p:tgtEl>
-                                          <p:spTgt spid="12"/>
-                                        </p:tgtEl>
-                                        <p:attrNameLst>
-                                          <p:attrName>style.visibility</p:attrName>
-                                        </p:attrNameLst>
-                                      </p:cBhvr>
-                                      <p:to>
-                                        <p:strVal val="visible"/>
-                                      </p:to>
-                                    </p:set>
-                                  </p:childTnLst>
-                                </p:cTn>
-                              </p:par>
-                            </p:childTnLst>
-                          </p:cTn>
-                        </p:par>
-                      </p:childTnLst>
-                    </p:cTn>
-                  </p:par>
-                  <p:par>
-                    <p:cTn id="17" fill="hold">
-                      <p:stCondLst>
-                        <p:cond delay="indefinite"/>
-                      </p:stCondLst>
-                      <p:childTnLst>
-                        <p:par>
-                          <p:cTn id="18" fill="hold">
-                            <p:stCondLst>
-                              <p:cond delay="0"/>
-                            </p:stCondLst>
-                            <p:childTnLst>
-                              <p:par>
-                                <p:cTn id="19" presetID="1" presetClass="entr" presetSubtype="0" fill="hold" nodeType="clickEffect">
-                                  <p:stCondLst>
-                                    <p:cond delay="0"/>
-                                  </p:stCondLst>
-                                  <p:childTnLst>
-                                    <p:set>
-                                      <p:cBhvr>
-                                        <p:cTn id="20" dur="1" fill="hold">
-                                          <p:stCondLst>
-                                            <p:cond delay="0"/>
-                                          </p:stCondLst>
-                                        </p:cTn>
-                                        <p:tgtEl>
-                                          <p:spTgt spid="10"/>
-                                        </p:tgtEl>
-                                        <p:attrNameLst>
-                                          <p:attrName>style.visibility</p:attrName>
-                                        </p:attrNameLst>
-                                      </p:cBhvr>
-                                      <p:to>
-                                        <p:strVal val="visible"/>
-                                      </p:to>
-                                    </p:set>
-                                  </p:childTnLst>
-                                </p:cTn>
-                              </p:par>
-                            </p:childTnLst>
-                          </p:cTn>
-                        </p:par>
-                      </p:childTnLst>
-                    </p:cTn>
-                  </p:par>
-                  <p:par>
-                    <p:cTn id="21" fill="hold">
-                      <p:stCondLst>
-                        <p:cond delay="indefinite"/>
-                      </p:stCondLst>
-                      <p:childTnLst>
-                        <p:par>
-                          <p:cTn id="22" fill="hold">
-                            <p:stCondLst>
-                              <p:cond delay="0"/>
-                            </p:stCondLst>
-                            <p:childTnLst>
-                              <p:par>
-                                <p:cTn id="23" presetID="1" presetClass="entr" presetSubtype="0" fill="hold" grpId="0" nodeType="clickEffect">
-                                  <p:stCondLst>
-                                    <p:cond delay="0"/>
-                                  </p:stCondLst>
-                                  <p:childTnLst>
-                                    <p:set>
-                                      <p:cBhvr>
-                                        <p:cTn id="24" dur="1" fill="hold">
-                                          <p:stCondLst>
-                                            <p:cond delay="0"/>
-                                          </p:stCondLst>
-                                        </p:cTn>
-                                        <p:tgtEl>
-                                          <p:spTgt spid="6">
-                                            <p:txEl>
-                                              <p:pRg st="1" end="1"/>
-                                            </p:txEl>
-                                          </p:spTgt>
-                                        </p:tgtEl>
-                                        <p:attrNameLst>
-                                          <p:attrName>style.visibility</p:attrName>
-                                        </p:attrNameLst>
-                                      </p:cBhvr>
-                                      <p:to>
-                                        <p:strVal val="visible"/>
-                                      </p:to>
-                                    </p:set>
-                                  </p:childTnLst>
-                                </p:cTn>
-                              </p:par>
-                            </p:childTnLst>
-                          </p:cTn>
-                        </p:par>
-                      </p:childTnLst>
-                    </p:cTn>
-                  </p:par>
-                  <p:par>
-                    <p:cTn id="25" fill="hold">
-                      <p:stCondLst>
-                        <p:cond delay="indefinite"/>
-                      </p:stCondLst>
-                      <p:childTnLst>
-                        <p:par>
-                          <p:cTn id="26" fill="hold">
-                            <p:stCondLst>
-                              <p:cond delay="0"/>
-                            </p:stCondLst>
-                            <p:childTnLst>
-                              <p:par>
-                                <p:cTn id="27" presetID="1" presetClass="entr" presetSubtype="0" fill="hold" grpId="0" nodeType="clickEffect">
-                                  <p:stCondLst>
-                                    <p:cond delay="0"/>
-                                  </p:stCondLst>
-                                  <p:childTnLst>
-                                    <p:set>
-                                      <p:cBhvr>
-                                        <p:cTn id="28" dur="1" fill="hold">
-                                          <p:stCondLst>
-                                            <p:cond delay="0"/>
-                                          </p:stCondLst>
-                                        </p:cTn>
-                                        <p:tgtEl>
-                                          <p:spTgt spid="15"/>
-                                        </p:tgtEl>
-                                        <p:attrNameLst>
-                                          <p:attrName>style.visibility</p:attrName>
-                                        </p:attrNameLst>
-                                      </p:cBhvr>
-                                      <p:to>
-                                        <p:strVal val="visible"/>
-                                      </p:to>
-                                    </p:set>
-                                  </p:childTnLst>
-                                </p:cTn>
-                              </p:par>
-                            </p:childTnLst>
-                          </p:cTn>
-                        </p:par>
-                      </p:childTnLst>
-                    </p:cTn>
-                  </p:par>
-                  <p:par>
-                    <p:cTn id="29" fill="hold">
-                      <p:stCondLst>
-                        <p:cond delay="indefinite"/>
-                      </p:stCondLst>
-                      <p:childTnLst>
-                        <p:par>
-                          <p:cTn id="30" fill="hold">
-                            <p:stCondLst>
-                              <p:cond delay="0"/>
-                            </p:stCondLst>
-                            <p:childTnLst>
-                              <p:par>
-                                <p:cTn id="31" presetID="1" presetClass="entr" presetSubtype="0" fill="hold" grpId="0" nodeType="clickEffect">
-                                  <p:stCondLst>
-                                    <p:cond delay="0"/>
-                                  </p:stCondLst>
-                                  <p:childTnLst>
-                                    <p:set>
-                                      <p:cBhvr>
-                                        <p:cTn id="32" dur="1" fill="hold">
-                                          <p:stCondLst>
-                                            <p:cond delay="0"/>
-                                          </p:stCondLst>
-                                        </p:cTn>
-                                        <p:tgtEl>
-                                          <p:spTgt spid="6">
-                                            <p:txEl>
-                                              <p:pRg st="2" end="2"/>
-                                            </p:txEl>
-                                          </p:spTgt>
-                                        </p:tgtEl>
-                                        <p:attrNameLst>
-                                          <p:attrName>style.visibility</p:attrName>
-                                        </p:attrNameLst>
-                                      </p:cBhvr>
-                                      <p:to>
-                                        <p:strVal val="visible"/>
-                                      </p:to>
-                                    </p:set>
-                                  </p:childTnLst>
-                                </p:cTn>
-                              </p:par>
-                            </p:childTnLst>
-                          </p:cTn>
-                        </p:par>
-                      </p:childTnLst>
-                    </p:cTn>
-                  </p:par>
-                  <p:par>
-                    <p:cTn id="33" fill="hold">
-                      <p:stCondLst>
-                        <p:cond delay="indefinite"/>
-                      </p:stCondLst>
-                      <p:childTnLst>
-                        <p:par>
-                          <p:cTn id="34" fill="hold">
-                            <p:stCondLst>
-                              <p:cond delay="0"/>
-                            </p:stCondLst>
-                            <p:childTnLst>
-                              <p:par>
-                                <p:cTn id="35" presetID="1" presetClass="entr" presetSubtype="0" fill="hold" grpId="0" nodeType="clickEffect">
-                                  <p:stCondLst>
-                                    <p:cond delay="0"/>
-                                  </p:stCondLst>
-                                  <p:childTnLst>
-                                    <p:set>
-                                      <p:cBhvr>
-                                        <p:cTn id="36" dur="1" fill="hold">
-                                          <p:stCondLst>
-                                            <p:cond delay="0"/>
-                                          </p:stCondLst>
-                                        </p:cTn>
-                                        <p:tgtEl>
-                                          <p:spTgt spid="16"/>
-                                        </p:tgtEl>
-                                        <p:attrNameLst>
-                                          <p:attrName>style.visibility</p:attrName>
-                                        </p:attrNameLst>
-                                      </p:cBhvr>
-                                      <p:to>
-                                        <p:strVal val="visible"/>
-                                      </p:to>
-                                    </p:set>
-                                  </p:childTnLst>
-                                </p:cTn>
-                              </p:par>
-                            </p:childTnLst>
-                          </p:cTn>
-                        </p:par>
-                      </p:childTnLst>
-                    </p:cTn>
-                  </p:par>
-                  <p:par>
-                    <p:cTn id="37" fill="hold">
-                      <p:stCondLst>
-                        <p:cond delay="indefinite"/>
-                      </p:stCondLst>
-                      <p:childTnLst>
-                        <p:par>
-                          <p:cTn id="38" fill="hold">
-                            <p:stCondLst>
-                              <p:cond delay="0"/>
-                            </p:stCondLst>
-                            <p:childTnLst>
-                              <p:par>
-                                <p:cTn id="39" presetID="1" presetClass="entr" presetSubtype="0" fill="hold" grpId="0" nodeType="clickEffect">
-                                  <p:stCondLst>
-                                    <p:cond delay="0"/>
-                                  </p:stCondLst>
-                                  <p:childTnLst>
-                                    <p:set>
-                                      <p:cBhvr>
-                                        <p:cTn id="40" dur="1" fill="hold">
-                                          <p:stCondLst>
-                                            <p:cond delay="0"/>
-                                          </p:stCondLst>
-                                        </p:cTn>
-                                        <p:tgtEl>
-                                          <p:spTgt spid="6">
-                                            <p:txEl>
-                                              <p:pRg st="5" end="5"/>
-                                            </p:txEl>
-                                          </p:spTgt>
-                                        </p:tgtEl>
-                                        <p:attrNameLst>
-                                          <p:attrName>style.visibility</p:attrName>
-                                        </p:attrNameLst>
-                                      </p:cBhvr>
-                                      <p:to>
-                                        <p:strVal val="visible"/>
-                                      </p:to>
-                                    </p:set>
-                                  </p:childTnLst>
-                                </p:cTn>
-                              </p:par>
-                            </p:childTnLst>
-                          </p:cTn>
-                        </p:par>
-                      </p:childTnLst>
-                    </p:cTn>
-                  </p:par>
-                  <p:par>
-                    <p:cTn id="41" fill="hold">
-                      <p:stCondLst>
-                        <p:cond delay="indefinite"/>
-                      </p:stCondLst>
-                      <p:childTnLst>
-                        <p:par>
-                          <p:cTn id="42" fill="hold">
-                            <p:stCondLst>
-                              <p:cond delay="0"/>
-                            </p:stCondLst>
-                            <p:childTnLst>
-                              <p:par>
-                                <p:cTn id="43" presetID="1" presetClass="entr" presetSubtype="0" fill="hold" grpId="0" nodeType="clickEffect">
-                                  <p:stCondLst>
-                                    <p:cond delay="0"/>
-                                  </p:stCondLst>
-                                  <p:childTnLst>
-                                    <p:set>
-                                      <p:cBhvr>
-                                        <p:cTn id="44" dur="1" fill="hold">
-                                          <p:stCondLst>
-                                            <p:cond delay="0"/>
-                                          </p:stCondLst>
-                                        </p:cTn>
-                                        <p:tgtEl>
-                                          <p:spTgt spid="14"/>
-                                        </p:tgtEl>
-                                        <p:attrNameLst>
-                                          <p:attrName>style.visibility</p:attrName>
-                                        </p:attrNameLst>
-                                      </p:cBhvr>
-                                      <p:to>
-                                        <p:strVal val="visible"/>
-                                      </p:to>
-                                    </p:set>
-                                  </p:childTnLst>
-                                </p:cTn>
-                              </p:par>
-                            </p:childTnLst>
-                          </p:cTn>
-                        </p:par>
-                      </p:childTnLst>
-                    </p:cTn>
-                  </p:par>
-                  <p:par>
-                    <p:cTn id="45" fill="hold">
-                      <p:stCondLst>
-                        <p:cond delay="indefinite"/>
-                      </p:stCondLst>
-                      <p:childTnLst>
-                        <p:par>
-                          <p:cTn id="46" fill="hold">
-                            <p:stCondLst>
-                              <p:cond delay="0"/>
-                            </p:stCondLst>
-                            <p:childTnLst>
-                              <p:par>
-                                <p:cTn id="47" presetID="1" presetClass="entr" presetSubtype="0" fill="hold" grpId="0" nodeType="clickEffect">
-                                  <p:stCondLst>
-                                    <p:cond delay="0"/>
-                                  </p:stCondLst>
-                                  <p:childTnLst>
-                                    <p:set>
-                                      <p:cBhvr>
-                                        <p:cTn id="48" dur="1" fill="hold">
-                                          <p:stCondLst>
-                                            <p:cond delay="0"/>
-                                          </p:stCondLst>
-                                        </p:cTn>
-                                        <p:tgtEl>
-                                          <p:spTgt spid="6">
-                                            <p:txEl>
-                                              <p:pRg st="6" end="6"/>
-                                            </p:txEl>
-                                          </p:spTgt>
-                                        </p:tgtEl>
-                                        <p:attrNameLst>
-                                          <p:attrName>style.visibility</p:attrName>
-                                        </p:attrNameLst>
-                                      </p:cBhvr>
-                                      <p:to>
-                                        <p:strVal val="visible"/>
-                                      </p:to>
-                                    </p:set>
-                                  </p:childTnLst>
-                                </p:cTn>
-                              </p:par>
-                            </p:childTnLst>
-                          </p:cTn>
-                        </p:par>
-                      </p:childTnLst>
-                    </p:cTn>
-                  </p:par>
-                  <p:par>
-                    <p:cTn id="49" fill="hold">
-                      <p:stCondLst>
-                        <p:cond delay="indefinite"/>
-                      </p:stCondLst>
-                      <p:childTnLst>
-                        <p:par>
-                          <p:cTn id="50" fill="hold">
-                            <p:stCondLst>
-                              <p:cond delay="0"/>
-                            </p:stCondLst>
-                            <p:childTnLst>
-                              <p:par>
-                                <p:cTn id="51" presetID="1" presetClass="entr" presetSubtype="0" fill="hold" grpId="0" nodeType="clickEffect">
-                                  <p:stCondLst>
-                                    <p:cond delay="0"/>
-                                  </p:stCondLst>
-                                  <p:childTnLst>
-                                    <p:set>
-                                      <p:cBhvr>
-                                        <p:cTn id="52" dur="1" fill="hold">
-                                          <p:stCondLst>
-                                            <p:cond delay="0"/>
-                                          </p:stCondLst>
-                                        </p:cTn>
-                                        <p:tgtEl>
-                                          <p:spTgt spid="6">
-                                            <p:txEl>
-                                              <p:pRg st="7" end="7"/>
-                                            </p:txEl>
-                                          </p:spTgt>
-                                        </p:tgtEl>
-                                        <p:attrNameLst>
-                                          <p:attrName>style.visibility</p:attrName>
-                                        </p:attrNameLst>
-                                      </p:cBhvr>
-                                      <p:to>
-                                        <p:strVal val="visible"/>
-                                      </p:to>
-                                    </p:set>
-                                  </p:childTnLst>
-                                </p:cTn>
-                              </p:par>
-                            </p:childTnLst>
-                          </p:cTn>
-                        </p:par>
-                      </p:childTnLst>
-                    </p:cTn>
-                  </p:par>
-                  <p:par>
-                    <p:cTn id="53" fill="hold">
-                      <p:stCondLst>
-                        <p:cond delay="indefinite"/>
-                      </p:stCondLst>
-                      <p:childTnLst>
-                        <p:par>
-                          <p:cTn id="54" fill="hold">
-                            <p:stCondLst>
-                              <p:cond delay="0"/>
-                            </p:stCondLst>
-                            <p:childTnLst>
-                              <p:par>
-                                <p:cTn id="55" presetID="1" presetClass="entr" presetSubtype="0" fill="hold" grpId="0" nodeType="clickEffect">
-                                  <p:stCondLst>
-                                    <p:cond delay="0"/>
-                                  </p:stCondLst>
-                                  <p:childTnLst>
-                                    <p:set>
-                                      <p:cBhvr>
-                                        <p:cTn id="56" dur="1" fill="hold">
-                                          <p:stCondLst>
-                                            <p:cond delay="0"/>
-                                          </p:stCondLst>
-                                        </p:cTn>
-                                        <p:tgtEl>
-                                          <p:spTgt spid="6">
-                                            <p:txEl>
-                                              <p:pRg st="8" end="8"/>
-                                            </p:txEl>
-                                          </p:spTgt>
-                                        </p:tgtEl>
-                                        <p:attrNameLst>
-                                          <p:attrName>style.visibility</p:attrName>
-                                        </p:attrNameLst>
-                                      </p:cBhvr>
-                                      <p:to>
-                                        <p:strVal val="visible"/>
-                                      </p:to>
-                                    </p:set>
-                                  </p:childTnLst>
-                                </p:cTn>
-                              </p:par>
-                            </p:childTnLst>
-                          </p:cTn>
-                        </p:par>
-                      </p:childTnLst>
-                    </p:cTn>
-                  </p:par>
-                  <p:par>
-                    <p:cTn id="57" fill="hold">
-                      <p:stCondLst>
-                        <p:cond delay="indefinite"/>
-                      </p:stCondLst>
-                      <p:childTnLst>
-                        <p:par>
-                          <p:cTn id="58" fill="hold">
-                            <p:stCondLst>
-                              <p:cond delay="0"/>
-                            </p:stCondLst>
-                            <p:childTnLst>
-                              <p:par>
-                                <p:cTn id="59" presetID="1" presetClass="entr" presetSubtype="0" fill="hold" grpId="0" nodeType="clickEffect">
-                                  <p:stCondLst>
-                                    <p:cond delay="0"/>
-                                  </p:stCondLst>
-                                  <p:childTnLst>
-                                    <p:set>
-                                      <p:cBhvr>
-                                        <p:cTn id="60" dur="1" fill="hold">
-                                          <p:stCondLst>
-                                            <p:cond delay="0"/>
-                                          </p:stCondLst>
-                                        </p:cTn>
-                                        <p:tgtEl>
-                                          <p:spTgt spid="6">
-                                            <p:txEl>
-                                              <p:pRg st="9" end="9"/>
-                                            </p:txEl>
-                                          </p:spTgt>
-                                        </p:tgtEl>
-                                        <p:attrNameLst>
-                                          <p:attrName>style.visibility</p:attrName>
-                                        </p:attrNameLst>
-                                      </p:cBhvr>
-                                      <p:to>
-                                        <p:strVal val="visible"/>
-                                      </p:to>
-                                    </p:set>
-                                  </p:childTnLst>
-                                </p:cTn>
-                              </p:par>
-                            </p:childTnLst>
-                          </p:cTn>
-                        </p:par>
-                      </p:childTnLst>
-                    </p:cTn>
-                  </p:par>
-                  <p:par>
-                    <p:cTn id="61" fill="hold">
-                      <p:stCondLst>
-                        <p:cond delay="indefinite"/>
-                      </p:stCondLst>
-                      <p:childTnLst>
-                        <p:par>
-                          <p:cTn id="62" fill="hold">
-                            <p:stCondLst>
-                              <p:cond delay="0"/>
-                            </p:stCondLst>
-                            <p:childTnLst>
-                              <p:par>
-                                <p:cTn id="63" presetID="1" presetClass="entr" presetSubtype="0" fill="hold" grpId="0" nodeType="clickEffect">
-                                  <p:stCondLst>
-                                    <p:cond delay="0"/>
-                                  </p:stCondLst>
-                                  <p:childTnLst>
-                                    <p:set>
-                                      <p:cBhvr>
-                                        <p:cTn id="64" dur="1" fill="hold">
-                                          <p:stCondLst>
-                                            <p:cond delay="0"/>
-                                          </p:stCondLst>
-                                        </p:cTn>
-                                        <p:tgtEl>
-                                          <p:spTgt spid="6">
-                                            <p:txEl>
-                                              <p:pRg st="10" end="10"/>
-                                            </p:txEl>
-                                          </p:spTgt>
-                                        </p:tgtEl>
-                                        <p:attrNameLst>
-                                          <p:attrName>style.visibility</p:attrName>
-                                        </p:attrNameLst>
-                                      </p:cBhvr>
-                                      <p:to>
-                                        <p:strVal val="visible"/>
-                                      </p:to>
-                                    </p:set>
-                                  </p:childTnLst>
-                                </p:cTn>
-                              </p:par>
-                            </p:childTnLst>
-                          </p:cTn>
-                        </p:par>
-                      </p:childTnLst>
-                    </p:cTn>
-                  </p:par>
-                  <p:par>
-                    <p:cTn id="65" fill="hold">
-                      <p:stCondLst>
-                        <p:cond delay="indefinite"/>
-                      </p:stCondLst>
-                      <p:childTnLst>
-                        <p:par>
-                          <p:cTn id="66" fill="hold">
-                            <p:stCondLst>
-                              <p:cond delay="0"/>
-                            </p:stCondLst>
-                            <p:childTnLst>
-                              <p:par>
-                                <p:cTn id="67" presetID="1" presetClass="entr" presetSubtype="0" fill="hold" grpId="0" nodeType="clickEffect">
-                                  <p:stCondLst>
-                                    <p:cond delay="0"/>
-                                  </p:stCondLst>
-                                  <p:childTnLst>
-                                    <p:set>
-                                      <p:cBhvr>
-                                        <p:cTn id="68" dur="1" fill="hold">
-                                          <p:stCondLst>
-                                            <p:cond delay="0"/>
-                                          </p:stCondLst>
-                                        </p:cTn>
-                                        <p:tgtEl>
-                                          <p:spTgt spid="13"/>
-                                        </p:tgtEl>
-                                        <p:attrNameLst>
-                                          <p:attrName>style.visibility</p:attrName>
-                                        </p:attrNameLst>
-                                      </p:cBhvr>
-                                      <p:to>
-                                        <p:strVal val="visible"/>
-                                      </p:to>
-                                    </p:set>
-                                  </p:childTnLst>
-                                </p:cTn>
-                              </p:par>
-                            </p:childTnLst>
-                          </p:cTn>
-                        </p:par>
-                      </p:childTnLst>
-                    </p:cTn>
-                  </p:par>
-                </p:childTnLst>
-              </p:cTn>
-              <p:prevCondLst>
-                <p:cond evt="onPrev" delay="0">
-                  <p:tgtEl>
-                    <p:sldTgt/>
-                  </p:tgtEl>
-                </p:cond>
-              </p:prevCondLst>
-              <p:nextCondLst>
-                <p:cond evt="onNext" delay="0">
-                  <p:tgtEl>
-                    <p:sldTgt/>
-                  </p:tgtEl>
-                </p:cond>
-              </p:nextCondLst>
-            </p:seq>
-          </p:childTnLst>
-        </p:cTn>
-      </p:par>
-    </p:tnLst>
-    <p:bldLst>
-      <p:bldP spid="6" grpId="0" uiExpand="1" build="p"/>
-      <p:bldP spid="11" grpId="0" uiExpand="1" animBg="1"/>
-      <p:bldP spid="12" grpId="0" uiExpand="1" animBg="1"/>
-      <p:bldP spid="13" grpId="0" animBg="1"/>
-      <p:bldP spid="14" grpId="0"/>
-      <p:bldP spid="15" grpId="0" animBg="1"/>
-      <p:bldP spid="16" grpId="0" animBg="1"/>
-    </p:bldLst>
-  </p:timing>
-</p:sld>
-</file>
-
-<file path=ppt/slides/slide4.xml><?xml version="1.0" encoding="utf-8"?>
-<p:sld xmlns:a="http://schemas.openxmlformats.org/drawingml/2006/main" xmlns:r="http://schemas.openxmlformats.org/officeDocument/2006/relationships" xmlns:p="http://schemas.openxmlformats.org/presentationml/2006/main">
-  <p:cSld>
-    <p:spTree>
-      <p:nvGrpSpPr>
-        <p:cNvPr id="1" name=""/>
-        <p:cNvGrpSpPr/>
-        <p:nvPr/>
-      </p:nvGrpSpPr>
-      <p:grpSpPr>
-        <a:xfrm>
-          <a:off x="0" y="0"/>
-          <a:ext cx="0" cy="0"/>
-          <a:chOff x="0" y="0"/>
-          <a:chExt cx="0" cy="0"/>
-        </a:xfrm>
-      </p:grpSpPr>
-      <p:sp>
-        <p:nvSpPr>
-          <p:cNvPr id="2" name="Title 1"/>
-          <p:cNvSpPr>
-            <a:spLocks noGrp="1"/>
-          </p:cNvSpPr>
-          <p:nvPr>
-            <p:ph type="title"/>
-          </p:nvPr>
-        </p:nvSpPr>
-        <p:spPr>
-          <a:xfrm>
-            <a:off x="812800" y="152400"/>
-            <a:ext cx="10566400" cy="1143000"/>
-          </a:xfrm>
-        </p:spPr>
-        <p:txBody>
-          <a:bodyPr/>
-          <a:lstStyle/>
-          <a:p>
-            <a:r>
-              <a:rPr lang="en-US" dirty="0"/>
-              <a:t>Most Importantly: You?</a:t>
-            </a:r>
-          </a:p>
-        </p:txBody>
-      </p:sp>
-      <p:sp>
-        <p:nvSpPr>
-          <p:cNvPr id="3" name="Content Placeholder 2"/>
-          <p:cNvSpPr>
-            <a:spLocks noGrp="1"/>
-          </p:cNvSpPr>
-          <p:nvPr>
-            <p:ph sz="quarter" idx="13"/>
-          </p:nvPr>
-        </p:nvSpPr>
-        <p:spPr>
-          <a:xfrm>
-            <a:off x="1600200" y="1499655"/>
-            <a:ext cx="2743199" cy="3962400"/>
-          </a:xfrm>
-        </p:spPr>
-        <p:txBody>
-          <a:bodyPr>
-            <a:normAutofit/>
-          </a:bodyPr>
-          <a:lstStyle/>
-          <a:p>
-            <a:r>
-              <a:rPr lang="zh-CN" altLang="en-US" b="1" dirty="0">
-                <a:latin typeface="Microsoft YaHei" panose="020B0503020204020204" pitchFamily="34" charset="-122"/>
-                <a:ea typeface="Microsoft YaHei" panose="020B0503020204020204" pitchFamily="34" charset="-122"/>
-              </a:rPr>
-              <a:t>四川大学  </a:t>
-            </a:r>
-            <a:endParaRPr lang="en-US" altLang="zh-CN" b="1" dirty="0">
-              <a:latin typeface="Microsoft YaHei" panose="020B0503020204020204" pitchFamily="34" charset="-122"/>
-              <a:ea typeface="Microsoft YaHei" panose="020B0503020204020204" pitchFamily="34" charset="-122"/>
-            </a:endParaRPr>
-          </a:p>
-          <a:p>
-            <a:r>
-              <a:rPr lang="zh-CN" altLang="en-US" b="1" dirty="0">
-                <a:latin typeface="Microsoft YaHei" panose="020B0503020204020204" pitchFamily="34" charset="-122"/>
-                <a:ea typeface="Microsoft YaHei" panose="020B0503020204020204" pitchFamily="34" charset="-122"/>
-              </a:rPr>
-              <a:t>南昌大学 </a:t>
-            </a:r>
-            <a:endParaRPr lang="en-US" altLang="zh-CN" b="1" dirty="0">
-              <a:latin typeface="Microsoft YaHei" panose="020B0503020204020204" pitchFamily="34" charset="-122"/>
-              <a:ea typeface="Microsoft YaHei" panose="020B0503020204020204" pitchFamily="34" charset="-122"/>
-            </a:endParaRPr>
-          </a:p>
-          <a:p>
-            <a:r>
-              <a:rPr lang="zh-CN" altLang="en-US" b="1" dirty="0">
-                <a:latin typeface="Microsoft YaHei" panose="020B0503020204020204" pitchFamily="34" charset="-122"/>
-                <a:ea typeface="Microsoft YaHei" panose="020B0503020204020204" pitchFamily="34" charset="-122"/>
-              </a:rPr>
-              <a:t>山东大学 </a:t>
-            </a:r>
-            <a:endParaRPr lang="en-US" altLang="zh-CN" b="1" dirty="0">
-              <a:latin typeface="Microsoft YaHei" panose="020B0503020204020204" pitchFamily="34" charset="-122"/>
-              <a:ea typeface="Microsoft YaHei" panose="020B0503020204020204" pitchFamily="34" charset="-122"/>
-            </a:endParaRPr>
-          </a:p>
-          <a:p>
-            <a:r>
-              <a:rPr lang="zh-CN" altLang="en-US" b="1" dirty="0">
-                <a:latin typeface="Microsoft YaHei" panose="020B0503020204020204" pitchFamily="34" charset="-122"/>
-                <a:ea typeface="Microsoft YaHei" panose="020B0503020204020204" pitchFamily="34" charset="-122"/>
-              </a:rPr>
-              <a:t>香港大学 </a:t>
-            </a:r>
-            <a:endParaRPr lang="en-US" altLang="zh-CN" b="1" dirty="0">
-              <a:latin typeface="Microsoft YaHei" panose="020B0503020204020204" pitchFamily="34" charset="-122"/>
-              <a:ea typeface="Microsoft YaHei" panose="020B0503020204020204" pitchFamily="34" charset="-122"/>
-            </a:endParaRPr>
-          </a:p>
-          <a:p>
-            <a:r>
-              <a:rPr lang="zh-TW" altLang="en-US" b="1" dirty="0">
-                <a:latin typeface="Microsoft YaHei" panose="020B0503020204020204" pitchFamily="34" charset="-122"/>
-                <a:ea typeface="Microsoft YaHei" panose="020B0503020204020204" pitchFamily="34" charset="-122"/>
-              </a:rPr>
-              <a:t>浙江大学  </a:t>
-            </a:r>
-            <a:endParaRPr lang="en-US" altLang="zh-TW" b="1" dirty="0">
-              <a:latin typeface="Microsoft YaHei" panose="020B0503020204020204" pitchFamily="34" charset="-122"/>
-              <a:ea typeface="Microsoft YaHei" panose="020B0503020204020204" pitchFamily="34" charset="-122"/>
-            </a:endParaRPr>
-          </a:p>
-        </p:txBody>
-      </p:sp>
-      <p:sp>
-        <p:nvSpPr>
-          <p:cNvPr id="7" name="Content Placeholder 2"/>
-          <p:cNvSpPr txBox="1">
-            <a:spLocks/>
-          </p:cNvSpPr>
-          <p:nvPr/>
-        </p:nvSpPr>
-        <p:spPr>
-          <a:xfrm>
-            <a:off x="3580601" y="1481005"/>
-            <a:ext cx="2590800" cy="4953000"/>
-          </a:xfrm>
-          <a:prstGeom prst="rect">
-            <a:avLst/>
-          </a:prstGeom>
-        </p:spPr>
-        <p:txBody>
-          <a:bodyPr vert="horz" lIns="91440" tIns="45720" rIns="91440" bIns="45720" rtlCol="0">
-            <a:normAutofit/>
-          </a:bodyPr>
-          <a:lstStyle>
-            <a:lvl1pPr marL="342900" indent="-342900" algn="l" defTabSz="914400" rtl="0" eaLnBrk="1" latinLnBrk="0" hangingPunct="1">
-              <a:lnSpc>
-                <a:spcPct val="100000"/>
-              </a:lnSpc>
-              <a:spcBef>
-                <a:spcPct val="20000"/>
-              </a:spcBef>
-              <a:spcAft>
-                <a:spcPts val="600"/>
-              </a:spcAft>
-              <a:buClr>
-                <a:schemeClr val="tx2"/>
-              </a:buClr>
-              <a:buFont typeface="Arial" pitchFamily="34" charset="0"/>
-              <a:buChar char="•"/>
-              <a:defRPr sz="1700" kern="1200" spc="30" baseline="0">
-                <a:solidFill>
-                  <a:schemeClr val="tx1"/>
-                </a:solidFill>
-                <a:latin typeface="+mn-lt"/>
-                <a:ea typeface="+mn-ea"/>
-                <a:cs typeface="+mn-cs"/>
-              </a:defRPr>
-            </a:lvl1pPr>
-            <a:lvl2pPr marL="742950" indent="-285750" algn="l" defTabSz="914400" rtl="0" eaLnBrk="1" latinLnBrk="0" hangingPunct="1">
-              <a:lnSpc>
-                <a:spcPct val="100000"/>
-              </a:lnSpc>
-              <a:spcBef>
-                <a:spcPct val="20000"/>
-              </a:spcBef>
-              <a:spcAft>
-                <a:spcPts val="600"/>
-              </a:spcAft>
-              <a:buClr>
-                <a:schemeClr val="tx2"/>
-              </a:buClr>
-              <a:buFont typeface="Arial" pitchFamily="34" charset="0"/>
-              <a:buChar char="•"/>
-              <a:defRPr sz="1700" kern="1200" spc="30" baseline="0">
-                <a:solidFill>
-                  <a:schemeClr val="tx1"/>
-                </a:solidFill>
-                <a:latin typeface="+mn-lt"/>
-                <a:ea typeface="+mn-ea"/>
-                <a:cs typeface="+mn-cs"/>
-              </a:defRPr>
-            </a:lvl2pPr>
-            <a:lvl3pPr marL="1143000" indent="-228600" algn="l" defTabSz="914400" rtl="0" eaLnBrk="1" latinLnBrk="0" hangingPunct="1">
-              <a:lnSpc>
-                <a:spcPct val="100000"/>
-              </a:lnSpc>
-              <a:spcBef>
-                <a:spcPct val="20000"/>
-              </a:spcBef>
-              <a:spcAft>
-                <a:spcPts val="600"/>
-              </a:spcAft>
-              <a:buClr>
-                <a:schemeClr val="tx2"/>
-              </a:buClr>
-              <a:buFont typeface="Arial" pitchFamily="34" charset="0"/>
-              <a:buChar char="•"/>
-              <a:defRPr sz="1700" kern="1200" spc="30" baseline="0">
-                <a:solidFill>
-                  <a:schemeClr val="tx1"/>
-                </a:solidFill>
-                <a:latin typeface="+mn-lt"/>
-                <a:ea typeface="+mn-ea"/>
-                <a:cs typeface="+mn-cs"/>
-              </a:defRPr>
-            </a:lvl3pPr>
-            <a:lvl4pPr marL="1600200" indent="-228600" algn="l" defTabSz="914400" rtl="0" eaLnBrk="1" latinLnBrk="0" hangingPunct="1">
-              <a:lnSpc>
-                <a:spcPct val="100000"/>
-              </a:lnSpc>
-              <a:spcBef>
-                <a:spcPct val="20000"/>
-              </a:spcBef>
-              <a:spcAft>
-                <a:spcPts val="600"/>
-              </a:spcAft>
-              <a:buClr>
-                <a:schemeClr val="tx2"/>
-              </a:buClr>
-              <a:buFont typeface="Arial" pitchFamily="34" charset="0"/>
-              <a:buChar char="•"/>
-              <a:defRPr sz="1700" kern="1200" spc="30" baseline="0">
-                <a:solidFill>
-                  <a:schemeClr val="tx1"/>
-                </a:solidFill>
-                <a:latin typeface="+mn-lt"/>
-                <a:ea typeface="+mn-ea"/>
-                <a:cs typeface="+mn-cs"/>
-              </a:defRPr>
-            </a:lvl4pPr>
-            <a:lvl5pPr marL="2057400" indent="-228600" algn="l" defTabSz="914400" rtl="0" eaLnBrk="1" latinLnBrk="0" hangingPunct="1">
-              <a:lnSpc>
-                <a:spcPct val="100000"/>
-              </a:lnSpc>
-              <a:spcBef>
-                <a:spcPct val="20000"/>
-              </a:spcBef>
-              <a:spcAft>
-                <a:spcPts val="600"/>
-              </a:spcAft>
-              <a:buClr>
-                <a:schemeClr val="tx2"/>
-              </a:buClr>
-              <a:buFont typeface="Arial" pitchFamily="34" charset="0"/>
-              <a:buChar char="•"/>
-              <a:defRPr sz="1700" kern="1200" spc="30" baseline="0">
-                <a:solidFill>
-                  <a:schemeClr val="tx1"/>
-                </a:solidFill>
-                <a:latin typeface="+mn-lt"/>
-                <a:ea typeface="+mn-ea"/>
-                <a:cs typeface="+mn-cs"/>
-              </a:defRPr>
-            </a:lvl5pPr>
-            <a:lvl6pPr marL="2514600" indent="-228600" algn="l" defTabSz="914400" rtl="0" eaLnBrk="1" latinLnBrk="0" hangingPunct="1">
-              <a:lnSpc>
-                <a:spcPct val="100000"/>
-              </a:lnSpc>
-              <a:spcBef>
-                <a:spcPct val="20000"/>
-              </a:spcBef>
-              <a:spcAft>
-                <a:spcPts val="600"/>
-              </a:spcAft>
-              <a:buClr>
-                <a:schemeClr val="tx2"/>
-              </a:buClr>
-              <a:buFont typeface="Arial" pitchFamily="34" charset="0"/>
-              <a:buChar char="•"/>
-              <a:defRPr sz="1700" kern="1200">
-                <a:solidFill>
-                  <a:schemeClr val="tx1"/>
-                </a:solidFill>
-                <a:latin typeface="+mn-lt"/>
-                <a:ea typeface="+mn-ea"/>
-                <a:cs typeface="+mn-cs"/>
-              </a:defRPr>
-            </a:lvl6pPr>
-            <a:lvl7pPr marL="2971800" indent="-228600" algn="l" defTabSz="914400" rtl="0" eaLnBrk="1" latinLnBrk="0" hangingPunct="1">
-              <a:lnSpc>
-                <a:spcPct val="100000"/>
-              </a:lnSpc>
-              <a:spcBef>
-                <a:spcPct val="20000"/>
-              </a:spcBef>
-              <a:spcAft>
-                <a:spcPts val="600"/>
-              </a:spcAft>
-              <a:buClr>
-                <a:schemeClr val="tx2"/>
-              </a:buClr>
-              <a:buFont typeface="Arial" pitchFamily="34" charset="0"/>
-              <a:buChar char="•"/>
-              <a:defRPr sz="1700" kern="1200">
-                <a:solidFill>
-                  <a:schemeClr val="tx1"/>
-                </a:solidFill>
-                <a:latin typeface="+mn-lt"/>
-                <a:ea typeface="+mn-ea"/>
-                <a:cs typeface="+mn-cs"/>
-              </a:defRPr>
-            </a:lvl7pPr>
-            <a:lvl8pPr marL="3429000" indent="-228600" algn="l" defTabSz="914400" rtl="0" eaLnBrk="1" latinLnBrk="0" hangingPunct="1">
-              <a:lnSpc>
-                <a:spcPct val="100000"/>
-              </a:lnSpc>
-              <a:spcBef>
-                <a:spcPct val="20000"/>
-              </a:spcBef>
-              <a:spcAft>
-                <a:spcPts val="600"/>
-              </a:spcAft>
-              <a:buClr>
-                <a:schemeClr val="tx2"/>
-              </a:buClr>
-              <a:buFont typeface="Arial" pitchFamily="34" charset="0"/>
-              <a:buChar char="•"/>
-              <a:defRPr sz="1700" kern="1200">
-                <a:solidFill>
-                  <a:schemeClr val="tx1"/>
-                </a:solidFill>
-                <a:latin typeface="+mn-lt"/>
-                <a:ea typeface="+mn-ea"/>
-                <a:cs typeface="+mn-cs"/>
-              </a:defRPr>
-            </a:lvl8pPr>
-            <a:lvl9pPr marL="3886200" indent="-228600" algn="l" defTabSz="914400" rtl="0" eaLnBrk="1" latinLnBrk="0" hangingPunct="1">
-              <a:lnSpc>
-                <a:spcPct val="100000"/>
-              </a:lnSpc>
-              <a:spcBef>
-                <a:spcPct val="20000"/>
-              </a:spcBef>
-              <a:spcAft>
-                <a:spcPts val="600"/>
-              </a:spcAft>
-              <a:buClr>
-                <a:schemeClr val="tx2"/>
-              </a:buClr>
-              <a:buFont typeface="Arial" pitchFamily="34" charset="0"/>
-              <a:buChar char="•"/>
-              <a:defRPr sz="1700" kern="1200">
-                <a:solidFill>
-                  <a:schemeClr val="tx1"/>
-                </a:solidFill>
-                <a:latin typeface="+mn-lt"/>
-                <a:ea typeface="+mn-ea"/>
-                <a:cs typeface="+mn-cs"/>
-              </a:defRPr>
-            </a:lvl9pPr>
-          </a:lstStyle>
-          <a:p>
-            <a:r>
-              <a:rPr lang="zh-CN" altLang="en-US" b="1" dirty="0">
-                <a:latin typeface="Microsoft YaHei" panose="020B0503020204020204" pitchFamily="34" charset="-122"/>
-                <a:ea typeface="Microsoft YaHei" panose="020B0503020204020204" pitchFamily="34" charset="-122"/>
-              </a:rPr>
-              <a:t>华中农业大学 </a:t>
-            </a:r>
-            <a:endParaRPr lang="en-US" altLang="zh-CN" b="1" dirty="0">
-              <a:latin typeface="Microsoft YaHei" panose="020B0503020204020204" pitchFamily="34" charset="-122"/>
-              <a:ea typeface="Microsoft YaHei" panose="020B0503020204020204" pitchFamily="34" charset="-122"/>
-            </a:endParaRPr>
-          </a:p>
-          <a:p>
-            <a:r>
-              <a:rPr lang="zh-CN" altLang="en-US" b="1" dirty="0">
-                <a:latin typeface="Microsoft YaHei" panose="020B0503020204020204" pitchFamily="34" charset="-122"/>
-                <a:ea typeface="Microsoft YaHei" panose="020B0503020204020204" pitchFamily="34" charset="-122"/>
-              </a:rPr>
-              <a:t>华中科技大学 </a:t>
-            </a:r>
-            <a:endParaRPr lang="en-US" altLang="zh-CN" b="1" dirty="0">
-              <a:latin typeface="Microsoft YaHei" panose="020B0503020204020204" pitchFamily="34" charset="-122"/>
-              <a:ea typeface="Microsoft YaHei" panose="020B0503020204020204" pitchFamily="34" charset="-122"/>
-            </a:endParaRPr>
-          </a:p>
-          <a:p>
-            <a:r>
-              <a:rPr lang="zh-CN" altLang="en-US" b="1" dirty="0">
-                <a:latin typeface="Microsoft YaHei" panose="020B0503020204020204" pitchFamily="34" charset="-122"/>
-                <a:ea typeface="Microsoft YaHei" panose="020B0503020204020204" pitchFamily="34" charset="-122"/>
-              </a:rPr>
-              <a:t>南方科技大学  </a:t>
-            </a:r>
-            <a:endParaRPr lang="en-US" altLang="zh-CN" b="1" dirty="0">
-              <a:latin typeface="Microsoft YaHei" panose="020B0503020204020204" pitchFamily="34" charset="-122"/>
-              <a:ea typeface="Microsoft YaHei" panose="020B0503020204020204" pitchFamily="34" charset="-122"/>
-            </a:endParaRPr>
-          </a:p>
-          <a:p>
-            <a:r>
-              <a:rPr lang="zh-CN" altLang="en-US" b="1" dirty="0">
-                <a:latin typeface="Microsoft YaHei" panose="020B0503020204020204" pitchFamily="34" charset="-122"/>
-                <a:ea typeface="Microsoft YaHei" panose="020B0503020204020204" pitchFamily="34" charset="-122"/>
-              </a:rPr>
-              <a:t>电子科技大学 </a:t>
-            </a:r>
-            <a:endParaRPr lang="en-US" altLang="zh-CN" b="1" dirty="0">
-              <a:latin typeface="Microsoft YaHei" panose="020B0503020204020204" pitchFamily="34" charset="-122"/>
-              <a:ea typeface="Microsoft YaHei" panose="020B0503020204020204" pitchFamily="34" charset="-122"/>
-            </a:endParaRPr>
-          </a:p>
-          <a:p>
-            <a:r>
-              <a:rPr lang="zh-CN" altLang="en-US" b="1" dirty="0">
-                <a:latin typeface="Microsoft YaHei" panose="020B0503020204020204" pitchFamily="34" charset="-122"/>
-                <a:ea typeface="Microsoft YaHei" panose="020B0503020204020204" pitchFamily="34" charset="-122"/>
-              </a:rPr>
-              <a:t>西安交通大学</a:t>
-            </a:r>
-            <a:endParaRPr lang="en-US" altLang="zh-CN" b="1" dirty="0">
-              <a:latin typeface="Microsoft YaHei" panose="020B0503020204020204" pitchFamily="34" charset="-122"/>
-              <a:ea typeface="Microsoft YaHei" panose="020B0503020204020204" pitchFamily="34" charset="-122"/>
-            </a:endParaRPr>
-          </a:p>
-          <a:p>
-            <a:r>
-              <a:rPr lang="zh-CN" altLang="en-US" b="1" dirty="0">
-                <a:latin typeface="Microsoft YaHei" panose="020B0503020204020204" pitchFamily="34" charset="-122"/>
-                <a:ea typeface="Microsoft YaHei" panose="020B0503020204020204" pitchFamily="34" charset="-122"/>
-              </a:rPr>
-              <a:t>北京邮电大学</a:t>
-            </a:r>
-            <a:endParaRPr lang="en-US" altLang="zh-CN" b="1" dirty="0">
-              <a:latin typeface="Microsoft YaHei" panose="020B0503020204020204" pitchFamily="34" charset="-122"/>
-              <a:ea typeface="Microsoft YaHei" panose="020B0503020204020204" pitchFamily="34" charset="-122"/>
-            </a:endParaRPr>
-          </a:p>
-          <a:p>
-            <a:r>
-              <a:rPr lang="zh-CN" altLang="en-US" b="1" dirty="0">
-                <a:latin typeface="Microsoft YaHei" panose="020B0503020204020204" pitchFamily="34" charset="-122"/>
-                <a:ea typeface="Microsoft YaHei" panose="020B0503020204020204" pitchFamily="34" charset="-122"/>
-              </a:rPr>
-              <a:t>上海交通大学</a:t>
-            </a:r>
-            <a:endParaRPr lang="en-US" altLang="zh-CN" b="1" dirty="0">
-              <a:latin typeface="Microsoft YaHei" panose="020B0503020204020204" pitchFamily="34" charset="-122"/>
-              <a:ea typeface="Microsoft YaHei" panose="020B0503020204020204" pitchFamily="34" charset="-122"/>
-            </a:endParaRPr>
-          </a:p>
-          <a:p>
-            <a:r>
-              <a:rPr lang="zh-CN" altLang="en-US" b="1" dirty="0">
-                <a:latin typeface="Microsoft YaHei" panose="020B0503020204020204" pitchFamily="34" charset="-122"/>
-                <a:ea typeface="Microsoft YaHei" panose="020B0503020204020204" pitchFamily="34" charset="-122"/>
-              </a:rPr>
-              <a:t>温州肯恩大学</a:t>
-            </a:r>
-            <a:endParaRPr lang="en-US" altLang="zh-CN" b="1" dirty="0">
-              <a:latin typeface="Microsoft YaHei" panose="020B0503020204020204" pitchFamily="34" charset="-122"/>
-              <a:ea typeface="Microsoft YaHei" panose="020B0503020204020204" pitchFamily="34" charset="-122"/>
-            </a:endParaRPr>
-          </a:p>
-          <a:p>
-            <a:r>
-              <a:rPr lang="zh-CN" altLang="en-US" b="1" dirty="0">
-                <a:latin typeface="Microsoft YaHei" panose="020B0503020204020204" pitchFamily="34" charset="-122"/>
-                <a:ea typeface="Microsoft YaHei" panose="020B0503020204020204" pitchFamily="34" charset="-122"/>
-              </a:rPr>
-              <a:t>哈尔滨工程大学  </a:t>
-            </a:r>
-            <a:endParaRPr lang="en-US" altLang="zh-CN" b="1" dirty="0">
-              <a:latin typeface="Microsoft YaHei" panose="020B0503020204020204" pitchFamily="34" charset="-122"/>
-              <a:ea typeface="Microsoft YaHei" panose="020B0503020204020204" pitchFamily="34" charset="-122"/>
-            </a:endParaRPr>
-          </a:p>
-          <a:p>
-            <a:r>
-              <a:rPr lang="zh-CN" altLang="en-US" b="1" dirty="0">
-                <a:latin typeface="Microsoft YaHei" panose="020B0503020204020204" pitchFamily="34" charset="-122"/>
-                <a:ea typeface="Microsoft YaHei" panose="020B0503020204020204" pitchFamily="34" charset="-122"/>
-              </a:rPr>
-              <a:t>宁波诺丁汉大学</a:t>
-            </a:r>
-            <a:br>
-              <a:rPr lang="en-US" altLang="zh-CN" b="1" dirty="0">
-                <a:latin typeface="Microsoft YaHei" panose="020B0503020204020204" pitchFamily="34" charset="-122"/>
-                <a:ea typeface="Microsoft YaHei" panose="020B0503020204020204" pitchFamily="34" charset="-122"/>
-              </a:rPr>
-            </a:br>
-            <a:endParaRPr lang="en-US" altLang="zh-CN" dirty="0">
-              <a:latin typeface="Microsoft YaHei" panose="020B0503020204020204" pitchFamily="34" charset="-122"/>
-              <a:ea typeface="Microsoft YaHei" panose="020B0503020204020204" pitchFamily="34" charset="-122"/>
-            </a:endParaRPr>
-          </a:p>
-        </p:txBody>
-      </p:sp>
-      <p:sp>
-        <p:nvSpPr>
-          <p:cNvPr id="8" name="Content Placeholder 2"/>
-          <p:cNvSpPr txBox="1">
-            <a:spLocks/>
-          </p:cNvSpPr>
-          <p:nvPr/>
-        </p:nvSpPr>
-        <p:spPr>
-          <a:xfrm>
-            <a:off x="6145025" y="1488465"/>
-            <a:ext cx="4141975" cy="4038600"/>
-          </a:xfrm>
-          <a:prstGeom prst="rect">
-            <a:avLst/>
-          </a:prstGeom>
-        </p:spPr>
-        <p:txBody>
-          <a:bodyPr vert="horz" lIns="91440" tIns="45720" rIns="91440" bIns="45720" rtlCol="0">
-            <a:normAutofit/>
-          </a:bodyPr>
-          <a:lstStyle>
-            <a:lvl1pPr marL="342900" indent="-342900" algn="l" defTabSz="914400" rtl="0" eaLnBrk="1" latinLnBrk="0" hangingPunct="1">
-              <a:lnSpc>
-                <a:spcPct val="100000"/>
-              </a:lnSpc>
-              <a:spcBef>
-                <a:spcPct val="20000"/>
-              </a:spcBef>
-              <a:spcAft>
-                <a:spcPts val="600"/>
-              </a:spcAft>
-              <a:buClr>
-                <a:schemeClr val="tx2"/>
-              </a:buClr>
-              <a:buFont typeface="Arial" pitchFamily="34" charset="0"/>
-              <a:buChar char="•"/>
-              <a:defRPr sz="1700" kern="1200" spc="30" baseline="0">
-                <a:solidFill>
-                  <a:schemeClr val="tx1"/>
-                </a:solidFill>
-                <a:latin typeface="+mn-lt"/>
-                <a:ea typeface="+mn-ea"/>
-                <a:cs typeface="+mn-cs"/>
-              </a:defRPr>
-            </a:lvl1pPr>
-            <a:lvl2pPr marL="742950" indent="-285750" algn="l" defTabSz="914400" rtl="0" eaLnBrk="1" latinLnBrk="0" hangingPunct="1">
-              <a:lnSpc>
-                <a:spcPct val="100000"/>
-              </a:lnSpc>
-              <a:spcBef>
-                <a:spcPct val="20000"/>
-              </a:spcBef>
-              <a:spcAft>
-                <a:spcPts val="600"/>
-              </a:spcAft>
-              <a:buClr>
-                <a:schemeClr val="tx2"/>
-              </a:buClr>
-              <a:buFont typeface="Arial" pitchFamily="34" charset="0"/>
-              <a:buChar char="•"/>
-              <a:defRPr sz="1700" kern="1200" spc="30" baseline="0">
-                <a:solidFill>
-                  <a:schemeClr val="tx1"/>
-                </a:solidFill>
-                <a:latin typeface="+mn-lt"/>
-                <a:ea typeface="+mn-ea"/>
-                <a:cs typeface="+mn-cs"/>
-              </a:defRPr>
-            </a:lvl2pPr>
-            <a:lvl3pPr marL="1143000" indent="-228600" algn="l" defTabSz="914400" rtl="0" eaLnBrk="1" latinLnBrk="0" hangingPunct="1">
-              <a:lnSpc>
-                <a:spcPct val="100000"/>
-              </a:lnSpc>
-              <a:spcBef>
-                <a:spcPct val="20000"/>
-              </a:spcBef>
-              <a:spcAft>
-                <a:spcPts val="600"/>
-              </a:spcAft>
-              <a:buClr>
-                <a:schemeClr val="tx2"/>
-              </a:buClr>
-              <a:buFont typeface="Arial" pitchFamily="34" charset="0"/>
-              <a:buChar char="•"/>
-              <a:defRPr sz="1700" kern="1200" spc="30" baseline="0">
-                <a:solidFill>
-                  <a:schemeClr val="tx1"/>
-                </a:solidFill>
-                <a:latin typeface="+mn-lt"/>
-                <a:ea typeface="+mn-ea"/>
-                <a:cs typeface="+mn-cs"/>
-              </a:defRPr>
-            </a:lvl3pPr>
-            <a:lvl4pPr marL="1600200" indent="-228600" algn="l" defTabSz="914400" rtl="0" eaLnBrk="1" latinLnBrk="0" hangingPunct="1">
-              <a:lnSpc>
-                <a:spcPct val="100000"/>
-              </a:lnSpc>
-              <a:spcBef>
-                <a:spcPct val="20000"/>
-              </a:spcBef>
-              <a:spcAft>
-                <a:spcPts val="600"/>
-              </a:spcAft>
-              <a:buClr>
-                <a:schemeClr val="tx2"/>
-              </a:buClr>
-              <a:buFont typeface="Arial" pitchFamily="34" charset="0"/>
-              <a:buChar char="•"/>
-              <a:defRPr sz="1700" kern="1200" spc="30" baseline="0">
-                <a:solidFill>
-                  <a:schemeClr val="tx1"/>
-                </a:solidFill>
-                <a:latin typeface="+mn-lt"/>
-                <a:ea typeface="+mn-ea"/>
-                <a:cs typeface="+mn-cs"/>
-              </a:defRPr>
-            </a:lvl4pPr>
-            <a:lvl5pPr marL="2057400" indent="-228600" algn="l" defTabSz="914400" rtl="0" eaLnBrk="1" latinLnBrk="0" hangingPunct="1">
-              <a:lnSpc>
-                <a:spcPct val="100000"/>
-              </a:lnSpc>
-              <a:spcBef>
-                <a:spcPct val="20000"/>
-              </a:spcBef>
-              <a:spcAft>
-                <a:spcPts val="600"/>
-              </a:spcAft>
-              <a:buClr>
-                <a:schemeClr val="tx2"/>
-              </a:buClr>
-              <a:buFont typeface="Arial" pitchFamily="34" charset="0"/>
-              <a:buChar char="•"/>
-              <a:defRPr sz="1700" kern="1200" spc="30" baseline="0">
-                <a:solidFill>
-                  <a:schemeClr val="tx1"/>
-                </a:solidFill>
-                <a:latin typeface="+mn-lt"/>
-                <a:ea typeface="+mn-ea"/>
-                <a:cs typeface="+mn-cs"/>
-              </a:defRPr>
-            </a:lvl5pPr>
-            <a:lvl6pPr marL="2514600" indent="-228600" algn="l" defTabSz="914400" rtl="0" eaLnBrk="1" latinLnBrk="0" hangingPunct="1">
-              <a:lnSpc>
-                <a:spcPct val="100000"/>
-              </a:lnSpc>
-              <a:spcBef>
-                <a:spcPct val="20000"/>
-              </a:spcBef>
-              <a:spcAft>
-                <a:spcPts val="600"/>
-              </a:spcAft>
-              <a:buClr>
-                <a:schemeClr val="tx2"/>
-              </a:buClr>
-              <a:buFont typeface="Arial" pitchFamily="34" charset="0"/>
-              <a:buChar char="•"/>
-              <a:defRPr sz="1700" kern="1200">
-                <a:solidFill>
-                  <a:schemeClr val="tx1"/>
-                </a:solidFill>
-                <a:latin typeface="+mn-lt"/>
-                <a:ea typeface="+mn-ea"/>
-                <a:cs typeface="+mn-cs"/>
-              </a:defRPr>
-            </a:lvl6pPr>
-            <a:lvl7pPr marL="2971800" indent="-228600" algn="l" defTabSz="914400" rtl="0" eaLnBrk="1" latinLnBrk="0" hangingPunct="1">
-              <a:lnSpc>
-                <a:spcPct val="100000"/>
-              </a:lnSpc>
-              <a:spcBef>
-                <a:spcPct val="20000"/>
-              </a:spcBef>
-              <a:spcAft>
-                <a:spcPts val="600"/>
-              </a:spcAft>
-              <a:buClr>
-                <a:schemeClr val="tx2"/>
-              </a:buClr>
-              <a:buFont typeface="Arial" pitchFamily="34" charset="0"/>
-              <a:buChar char="•"/>
-              <a:defRPr sz="1700" kern="1200">
-                <a:solidFill>
-                  <a:schemeClr val="tx1"/>
-                </a:solidFill>
-                <a:latin typeface="+mn-lt"/>
-                <a:ea typeface="+mn-ea"/>
-                <a:cs typeface="+mn-cs"/>
-              </a:defRPr>
-            </a:lvl7pPr>
-            <a:lvl8pPr marL="3429000" indent="-228600" algn="l" defTabSz="914400" rtl="0" eaLnBrk="1" latinLnBrk="0" hangingPunct="1">
-              <a:lnSpc>
-                <a:spcPct val="100000"/>
-              </a:lnSpc>
-              <a:spcBef>
-                <a:spcPct val="20000"/>
-              </a:spcBef>
-              <a:spcAft>
-                <a:spcPts val="600"/>
-              </a:spcAft>
-              <a:buClr>
-                <a:schemeClr val="tx2"/>
-              </a:buClr>
-              <a:buFont typeface="Arial" pitchFamily="34" charset="0"/>
-              <a:buChar char="•"/>
-              <a:defRPr sz="1700" kern="1200">
-                <a:solidFill>
-                  <a:schemeClr val="tx1"/>
-                </a:solidFill>
-                <a:latin typeface="+mn-lt"/>
-                <a:ea typeface="+mn-ea"/>
-                <a:cs typeface="+mn-cs"/>
-              </a:defRPr>
-            </a:lvl8pPr>
-            <a:lvl9pPr marL="3886200" indent="-228600" algn="l" defTabSz="914400" rtl="0" eaLnBrk="1" latinLnBrk="0" hangingPunct="1">
-              <a:lnSpc>
-                <a:spcPct val="100000"/>
-              </a:lnSpc>
-              <a:spcBef>
-                <a:spcPct val="20000"/>
-              </a:spcBef>
-              <a:spcAft>
-                <a:spcPts val="600"/>
-              </a:spcAft>
-              <a:buClr>
-                <a:schemeClr val="tx2"/>
-              </a:buClr>
-              <a:buFont typeface="Arial" pitchFamily="34" charset="0"/>
-              <a:buChar char="•"/>
-              <a:defRPr sz="1700" kern="1200">
-                <a:solidFill>
-                  <a:schemeClr val="tx1"/>
-                </a:solidFill>
-                <a:latin typeface="+mn-lt"/>
-                <a:ea typeface="+mn-ea"/>
-                <a:cs typeface="+mn-cs"/>
-              </a:defRPr>
-            </a:lvl9pPr>
-          </a:lstStyle>
-          <a:p>
-            <a:r>
-              <a:rPr lang="zh-CN" altLang="en-US" b="1" dirty="0">
-                <a:latin typeface="Microsoft YaHei" panose="020B0503020204020204" pitchFamily="34" charset="-122"/>
-                <a:ea typeface="Microsoft YaHei" panose="020B0503020204020204" pitchFamily="34" charset="-122"/>
-              </a:rPr>
-              <a:t>西安交通</a:t>
-            </a:r>
-            <a:r>
-              <a:rPr lang="en-US" altLang="zh-CN" b="1" dirty="0">
-                <a:latin typeface="Microsoft YaHei" panose="020B0503020204020204" pitchFamily="34" charset="-122"/>
-                <a:ea typeface="Microsoft YaHei" panose="020B0503020204020204" pitchFamily="34" charset="-122"/>
-              </a:rPr>
-              <a:t>-Liverpool </a:t>
-            </a:r>
-            <a:r>
-              <a:rPr lang="zh-CN" altLang="en-US" b="1" dirty="0">
-                <a:latin typeface="Microsoft YaHei" panose="020B0503020204020204" pitchFamily="34" charset="-122"/>
-                <a:ea typeface="Microsoft YaHei" panose="020B0503020204020204" pitchFamily="34" charset="-122"/>
-              </a:rPr>
-              <a:t>大学</a:t>
-            </a:r>
-            <a:endParaRPr lang="en-US" altLang="zh-CN" b="1" dirty="0">
-              <a:latin typeface="Microsoft YaHei" panose="020B0503020204020204" pitchFamily="34" charset="-122"/>
-              <a:ea typeface="Microsoft YaHei" panose="020B0503020204020204" pitchFamily="34" charset="-122"/>
-            </a:endParaRPr>
-          </a:p>
-          <a:p>
-            <a:r>
-              <a:rPr lang="zh-CN" altLang="en-US" b="1" dirty="0">
-                <a:latin typeface="Microsoft YaHei" panose="020B0503020204020204" pitchFamily="34" charset="-122"/>
-                <a:ea typeface="Microsoft YaHei" panose="020B0503020204020204" pitchFamily="34" charset="-122"/>
-              </a:rPr>
-              <a:t>中国科学技术大学</a:t>
-            </a:r>
-            <a:endParaRPr lang="en-US" altLang="zh-CN" b="1" dirty="0">
-              <a:latin typeface="Microsoft YaHei" panose="020B0503020204020204" pitchFamily="34" charset="-122"/>
-              <a:ea typeface="Microsoft YaHei" panose="020B0503020204020204" pitchFamily="34" charset="-122"/>
-            </a:endParaRPr>
-          </a:p>
-          <a:p>
-            <a:r>
-              <a:rPr lang="zh-CN" altLang="en-US" b="1" dirty="0">
-                <a:latin typeface="Microsoft YaHei" panose="020B0503020204020204" pitchFamily="34" charset="-122"/>
-                <a:ea typeface="Microsoft YaHei" panose="020B0503020204020204" pitchFamily="34" charset="-122"/>
-              </a:rPr>
-              <a:t>哈尔滨工业大学（深圳）</a:t>
-            </a:r>
-            <a:endParaRPr lang="en-US" altLang="zh-CN" b="1" dirty="0">
-              <a:latin typeface="Microsoft YaHei" panose="020B0503020204020204" pitchFamily="34" charset="-122"/>
-              <a:ea typeface="Microsoft YaHei" panose="020B0503020204020204" pitchFamily="34" charset="-122"/>
-            </a:endParaRPr>
-          </a:p>
-          <a:p>
-            <a:r>
-              <a:rPr lang="en-US" altLang="zh-CN" b="1" dirty="0">
-                <a:latin typeface="Microsoft YaHei" panose="020B0503020204020204" pitchFamily="34" charset="-122"/>
-                <a:ea typeface="Microsoft YaHei" panose="020B0503020204020204" pitchFamily="34" charset="-122"/>
-              </a:rPr>
-              <a:t>SRM University </a:t>
-            </a:r>
-            <a:r>
-              <a:rPr lang="en-US" altLang="zh-CN" b="1" dirty="0" err="1">
-                <a:latin typeface="Microsoft YaHei" panose="020B0503020204020204" pitchFamily="34" charset="-122"/>
-                <a:ea typeface="Microsoft YaHei" panose="020B0503020204020204" pitchFamily="34" charset="-122"/>
-              </a:rPr>
-              <a:t>Ramapuram</a:t>
-            </a:r>
-            <a:endParaRPr lang="en-US" altLang="zh-CN" b="1" dirty="0">
-              <a:latin typeface="Microsoft YaHei" panose="020B0503020204020204" pitchFamily="34" charset="-122"/>
-              <a:ea typeface="Microsoft YaHei" panose="020B0503020204020204" pitchFamily="34" charset="-122"/>
-            </a:endParaRPr>
-          </a:p>
-          <a:p>
-            <a:r>
-              <a:rPr lang="en-US" altLang="zh-CN" b="1" dirty="0">
-                <a:latin typeface="Microsoft YaHei" panose="020B0503020204020204" pitchFamily="34" charset="-122"/>
-                <a:ea typeface="Microsoft YaHei" panose="020B0503020204020204" pitchFamily="34" charset="-122"/>
-              </a:rPr>
-              <a:t>The University of Auckland</a:t>
-            </a:r>
-          </a:p>
-          <a:p>
-            <a:endParaRPr lang="en-US" altLang="zh-CN" dirty="0">
-              <a:latin typeface="Microsoft YaHei" panose="020B0503020204020204" pitchFamily="34" charset="-122"/>
-              <a:ea typeface="Microsoft YaHei" panose="020B0503020204020204" pitchFamily="34" charset="-122"/>
-            </a:endParaRPr>
-          </a:p>
-          <a:p>
-            <a:pPr marL="0" indent="0">
-              <a:buNone/>
-            </a:pPr>
-            <a:endParaRPr lang="en-US" altLang="zh-CN" dirty="0">
-              <a:latin typeface="Microsoft YaHei" panose="020B0503020204020204" pitchFamily="34" charset="-122"/>
-              <a:ea typeface="Microsoft YaHei" panose="020B0503020204020204" pitchFamily="34" charset="-122"/>
-            </a:endParaRPr>
-          </a:p>
-          <a:p>
-            <a:endParaRPr lang="en-US" altLang="zh-CN" dirty="0"/>
-          </a:p>
-        </p:txBody>
-      </p:sp>
-      <p:sp>
-        <p:nvSpPr>
-          <p:cNvPr id="9" name="Content Placeholder 2"/>
-          <p:cNvSpPr txBox="1">
-            <a:spLocks/>
-          </p:cNvSpPr>
-          <p:nvPr/>
-        </p:nvSpPr>
-        <p:spPr>
-          <a:xfrm>
-            <a:off x="685800" y="5450865"/>
-            <a:ext cx="10363200" cy="1143000"/>
-          </a:xfrm>
-          <a:prstGeom prst="rect">
-            <a:avLst/>
-          </a:prstGeom>
-        </p:spPr>
-        <p:txBody>
-          <a:bodyPr vert="horz" lIns="91440" tIns="45720" rIns="91440" bIns="45720" rtlCol="0">
-            <a:normAutofit fontScale="85000" lnSpcReduction="10000"/>
-          </a:bodyPr>
-          <a:lstStyle>
-            <a:lvl1pPr marL="342900" indent="-342900" algn="l" defTabSz="914400" rtl="0" eaLnBrk="1" latinLnBrk="0" hangingPunct="1">
-              <a:lnSpc>
-                <a:spcPct val="100000"/>
-              </a:lnSpc>
-              <a:spcBef>
-                <a:spcPct val="20000"/>
-              </a:spcBef>
-              <a:spcAft>
-                <a:spcPts val="600"/>
-              </a:spcAft>
-              <a:buClr>
-                <a:schemeClr val="tx2"/>
-              </a:buClr>
-              <a:buFont typeface="Arial" pitchFamily="34" charset="0"/>
-              <a:buChar char="•"/>
-              <a:defRPr sz="1700" kern="1200" spc="30" baseline="0">
-                <a:solidFill>
-                  <a:schemeClr val="tx1"/>
-                </a:solidFill>
-                <a:latin typeface="+mn-lt"/>
-                <a:ea typeface="+mn-ea"/>
-                <a:cs typeface="+mn-cs"/>
-              </a:defRPr>
-            </a:lvl1pPr>
-            <a:lvl2pPr marL="742950" indent="-285750" algn="l" defTabSz="914400" rtl="0" eaLnBrk="1" latinLnBrk="0" hangingPunct="1">
-              <a:lnSpc>
-                <a:spcPct val="100000"/>
-              </a:lnSpc>
-              <a:spcBef>
-                <a:spcPct val="20000"/>
-              </a:spcBef>
-              <a:spcAft>
-                <a:spcPts val="600"/>
-              </a:spcAft>
-              <a:buClr>
-                <a:schemeClr val="tx2"/>
-              </a:buClr>
-              <a:buFont typeface="Arial" pitchFamily="34" charset="0"/>
-              <a:buChar char="•"/>
-              <a:defRPr sz="1700" kern="1200" spc="30" baseline="0">
-                <a:solidFill>
-                  <a:schemeClr val="tx1"/>
-                </a:solidFill>
-                <a:latin typeface="+mn-lt"/>
-                <a:ea typeface="+mn-ea"/>
-                <a:cs typeface="+mn-cs"/>
-              </a:defRPr>
-            </a:lvl2pPr>
-            <a:lvl3pPr marL="1143000" indent="-228600" algn="l" defTabSz="914400" rtl="0" eaLnBrk="1" latinLnBrk="0" hangingPunct="1">
-              <a:lnSpc>
-                <a:spcPct val="100000"/>
-              </a:lnSpc>
-              <a:spcBef>
-                <a:spcPct val="20000"/>
-              </a:spcBef>
-              <a:spcAft>
-                <a:spcPts val="600"/>
-              </a:spcAft>
-              <a:buClr>
-                <a:schemeClr val="tx2"/>
-              </a:buClr>
-              <a:buFont typeface="Arial" pitchFamily="34" charset="0"/>
-              <a:buChar char="•"/>
-              <a:defRPr sz="1700" kern="1200" spc="30" baseline="0">
-                <a:solidFill>
-                  <a:schemeClr val="tx1"/>
-                </a:solidFill>
-                <a:latin typeface="+mn-lt"/>
-                <a:ea typeface="+mn-ea"/>
-                <a:cs typeface="+mn-cs"/>
-              </a:defRPr>
-            </a:lvl3pPr>
-            <a:lvl4pPr marL="1600200" indent="-228600" algn="l" defTabSz="914400" rtl="0" eaLnBrk="1" latinLnBrk="0" hangingPunct="1">
-              <a:lnSpc>
-                <a:spcPct val="100000"/>
-              </a:lnSpc>
-              <a:spcBef>
-                <a:spcPct val="20000"/>
-              </a:spcBef>
-              <a:spcAft>
-                <a:spcPts val="600"/>
-              </a:spcAft>
-              <a:buClr>
-                <a:schemeClr val="tx2"/>
-              </a:buClr>
-              <a:buFont typeface="Arial" pitchFamily="34" charset="0"/>
-              <a:buChar char="•"/>
-              <a:defRPr sz="1700" kern="1200" spc="30" baseline="0">
-                <a:solidFill>
-                  <a:schemeClr val="tx1"/>
-                </a:solidFill>
-                <a:latin typeface="+mn-lt"/>
-                <a:ea typeface="+mn-ea"/>
-                <a:cs typeface="+mn-cs"/>
-              </a:defRPr>
-            </a:lvl4pPr>
-            <a:lvl5pPr marL="2057400" indent="-228600" algn="l" defTabSz="914400" rtl="0" eaLnBrk="1" latinLnBrk="0" hangingPunct="1">
-              <a:lnSpc>
-                <a:spcPct val="100000"/>
-              </a:lnSpc>
-              <a:spcBef>
-                <a:spcPct val="20000"/>
-              </a:spcBef>
-              <a:spcAft>
-                <a:spcPts val="600"/>
-              </a:spcAft>
-              <a:buClr>
-                <a:schemeClr val="tx2"/>
-              </a:buClr>
-              <a:buFont typeface="Arial" pitchFamily="34" charset="0"/>
-              <a:buChar char="•"/>
-              <a:defRPr sz="1700" kern="1200" spc="30" baseline="0">
-                <a:solidFill>
-                  <a:schemeClr val="tx1"/>
-                </a:solidFill>
-                <a:latin typeface="+mn-lt"/>
-                <a:ea typeface="+mn-ea"/>
-                <a:cs typeface="+mn-cs"/>
-              </a:defRPr>
-            </a:lvl5pPr>
-            <a:lvl6pPr marL="2514600" indent="-228600" algn="l" defTabSz="914400" rtl="0" eaLnBrk="1" latinLnBrk="0" hangingPunct="1">
-              <a:lnSpc>
-                <a:spcPct val="100000"/>
-              </a:lnSpc>
-              <a:spcBef>
-                <a:spcPct val="20000"/>
-              </a:spcBef>
-              <a:spcAft>
-                <a:spcPts val="600"/>
-              </a:spcAft>
-              <a:buClr>
-                <a:schemeClr val="tx2"/>
-              </a:buClr>
-              <a:buFont typeface="Arial" pitchFamily="34" charset="0"/>
-              <a:buChar char="•"/>
-              <a:defRPr sz="1700" kern="1200">
-                <a:solidFill>
-                  <a:schemeClr val="tx1"/>
-                </a:solidFill>
-                <a:latin typeface="+mn-lt"/>
-                <a:ea typeface="+mn-ea"/>
-                <a:cs typeface="+mn-cs"/>
-              </a:defRPr>
-            </a:lvl6pPr>
-            <a:lvl7pPr marL="2971800" indent="-228600" algn="l" defTabSz="914400" rtl="0" eaLnBrk="1" latinLnBrk="0" hangingPunct="1">
-              <a:lnSpc>
-                <a:spcPct val="100000"/>
-              </a:lnSpc>
-              <a:spcBef>
-                <a:spcPct val="20000"/>
-              </a:spcBef>
-              <a:spcAft>
-                <a:spcPts val="600"/>
-              </a:spcAft>
-              <a:buClr>
-                <a:schemeClr val="tx2"/>
-              </a:buClr>
-              <a:buFont typeface="Arial" pitchFamily="34" charset="0"/>
-              <a:buChar char="•"/>
-              <a:defRPr sz="1700" kern="1200">
-                <a:solidFill>
-                  <a:schemeClr val="tx1"/>
-                </a:solidFill>
-                <a:latin typeface="+mn-lt"/>
-                <a:ea typeface="+mn-ea"/>
-                <a:cs typeface="+mn-cs"/>
-              </a:defRPr>
-            </a:lvl7pPr>
-            <a:lvl8pPr marL="3429000" indent="-228600" algn="l" defTabSz="914400" rtl="0" eaLnBrk="1" latinLnBrk="0" hangingPunct="1">
-              <a:lnSpc>
-                <a:spcPct val="100000"/>
-              </a:lnSpc>
-              <a:spcBef>
-                <a:spcPct val="20000"/>
-              </a:spcBef>
-              <a:spcAft>
-                <a:spcPts val="600"/>
-              </a:spcAft>
-              <a:buClr>
-                <a:schemeClr val="tx2"/>
-              </a:buClr>
-              <a:buFont typeface="Arial" pitchFamily="34" charset="0"/>
-              <a:buChar char="•"/>
-              <a:defRPr sz="1700" kern="1200">
-                <a:solidFill>
-                  <a:schemeClr val="tx1"/>
-                </a:solidFill>
-                <a:latin typeface="+mn-lt"/>
-                <a:ea typeface="+mn-ea"/>
-                <a:cs typeface="+mn-cs"/>
-              </a:defRPr>
-            </a:lvl8pPr>
-            <a:lvl9pPr marL="3886200" indent="-228600" algn="l" defTabSz="914400" rtl="0" eaLnBrk="1" latinLnBrk="0" hangingPunct="1">
-              <a:lnSpc>
-                <a:spcPct val="100000"/>
-              </a:lnSpc>
-              <a:spcBef>
-                <a:spcPct val="20000"/>
-              </a:spcBef>
-              <a:spcAft>
-                <a:spcPts val="600"/>
-              </a:spcAft>
-              <a:buClr>
-                <a:schemeClr val="tx2"/>
-              </a:buClr>
-              <a:buFont typeface="Arial" pitchFamily="34" charset="0"/>
-              <a:buChar char="•"/>
-              <a:defRPr sz="1700" kern="1200">
-                <a:solidFill>
-                  <a:schemeClr val="tx1"/>
-                </a:solidFill>
-                <a:latin typeface="+mn-lt"/>
-                <a:ea typeface="+mn-ea"/>
-                <a:cs typeface="+mn-cs"/>
-              </a:defRPr>
-            </a:lvl9pPr>
-          </a:lstStyle>
-          <a:p>
-            <a:pPr marL="0" indent="0">
-              <a:buNone/>
-            </a:pPr>
-            <a:r>
-              <a:rPr lang="en-US" altLang="zh-CN" sz="2800" dirty="0">
-                <a:solidFill>
-                  <a:srgbClr val="FFFF00"/>
-                </a:solidFill>
-              </a:rPr>
-              <a:t>Did I miss anyone?</a:t>
-            </a:r>
-          </a:p>
-          <a:p>
-            <a:pPr marL="0" indent="0">
-              <a:buNone/>
-            </a:pPr>
-            <a:r>
-              <a:rPr lang="en-US" altLang="zh-CN" sz="2800" dirty="0">
-                <a:solidFill>
-                  <a:srgbClr val="FFFF00"/>
-                </a:solidFill>
-              </a:rPr>
-              <a:t>Put a mark (annotate) besides your school, or write your school’s name if I missed you!</a:t>
-            </a:r>
-          </a:p>
-          <a:p>
-            <a:endParaRPr lang="en-US" altLang="zh-CN" dirty="0"/>
-          </a:p>
-          <a:p>
-            <a:endParaRPr lang="en-US" altLang="zh-CN" dirty="0"/>
-          </a:p>
-        </p:txBody>
-      </p:sp>
-    </p:spTree>
-    <p:extLst>
-      <p:ext uri="{BB962C8B-B14F-4D97-AF65-F5344CB8AC3E}">
-        <p14:creationId xmlns:p14="http://schemas.microsoft.com/office/powerpoint/2010/main" val="4109180755"/>
-      </p:ext>
-    </p:extLst>
-  </p:cSld>
-  <p:clrMapOvr>
-    <a:masterClrMapping/>
-  </p:clrMapOvr>
-</p:sld>
-</file>
-
-<file path=ppt/slides/slide5.xml><?xml version="1.0" encoding="utf-8"?>
-<p:sld xmlns:a="http://schemas.openxmlformats.org/drawingml/2006/main" xmlns:r="http://schemas.openxmlformats.org/officeDocument/2006/relationships" xmlns:p="http://schemas.openxmlformats.org/presentationml/2006/main">
-  <p:cSld>
-    <p:spTree>
-      <p:nvGrpSpPr>
-        <p:cNvPr id="1" name=""/>
-        <p:cNvGrpSpPr/>
-        <p:nvPr/>
-      </p:nvGrpSpPr>
-      <p:grpSpPr>
-        <a:xfrm>
-          <a:off x="0" y="0"/>
-          <a:ext cx="0" cy="0"/>
-          <a:chOff x="0" y="0"/>
-          <a:chExt cx="0" cy="0"/>
-        </a:xfrm>
-      </p:grpSpPr>
-      <p:sp>
-        <p:nvSpPr>
-          <p:cNvPr id="2" name="Title 1"/>
-          <p:cNvSpPr>
-            <a:spLocks noGrp="1"/>
-          </p:cNvSpPr>
-          <p:nvPr>
-            <p:ph type="title"/>
-          </p:nvPr>
-        </p:nvSpPr>
-        <p:spPr/>
-        <p:txBody>
-          <a:bodyPr/>
-          <a:lstStyle/>
-          <a:p>
             <a:r>
               <a:rPr lang="en-US" dirty="0"/>
               <a:t>Most Importantly: You?</a:t>
@@ -15549,14 +10186,33 @@
             </a:r>
           </a:p>
           <a:p>
+            <a:r>
+              <a:rPr lang="en-US" altLang="zh-TW" dirty="0">
+                <a:latin typeface="+mn-ea"/>
+                <a:cs typeface="FreesiaUPC" panose="020B0604020202020204" pitchFamily="34" charset="-34"/>
+              </a:rPr>
+              <a:t>Do you know people around you? </a:t>
+            </a:r>
+          </a:p>
+          <a:p>
             <a:pPr lvl="1"/>
             <a:r>
+              <a:rPr lang="zh-CN" altLang="en-US" dirty="0">
+                <a:latin typeface="+mn-ea"/>
+                <a:cs typeface="FreesiaUPC" panose="020B0604020202020204" pitchFamily="34" charset="-34"/>
+              </a:rPr>
+              <a:t>在班上有朋友吗？</a:t>
+            </a:r>
+            <a:br>
               <a:rPr lang="en-US" altLang="zh-CN" dirty="0">
                 <a:latin typeface="+mn-ea"/>
                 <a:cs typeface="FreesiaUPC" panose="020B0604020202020204" pitchFamily="34" charset="-34"/>
               </a:rPr>
-              <a:t>Anything other languages? Hindi? Bengali?</a:t>
-            </a:r>
+            </a:br>
+            <a:endParaRPr lang="en-US" altLang="zh-TW" dirty="0">
+              <a:latin typeface="+mn-ea"/>
+              <a:cs typeface="FreesiaUPC" panose="020B0604020202020204" pitchFamily="34" charset="-34"/>
+            </a:endParaRPr>
           </a:p>
           <a:p>
             <a:r>
@@ -15831,15 +10487,33 @@
                                   </p:childTnLst>
                                 </p:cTn>
                               </p:par>
+                            </p:childTnLst>
+                          </p:cTn>
+                        </p:par>
+                      </p:childTnLst>
+                    </p:cTn>
+                  </p:par>
+                  <p:par>
+                    <p:cTn id="9" fill="hold">
+                      <p:stCondLst>
+                        <p:cond delay="indefinite"/>
+                      </p:stCondLst>
+                      <p:childTnLst>
+                        <p:par>
+                          <p:cTn id="10" fill="hold">
+                            <p:stCondLst>
+                              <p:cond delay="0"/>
+                            </p:stCondLst>
+                            <p:childTnLst>
                               <p:par>
-                                <p:cTn id="9" presetID="1" presetClass="entr" presetSubtype="0" fill="hold" grpId="0" nodeType="withEffect">
+                                <p:cTn id="11" presetID="1" presetClass="entr" presetSubtype="0" fill="hold" grpId="0" nodeType="clickEffect">
                                   <p:stCondLst>
                                     <p:cond delay="0"/>
                                   </p:stCondLst>
                                   <p:childTnLst>
                                     <p:set>
                                       <p:cBhvr>
-                                        <p:cTn id="10" dur="1" fill="hold">
+                                        <p:cTn id="12" dur="1" fill="hold">
                                           <p:stCondLst>
                                             <p:cond delay="0"/>
                                           </p:stCondLst>
@@ -15862,26 +10536,8 @@
                                   </p:childTnLst>
                                 </p:cTn>
                               </p:par>
-                            </p:childTnLst>
-                          </p:cTn>
-                        </p:par>
-                      </p:childTnLst>
-                    </p:cTn>
-                  </p:par>
-                  <p:par>
-                    <p:cTn id="11" fill="hold">
-                      <p:stCondLst>
-                        <p:cond delay="indefinite"/>
-                      </p:stCondLst>
-                      <p:childTnLst>
-                        <p:par>
-                          <p:cTn id="12" fill="hold">
-                            <p:stCondLst>
-                              <p:cond delay="0"/>
-                            </p:stCondLst>
-                            <p:childTnLst>
                               <p:par>
-                                <p:cTn id="13" presetID="1" presetClass="entr" presetSubtype="0" fill="hold" grpId="0" nodeType="clickEffect">
+                                <p:cTn id="13" presetID="1" presetClass="entr" presetSubtype="0" fill="hold" grpId="0" nodeType="withEffect">
                                   <p:stCondLst>
                                     <p:cond delay="0"/>
                                   </p:stCondLst>
@@ -16162,6 +10818,55 @@
                       </p:childTnLst>
                     </p:cTn>
                   </p:par>
+                  <p:par>
+                    <p:cTn id="35" fill="hold">
+                      <p:stCondLst>
+                        <p:cond delay="indefinite"/>
+                      </p:stCondLst>
+                      <p:childTnLst>
+                        <p:par>
+                          <p:cTn id="36" fill="hold">
+                            <p:stCondLst>
+                              <p:cond delay="0"/>
+                            </p:stCondLst>
+                            <p:childTnLst>
+                              <p:par>
+                                <p:cTn id="37" presetID="1" presetClass="entr" presetSubtype="0" fill="hold" grpId="0" nodeType="clickEffect">
+                                  <p:stCondLst>
+                                    <p:cond delay="0"/>
+                                  </p:stCondLst>
+                                  <p:childTnLst>
+                                    <p:set>
+                                      <p:cBhvr>
+                                        <p:cTn id="38" dur="1" fill="hold">
+                                          <p:stCondLst>
+                                            <p:cond delay="0"/>
+                                          </p:stCondLst>
+                                        </p:cTn>
+                                        <p:tgtEl>
+                                          <p:spTgt spid="3">
+                                            <p:txEl>
+                                              <p:pRg st="9" end="9"/>
+                                            </p:txEl>
+                                          </p:spTgt>
+                                        </p:tgtEl>
+                                        <p:attrNameLst>
+                                          <p:attrName>style.visibility</p:attrName>
+                                        </p:attrNameLst>
+                                      </p:cBhvr>
+                                      <p:to>
+                                        <p:strVal val="visible"/>
+                                      </p:to>
+                                    </p:set>
+                                  </p:childTnLst>
+                                </p:cTn>
+                              </p:par>
+                            </p:childTnLst>
+                          </p:cTn>
+                        </p:par>
+                      </p:childTnLst>
+                    </p:cTn>
+                  </p:par>
                 </p:childTnLst>
               </p:cTn>
               <p:prevCondLst>
@@ -16190,7 +10895,7 @@
 </p:sld>
 </file>
 
-<file path=ppt/slides/slide6.xml><?xml version="1.0" encoding="utf-8"?>
+<file path=ppt/slides/slide20.xml><?xml version="1.0" encoding="utf-8"?>
 <p:sld xmlns:a="http://schemas.openxmlformats.org/drawingml/2006/main" xmlns:r="http://schemas.openxmlformats.org/officeDocument/2006/relationships" xmlns:p="http://schemas.openxmlformats.org/presentationml/2006/main">
   <p:cSld>
     <p:spTree>
@@ -16222,6 +10927,98 @@
           <a:bodyPr/>
           <a:lstStyle/>
           <a:p>
+            <a:endParaRPr lang="en-US"/>
+          </a:p>
+        </p:txBody>
+      </p:sp>
+      <p:sp>
+        <p:nvSpPr>
+          <p:cNvPr id="3" name="Content Placeholder 2"/>
+          <p:cNvSpPr>
+            <a:spLocks noGrp="1"/>
+          </p:cNvSpPr>
+          <p:nvPr>
+            <p:ph sz="quarter" idx="13"/>
+          </p:nvPr>
+        </p:nvSpPr>
+        <p:spPr/>
+        <p:txBody>
+          <a:bodyPr/>
+          <a:lstStyle/>
+          <a:p>
+            <a:pPr marL="0" indent="0">
+              <a:buNone/>
+            </a:pPr>
+            <a:endParaRPr lang="en-US" dirty="0"/>
+          </a:p>
+          <a:p>
+            <a:pPr marL="0" indent="0">
+              <a:buNone/>
+            </a:pPr>
+            <a:endParaRPr lang="en-US" dirty="0"/>
+          </a:p>
+          <a:p>
+            <a:pPr marL="0" indent="0">
+              <a:buNone/>
+            </a:pPr>
+            <a:endParaRPr lang="en-US" dirty="0"/>
+          </a:p>
+          <a:p>
+            <a:pPr marL="0" indent="0" algn="ctr">
+              <a:buNone/>
+            </a:pPr>
+            <a:r>
+              <a:rPr lang="en-US" sz="3200" dirty="0"/>
+              <a:t>https://myuwbclasses.github.io/IntroGameDevelopment/</a:t>
+            </a:r>
+          </a:p>
+        </p:txBody>
+      </p:sp>
+    </p:spTree>
+    <p:extLst>
+      <p:ext uri="{BB962C8B-B14F-4D97-AF65-F5344CB8AC3E}">
+        <p14:creationId xmlns:p14="http://schemas.microsoft.com/office/powerpoint/2010/main" val="1945664101"/>
+      </p:ext>
+    </p:extLst>
+  </p:cSld>
+  <p:clrMapOvr>
+    <a:masterClrMapping/>
+  </p:clrMapOvr>
+</p:sld>
+</file>
+
+<file path=ppt/slides/slide3.xml><?xml version="1.0" encoding="utf-8"?>
+<p:sld xmlns:a="http://schemas.openxmlformats.org/drawingml/2006/main" xmlns:r="http://schemas.openxmlformats.org/officeDocument/2006/relationships" xmlns:p="http://schemas.openxmlformats.org/presentationml/2006/main">
+  <p:cSld>
+    <p:spTree>
+      <p:nvGrpSpPr>
+        <p:cNvPr id="1" name=""/>
+        <p:cNvGrpSpPr/>
+        <p:nvPr/>
+      </p:nvGrpSpPr>
+      <p:grpSpPr>
+        <a:xfrm>
+          <a:off x="0" y="0"/>
+          <a:ext cx="0" cy="0"/>
+          <a:chOff x="0" y="0"/>
+          <a:chExt cx="0" cy="0"/>
+        </a:xfrm>
+      </p:grpSpPr>
+      <p:sp>
+        <p:nvSpPr>
+          <p:cNvPr id="2" name="Title 1"/>
+          <p:cNvSpPr>
+            <a:spLocks noGrp="1"/>
+          </p:cNvSpPr>
+          <p:nvPr>
+            <p:ph type="title"/>
+          </p:nvPr>
+        </p:nvSpPr>
+        <p:spPr/>
+        <p:txBody>
+          <a:bodyPr/>
+          <a:lstStyle/>
+          <a:p>
             <a:r>
               <a:rPr lang="en-US" dirty="0"/>
               <a:t>Second Most Important: WHY?</a:t>
@@ -16260,7 +11057,7 @@
             <a:pPr lvl="1"/>
             <a:r>
               <a:rPr lang="en-US" altLang="zh-TW" dirty="0"/>
-              <a:t>For fun?  … FUN? heard of Beaches? Or Swimming Pools?</a:t>
+              <a:t>For fun?  … FUN? 14 days with 32-contact hours!</a:t>
             </a:r>
           </a:p>
           <a:p>
@@ -16274,13 +11071,6 @@
             <a:r>
               <a:rPr lang="en-US" dirty="0"/>
               <a:t>WHAT do you want to learn?</a:t>
-            </a:r>
-          </a:p>
-          <a:p>
-            <a:pPr lvl="1"/>
-            <a:r>
-              <a:rPr lang="en-US" dirty="0"/>
-              <a:t>Singapore culture?</a:t>
             </a:r>
           </a:p>
           <a:p>
@@ -16751,7 +11541,7 @@
                             </p:stCondLst>
                             <p:childTnLst>
                               <p:par>
-                                <p:cTn id="37" presetID="1" presetClass="entr" presetSubtype="0" fill="hold" nodeType="clickEffect">
+                                <p:cTn id="37" presetID="1" presetClass="exit" presetSubtype="0" fill="hold" nodeType="clickEffect">
                                   <p:stCondLst>
                                     <p:cond delay="0"/>
                                   </p:stCondLst>
@@ -16766,7 +11556,7 @@
                                         <p:tgtEl>
                                           <p:spTgt spid="3">
                                             <p:txEl>
-                                              <p:pRg st="8" end="8"/>
+                                              <p:pRg st="0" end="0"/>
                                             </p:txEl>
                                           </p:spTgt>
                                         </p:tgtEl>
@@ -16775,32 +11565,45 @@
                                         </p:attrNameLst>
                                       </p:cBhvr>
                                       <p:to>
-                                        <p:strVal val="visible"/>
+                                        <p:strVal val="hidden"/>
                                       </p:to>
                                     </p:set>
                                   </p:childTnLst>
                                 </p:cTn>
                               </p:par>
-                            </p:childTnLst>
-                          </p:cTn>
-                        </p:par>
-                      </p:childTnLst>
-                    </p:cTn>
-                  </p:par>
-                  <p:par>
-                    <p:cTn id="39" fill="hold">
-                      <p:stCondLst>
-                        <p:cond delay="indefinite"/>
-                      </p:stCondLst>
-                      <p:childTnLst>
-                        <p:par>
-                          <p:cTn id="40" fill="hold">
-                            <p:stCondLst>
-                              <p:cond delay="0"/>
-                            </p:stCondLst>
-                            <p:childTnLst>
                               <p:par>
-                                <p:cTn id="41" presetID="1" presetClass="exit" presetSubtype="0" fill="hold" nodeType="clickEffect">
+                                <p:cTn id="39" presetID="1" presetClass="exit" presetSubtype="0" fill="hold" nodeType="withEffect">
+                                  <p:stCondLst>
+                                    <p:cond delay="0"/>
+                                  </p:stCondLst>
+                                  <p:childTnLst>
+                                    <p:set>
+                                      <p:cBhvr>
+                                        <p:cTn id="40" dur="1" fill="hold">
+                                          <p:stCondLst>
+                                            <p:cond delay="0"/>
+                                          </p:stCondLst>
+                                        </p:cTn>
+                                        <p:tgtEl>
+                                          <p:spTgt spid="3">
+                                            <p:txEl>
+                                              <p:pRg st="1" end="1"/>
+                                            </p:txEl>
+                                          </p:spTgt>
+                                        </p:tgtEl>
+                                        <p:attrNameLst>
+                                          <p:attrName>style.visibility</p:attrName>
+                                        </p:attrNameLst>
+                                      </p:cBhvr>
+                                      <p:to>
+                                        <p:strVal val="hidden"/>
+                                      </p:to>
+                                    </p:set>
+                                  </p:childTnLst>
+                                </p:cTn>
+                              </p:par>
+                              <p:par>
+                                <p:cTn id="41" presetID="1" presetClass="exit" presetSubtype="0" fill="hold" nodeType="withEffect">
                                   <p:stCondLst>
                                     <p:cond delay="0"/>
                                   </p:stCondLst>
@@ -16815,7 +11618,7 @@
                                         <p:tgtEl>
                                           <p:spTgt spid="3">
                                             <p:txEl>
-                                              <p:pRg st="0" end="0"/>
+                                              <p:pRg st="2" end="2"/>
                                             </p:txEl>
                                           </p:spTgt>
                                         </p:tgtEl>
@@ -16846,7 +11649,7 @@
                                         <p:tgtEl>
                                           <p:spTgt spid="3">
                                             <p:txEl>
-                                              <p:pRg st="1" end="1"/>
+                                              <p:pRg st="3" end="3"/>
                                             </p:txEl>
                                           </p:spTgt>
                                         </p:tgtEl>
@@ -16877,100 +11680,7 @@
                                         <p:tgtEl>
                                           <p:spTgt spid="3">
                                             <p:txEl>
-                                              <p:pRg st="2" end="2"/>
-                                            </p:txEl>
-                                          </p:spTgt>
-                                        </p:tgtEl>
-                                        <p:attrNameLst>
-                                          <p:attrName>style.visibility</p:attrName>
-                                        </p:attrNameLst>
-                                      </p:cBhvr>
-                                      <p:to>
-                                        <p:strVal val="hidden"/>
-                                      </p:to>
-                                    </p:set>
-                                  </p:childTnLst>
-                                </p:cTn>
-                              </p:par>
-                              <p:par>
-                                <p:cTn id="47" presetID="1" presetClass="exit" presetSubtype="0" fill="hold" nodeType="withEffect">
-                                  <p:stCondLst>
-                                    <p:cond delay="0"/>
-                                  </p:stCondLst>
-                                  <p:childTnLst>
-                                    <p:set>
-                                      <p:cBhvr>
-                                        <p:cTn id="48" dur="1" fill="hold">
-                                          <p:stCondLst>
-                                            <p:cond delay="0"/>
-                                          </p:stCondLst>
-                                        </p:cTn>
-                                        <p:tgtEl>
-                                          <p:spTgt spid="3">
-                                            <p:txEl>
-                                              <p:pRg st="3" end="3"/>
-                                            </p:txEl>
-                                          </p:spTgt>
-                                        </p:tgtEl>
-                                        <p:attrNameLst>
-                                          <p:attrName>style.visibility</p:attrName>
-                                        </p:attrNameLst>
-                                      </p:cBhvr>
-                                      <p:to>
-                                        <p:strVal val="hidden"/>
-                                      </p:to>
-                                    </p:set>
-                                  </p:childTnLst>
-                                </p:cTn>
-                              </p:par>
-                              <p:par>
-                                <p:cTn id="49" presetID="1" presetClass="exit" presetSubtype="0" fill="hold" nodeType="withEffect">
-                                  <p:stCondLst>
-                                    <p:cond delay="0"/>
-                                  </p:stCondLst>
-                                  <p:childTnLst>
-                                    <p:set>
-                                      <p:cBhvr>
-                                        <p:cTn id="50" dur="1" fill="hold">
-                                          <p:stCondLst>
-                                            <p:cond delay="0"/>
-                                          </p:stCondLst>
-                                        </p:cTn>
-                                        <p:tgtEl>
-                                          <p:spTgt spid="3">
-                                            <p:txEl>
                                               <p:pRg st="4" end="4"/>
-                                            </p:txEl>
-                                          </p:spTgt>
-                                        </p:tgtEl>
-                                        <p:attrNameLst>
-                                          <p:attrName>style.visibility</p:attrName>
-                                        </p:attrNameLst>
-                                      </p:cBhvr>
-                                      <p:to>
-                                        <p:strVal val="hidden"/>
-                                      </p:to>
-                                    </p:set>
-                                  </p:childTnLst>
-                                </p:cTn>
-                              </p:par>
-                              <p:par>
-                                <p:cTn id="51" presetID="1" presetClass="exit" presetSubtype="0" fill="hold" nodeType="withEffect">
-                                  <p:stCondLst>
-                                    <p:cond delay="0"/>
-                                  </p:stCondLst>
-                                  <p:childTnLst>
-                                    <p:set>
-                                      <p:cBhvr>
-                                        <p:cTn id="52" dur="1" fill="hold">
-                                          <p:stCondLst>
-                                            <p:cond delay="0"/>
-                                          </p:stCondLst>
-                                        </p:cTn>
-                                        <p:tgtEl>
-                                          <p:spTgt spid="3">
-                                            <p:txEl>
-                                              <p:pRg st="5" end="5"/>
                                             </p:txEl>
                                           </p:spTgt>
                                         </p:tgtEl>
@@ -17016,7 +11726,7 @@
 </p:sld>
 </file>
 
-<file path=ppt/slides/slide7.xml><?xml version="1.0" encoding="utf-8"?>
+<file path=ppt/slides/slide4.xml><?xml version="1.0" encoding="utf-8"?>
 <p:sld xmlns:a="http://schemas.openxmlformats.org/drawingml/2006/main" xmlns:r="http://schemas.openxmlformats.org/officeDocument/2006/relationships" xmlns:p="http://schemas.openxmlformats.org/presentationml/2006/main">
   <p:cSld>
     <p:spTree>
@@ -17774,7 +12484,7 @@
 </p:sld>
 </file>
 
-<file path=ppt/slides/slide8.xml><?xml version="1.0" encoding="utf-8"?>
+<file path=ppt/slides/slide5.xml><?xml version="1.0" encoding="utf-8"?>
 <p:sld xmlns:a="http://schemas.openxmlformats.org/drawingml/2006/main" xmlns:r="http://schemas.openxmlformats.org/officeDocument/2006/relationships" xmlns:p="http://schemas.openxmlformats.org/presentationml/2006/main">
   <p:cSld>
     <p:spTree>
@@ -17831,7 +12541,7 @@
         </p:spPr>
         <p:txBody>
           <a:bodyPr>
-            <a:normAutofit/>
+            <a:normAutofit lnSpcReduction="10000"/>
           </a:bodyPr>
           <a:lstStyle/>
           <a:p>
@@ -17884,6 +12594,34 @@
             <a:r>
               <a:rPr lang="en-US" dirty="0"/>
               <a:t>D3D? OpenGL? WebGL?</a:t>
+            </a:r>
+          </a:p>
+          <a:p>
+            <a:r>
+              <a:rPr lang="en-US" dirty="0"/>
+              <a:t>Game development experience?</a:t>
+            </a:r>
+          </a:p>
+          <a:p>
+            <a:pPr lvl="1"/>
+            <a:r>
+              <a:rPr lang="en-US" dirty="0"/>
+              <a:t>Build and sell your own games? </a:t>
+            </a:r>
+          </a:p>
+          <a:p>
+            <a:pPr lvl="1"/>
+            <a:r>
+              <a:rPr lang="en-US" dirty="0"/>
+              <a:t>Know Unity? </a:t>
+            </a:r>
+            <a:r>
+              <a:rPr lang="en-US" dirty="0" err="1"/>
+              <a:t>UnReal</a:t>
+            </a:r>
+            <a:r>
+              <a:rPr lang="en-US" dirty="0"/>
+              <a:t>?</a:t>
             </a:r>
           </a:p>
         </p:txBody>
@@ -18298,6 +13036,153 @@
                       </p:childTnLst>
                     </p:cTn>
                   </p:par>
+                  <p:par>
+                    <p:cTn id="35" fill="hold">
+                      <p:stCondLst>
+                        <p:cond delay="indefinite"/>
+                      </p:stCondLst>
+                      <p:childTnLst>
+                        <p:par>
+                          <p:cTn id="36" fill="hold">
+                            <p:stCondLst>
+                              <p:cond delay="0"/>
+                            </p:stCondLst>
+                            <p:childTnLst>
+                              <p:par>
+                                <p:cTn id="37" presetID="1" presetClass="entr" presetSubtype="0" fill="hold" nodeType="clickEffect">
+                                  <p:stCondLst>
+                                    <p:cond delay="0"/>
+                                  </p:stCondLst>
+                                  <p:childTnLst>
+                                    <p:set>
+                                      <p:cBhvr>
+                                        <p:cTn id="38" dur="1" fill="hold">
+                                          <p:stCondLst>
+                                            <p:cond delay="0"/>
+                                          </p:stCondLst>
+                                        </p:cTn>
+                                        <p:tgtEl>
+                                          <p:spTgt spid="3">
+                                            <p:txEl>
+                                              <p:pRg st="8" end="8"/>
+                                            </p:txEl>
+                                          </p:spTgt>
+                                        </p:tgtEl>
+                                        <p:attrNameLst>
+                                          <p:attrName>style.visibility</p:attrName>
+                                        </p:attrNameLst>
+                                      </p:cBhvr>
+                                      <p:to>
+                                        <p:strVal val="visible"/>
+                                      </p:to>
+                                    </p:set>
+                                  </p:childTnLst>
+                                </p:cTn>
+                              </p:par>
+                            </p:childTnLst>
+                          </p:cTn>
+                        </p:par>
+                      </p:childTnLst>
+                    </p:cTn>
+                  </p:par>
+                  <p:par>
+                    <p:cTn id="39" fill="hold">
+                      <p:stCondLst>
+                        <p:cond delay="indefinite"/>
+                      </p:stCondLst>
+                      <p:childTnLst>
+                        <p:par>
+                          <p:cTn id="40" fill="hold">
+                            <p:stCondLst>
+                              <p:cond delay="0"/>
+                            </p:stCondLst>
+                            <p:childTnLst>
+                              <p:par>
+                                <p:cTn id="41" presetID="1" presetClass="entr" presetSubtype="0" fill="hold" nodeType="clickEffect">
+                                  <p:stCondLst>
+                                    <p:cond delay="0"/>
+                                  </p:stCondLst>
+                                  <p:childTnLst>
+                                    <p:set>
+                                      <p:cBhvr>
+                                        <p:cTn id="42" dur="1" fill="hold">
+                                          <p:stCondLst>
+                                            <p:cond delay="0"/>
+                                          </p:stCondLst>
+                                        </p:cTn>
+                                        <p:tgtEl>
+                                          <p:spTgt spid="3">
+                                            <p:txEl>
+                                              <p:pRg st="9" end="9"/>
+                                            </p:txEl>
+                                          </p:spTgt>
+                                        </p:tgtEl>
+                                        <p:attrNameLst>
+                                          <p:attrName>style.visibility</p:attrName>
+                                        </p:attrNameLst>
+                                      </p:cBhvr>
+                                      <p:to>
+                                        <p:strVal val="visible"/>
+                                      </p:to>
+                                    </p:set>
+                                  </p:childTnLst>
+                                </p:cTn>
+                              </p:par>
+                            </p:childTnLst>
+                          </p:cTn>
+                        </p:par>
+                      </p:childTnLst>
+                    </p:cTn>
+                  </p:par>
+                  <p:par>
+                    <p:cTn id="43" fill="hold">
+                      <p:stCondLst>
+                        <p:cond delay="indefinite"/>
+                      </p:stCondLst>
+                      <p:childTnLst>
+                        <p:par>
+                          <p:cTn id="44" fill="hold">
+                            <p:stCondLst>
+                              <p:cond delay="0"/>
+                            </p:stCondLst>
+                            <p:childTnLst>
+                              <p:par>
+                                <p:cTn id="45" presetID="1" presetClass="entr" presetSubtype="0" fill="hold" nodeType="clickEffect">
+                                  <p:stCondLst>
+                                    <p:cond delay="0"/>
+                                  </p:stCondLst>
+                                  <p:childTnLst>
+                                    <p:set>
+                                      <p:cBhvr>
+                                        <p:cTn id="46" dur="1" fill="hold">
+                                          <p:stCondLst>
+                                            <p:cond delay="0"/>
+                                          </p:stCondLst>
+                                        </p:cTn>
+                                        <p:tgtEl>
+                                          <p:spTgt spid="3">
+                                            <p:txEl>
+                                              <p:pRg st="10" end="10"/>
+                                            </p:txEl>
+                                          </p:spTgt>
+                                        </p:tgtEl>
+                                        <p:attrNameLst>
+                                          <p:attrName>style.visibility</p:attrName>
+                                        </p:attrNameLst>
+                                      </p:cBhvr>
+                                      <p:to>
+                                        <p:strVal val="visible"/>
+                                      </p:to>
+                                    </p:set>
+                                  </p:childTnLst>
+                                </p:cTn>
+                              </p:par>
+                            </p:childTnLst>
+                          </p:cTn>
+                        </p:par>
+                      </p:childTnLst>
+                    </p:cTn>
+                  </p:par>
                 </p:childTnLst>
               </p:cTn>
               <p:prevCondLst>
@@ -18323,7 +13208,7 @@
 </p:sld>
 </file>
 
-<file path=ppt/slides/slide9.xml><?xml version="1.0" encoding="utf-8"?>
+<file path=ppt/slides/slide6.xml><?xml version="1.0" encoding="utf-8"?>
 <p:sld xmlns:a="http://schemas.openxmlformats.org/drawingml/2006/main" xmlns:r="http://schemas.openxmlformats.org/officeDocument/2006/relationships" xmlns:p="http://schemas.openxmlformats.org/presentationml/2006/main">
   <p:cSld>
     <p:spTree>
@@ -18460,6 +13345,25 @@
                 </a:solidFill>
               </a:rPr>
               <a:t>A little or not much</a:t>
+            </a:r>
+            <a:endParaRPr lang="en-US" dirty="0"/>
+          </a:p>
+          <a:p>
+            <a:pPr marL="342900" lvl="1" indent="-342900"/>
+            <a:r>
+              <a:rPr lang="en-US" dirty="0"/>
+              <a:t>Experience with Videogame development?</a:t>
+            </a:r>
+          </a:p>
+          <a:p>
+            <a:pPr marL="742950" lvl="2" indent="-342900"/>
+            <a:r>
+              <a:rPr lang="en-US" b="1" dirty="0">
+                <a:solidFill>
+                  <a:srgbClr val="FFFF00"/>
+                </a:solidFill>
+              </a:rPr>
+              <a:t>Do not need any!</a:t>
             </a:r>
             <a:endParaRPr lang="en-US" dirty="0"/>
           </a:p>
@@ -18867,6 +13771,1569 @@
                                           <p:spTgt spid="3">
                                             <p:txEl>
                                               <p:pRg st="7" end="7"/>
+                                            </p:txEl>
+                                          </p:spTgt>
+                                        </p:tgtEl>
+                                        <p:attrNameLst>
+                                          <p:attrName>style.visibility</p:attrName>
+                                        </p:attrNameLst>
+                                      </p:cBhvr>
+                                      <p:to>
+                                        <p:strVal val="visible"/>
+                                      </p:to>
+                                    </p:set>
+                                  </p:childTnLst>
+                                </p:cTn>
+                              </p:par>
+                            </p:childTnLst>
+                          </p:cTn>
+                        </p:par>
+                      </p:childTnLst>
+                    </p:cTn>
+                  </p:par>
+                  <p:par>
+                    <p:cTn id="35" fill="hold">
+                      <p:stCondLst>
+                        <p:cond delay="indefinite"/>
+                      </p:stCondLst>
+                      <p:childTnLst>
+                        <p:par>
+                          <p:cTn id="36" fill="hold">
+                            <p:stCondLst>
+                              <p:cond delay="0"/>
+                            </p:stCondLst>
+                            <p:childTnLst>
+                              <p:par>
+                                <p:cTn id="37" presetID="1" presetClass="entr" presetSubtype="0" fill="hold" nodeType="clickEffect">
+                                  <p:stCondLst>
+                                    <p:cond delay="0"/>
+                                  </p:stCondLst>
+                                  <p:childTnLst>
+                                    <p:set>
+                                      <p:cBhvr>
+                                        <p:cTn id="38" dur="1" fill="hold">
+                                          <p:stCondLst>
+                                            <p:cond delay="0"/>
+                                          </p:stCondLst>
+                                        </p:cTn>
+                                        <p:tgtEl>
+                                          <p:spTgt spid="3">
+                                            <p:txEl>
+                                              <p:pRg st="8" end="8"/>
+                                            </p:txEl>
+                                          </p:spTgt>
+                                        </p:tgtEl>
+                                        <p:attrNameLst>
+                                          <p:attrName>style.visibility</p:attrName>
+                                        </p:attrNameLst>
+                                      </p:cBhvr>
+                                      <p:to>
+                                        <p:strVal val="visible"/>
+                                      </p:to>
+                                    </p:set>
+                                  </p:childTnLst>
+                                </p:cTn>
+                              </p:par>
+                            </p:childTnLst>
+                          </p:cTn>
+                        </p:par>
+                      </p:childTnLst>
+                    </p:cTn>
+                  </p:par>
+                  <p:par>
+                    <p:cTn id="39" fill="hold">
+                      <p:stCondLst>
+                        <p:cond delay="indefinite"/>
+                      </p:stCondLst>
+                      <p:childTnLst>
+                        <p:par>
+                          <p:cTn id="40" fill="hold">
+                            <p:stCondLst>
+                              <p:cond delay="0"/>
+                            </p:stCondLst>
+                            <p:childTnLst>
+                              <p:par>
+                                <p:cTn id="41" presetID="1" presetClass="entr" presetSubtype="0" fill="hold" nodeType="clickEffect">
+                                  <p:stCondLst>
+                                    <p:cond delay="0"/>
+                                  </p:stCondLst>
+                                  <p:childTnLst>
+                                    <p:set>
+                                      <p:cBhvr>
+                                        <p:cTn id="42" dur="1" fill="hold">
+                                          <p:stCondLst>
+                                            <p:cond delay="0"/>
+                                          </p:stCondLst>
+                                        </p:cTn>
+                                        <p:tgtEl>
+                                          <p:spTgt spid="3">
+                                            <p:txEl>
+                                              <p:pRg st="9" end="9"/>
+                                            </p:txEl>
+                                          </p:spTgt>
+                                        </p:tgtEl>
+                                        <p:attrNameLst>
+                                          <p:attrName>style.visibility</p:attrName>
+                                        </p:attrNameLst>
+                                      </p:cBhvr>
+                                      <p:to>
+                                        <p:strVal val="visible"/>
+                                      </p:to>
+                                    </p:set>
+                                  </p:childTnLst>
+                                </p:cTn>
+                              </p:par>
+                            </p:childTnLst>
+                          </p:cTn>
+                        </p:par>
+                      </p:childTnLst>
+                    </p:cTn>
+                  </p:par>
+                </p:childTnLst>
+              </p:cTn>
+              <p:prevCondLst>
+                <p:cond evt="onPrev" delay="0">
+                  <p:tgtEl>
+                    <p:sldTgt/>
+                  </p:tgtEl>
+                </p:cond>
+              </p:prevCondLst>
+              <p:nextCondLst>
+                <p:cond evt="onNext" delay="0">
+                  <p:tgtEl>
+                    <p:sldTgt/>
+                  </p:tgtEl>
+                </p:cond>
+              </p:nextCondLst>
+            </p:seq>
+          </p:childTnLst>
+        </p:cTn>
+      </p:par>
+    </p:tnLst>
+  </p:timing>
+</p:sld>
+</file>
+
+<file path=ppt/slides/slide7.xml><?xml version="1.0" encoding="utf-8"?>
+<p:sld xmlns:a="http://schemas.openxmlformats.org/drawingml/2006/main" xmlns:r="http://schemas.openxmlformats.org/officeDocument/2006/relationships" xmlns:p="http://schemas.openxmlformats.org/presentationml/2006/main">
+  <p:cSld>
+    <p:spTree>
+      <p:nvGrpSpPr>
+        <p:cNvPr id="1" name=""/>
+        <p:cNvGrpSpPr/>
+        <p:nvPr/>
+      </p:nvGrpSpPr>
+      <p:grpSpPr>
+        <a:xfrm>
+          <a:off x="0" y="0"/>
+          <a:ext cx="0" cy="0"/>
+          <a:chOff x="0" y="0"/>
+          <a:chExt cx="0" cy="0"/>
+        </a:xfrm>
+      </p:grpSpPr>
+      <p:sp>
+        <p:nvSpPr>
+          <p:cNvPr id="2" name="Title 1"/>
+          <p:cNvSpPr>
+            <a:spLocks noGrp="1"/>
+          </p:cNvSpPr>
+          <p:nvPr>
+            <p:ph type="title"/>
+          </p:nvPr>
+        </p:nvSpPr>
+        <p:spPr/>
+        <p:txBody>
+          <a:bodyPr/>
+          <a:lstStyle/>
+          <a:p>
+            <a:r>
+              <a:rPr lang="en-US" dirty="0"/>
+              <a:t>A Word about me … </a:t>
+            </a:r>
+          </a:p>
+        </p:txBody>
+      </p:sp>
+      <p:sp>
+        <p:nvSpPr>
+          <p:cNvPr id="3" name="Content Placeholder 2"/>
+          <p:cNvSpPr>
+            <a:spLocks noGrp="1"/>
+          </p:cNvSpPr>
+          <p:nvPr>
+            <p:ph sz="quarter" idx="13"/>
+          </p:nvPr>
+        </p:nvSpPr>
+        <p:spPr>
+          <a:xfrm>
+            <a:off x="1219200" y="1600200"/>
+            <a:ext cx="10160000" cy="4114800"/>
+          </a:xfrm>
+        </p:spPr>
+        <p:txBody>
+          <a:bodyPr>
+            <a:normAutofit/>
+          </a:bodyPr>
+          <a:lstStyle/>
+          <a:p>
+            <a:r>
+              <a:rPr lang="en-US" altLang="zh-TW" dirty="0"/>
+              <a:t>Kelvin Sung, Shandong-ese from Taiwan province	</a:t>
+            </a:r>
+            <a:r>
+              <a:rPr lang="zh-TW" altLang="en-US" dirty="0"/>
+              <a:t>宋賢清</a:t>
+            </a:r>
+            <a:r>
+              <a:rPr lang="en-US" altLang="zh-TW" dirty="0"/>
+              <a:t>, </a:t>
+            </a:r>
+            <a:r>
+              <a:rPr lang="zh-TW" altLang="en-US" dirty="0"/>
+              <a:t>台灣省山東青島人，</a:t>
+            </a:r>
+            <a:endParaRPr lang="en-US" altLang="zh-TW" dirty="0"/>
+          </a:p>
+          <a:p>
+            <a:pPr lvl="1"/>
+            <a:r>
+              <a:rPr lang="en-US" altLang="zh-TW" dirty="0"/>
+              <a:t>Born in Taiwan, been back to Shandong … 	</a:t>
+            </a:r>
+            <a:r>
+              <a:rPr lang="zh-TW" altLang="en-US" dirty="0"/>
+              <a:t>台灣出生，到過山東，沒去過青島 </a:t>
+            </a:r>
+            <a:endParaRPr lang="en-US" dirty="0"/>
+          </a:p>
+          <a:p>
+            <a:pPr lvl="1"/>
+            <a:r>
+              <a:rPr lang="en-US" altLang="zh-TW" dirty="0"/>
+              <a:t>Grew up in Singapore (since I was 6)	</a:t>
+            </a:r>
+            <a:r>
+              <a:rPr lang="zh-CN" altLang="en-US" dirty="0">
+                <a:latin typeface="Microsoft JhengHei" panose="020B0604030504040204" pitchFamily="34" charset="-120"/>
+                <a:ea typeface="Microsoft JhengHei" panose="020B0604030504040204" pitchFamily="34" charset="-120"/>
+              </a:rPr>
+              <a:t>在新加坡长大</a:t>
+            </a:r>
+            <a:endParaRPr lang="en-US" altLang="zh-TW" dirty="0">
+              <a:latin typeface="Microsoft JhengHei" panose="020B0604030504040204" pitchFamily="34" charset="-120"/>
+              <a:ea typeface="Microsoft JhengHei" panose="020B0604030504040204" pitchFamily="34" charset="-120"/>
+            </a:endParaRPr>
+          </a:p>
+          <a:p>
+            <a:r>
+              <a:rPr lang="en-US" altLang="zh-TW" dirty="0"/>
+              <a:t>Education: in US since 16</a:t>
+            </a:r>
+          </a:p>
+          <a:p>
+            <a:pPr lvl="1"/>
+            <a:r>
+              <a:rPr lang="en-US" altLang="zh-TW" dirty="0"/>
+              <a:t>BS in EE: University of Wisconsin-Madison</a:t>
+            </a:r>
+          </a:p>
+          <a:p>
+            <a:pPr lvl="1"/>
+            <a:r>
+              <a:rPr lang="en-US" altLang="zh-TW" dirty="0"/>
+              <a:t>MS, PHD in CS: University of Illinois at Urbana-Champaign</a:t>
+            </a:r>
+          </a:p>
+          <a:p>
+            <a:r>
+              <a:rPr lang="en-US" altLang="zh-TW" dirty="0"/>
+              <a:t>Experience and </a:t>
+            </a:r>
+            <a:r>
+              <a:rPr lang="en-US" altLang="zh-TW" dirty="0">
+                <a:hlinkClick r:id="rId3"/>
+              </a:rPr>
+              <a:t>Areas of Research</a:t>
+            </a:r>
+            <a:endParaRPr lang="en-US" altLang="zh-TW" dirty="0"/>
+          </a:p>
+          <a:p>
+            <a:pPr lvl="1"/>
+            <a:r>
+              <a:rPr lang="en-US" altLang="zh-TW" dirty="0"/>
+              <a:t>Computer graphics: image synthesis</a:t>
+            </a:r>
+          </a:p>
+          <a:p>
+            <a:pPr lvl="2"/>
+            <a:r>
+              <a:rPr lang="en-US" altLang="zh-TW" dirty="0"/>
+              <a:t>Maya Renderer: one of the chief designers</a:t>
+            </a:r>
+          </a:p>
+          <a:p>
+            <a:pPr lvl="1"/>
+            <a:r>
+              <a:rPr lang="en-US" altLang="zh-TW" dirty="0"/>
+              <a:t>More recently: Video games for non-entertainment purposes, remote AR/VR collaboration</a:t>
+            </a:r>
+          </a:p>
+        </p:txBody>
+      </p:sp>
+    </p:spTree>
+    <p:extLst>
+      <p:ext uri="{BB962C8B-B14F-4D97-AF65-F5344CB8AC3E}">
+        <p14:creationId xmlns:p14="http://schemas.microsoft.com/office/powerpoint/2010/main" val="4027672039"/>
+      </p:ext>
+    </p:extLst>
+  </p:cSld>
+  <p:clrMapOvr>
+    <a:masterClrMapping/>
+  </p:clrMapOvr>
+  <p:timing>
+    <p:tnLst>
+      <p:par>
+        <p:cTn id="1" dur="indefinite" restart="never" nodeType="tmRoot">
+          <p:childTnLst>
+            <p:seq concurrent="1" nextAc="seek">
+              <p:cTn id="2" dur="indefinite" nodeType="mainSeq">
+                <p:childTnLst>
+                  <p:par>
+                    <p:cTn id="3" fill="hold">
+                      <p:stCondLst>
+                        <p:cond delay="indefinite"/>
+                      </p:stCondLst>
+                      <p:childTnLst>
+                        <p:par>
+                          <p:cTn id="4" fill="hold">
+                            <p:stCondLst>
+                              <p:cond delay="0"/>
+                            </p:stCondLst>
+                            <p:childTnLst>
+                              <p:par>
+                                <p:cTn id="5" presetID="1" presetClass="entr" presetSubtype="0" fill="hold" nodeType="clickEffect">
+                                  <p:stCondLst>
+                                    <p:cond delay="0"/>
+                                  </p:stCondLst>
+                                  <p:childTnLst>
+                                    <p:set>
+                                      <p:cBhvr>
+                                        <p:cTn id="6" dur="1" fill="hold">
+                                          <p:stCondLst>
+                                            <p:cond delay="0"/>
+                                          </p:stCondLst>
+                                        </p:cTn>
+                                        <p:tgtEl>
+                                          <p:spTgt spid="3">
+                                            <p:txEl>
+                                              <p:pRg st="0" end="0"/>
+                                            </p:txEl>
+                                          </p:spTgt>
+                                        </p:tgtEl>
+                                        <p:attrNameLst>
+                                          <p:attrName>style.visibility</p:attrName>
+                                        </p:attrNameLst>
+                                      </p:cBhvr>
+                                      <p:to>
+                                        <p:strVal val="visible"/>
+                                      </p:to>
+                                    </p:set>
+                                  </p:childTnLst>
+                                </p:cTn>
+                              </p:par>
+                              <p:par>
+                                <p:cTn id="7" presetID="1" presetClass="entr" presetSubtype="0" fill="hold" nodeType="withEffect">
+                                  <p:stCondLst>
+                                    <p:cond delay="0"/>
+                                  </p:stCondLst>
+                                  <p:childTnLst>
+                                    <p:set>
+                                      <p:cBhvr>
+                                        <p:cTn id="8" dur="1" fill="hold">
+                                          <p:stCondLst>
+                                            <p:cond delay="0"/>
+                                          </p:stCondLst>
+                                        </p:cTn>
+                                        <p:tgtEl>
+                                          <p:spTgt spid="3">
+                                            <p:txEl>
+                                              <p:pRg st="1" end="1"/>
+                                            </p:txEl>
+                                          </p:spTgt>
+                                        </p:tgtEl>
+                                        <p:attrNameLst>
+                                          <p:attrName>style.visibility</p:attrName>
+                                        </p:attrNameLst>
+                                      </p:cBhvr>
+                                      <p:to>
+                                        <p:strVal val="visible"/>
+                                      </p:to>
+                                    </p:set>
+                                  </p:childTnLst>
+                                </p:cTn>
+                              </p:par>
+                              <p:par>
+                                <p:cTn id="9" presetID="1" presetClass="entr" presetSubtype="0" fill="hold" nodeType="withEffect">
+                                  <p:stCondLst>
+                                    <p:cond delay="0"/>
+                                  </p:stCondLst>
+                                  <p:childTnLst>
+                                    <p:set>
+                                      <p:cBhvr>
+                                        <p:cTn id="10" dur="1" fill="hold">
+                                          <p:stCondLst>
+                                            <p:cond delay="0"/>
+                                          </p:stCondLst>
+                                        </p:cTn>
+                                        <p:tgtEl>
+                                          <p:spTgt spid="3">
+                                            <p:txEl>
+                                              <p:pRg st="2" end="2"/>
+                                            </p:txEl>
+                                          </p:spTgt>
+                                        </p:tgtEl>
+                                        <p:attrNameLst>
+                                          <p:attrName>style.visibility</p:attrName>
+                                        </p:attrNameLst>
+                                      </p:cBhvr>
+                                      <p:to>
+                                        <p:strVal val="visible"/>
+                                      </p:to>
+                                    </p:set>
+                                  </p:childTnLst>
+                                </p:cTn>
+                              </p:par>
+                            </p:childTnLst>
+                          </p:cTn>
+                        </p:par>
+                      </p:childTnLst>
+                    </p:cTn>
+                  </p:par>
+                  <p:par>
+                    <p:cTn id="11" fill="hold">
+                      <p:stCondLst>
+                        <p:cond delay="indefinite"/>
+                      </p:stCondLst>
+                      <p:childTnLst>
+                        <p:par>
+                          <p:cTn id="12" fill="hold">
+                            <p:stCondLst>
+                              <p:cond delay="0"/>
+                            </p:stCondLst>
+                            <p:childTnLst>
+                              <p:par>
+                                <p:cTn id="13" presetID="1" presetClass="entr" presetSubtype="0" fill="hold" nodeType="clickEffect">
+                                  <p:stCondLst>
+                                    <p:cond delay="0"/>
+                                  </p:stCondLst>
+                                  <p:childTnLst>
+                                    <p:set>
+                                      <p:cBhvr>
+                                        <p:cTn id="14" dur="1" fill="hold">
+                                          <p:stCondLst>
+                                            <p:cond delay="0"/>
+                                          </p:stCondLst>
+                                        </p:cTn>
+                                        <p:tgtEl>
+                                          <p:spTgt spid="3">
+                                            <p:txEl>
+                                              <p:pRg st="3" end="3"/>
+                                            </p:txEl>
+                                          </p:spTgt>
+                                        </p:tgtEl>
+                                        <p:attrNameLst>
+                                          <p:attrName>style.visibility</p:attrName>
+                                        </p:attrNameLst>
+                                      </p:cBhvr>
+                                      <p:to>
+                                        <p:strVal val="visible"/>
+                                      </p:to>
+                                    </p:set>
+                                  </p:childTnLst>
+                                </p:cTn>
+                              </p:par>
+                              <p:par>
+                                <p:cTn id="15" presetID="1" presetClass="entr" presetSubtype="0" fill="hold" nodeType="withEffect">
+                                  <p:stCondLst>
+                                    <p:cond delay="0"/>
+                                  </p:stCondLst>
+                                  <p:childTnLst>
+                                    <p:set>
+                                      <p:cBhvr>
+                                        <p:cTn id="16" dur="1" fill="hold">
+                                          <p:stCondLst>
+                                            <p:cond delay="0"/>
+                                          </p:stCondLst>
+                                        </p:cTn>
+                                        <p:tgtEl>
+                                          <p:spTgt spid="3">
+                                            <p:txEl>
+                                              <p:pRg st="4" end="4"/>
+                                            </p:txEl>
+                                          </p:spTgt>
+                                        </p:tgtEl>
+                                        <p:attrNameLst>
+                                          <p:attrName>style.visibility</p:attrName>
+                                        </p:attrNameLst>
+                                      </p:cBhvr>
+                                      <p:to>
+                                        <p:strVal val="visible"/>
+                                      </p:to>
+                                    </p:set>
+                                  </p:childTnLst>
+                                </p:cTn>
+                              </p:par>
+                              <p:par>
+                                <p:cTn id="17" presetID="1" presetClass="entr" presetSubtype="0" fill="hold" nodeType="withEffect">
+                                  <p:stCondLst>
+                                    <p:cond delay="0"/>
+                                  </p:stCondLst>
+                                  <p:childTnLst>
+                                    <p:set>
+                                      <p:cBhvr>
+                                        <p:cTn id="18" dur="1" fill="hold">
+                                          <p:stCondLst>
+                                            <p:cond delay="0"/>
+                                          </p:stCondLst>
+                                        </p:cTn>
+                                        <p:tgtEl>
+                                          <p:spTgt spid="3">
+                                            <p:txEl>
+                                              <p:pRg st="5" end="5"/>
+                                            </p:txEl>
+                                          </p:spTgt>
+                                        </p:tgtEl>
+                                        <p:attrNameLst>
+                                          <p:attrName>style.visibility</p:attrName>
+                                        </p:attrNameLst>
+                                      </p:cBhvr>
+                                      <p:to>
+                                        <p:strVal val="visible"/>
+                                      </p:to>
+                                    </p:set>
+                                  </p:childTnLst>
+                                </p:cTn>
+                              </p:par>
+                            </p:childTnLst>
+                          </p:cTn>
+                        </p:par>
+                      </p:childTnLst>
+                    </p:cTn>
+                  </p:par>
+                  <p:par>
+                    <p:cTn id="19" fill="hold">
+                      <p:stCondLst>
+                        <p:cond delay="indefinite"/>
+                      </p:stCondLst>
+                      <p:childTnLst>
+                        <p:par>
+                          <p:cTn id="20" fill="hold">
+                            <p:stCondLst>
+                              <p:cond delay="0"/>
+                            </p:stCondLst>
+                            <p:childTnLst>
+                              <p:par>
+                                <p:cTn id="21" presetID="1" presetClass="entr" presetSubtype="0" fill="hold" nodeType="clickEffect">
+                                  <p:stCondLst>
+                                    <p:cond delay="0"/>
+                                  </p:stCondLst>
+                                  <p:childTnLst>
+                                    <p:set>
+                                      <p:cBhvr>
+                                        <p:cTn id="22" dur="1" fill="hold">
+                                          <p:stCondLst>
+                                            <p:cond delay="0"/>
+                                          </p:stCondLst>
+                                        </p:cTn>
+                                        <p:tgtEl>
+                                          <p:spTgt spid="3">
+                                            <p:txEl>
+                                              <p:pRg st="6" end="6"/>
+                                            </p:txEl>
+                                          </p:spTgt>
+                                        </p:tgtEl>
+                                        <p:attrNameLst>
+                                          <p:attrName>style.visibility</p:attrName>
+                                        </p:attrNameLst>
+                                      </p:cBhvr>
+                                      <p:to>
+                                        <p:strVal val="visible"/>
+                                      </p:to>
+                                    </p:set>
+                                  </p:childTnLst>
+                                </p:cTn>
+                              </p:par>
+                            </p:childTnLst>
+                          </p:cTn>
+                        </p:par>
+                      </p:childTnLst>
+                    </p:cTn>
+                  </p:par>
+                  <p:par>
+                    <p:cTn id="23" fill="hold">
+                      <p:stCondLst>
+                        <p:cond delay="indefinite"/>
+                      </p:stCondLst>
+                      <p:childTnLst>
+                        <p:par>
+                          <p:cTn id="24" fill="hold">
+                            <p:stCondLst>
+                              <p:cond delay="0"/>
+                            </p:stCondLst>
+                            <p:childTnLst>
+                              <p:par>
+                                <p:cTn id="25" presetID="1" presetClass="entr" presetSubtype="0" fill="hold" nodeType="clickEffect">
+                                  <p:stCondLst>
+                                    <p:cond delay="0"/>
+                                  </p:stCondLst>
+                                  <p:childTnLst>
+                                    <p:set>
+                                      <p:cBhvr>
+                                        <p:cTn id="26" dur="1" fill="hold">
+                                          <p:stCondLst>
+                                            <p:cond delay="0"/>
+                                          </p:stCondLst>
+                                        </p:cTn>
+                                        <p:tgtEl>
+                                          <p:spTgt spid="3">
+                                            <p:txEl>
+                                              <p:pRg st="7" end="7"/>
+                                            </p:txEl>
+                                          </p:spTgt>
+                                        </p:tgtEl>
+                                        <p:attrNameLst>
+                                          <p:attrName>style.visibility</p:attrName>
+                                        </p:attrNameLst>
+                                      </p:cBhvr>
+                                      <p:to>
+                                        <p:strVal val="visible"/>
+                                      </p:to>
+                                    </p:set>
+                                  </p:childTnLst>
+                                </p:cTn>
+                              </p:par>
+                              <p:par>
+                                <p:cTn id="27" presetID="1" presetClass="entr" presetSubtype="0" fill="hold" nodeType="withEffect">
+                                  <p:stCondLst>
+                                    <p:cond delay="0"/>
+                                  </p:stCondLst>
+                                  <p:childTnLst>
+                                    <p:set>
+                                      <p:cBhvr>
+                                        <p:cTn id="28" dur="1" fill="hold">
+                                          <p:stCondLst>
+                                            <p:cond delay="0"/>
+                                          </p:stCondLst>
+                                        </p:cTn>
+                                        <p:tgtEl>
+                                          <p:spTgt spid="3">
+                                            <p:txEl>
+                                              <p:pRg st="8" end="8"/>
+                                            </p:txEl>
+                                          </p:spTgt>
+                                        </p:tgtEl>
+                                        <p:attrNameLst>
+                                          <p:attrName>style.visibility</p:attrName>
+                                        </p:attrNameLst>
+                                      </p:cBhvr>
+                                      <p:to>
+                                        <p:strVal val="visible"/>
+                                      </p:to>
+                                    </p:set>
+                                  </p:childTnLst>
+                                </p:cTn>
+                              </p:par>
+                            </p:childTnLst>
+                          </p:cTn>
+                        </p:par>
+                      </p:childTnLst>
+                    </p:cTn>
+                  </p:par>
+                  <p:par>
+                    <p:cTn id="29" fill="hold">
+                      <p:stCondLst>
+                        <p:cond delay="indefinite"/>
+                      </p:stCondLst>
+                      <p:childTnLst>
+                        <p:par>
+                          <p:cTn id="30" fill="hold">
+                            <p:stCondLst>
+                              <p:cond delay="0"/>
+                            </p:stCondLst>
+                            <p:childTnLst>
+                              <p:par>
+                                <p:cTn id="31" presetID="1" presetClass="entr" presetSubtype="0" fill="hold" nodeType="clickEffect">
+                                  <p:stCondLst>
+                                    <p:cond delay="0"/>
+                                  </p:stCondLst>
+                                  <p:childTnLst>
+                                    <p:set>
+                                      <p:cBhvr>
+                                        <p:cTn id="32" dur="1" fill="hold">
+                                          <p:stCondLst>
+                                            <p:cond delay="0"/>
+                                          </p:stCondLst>
+                                        </p:cTn>
+                                        <p:tgtEl>
+                                          <p:spTgt spid="3">
+                                            <p:txEl>
+                                              <p:pRg st="9" end="9"/>
+                                            </p:txEl>
+                                          </p:spTgt>
+                                        </p:tgtEl>
+                                        <p:attrNameLst>
+                                          <p:attrName>style.visibility</p:attrName>
+                                        </p:attrNameLst>
+                                      </p:cBhvr>
+                                      <p:to>
+                                        <p:strVal val="visible"/>
+                                      </p:to>
+                                    </p:set>
+                                  </p:childTnLst>
+                                </p:cTn>
+                              </p:par>
+                            </p:childTnLst>
+                          </p:cTn>
+                        </p:par>
+                      </p:childTnLst>
+                    </p:cTn>
+                  </p:par>
+                </p:childTnLst>
+              </p:cTn>
+              <p:prevCondLst>
+                <p:cond evt="onPrev" delay="0">
+                  <p:tgtEl>
+                    <p:sldTgt/>
+                  </p:tgtEl>
+                </p:cond>
+              </p:prevCondLst>
+              <p:nextCondLst>
+                <p:cond evt="onNext" delay="0">
+                  <p:tgtEl>
+                    <p:sldTgt/>
+                  </p:tgtEl>
+                </p:cond>
+              </p:nextCondLst>
+            </p:seq>
+          </p:childTnLst>
+        </p:cTn>
+      </p:par>
+    </p:tnLst>
+  </p:timing>
+</p:sld>
+</file>
+
+<file path=ppt/slides/slide8.xml><?xml version="1.0" encoding="utf-8"?>
+<p:sld xmlns:a="http://schemas.openxmlformats.org/drawingml/2006/main" xmlns:r="http://schemas.openxmlformats.org/officeDocument/2006/relationships" xmlns:p="http://schemas.openxmlformats.org/presentationml/2006/main">
+  <p:cSld>
+    <p:spTree>
+      <p:nvGrpSpPr>
+        <p:cNvPr id="1" name=""/>
+        <p:cNvGrpSpPr/>
+        <p:nvPr/>
+      </p:nvGrpSpPr>
+      <p:grpSpPr>
+        <a:xfrm>
+          <a:off x="0" y="0"/>
+          <a:ext cx="0" cy="0"/>
+          <a:chOff x="0" y="0"/>
+          <a:chExt cx="0" cy="0"/>
+        </a:xfrm>
+      </p:grpSpPr>
+      <p:sp>
+        <p:nvSpPr>
+          <p:cNvPr id="2" name="Title 1">
+            <a:extLst>
+              <a:ext uri="{FF2B5EF4-FFF2-40B4-BE49-F238E27FC236}">
+                <a16:creationId xmlns:a16="http://schemas.microsoft.com/office/drawing/2014/main" id="{A4E3FDF5-7787-4A07-B490-BDDD6C7A5229}"/>
+              </a:ext>
+            </a:extLst>
+          </p:cNvPr>
+          <p:cNvSpPr>
+            <a:spLocks noGrp="1"/>
+          </p:cNvSpPr>
+          <p:nvPr>
+            <p:ph type="title"/>
+          </p:nvPr>
+        </p:nvSpPr>
+        <p:spPr/>
+        <p:txBody>
+          <a:bodyPr/>
+          <a:lstStyle/>
+          <a:p>
+            <a:r>
+              <a:rPr lang="en-US" dirty="0"/>
+              <a:t>Summary of you and I</a:t>
+            </a:r>
+          </a:p>
+        </p:txBody>
+      </p:sp>
+      <p:sp>
+        <p:nvSpPr>
+          <p:cNvPr id="3" name="Content Placeholder 2">
+            <a:extLst>
+              <a:ext uri="{FF2B5EF4-FFF2-40B4-BE49-F238E27FC236}">
+                <a16:creationId xmlns:a16="http://schemas.microsoft.com/office/drawing/2014/main" id="{C74DF839-B02B-492A-A58F-D84BAAE72201}"/>
+              </a:ext>
+            </a:extLst>
+          </p:cNvPr>
+          <p:cNvSpPr>
+            <a:spLocks noGrp="1"/>
+          </p:cNvSpPr>
+          <p:nvPr>
+            <p:ph sz="quarter" idx="13"/>
+          </p:nvPr>
+        </p:nvSpPr>
+        <p:spPr/>
+        <p:txBody>
+          <a:bodyPr/>
+          <a:lstStyle/>
+          <a:p>
+            <a:r>
+              <a:rPr lang="en-US" dirty="0"/>
+              <a:t>Your motivations match the goals of this class</a:t>
+            </a:r>
+          </a:p>
+          <a:p>
+            <a:pPr lvl="1"/>
+            <a:r>
+              <a:rPr lang="en-US" dirty="0"/>
+              <a:t>Learn/apply knowledge</a:t>
+            </a:r>
+          </a:p>
+          <a:p>
+            <a:pPr lvl="1"/>
+            <a:r>
+              <a:rPr lang="en-US" dirty="0"/>
+              <a:t>Teaching and Learning from a different culture</a:t>
+            </a:r>
+          </a:p>
+          <a:p>
+            <a:pPr lvl="1"/>
+            <a:r>
+              <a:rPr lang="en-US" dirty="0"/>
+              <a:t>Fun</a:t>
+            </a:r>
+          </a:p>
+          <a:p>
+            <a:r>
+              <a:rPr lang="en-US" dirty="0"/>
+              <a:t>You have proper backgrounds</a:t>
+            </a:r>
+          </a:p>
+          <a:p>
+            <a:pPr lvl="1"/>
+            <a:r>
+              <a:rPr lang="en-US" dirty="0"/>
+              <a:t>Programming languages, technical background (OO + data structures)</a:t>
+            </a:r>
+          </a:p>
+          <a:p>
+            <a:r>
+              <a:rPr lang="en-US" dirty="0"/>
+              <a:t>You know a little about who I am</a:t>
+            </a:r>
+          </a:p>
+          <a:p>
+            <a:pPr lvl="1"/>
+            <a:endParaRPr lang="en-US" dirty="0"/>
+          </a:p>
+          <a:p>
+            <a:pPr marL="0" indent="0">
+              <a:buNone/>
+            </a:pPr>
+            <a:r>
+              <a:rPr lang="en-US" dirty="0"/>
+              <a:t>We are well-positioned to begin!</a:t>
+            </a:r>
+          </a:p>
+        </p:txBody>
+      </p:sp>
+    </p:spTree>
+    <p:extLst>
+      <p:ext uri="{BB962C8B-B14F-4D97-AF65-F5344CB8AC3E}">
+        <p14:creationId xmlns:p14="http://schemas.microsoft.com/office/powerpoint/2010/main" val="2165346807"/>
+      </p:ext>
+    </p:extLst>
+  </p:cSld>
+  <p:clrMapOvr>
+    <a:masterClrMapping/>
+  </p:clrMapOvr>
+</p:sld>
+</file>
+
+<file path=ppt/slides/slide9.xml><?xml version="1.0" encoding="utf-8"?>
+<p:sld xmlns:a="http://schemas.openxmlformats.org/drawingml/2006/main" xmlns:r="http://schemas.openxmlformats.org/officeDocument/2006/relationships" xmlns:p="http://schemas.openxmlformats.org/presentationml/2006/main">
+  <p:cSld>
+    <p:spTree>
+      <p:nvGrpSpPr>
+        <p:cNvPr id="1" name=""/>
+        <p:cNvGrpSpPr/>
+        <p:nvPr/>
+      </p:nvGrpSpPr>
+      <p:grpSpPr>
+        <a:xfrm>
+          <a:off x="0" y="0"/>
+          <a:ext cx="0" cy="0"/>
+          <a:chOff x="0" y="0"/>
+          <a:chExt cx="0" cy="0"/>
+        </a:xfrm>
+      </p:grpSpPr>
+      <p:sp>
+        <p:nvSpPr>
+          <p:cNvPr id="2" name="Title 1"/>
+          <p:cNvSpPr>
+            <a:spLocks noGrp="1"/>
+          </p:cNvSpPr>
+          <p:nvPr>
+            <p:ph type="title"/>
+          </p:nvPr>
+        </p:nvSpPr>
+        <p:spPr/>
+        <p:txBody>
+          <a:bodyPr/>
+          <a:lstStyle/>
+          <a:p>
+            <a:r>
+              <a:rPr lang="en-US" dirty="0"/>
+              <a:t>Now this class:</a:t>
+            </a:r>
+          </a:p>
+        </p:txBody>
+      </p:sp>
+      <p:sp>
+        <p:nvSpPr>
+          <p:cNvPr id="3" name="Content Placeholder 2"/>
+          <p:cNvSpPr>
+            <a:spLocks noGrp="1"/>
+          </p:cNvSpPr>
+          <p:nvPr>
+            <p:ph sz="quarter" idx="13"/>
+          </p:nvPr>
+        </p:nvSpPr>
+        <p:spPr>
+          <a:xfrm>
+            <a:off x="1143000" y="1600200"/>
+            <a:ext cx="10236200" cy="4114800"/>
+          </a:xfrm>
+        </p:spPr>
+        <p:txBody>
+          <a:bodyPr>
+            <a:normAutofit lnSpcReduction="10000"/>
+          </a:bodyPr>
+          <a:lstStyle/>
+          <a:p>
+            <a:r>
+              <a:rPr lang="en-US" dirty="0"/>
+              <a:t>2D Videogame Development</a:t>
+            </a:r>
+          </a:p>
+          <a:p>
+            <a:pPr lvl="1"/>
+            <a:r>
+              <a:rPr lang="en-US" dirty="0"/>
+              <a:t>Why limit to 2D? </a:t>
+            </a:r>
+          </a:p>
+          <a:p>
+            <a:r>
+              <a:rPr lang="en-US" dirty="0"/>
+              <a:t>What is the difference between building a game and other software systems?</a:t>
+            </a:r>
+          </a:p>
+          <a:p>
+            <a:r>
+              <a:rPr lang="en-US" dirty="0"/>
+              <a:t>We will learn …</a:t>
+            </a:r>
+          </a:p>
+          <a:p>
+            <a:pPr lvl="1"/>
+            <a:r>
+              <a:rPr lang="en-US" dirty="0"/>
+              <a:t>The fundamental tool for building a videogame: the game engine</a:t>
+            </a:r>
+          </a:p>
+          <a:p>
+            <a:pPr lvl="2"/>
+            <a:r>
+              <a:rPr lang="en-US" dirty="0"/>
+              <a:t>Conceptual and programming model of a game engine and game objects</a:t>
+            </a:r>
+          </a:p>
+          <a:p>
+            <a:pPr lvl="1"/>
+            <a:r>
+              <a:rPr lang="en-US" dirty="0"/>
+              <a:t>Essentials of videogames</a:t>
+            </a:r>
+          </a:p>
+          <a:p>
+            <a:pPr lvl="2"/>
+            <a:r>
+              <a:rPr lang="en-US" dirty="0"/>
+              <a:t>Fun, the world, UI, behavior, interaction (rigid bodies), effects (illumination, particle systems)</a:t>
+            </a:r>
+          </a:p>
+          <a:p>
+            <a:pPr lvl="1"/>
+            <a:r>
+              <a:rPr lang="en-US" dirty="0"/>
+              <a:t>Fundamentals of building a game</a:t>
+            </a:r>
+          </a:p>
+          <a:p>
+            <a:pPr lvl="2"/>
+            <a:r>
+              <a:rPr lang="en-US" dirty="0"/>
+              <a:t>Presentation of idea, prototypes to demo feasibility, vertical slice to sell the idea, and, PLAY TESTS</a:t>
+            </a:r>
+          </a:p>
+          <a:p>
+            <a:pPr lvl="1"/>
+            <a:r>
+              <a:rPr lang="en-US" dirty="0"/>
+              <a:t>Build a game!</a:t>
+            </a:r>
+          </a:p>
+        </p:txBody>
+      </p:sp>
+    </p:spTree>
+    <p:extLst>
+      <p:ext uri="{BB962C8B-B14F-4D97-AF65-F5344CB8AC3E}">
+        <p14:creationId xmlns:p14="http://schemas.microsoft.com/office/powerpoint/2010/main" val="380188063"/>
+      </p:ext>
+    </p:extLst>
+  </p:cSld>
+  <p:clrMapOvr>
+    <a:masterClrMapping/>
+  </p:clrMapOvr>
+  <p:timing>
+    <p:tnLst>
+      <p:par>
+        <p:cTn id="1" dur="indefinite" restart="never" nodeType="tmRoot">
+          <p:childTnLst>
+            <p:seq concurrent="1" nextAc="seek">
+              <p:cTn id="2" dur="indefinite" nodeType="mainSeq">
+                <p:childTnLst>
+                  <p:par>
+                    <p:cTn id="3" fill="hold">
+                      <p:stCondLst>
+                        <p:cond delay="indefinite"/>
+                      </p:stCondLst>
+                      <p:childTnLst>
+                        <p:par>
+                          <p:cTn id="4" fill="hold">
+                            <p:stCondLst>
+                              <p:cond delay="0"/>
+                            </p:stCondLst>
+                            <p:childTnLst>
+                              <p:par>
+                                <p:cTn id="5" presetID="1" presetClass="entr" presetSubtype="0" fill="hold" nodeType="clickEffect">
+                                  <p:stCondLst>
+                                    <p:cond delay="0"/>
+                                  </p:stCondLst>
+                                  <p:childTnLst>
+                                    <p:set>
+                                      <p:cBhvr>
+                                        <p:cTn id="6" dur="1" fill="hold">
+                                          <p:stCondLst>
+                                            <p:cond delay="0"/>
+                                          </p:stCondLst>
+                                        </p:cTn>
+                                        <p:tgtEl>
+                                          <p:spTgt spid="3">
+                                            <p:txEl>
+                                              <p:pRg st="0" end="0"/>
+                                            </p:txEl>
+                                          </p:spTgt>
+                                        </p:tgtEl>
+                                        <p:attrNameLst>
+                                          <p:attrName>style.visibility</p:attrName>
+                                        </p:attrNameLst>
+                                      </p:cBhvr>
+                                      <p:to>
+                                        <p:strVal val="visible"/>
+                                      </p:to>
+                                    </p:set>
+                                  </p:childTnLst>
+                                </p:cTn>
+                              </p:par>
+                            </p:childTnLst>
+                          </p:cTn>
+                        </p:par>
+                      </p:childTnLst>
+                    </p:cTn>
+                  </p:par>
+                  <p:par>
+                    <p:cTn id="7" fill="hold">
+                      <p:stCondLst>
+                        <p:cond delay="indefinite"/>
+                      </p:stCondLst>
+                      <p:childTnLst>
+                        <p:par>
+                          <p:cTn id="8" fill="hold">
+                            <p:stCondLst>
+                              <p:cond delay="0"/>
+                            </p:stCondLst>
+                            <p:childTnLst>
+                              <p:par>
+                                <p:cTn id="9" presetID="1" presetClass="entr" presetSubtype="0" fill="hold" nodeType="clickEffect">
+                                  <p:stCondLst>
+                                    <p:cond delay="0"/>
+                                  </p:stCondLst>
+                                  <p:childTnLst>
+                                    <p:set>
+                                      <p:cBhvr>
+                                        <p:cTn id="10" dur="1" fill="hold">
+                                          <p:stCondLst>
+                                            <p:cond delay="0"/>
+                                          </p:stCondLst>
+                                        </p:cTn>
+                                        <p:tgtEl>
+                                          <p:spTgt spid="3">
+                                            <p:txEl>
+                                              <p:pRg st="1" end="1"/>
+                                            </p:txEl>
+                                          </p:spTgt>
+                                        </p:tgtEl>
+                                        <p:attrNameLst>
+                                          <p:attrName>style.visibility</p:attrName>
+                                        </p:attrNameLst>
+                                      </p:cBhvr>
+                                      <p:to>
+                                        <p:strVal val="visible"/>
+                                      </p:to>
+                                    </p:set>
+                                  </p:childTnLst>
+                                </p:cTn>
+                              </p:par>
+                            </p:childTnLst>
+                          </p:cTn>
+                        </p:par>
+                      </p:childTnLst>
+                    </p:cTn>
+                  </p:par>
+                  <p:par>
+                    <p:cTn id="11" fill="hold">
+                      <p:stCondLst>
+                        <p:cond delay="indefinite"/>
+                      </p:stCondLst>
+                      <p:childTnLst>
+                        <p:par>
+                          <p:cTn id="12" fill="hold">
+                            <p:stCondLst>
+                              <p:cond delay="0"/>
+                            </p:stCondLst>
+                            <p:childTnLst>
+                              <p:par>
+                                <p:cTn id="13" presetID="1" presetClass="entr" presetSubtype="0" fill="hold" nodeType="clickEffect">
+                                  <p:stCondLst>
+                                    <p:cond delay="0"/>
+                                  </p:stCondLst>
+                                  <p:childTnLst>
+                                    <p:set>
+                                      <p:cBhvr>
+                                        <p:cTn id="14" dur="1" fill="hold">
+                                          <p:stCondLst>
+                                            <p:cond delay="0"/>
+                                          </p:stCondLst>
+                                        </p:cTn>
+                                        <p:tgtEl>
+                                          <p:spTgt spid="3">
+                                            <p:txEl>
+                                              <p:pRg st="2" end="2"/>
+                                            </p:txEl>
+                                          </p:spTgt>
+                                        </p:tgtEl>
+                                        <p:attrNameLst>
+                                          <p:attrName>style.visibility</p:attrName>
+                                        </p:attrNameLst>
+                                      </p:cBhvr>
+                                      <p:to>
+                                        <p:strVal val="visible"/>
+                                      </p:to>
+                                    </p:set>
+                                  </p:childTnLst>
+                                </p:cTn>
+                              </p:par>
+                            </p:childTnLst>
+                          </p:cTn>
+                        </p:par>
+                      </p:childTnLst>
+                    </p:cTn>
+                  </p:par>
+                  <p:par>
+                    <p:cTn id="15" fill="hold">
+                      <p:stCondLst>
+                        <p:cond delay="indefinite"/>
+                      </p:stCondLst>
+                      <p:childTnLst>
+                        <p:par>
+                          <p:cTn id="16" fill="hold">
+                            <p:stCondLst>
+                              <p:cond delay="0"/>
+                            </p:stCondLst>
+                            <p:childTnLst>
+                              <p:par>
+                                <p:cTn id="17" presetID="1" presetClass="entr" presetSubtype="0" fill="hold" nodeType="clickEffect">
+                                  <p:stCondLst>
+                                    <p:cond delay="0"/>
+                                  </p:stCondLst>
+                                  <p:childTnLst>
+                                    <p:set>
+                                      <p:cBhvr>
+                                        <p:cTn id="18" dur="1" fill="hold">
+                                          <p:stCondLst>
+                                            <p:cond delay="0"/>
+                                          </p:stCondLst>
+                                        </p:cTn>
+                                        <p:tgtEl>
+                                          <p:spTgt spid="3">
+                                            <p:txEl>
+                                              <p:pRg st="3" end="3"/>
+                                            </p:txEl>
+                                          </p:spTgt>
+                                        </p:tgtEl>
+                                        <p:attrNameLst>
+                                          <p:attrName>style.visibility</p:attrName>
+                                        </p:attrNameLst>
+                                      </p:cBhvr>
+                                      <p:to>
+                                        <p:strVal val="visible"/>
+                                      </p:to>
+                                    </p:set>
+                                  </p:childTnLst>
+                                </p:cTn>
+                              </p:par>
+                            </p:childTnLst>
+                          </p:cTn>
+                        </p:par>
+                      </p:childTnLst>
+                    </p:cTn>
+                  </p:par>
+                  <p:par>
+                    <p:cTn id="19" fill="hold">
+                      <p:stCondLst>
+                        <p:cond delay="indefinite"/>
+                      </p:stCondLst>
+                      <p:childTnLst>
+                        <p:par>
+                          <p:cTn id="20" fill="hold">
+                            <p:stCondLst>
+                              <p:cond delay="0"/>
+                            </p:stCondLst>
+                            <p:childTnLst>
+                              <p:par>
+                                <p:cTn id="21" presetID="1" presetClass="entr" presetSubtype="0" fill="hold" nodeType="clickEffect">
+                                  <p:stCondLst>
+                                    <p:cond delay="0"/>
+                                  </p:stCondLst>
+                                  <p:childTnLst>
+                                    <p:set>
+                                      <p:cBhvr>
+                                        <p:cTn id="22" dur="1" fill="hold">
+                                          <p:stCondLst>
+                                            <p:cond delay="0"/>
+                                          </p:stCondLst>
+                                        </p:cTn>
+                                        <p:tgtEl>
+                                          <p:spTgt spid="3">
+                                            <p:txEl>
+                                              <p:pRg st="4" end="4"/>
+                                            </p:txEl>
+                                          </p:spTgt>
+                                        </p:tgtEl>
+                                        <p:attrNameLst>
+                                          <p:attrName>style.visibility</p:attrName>
+                                        </p:attrNameLst>
+                                      </p:cBhvr>
+                                      <p:to>
+                                        <p:strVal val="visible"/>
+                                      </p:to>
+                                    </p:set>
+                                  </p:childTnLst>
+                                </p:cTn>
+                              </p:par>
+                            </p:childTnLst>
+                          </p:cTn>
+                        </p:par>
+                      </p:childTnLst>
+                    </p:cTn>
+                  </p:par>
+                  <p:par>
+                    <p:cTn id="23" fill="hold">
+                      <p:stCondLst>
+                        <p:cond delay="indefinite"/>
+                      </p:stCondLst>
+                      <p:childTnLst>
+                        <p:par>
+                          <p:cTn id="24" fill="hold">
+                            <p:stCondLst>
+                              <p:cond delay="0"/>
+                            </p:stCondLst>
+                            <p:childTnLst>
+                              <p:par>
+                                <p:cTn id="25" presetID="1" presetClass="entr" presetSubtype="0" fill="hold" nodeType="clickEffect">
+                                  <p:stCondLst>
+                                    <p:cond delay="0"/>
+                                  </p:stCondLst>
+                                  <p:childTnLst>
+                                    <p:set>
+                                      <p:cBhvr>
+                                        <p:cTn id="26" dur="1" fill="hold">
+                                          <p:stCondLst>
+                                            <p:cond delay="0"/>
+                                          </p:stCondLst>
+                                        </p:cTn>
+                                        <p:tgtEl>
+                                          <p:spTgt spid="3">
+                                            <p:txEl>
+                                              <p:pRg st="5" end="5"/>
+                                            </p:txEl>
+                                          </p:spTgt>
+                                        </p:tgtEl>
+                                        <p:attrNameLst>
+                                          <p:attrName>style.visibility</p:attrName>
+                                        </p:attrNameLst>
+                                      </p:cBhvr>
+                                      <p:to>
+                                        <p:strVal val="visible"/>
+                                      </p:to>
+                                    </p:set>
+                                  </p:childTnLst>
+                                </p:cTn>
+                              </p:par>
+                            </p:childTnLst>
+                          </p:cTn>
+                        </p:par>
+                      </p:childTnLst>
+                    </p:cTn>
+                  </p:par>
+                  <p:par>
+                    <p:cTn id="27" fill="hold">
+                      <p:stCondLst>
+                        <p:cond delay="indefinite"/>
+                      </p:stCondLst>
+                      <p:childTnLst>
+                        <p:par>
+                          <p:cTn id="28" fill="hold">
+                            <p:stCondLst>
+                              <p:cond delay="0"/>
+                            </p:stCondLst>
+                            <p:childTnLst>
+                              <p:par>
+                                <p:cTn id="29" presetID="1" presetClass="entr" presetSubtype="0" fill="hold" nodeType="clickEffect">
+                                  <p:stCondLst>
+                                    <p:cond delay="0"/>
+                                  </p:stCondLst>
+                                  <p:childTnLst>
+                                    <p:set>
+                                      <p:cBhvr>
+                                        <p:cTn id="30" dur="1" fill="hold">
+                                          <p:stCondLst>
+                                            <p:cond delay="0"/>
+                                          </p:stCondLst>
+                                        </p:cTn>
+                                        <p:tgtEl>
+                                          <p:spTgt spid="3">
+                                            <p:txEl>
+                                              <p:pRg st="6" end="6"/>
+                                            </p:txEl>
+                                          </p:spTgt>
+                                        </p:tgtEl>
+                                        <p:attrNameLst>
+                                          <p:attrName>style.visibility</p:attrName>
+                                        </p:attrNameLst>
+                                      </p:cBhvr>
+                                      <p:to>
+                                        <p:strVal val="visible"/>
+                                      </p:to>
+                                    </p:set>
+                                  </p:childTnLst>
+                                </p:cTn>
+                              </p:par>
+                            </p:childTnLst>
+                          </p:cTn>
+                        </p:par>
+                      </p:childTnLst>
+                    </p:cTn>
+                  </p:par>
+                  <p:par>
+                    <p:cTn id="31" fill="hold">
+                      <p:stCondLst>
+                        <p:cond delay="indefinite"/>
+                      </p:stCondLst>
+                      <p:childTnLst>
+                        <p:par>
+                          <p:cTn id="32" fill="hold">
+                            <p:stCondLst>
+                              <p:cond delay="0"/>
+                            </p:stCondLst>
+                            <p:childTnLst>
+                              <p:par>
+                                <p:cTn id="33" presetID="1" presetClass="entr" presetSubtype="0" fill="hold" nodeType="clickEffect">
+                                  <p:stCondLst>
+                                    <p:cond delay="0"/>
+                                  </p:stCondLst>
+                                  <p:childTnLst>
+                                    <p:set>
+                                      <p:cBhvr>
+                                        <p:cTn id="34" dur="1" fill="hold">
+                                          <p:stCondLst>
+                                            <p:cond delay="0"/>
+                                          </p:stCondLst>
+                                        </p:cTn>
+                                        <p:tgtEl>
+                                          <p:spTgt spid="3">
+                                            <p:txEl>
+                                              <p:pRg st="7" end="7"/>
+                                            </p:txEl>
+                                          </p:spTgt>
+                                        </p:tgtEl>
+                                        <p:attrNameLst>
+                                          <p:attrName>style.visibility</p:attrName>
+                                        </p:attrNameLst>
+                                      </p:cBhvr>
+                                      <p:to>
+                                        <p:strVal val="visible"/>
+                                      </p:to>
+                                    </p:set>
+                                  </p:childTnLst>
+                                </p:cTn>
+                              </p:par>
+                            </p:childTnLst>
+                          </p:cTn>
+                        </p:par>
+                      </p:childTnLst>
+                    </p:cTn>
+                  </p:par>
+                  <p:par>
+                    <p:cTn id="35" fill="hold">
+                      <p:stCondLst>
+                        <p:cond delay="indefinite"/>
+                      </p:stCondLst>
+                      <p:childTnLst>
+                        <p:par>
+                          <p:cTn id="36" fill="hold">
+                            <p:stCondLst>
+                              <p:cond delay="0"/>
+                            </p:stCondLst>
+                            <p:childTnLst>
+                              <p:par>
+                                <p:cTn id="37" presetID="1" presetClass="entr" presetSubtype="0" fill="hold" nodeType="clickEffect">
+                                  <p:stCondLst>
+                                    <p:cond delay="0"/>
+                                  </p:stCondLst>
+                                  <p:childTnLst>
+                                    <p:set>
+                                      <p:cBhvr>
+                                        <p:cTn id="38" dur="1" fill="hold">
+                                          <p:stCondLst>
+                                            <p:cond delay="0"/>
+                                          </p:stCondLst>
+                                        </p:cTn>
+                                        <p:tgtEl>
+                                          <p:spTgt spid="3">
+                                            <p:txEl>
+                                              <p:pRg st="8" end="8"/>
+                                            </p:txEl>
+                                          </p:spTgt>
+                                        </p:tgtEl>
+                                        <p:attrNameLst>
+                                          <p:attrName>style.visibility</p:attrName>
+                                        </p:attrNameLst>
+                                      </p:cBhvr>
+                                      <p:to>
+                                        <p:strVal val="visible"/>
+                                      </p:to>
+                                    </p:set>
+                                  </p:childTnLst>
+                                </p:cTn>
+                              </p:par>
+                            </p:childTnLst>
+                          </p:cTn>
+                        </p:par>
+                      </p:childTnLst>
+                    </p:cTn>
+                  </p:par>
+                  <p:par>
+                    <p:cTn id="39" fill="hold">
+                      <p:stCondLst>
+                        <p:cond delay="indefinite"/>
+                      </p:stCondLst>
+                      <p:childTnLst>
+                        <p:par>
+                          <p:cTn id="40" fill="hold">
+                            <p:stCondLst>
+                              <p:cond delay="0"/>
+                            </p:stCondLst>
+                            <p:childTnLst>
+                              <p:par>
+                                <p:cTn id="41" presetID="1" presetClass="entr" presetSubtype="0" fill="hold" nodeType="clickEffect">
+                                  <p:stCondLst>
+                                    <p:cond delay="0"/>
+                                  </p:stCondLst>
+                                  <p:childTnLst>
+                                    <p:set>
+                                      <p:cBhvr>
+                                        <p:cTn id="42" dur="1" fill="hold">
+                                          <p:stCondLst>
+                                            <p:cond delay="0"/>
+                                          </p:stCondLst>
+                                        </p:cTn>
+                                        <p:tgtEl>
+                                          <p:spTgt spid="3">
+                                            <p:txEl>
+                                              <p:pRg st="9" end="9"/>
+                                            </p:txEl>
+                                          </p:spTgt>
+                                        </p:tgtEl>
+                                        <p:attrNameLst>
+                                          <p:attrName>style.visibility</p:attrName>
+                                        </p:attrNameLst>
+                                      </p:cBhvr>
+                                      <p:to>
+                                        <p:strVal val="visible"/>
+                                      </p:to>
+                                    </p:set>
+                                  </p:childTnLst>
+                                </p:cTn>
+                              </p:par>
+                            </p:childTnLst>
+                          </p:cTn>
+                        </p:par>
+                      </p:childTnLst>
+                    </p:cTn>
+                  </p:par>
+                  <p:par>
+                    <p:cTn id="43" fill="hold">
+                      <p:stCondLst>
+                        <p:cond delay="indefinite"/>
+                      </p:stCondLst>
+                      <p:childTnLst>
+                        <p:par>
+                          <p:cTn id="44" fill="hold">
+                            <p:stCondLst>
+                              <p:cond delay="0"/>
+                            </p:stCondLst>
+                            <p:childTnLst>
+                              <p:par>
+                                <p:cTn id="45" presetID="1" presetClass="entr" presetSubtype="0" fill="hold" nodeType="clickEffect">
+                                  <p:stCondLst>
+                                    <p:cond delay="0"/>
+                                  </p:stCondLst>
+                                  <p:childTnLst>
+                                    <p:set>
+                                      <p:cBhvr>
+                                        <p:cTn id="46" dur="1" fill="hold">
+                                          <p:stCondLst>
+                                            <p:cond delay="0"/>
+                                          </p:stCondLst>
+                                        </p:cTn>
+                                        <p:tgtEl>
+                                          <p:spTgt spid="3">
+                                            <p:txEl>
+                                              <p:pRg st="10" end="10"/>
                                             </p:txEl>
                                           </p:spTgt>
                                         </p:tgtEl>

--- a/PPT/Intro.pptx
+++ b/PPT/Intro.pptx
@@ -5,7 +5,7 @@
     <p:sldMasterId id="2147483768" r:id="rId1"/>
   </p:sldMasterIdLst>
   <p:notesMasterIdLst>
-    <p:notesMasterId r:id="rId22"/>
+    <p:notesMasterId r:id="rId23"/>
   </p:notesMasterIdLst>
   <p:sldIdLst>
     <p:sldId id="256" r:id="rId2"/>
@@ -19,15 +19,16 @@
     <p:sldId id="258" r:id="rId10"/>
     <p:sldId id="302" r:id="rId11"/>
     <p:sldId id="288" r:id="rId12"/>
-    <p:sldId id="306" r:id="rId13"/>
-    <p:sldId id="277" r:id="rId14"/>
+    <p:sldId id="277" r:id="rId13"/>
+    <p:sldId id="306" r:id="rId14"/>
     <p:sldId id="291" r:id="rId15"/>
-    <p:sldId id="292" r:id="rId16"/>
-    <p:sldId id="290" r:id="rId17"/>
-    <p:sldId id="279" r:id="rId18"/>
-    <p:sldId id="281" r:id="rId19"/>
-    <p:sldId id="283" r:id="rId20"/>
-    <p:sldId id="282" r:id="rId21"/>
+    <p:sldId id="307" r:id="rId16"/>
+    <p:sldId id="292" r:id="rId17"/>
+    <p:sldId id="290" r:id="rId18"/>
+    <p:sldId id="279" r:id="rId19"/>
+    <p:sldId id="281" r:id="rId20"/>
+    <p:sldId id="283" r:id="rId21"/>
+    <p:sldId id="282" r:id="rId22"/>
   </p:sldIdLst>
   <p:sldSz cx="12192000" cy="6858000"/>
   <p:notesSz cx="6858000" cy="9144000"/>
@@ -142,9 +143,10 @@
             <p14:sldId id="258"/>
             <p14:sldId id="302"/>
             <p14:sldId id="288"/>
+            <p14:sldId id="277"/>
             <p14:sldId id="306"/>
-            <p14:sldId id="277"/>
             <p14:sldId id="291"/>
+            <p14:sldId id="307"/>
             <p14:sldId id="292"/>
             <p14:sldId id="290"/>
             <p14:sldId id="279"/>
@@ -267,7 +269,7 @@
           <a:p>
             <a:fld id="{5578FD48-7BBA-4787-8980-5DFB65E0734D}" type="datetimeFigureOut">
               <a:rPr lang="en-US" smtClean="0"/>
-              <a:t>2/29/2024</a:t>
+              <a:t>3/1/2024</a:t>
             </a:fld>
             <a:endParaRPr lang="en-US"/>
           </a:p>
@@ -1036,6 +1038,90 @@
 </p:notes>
 </file>
 
+<file path=ppt/notesSlides/notesSlide6.xml><?xml version="1.0" encoding="utf-8"?>
+<p:notes xmlns:a="http://schemas.openxmlformats.org/drawingml/2006/main" xmlns:r="http://schemas.openxmlformats.org/officeDocument/2006/relationships" xmlns:p="http://schemas.openxmlformats.org/presentationml/2006/main">
+  <p:cSld>
+    <p:spTree>
+      <p:nvGrpSpPr>
+        <p:cNvPr id="1" name=""/>
+        <p:cNvGrpSpPr/>
+        <p:nvPr/>
+      </p:nvGrpSpPr>
+      <p:grpSpPr>
+        <a:xfrm>
+          <a:off x="0" y="0"/>
+          <a:ext cx="0" cy="0"/>
+          <a:chOff x="0" y="0"/>
+          <a:chExt cx="0" cy="0"/>
+        </a:xfrm>
+      </p:grpSpPr>
+      <p:sp>
+        <p:nvSpPr>
+          <p:cNvPr id="2" name="Slide Image Placeholder 1"/>
+          <p:cNvSpPr>
+            <a:spLocks noGrp="1" noRot="1" noChangeAspect="1"/>
+          </p:cNvSpPr>
+          <p:nvPr>
+            <p:ph type="sldImg"/>
+          </p:nvPr>
+        </p:nvSpPr>
+        <p:spPr/>
+      </p:sp>
+      <p:sp>
+        <p:nvSpPr>
+          <p:cNvPr id="3" name="Notes Placeholder 2"/>
+          <p:cNvSpPr>
+            <a:spLocks noGrp="1"/>
+          </p:cNvSpPr>
+          <p:nvPr>
+            <p:ph type="body" idx="1"/>
+          </p:nvPr>
+        </p:nvSpPr>
+        <p:spPr/>
+        <p:txBody>
+          <a:bodyPr/>
+          <a:lstStyle/>
+          <a:p>
+            <a:endParaRPr lang="en-US" dirty="0"/>
+          </a:p>
+        </p:txBody>
+      </p:sp>
+      <p:sp>
+        <p:nvSpPr>
+          <p:cNvPr id="4" name="Slide Number Placeholder 3"/>
+          <p:cNvSpPr>
+            <a:spLocks noGrp="1"/>
+          </p:cNvSpPr>
+          <p:nvPr>
+            <p:ph type="sldNum" sz="quarter" idx="5"/>
+          </p:nvPr>
+        </p:nvSpPr>
+        <p:spPr/>
+        <p:txBody>
+          <a:bodyPr/>
+          <a:lstStyle/>
+          <a:p>
+            <a:fld id="{F7DB80D0-0163-4942-8F25-71DA65E50049}" type="slidenum">
+              <a:rPr lang="en-US" smtClean="0"/>
+              <a:t>16</a:t>
+            </a:fld>
+            <a:endParaRPr lang="en-US"/>
+          </a:p>
+        </p:txBody>
+      </p:sp>
+    </p:spTree>
+    <p:extLst>
+      <p:ext uri="{BB962C8B-B14F-4D97-AF65-F5344CB8AC3E}">
+        <p14:creationId xmlns:p14="http://schemas.microsoft.com/office/powerpoint/2010/main" val="1945347898"/>
+      </p:ext>
+    </p:extLst>
+  </p:cSld>
+  <p:clrMapOvr>
+    <a:masterClrMapping/>
+  </p:clrMapOvr>
+</p:notes>
+</file>
+
 <file path=ppt/slideLayouts/slideLayout1.xml><?xml version="1.0" encoding="utf-8"?>
 <p:sldLayout xmlns:a="http://schemas.openxmlformats.org/drawingml/2006/main" xmlns:r="http://schemas.openxmlformats.org/officeDocument/2006/relationships" xmlns:p="http://schemas.openxmlformats.org/presentationml/2006/main" showMasterSp="0" type="title" preserve="1">
   <p:cSld name="Title Slide">
@@ -1096,7 +1182,7 @@
             <a:fld id="{1D8BD707-D9CF-40AE-B4C6-C98DA3205C09}" type="datetimeFigureOut">
               <a:rPr lang="en-US" smtClean="0"/>
               <a:pPr/>
-              <a:t>2/29/2024</a:t>
+              <a:t>3/1/2024</a:t>
             </a:fld>
             <a:endParaRPr lang="en-US"/>
           </a:p>
@@ -1413,7 +1499,7 @@
             <a:fld id="{1D8BD707-D9CF-40AE-B4C6-C98DA3205C09}" type="datetimeFigureOut">
               <a:rPr lang="en-US" smtClean="0"/>
               <a:pPr/>
-              <a:t>2/29/2024</a:t>
+              <a:t>3/1/2024</a:t>
             </a:fld>
             <a:endParaRPr lang="en-US"/>
           </a:p>
@@ -1589,7 +1675,7 @@
             <a:fld id="{1D8BD707-D9CF-40AE-B4C6-C98DA3205C09}" type="datetimeFigureOut">
               <a:rPr lang="en-US" smtClean="0"/>
               <a:pPr/>
-              <a:t>2/29/2024</a:t>
+              <a:t>3/1/2024</a:t>
             </a:fld>
             <a:endParaRPr lang="en-US"/>
           </a:p>
@@ -1709,7 +1795,7 @@
             <a:fld id="{1D8BD707-D9CF-40AE-B4C6-C98DA3205C09}" type="datetimeFigureOut">
               <a:rPr lang="en-US" smtClean="0"/>
               <a:pPr/>
-              <a:t>2/29/2024</a:t>
+              <a:t>3/1/2024</a:t>
             </a:fld>
             <a:endParaRPr lang="en-US"/>
           </a:p>
@@ -2009,7 +2095,7 @@
             <a:fld id="{1D8BD707-D9CF-40AE-B4C6-C98DA3205C09}" type="datetimeFigureOut">
               <a:rPr lang="en-US" smtClean="0"/>
               <a:pPr/>
-              <a:t>2/29/2024</a:t>
+              <a:t>3/1/2024</a:t>
             </a:fld>
             <a:endParaRPr lang="en-US"/>
           </a:p>
@@ -2304,7 +2390,7 @@
             <a:fld id="{1D8BD707-D9CF-40AE-B4C6-C98DA3205C09}" type="datetimeFigureOut">
               <a:rPr lang="en-US" smtClean="0"/>
               <a:pPr/>
-              <a:t>2/29/2024</a:t>
+              <a:t>3/1/2024</a:t>
             </a:fld>
             <a:endParaRPr lang="en-US"/>
           </a:p>
@@ -2734,7 +2820,7 @@
             <a:fld id="{1D8BD707-D9CF-40AE-B4C6-C98DA3205C09}" type="datetimeFigureOut">
               <a:rPr lang="en-US" smtClean="0"/>
               <a:pPr/>
-              <a:t>2/29/2024</a:t>
+              <a:t>3/1/2024</a:t>
             </a:fld>
             <a:endParaRPr lang="en-US"/>
           </a:p>
@@ -2854,7 +2940,7 @@
             <a:fld id="{1D8BD707-D9CF-40AE-B4C6-C98DA3205C09}" type="datetimeFigureOut">
               <a:rPr lang="en-US" smtClean="0"/>
               <a:pPr/>
-              <a:t>2/29/2024</a:t>
+              <a:t>3/1/2024</a:t>
             </a:fld>
             <a:endParaRPr lang="en-US"/>
           </a:p>
@@ -2946,7 +3032,7 @@
             <a:fld id="{1D8BD707-D9CF-40AE-B4C6-C98DA3205C09}" type="datetimeFigureOut">
               <a:rPr lang="en-US" smtClean="0"/>
               <a:pPr/>
-              <a:t>2/29/2024</a:t>
+              <a:t>3/1/2024</a:t>
             </a:fld>
             <a:endParaRPr lang="en-US"/>
           </a:p>
@@ -3198,7 +3284,7 @@
             <a:fld id="{1D8BD707-D9CF-40AE-B4C6-C98DA3205C09}" type="datetimeFigureOut">
               <a:rPr lang="en-US" smtClean="0"/>
               <a:pPr/>
-              <a:t>2/29/2024</a:t>
+              <a:t>3/1/2024</a:t>
             </a:fld>
             <a:endParaRPr lang="en-US"/>
           </a:p>
@@ -3716,7 +3802,7 @@
             <a:fld id="{1D8BD707-D9CF-40AE-B4C6-C98DA3205C09}" type="datetimeFigureOut">
               <a:rPr lang="en-US" smtClean="0"/>
               <a:pPr/>
-              <a:t>2/29/2024</a:t>
+              <a:t>3/1/2024</a:t>
             </a:fld>
             <a:endParaRPr lang="en-US"/>
           </a:p>
@@ -3948,7 +4034,7 @@
             <a:fld id="{1D8BD707-D9CF-40AE-B4C6-C98DA3205C09}" type="datetimeFigureOut">
               <a:rPr lang="en-US" smtClean="0"/>
               <a:pPr/>
-              <a:t>2/29/2024</a:t>
+              <a:t>3/1/2024</a:t>
             </a:fld>
             <a:endParaRPr lang="en-US"/>
           </a:p>
@@ -5864,86 +5950,6 @@
       </p:grpSpPr>
       <p:sp>
         <p:nvSpPr>
-          <p:cNvPr id="2" name="Title 1">
-            <a:extLst>
-              <a:ext uri="{FF2B5EF4-FFF2-40B4-BE49-F238E27FC236}">
-                <a16:creationId xmlns:a16="http://schemas.microsoft.com/office/drawing/2014/main" id="{0B193B8B-C156-4A95-9FA5-461E0DC66C34}"/>
-              </a:ext>
-            </a:extLst>
-          </p:cNvPr>
-          <p:cNvSpPr>
-            <a:spLocks noGrp="1"/>
-          </p:cNvSpPr>
-          <p:nvPr>
-            <p:ph type="title"/>
-          </p:nvPr>
-        </p:nvSpPr>
-        <p:spPr/>
-        <p:txBody>
-          <a:bodyPr/>
-          <a:lstStyle/>
-          <a:p>
-            <a:endParaRPr lang="en-US"/>
-          </a:p>
-        </p:txBody>
-      </p:sp>
-      <p:sp>
-        <p:nvSpPr>
-          <p:cNvPr id="3" name="Content Placeholder 2">
-            <a:extLst>
-              <a:ext uri="{FF2B5EF4-FFF2-40B4-BE49-F238E27FC236}">
-                <a16:creationId xmlns:a16="http://schemas.microsoft.com/office/drawing/2014/main" id="{F34EB28B-D7DE-4B5C-8CF3-DDBD90D61C75}"/>
-              </a:ext>
-            </a:extLst>
-          </p:cNvPr>
-          <p:cNvSpPr>
-            <a:spLocks noGrp="1"/>
-          </p:cNvSpPr>
-          <p:nvPr>
-            <p:ph sz="quarter" idx="13"/>
-          </p:nvPr>
-        </p:nvSpPr>
-        <p:spPr/>
-        <p:txBody>
-          <a:bodyPr/>
-          <a:lstStyle/>
-          <a:p>
-            <a:endParaRPr lang="en-US"/>
-          </a:p>
-        </p:txBody>
-      </p:sp>
-    </p:spTree>
-    <p:extLst>
-      <p:ext uri="{BB962C8B-B14F-4D97-AF65-F5344CB8AC3E}">
-        <p14:creationId xmlns:p14="http://schemas.microsoft.com/office/powerpoint/2010/main" val="2616143649"/>
-      </p:ext>
-    </p:extLst>
-  </p:cSld>
-  <p:clrMapOvr>
-    <a:masterClrMapping/>
-  </p:clrMapOvr>
-</p:sld>
-</file>
-
-<file path=ppt/slides/slide13.xml><?xml version="1.0" encoding="utf-8"?>
-<p:sld xmlns:a="http://schemas.openxmlformats.org/drawingml/2006/main" xmlns:r="http://schemas.openxmlformats.org/officeDocument/2006/relationships" xmlns:p="http://schemas.openxmlformats.org/presentationml/2006/main">
-  <p:cSld>
-    <p:spTree>
-      <p:nvGrpSpPr>
-        <p:cNvPr id="1" name=""/>
-        <p:cNvGrpSpPr/>
-        <p:nvPr/>
-      </p:nvGrpSpPr>
-      <p:grpSpPr>
-        <a:xfrm>
-          <a:off x="0" y="0"/>
-          <a:ext cx="0" cy="0"/>
-          <a:chOff x="0" y="0"/>
-          <a:chExt cx="0" cy="0"/>
-        </a:xfrm>
-      </p:grpSpPr>
-      <p:sp>
-        <p:nvSpPr>
           <p:cNvPr id="2" name="Title 1"/>
           <p:cNvSpPr>
             <a:spLocks noGrp="1"/>
@@ -5959,15 +5965,7 @@
           <a:p>
             <a:r>
               <a:rPr lang="en-US" dirty="0"/>
-              <a:t>Part I (28</a:t>
-            </a:r>
-            <a:r>
-              <a:rPr lang="en-US" baseline="30000" dirty="0"/>
-              <a:t>th</a:t>
-            </a:r>
-            <a:r>
-              <a:rPr lang="en-US" dirty="0"/>
-              <a:t> May): Game Engine and Game Components</a:t>
+              <a:t>Week 1: Game Engine and Game Components</a:t>
             </a:r>
           </a:p>
         </p:txBody>
@@ -5995,77 +5993,39 @@
             </a:r>
             <a:r>
               <a:rPr lang="en-US" dirty="0"/>
-              <a:t>: Intro + Environment + Game Engine + a little about Programming Model</a:t>
-            </a:r>
-          </a:p>
-          <a:p>
+              <a:t>: </a:t>
+            </a:r>
+          </a:p>
+          <a:p>
+            <a:pPr lvl="1"/>
             <a:r>
               <a:rPr lang="en-US" dirty="0"/>
-              <a:t>Assignment: due 11pm on </a:t>
-            </a:r>
-            <a:r>
-              <a:rPr lang="en-US" altLang="zh-CN" dirty="0"/>
-              <a:t>Tuesday</a:t>
+              <a:t>Intro + Environment + Game Engine + a little about Programming Model</a:t>
+            </a:r>
+          </a:p>
+          <a:p>
+            <a:pPr lvl="1"/>
+            <a:r>
+              <a:rPr lang="en-US" b="1" dirty="0"/>
+              <a:t>Learn</a:t>
             </a:r>
             <a:r>
               <a:rPr lang="en-US" dirty="0"/>
-              <a:t> 30</a:t>
-            </a:r>
-            <a:r>
-              <a:rPr lang="en-US" baseline="30000" dirty="0"/>
-              <a:t>th</a:t>
-            </a:r>
+              <a:t>: Game Objects, Camera, UI, Game Manager, Effects, Autonomous Behaviors (AI)</a:t>
+            </a:r>
+          </a:p>
+          <a:p>
+            <a:pPr lvl="1"/>
             <a:r>
               <a:rPr lang="en-US" dirty="0"/>
-              <a:t> May</a:t>
-            </a:r>
-          </a:p>
-          <a:p>
-            <a:pPr lvl="1"/>
-            <a:r>
-              <a:rPr lang="en-US" b="1" dirty="0">
-                <a:solidFill>
-                  <a:srgbClr val="FFFF00"/>
-                </a:solidFill>
-              </a:rPr>
-              <a:t>Short Quiz: </a:t>
-            </a:r>
+              <a:t>EX2Practice:, a simple game (group project)</a:t>
+            </a:r>
+          </a:p>
+          <a:p>
             <a:r>
               <a:rPr lang="en-US" dirty="0"/>
-              <a:t>on the Game Engine (should take 10-20 minutes)</a:t>
-            </a:r>
-          </a:p>
-          <a:p>
-            <a:pPr lvl="2"/>
-            <a:r>
-              <a:rPr lang="en-US" dirty="0"/>
-              <a:t>Quiz on Canvas to be open after today’s class.</a:t>
-            </a:r>
-          </a:p>
-          <a:p>
-            <a:pPr lvl="1"/>
-            <a:r>
-              <a:rPr lang="en-US" b="1" dirty="0">
-                <a:solidFill>
-                  <a:srgbClr val="FFFF00"/>
-                </a:solidFill>
-              </a:rPr>
-              <a:t>Small Coding Exercise: </a:t>
-            </a:r>
-            <a:r>
-              <a:rPr lang="en-US" dirty="0"/>
-              <a:t>Exercise 1 (should take about an hour) </a:t>
-            </a:r>
-          </a:p>
-          <a:p>
-            <a:pPr lvl="2"/>
-            <a:r>
-              <a:rPr lang="en-US" dirty="0"/>
-              <a:t>Submit to Canvas</a:t>
-            </a:r>
-          </a:p>
-          <a:p>
-            <a:pPr lvl="2"/>
+              <a:t>3 Programming Assignments: due before class  </a:t>
+            </a:r>
             <a:r>
               <a:rPr lang="en-US" dirty="0">
                 <a:solidFill>
@@ -6080,9 +6040,58 @@
             <a:endParaRPr lang="en-US" dirty="0"/>
           </a:p>
           <a:p>
+            <a:pPr lvl="1"/>
             <a:r>
               <a:rPr lang="en-US" dirty="0"/>
-              <a:t>If you don’t practice, you won’t learn, really!</a:t>
+              <a:t>Ex1: Small Coding Exercise (individual)		</a:t>
+            </a:r>
+            <a:r>
+              <a:rPr lang="en-US" b="1" dirty="0"/>
+              <a:t>due </a:t>
+            </a:r>
+            <a:r>
+              <a:rPr lang="en-US" dirty="0"/>
+              <a:t>tomorrow before class</a:t>
+            </a:r>
+          </a:p>
+          <a:p>
+            <a:pPr lvl="1"/>
+            <a:r>
+              <a:rPr lang="en-US" dirty="0"/>
+              <a:t>Ex2 : a simple interactive application (individual)	</a:t>
+            </a:r>
+            <a:r>
+              <a:rPr lang="en-US" b="1" dirty="0"/>
+              <a:t>due </a:t>
+            </a:r>
+            <a:r>
+              <a:rPr lang="en-US" dirty="0"/>
+              <a:t>on Thursday before class</a:t>
+            </a:r>
+          </a:p>
+          <a:p>
+            <a:pPr lvl="1"/>
+            <a:r>
+              <a:rPr lang="en-US" dirty="0"/>
+              <a:t>Ex3: a simple (not fun) game (team) 		</a:t>
+            </a:r>
+            <a:r>
+              <a:rPr lang="en-US" b="1" dirty="0"/>
+              <a:t>due </a:t>
+            </a:r>
+            <a:r>
+              <a:rPr lang="en-US" dirty="0"/>
+              <a:t>on next Monday before class</a:t>
+            </a:r>
+          </a:p>
+          <a:p>
+            <a:r>
+              <a:rPr lang="en-US" b="1" dirty="0"/>
+              <a:t>Daily Short Quiz: </a:t>
+            </a:r>
+            <a:r>
+              <a:rPr lang="en-US" dirty="0"/>
+              <a:t>should take 10-20 minutes, open book, open everything</a:t>
             </a:r>
           </a:p>
           <a:p>
@@ -6094,15 +6103,6 @@
               </a:rPr>
               <a:t>Very short turnaround! </a:t>
             </a:r>
-            <a:r>
-              <a:rPr lang="en-US" dirty="0"/>
-              <a:t>Gives you some sense of the pace for Part II</a:t>
-            </a:r>
-            <a:endParaRPr lang="en-US" b="1" dirty="0">
-              <a:solidFill>
-                <a:srgbClr val="FFFF00"/>
-              </a:solidFill>
-            </a:endParaRPr>
           </a:p>
         </p:txBody>
       </p:sp>
@@ -6167,33 +6167,15 @@
                                   </p:childTnLst>
                                 </p:cTn>
                               </p:par>
-                            </p:childTnLst>
-                          </p:cTn>
-                        </p:par>
-                      </p:childTnLst>
-                    </p:cTn>
-                  </p:par>
-                  <p:par>
-                    <p:cTn id="7" fill="hold">
-                      <p:stCondLst>
-                        <p:cond delay="indefinite"/>
-                      </p:stCondLst>
-                      <p:childTnLst>
-                        <p:par>
-                          <p:cTn id="8" fill="hold">
-                            <p:stCondLst>
-                              <p:cond delay="0"/>
-                            </p:stCondLst>
-                            <p:childTnLst>
                               <p:par>
-                                <p:cTn id="9" presetID="1" presetClass="entr" presetSubtype="0" fill="hold" grpId="0" nodeType="clickEffect">
+                                <p:cTn id="7" presetID="1" presetClass="entr" presetSubtype="0" fill="hold" grpId="0" nodeType="withEffect">
                                   <p:stCondLst>
                                     <p:cond delay="0"/>
                                   </p:stCondLst>
                                   <p:childTnLst>
                                     <p:set>
                                       <p:cBhvr>
-                                        <p:cTn id="10" dur="1" fill="hold">
+                                        <p:cTn id="8" dur="1" fill="hold">
                                           <p:stCondLst>
                                             <p:cond delay="0"/>
                                           </p:stCondLst>
@@ -6216,33 +6198,15 @@
                                   </p:childTnLst>
                                 </p:cTn>
                               </p:par>
-                            </p:childTnLst>
-                          </p:cTn>
-                        </p:par>
-                      </p:childTnLst>
-                    </p:cTn>
-                  </p:par>
-                  <p:par>
-                    <p:cTn id="11" fill="hold">
-                      <p:stCondLst>
-                        <p:cond delay="indefinite"/>
-                      </p:stCondLst>
-                      <p:childTnLst>
-                        <p:par>
-                          <p:cTn id="12" fill="hold">
-                            <p:stCondLst>
-                              <p:cond delay="0"/>
-                            </p:stCondLst>
-                            <p:childTnLst>
                               <p:par>
-                                <p:cTn id="13" presetID="1" presetClass="entr" presetSubtype="0" fill="hold" grpId="0" nodeType="clickEffect">
+                                <p:cTn id="9" presetID="1" presetClass="entr" presetSubtype="0" fill="hold" grpId="0" nodeType="withEffect">
                                   <p:stCondLst>
                                     <p:cond delay="0"/>
                                   </p:stCondLst>
                                   <p:childTnLst>
                                     <p:set>
                                       <p:cBhvr>
-                                        <p:cTn id="14" dur="1" fill="hold">
+                                        <p:cTn id="10" dur="1" fill="hold">
                                           <p:stCondLst>
                                             <p:cond delay="0"/>
                                           </p:stCondLst>
@@ -6265,33 +6229,15 @@
                                   </p:childTnLst>
                                 </p:cTn>
                               </p:par>
-                            </p:childTnLst>
-                          </p:cTn>
-                        </p:par>
-                      </p:childTnLst>
-                    </p:cTn>
-                  </p:par>
-                  <p:par>
-                    <p:cTn id="15" fill="hold">
-                      <p:stCondLst>
-                        <p:cond delay="indefinite"/>
-                      </p:stCondLst>
-                      <p:childTnLst>
-                        <p:par>
-                          <p:cTn id="16" fill="hold">
-                            <p:stCondLst>
-                              <p:cond delay="0"/>
-                            </p:stCondLst>
-                            <p:childTnLst>
                               <p:par>
-                                <p:cTn id="17" presetID="1" presetClass="entr" presetSubtype="0" fill="hold" grpId="0" nodeType="clickEffect">
+                                <p:cTn id="11" presetID="1" presetClass="entr" presetSubtype="0" fill="hold" grpId="0" nodeType="withEffect">
                                   <p:stCondLst>
                                     <p:cond delay="0"/>
                                   </p:stCondLst>
                                   <p:childTnLst>
                                     <p:set>
                                       <p:cBhvr>
-                                        <p:cTn id="18" dur="1" fill="hold">
+                                        <p:cTn id="12" dur="1" fill="hold">
                                           <p:stCondLst>
                                             <p:cond delay="0"/>
                                           </p:stCondLst>
@@ -6321,19 +6267,112 @@
                     </p:cTn>
                   </p:par>
                   <p:par>
-                    <p:cTn id="19" fill="hold">
+                    <p:cTn id="13" fill="hold">
                       <p:stCondLst>
                         <p:cond delay="indefinite"/>
                       </p:stCondLst>
                       <p:childTnLst>
                         <p:par>
-                          <p:cTn id="20" fill="hold">
+                          <p:cTn id="14" fill="hold">
                             <p:stCondLst>
                               <p:cond delay="0"/>
                             </p:stCondLst>
                             <p:childTnLst>
                               <p:par>
-                                <p:cTn id="21" presetID="1" presetClass="entr" presetSubtype="0" fill="hold" grpId="0" nodeType="clickEffect">
+                                <p:cTn id="15" presetID="1" presetClass="entr" presetSubtype="0" fill="hold" grpId="0" nodeType="clickEffect">
+                                  <p:stCondLst>
+                                    <p:cond delay="0"/>
+                                  </p:stCondLst>
+                                  <p:childTnLst>
+                                    <p:set>
+                                      <p:cBhvr>
+                                        <p:cTn id="16" dur="1" fill="hold">
+                                          <p:stCondLst>
+                                            <p:cond delay="0"/>
+                                          </p:stCondLst>
+                                        </p:cTn>
+                                        <p:tgtEl>
+                                          <p:spTgt spid="3">
+                                            <p:txEl>
+                                              <p:pRg st="4" end="4"/>
+                                            </p:txEl>
+                                          </p:spTgt>
+                                        </p:tgtEl>
+                                        <p:attrNameLst>
+                                          <p:attrName>style.visibility</p:attrName>
+                                        </p:attrNameLst>
+                                      </p:cBhvr>
+                                      <p:to>
+                                        <p:strVal val="visible"/>
+                                      </p:to>
+                                    </p:set>
+                                  </p:childTnLst>
+                                </p:cTn>
+                              </p:par>
+                              <p:par>
+                                <p:cTn id="17" presetID="1" presetClass="entr" presetSubtype="0" fill="hold" grpId="0" nodeType="withEffect">
+                                  <p:stCondLst>
+                                    <p:cond delay="0"/>
+                                  </p:stCondLst>
+                                  <p:childTnLst>
+                                    <p:set>
+                                      <p:cBhvr>
+                                        <p:cTn id="18" dur="1" fill="hold">
+                                          <p:stCondLst>
+                                            <p:cond delay="0"/>
+                                          </p:stCondLst>
+                                        </p:cTn>
+                                        <p:tgtEl>
+                                          <p:spTgt spid="3">
+                                            <p:txEl>
+                                              <p:pRg st="5" end="5"/>
+                                            </p:txEl>
+                                          </p:spTgt>
+                                        </p:tgtEl>
+                                        <p:attrNameLst>
+                                          <p:attrName>style.visibility</p:attrName>
+                                        </p:attrNameLst>
+                                      </p:cBhvr>
+                                      <p:to>
+                                        <p:strVal val="visible"/>
+                                      </p:to>
+                                    </p:set>
+                                  </p:childTnLst>
+                                </p:cTn>
+                              </p:par>
+                              <p:par>
+                                <p:cTn id="19" presetID="1" presetClass="entr" presetSubtype="0" fill="hold" grpId="0" nodeType="withEffect">
+                                  <p:stCondLst>
+                                    <p:cond delay="0"/>
+                                  </p:stCondLst>
+                                  <p:childTnLst>
+                                    <p:set>
+                                      <p:cBhvr>
+                                        <p:cTn id="20" dur="1" fill="hold">
+                                          <p:stCondLst>
+                                            <p:cond delay="0"/>
+                                          </p:stCondLst>
+                                        </p:cTn>
+                                        <p:tgtEl>
+                                          <p:spTgt spid="3">
+                                            <p:txEl>
+                                              <p:pRg st="6" end="6"/>
+                                            </p:txEl>
+                                          </p:spTgt>
+                                        </p:tgtEl>
+                                        <p:attrNameLst>
+                                          <p:attrName>style.visibility</p:attrName>
+                                        </p:attrNameLst>
+                                      </p:cBhvr>
+                                      <p:to>
+                                        <p:strVal val="visible"/>
+                                      </p:to>
+                                    </p:set>
+                                  </p:childTnLst>
+                                </p:cTn>
+                              </p:par>
+                              <p:par>
+                                <p:cTn id="21" presetID="1" presetClass="entr" presetSubtype="0" fill="hold" grpId="0" nodeType="withEffect">
                                   <p:stCondLst>
                                     <p:cond delay="0"/>
                                   </p:stCondLst>
@@ -6348,7 +6387,7 @@
                                         <p:tgtEl>
                                           <p:spTgt spid="3">
                                             <p:txEl>
-                                              <p:pRg st="4" end="4"/>
+                                              <p:pRg st="7" end="7"/>
                                             </p:txEl>
                                           </p:spTgt>
                                         </p:tgtEl>
@@ -6397,7 +6436,7 @@
                                         <p:tgtEl>
                                           <p:spTgt spid="3">
                                             <p:txEl>
-                                              <p:pRg st="5" end="5"/>
+                                              <p:pRg st="8" end="8"/>
                                             </p:txEl>
                                           </p:spTgt>
                                         </p:tgtEl>
@@ -6446,105 +6485,7 @@
                                         <p:tgtEl>
                                           <p:spTgt spid="3">
                                             <p:txEl>
-                                              <p:pRg st="6" end="6"/>
-                                            </p:txEl>
-                                          </p:spTgt>
-                                        </p:tgtEl>
-                                        <p:attrNameLst>
-                                          <p:attrName>style.visibility</p:attrName>
-                                        </p:attrNameLst>
-                                      </p:cBhvr>
-                                      <p:to>
-                                        <p:strVal val="visible"/>
-                                      </p:to>
-                                    </p:set>
-                                  </p:childTnLst>
-                                </p:cTn>
-                              </p:par>
-                            </p:childTnLst>
-                          </p:cTn>
-                        </p:par>
-                      </p:childTnLst>
-                    </p:cTn>
-                  </p:par>
-                  <p:par>
-                    <p:cTn id="31" fill="hold">
-                      <p:stCondLst>
-                        <p:cond delay="indefinite"/>
-                      </p:stCondLst>
-                      <p:childTnLst>
-                        <p:par>
-                          <p:cTn id="32" fill="hold">
-                            <p:stCondLst>
-                              <p:cond delay="0"/>
-                            </p:stCondLst>
-                            <p:childTnLst>
-                              <p:par>
-                                <p:cTn id="33" presetID="1" presetClass="entr" presetSubtype="0" fill="hold" grpId="0" nodeType="clickEffect">
-                                  <p:stCondLst>
-                                    <p:cond delay="0"/>
-                                  </p:stCondLst>
-                                  <p:childTnLst>
-                                    <p:set>
-                                      <p:cBhvr>
-                                        <p:cTn id="34" dur="1" fill="hold">
-                                          <p:stCondLst>
-                                            <p:cond delay="0"/>
-                                          </p:stCondLst>
-                                        </p:cTn>
-                                        <p:tgtEl>
-                                          <p:spTgt spid="3">
-                                            <p:txEl>
-                                              <p:pRg st="7" end="7"/>
-                                            </p:txEl>
-                                          </p:spTgt>
-                                        </p:tgtEl>
-                                        <p:attrNameLst>
-                                          <p:attrName>style.visibility</p:attrName>
-                                        </p:attrNameLst>
-                                      </p:cBhvr>
-                                      <p:to>
-                                        <p:strVal val="visible"/>
-                                      </p:to>
-                                    </p:set>
-                                  </p:childTnLst>
-                                </p:cTn>
-                              </p:par>
-                            </p:childTnLst>
-                          </p:cTn>
-                        </p:par>
-                      </p:childTnLst>
-                    </p:cTn>
-                  </p:par>
-                  <p:par>
-                    <p:cTn id="35" fill="hold">
-                      <p:stCondLst>
-                        <p:cond delay="indefinite"/>
-                      </p:stCondLst>
-                      <p:childTnLst>
-                        <p:par>
-                          <p:cTn id="36" fill="hold">
-                            <p:stCondLst>
-                              <p:cond delay="0"/>
-                            </p:stCondLst>
-                            <p:childTnLst>
-                              <p:par>
-                                <p:cTn id="37" presetID="1" presetClass="entr" presetSubtype="0" fill="hold" grpId="0" nodeType="clickEffect">
-                                  <p:stCondLst>
-                                    <p:cond delay="0"/>
-                                  </p:stCondLst>
-                                  <p:childTnLst>
-                                    <p:set>
-                                      <p:cBhvr>
-                                        <p:cTn id="38" dur="1" fill="hold">
-                                          <p:stCondLst>
-                                            <p:cond delay="0"/>
-                                          </p:stCondLst>
-                                        </p:cTn>
-                                        <p:tgtEl>
-                                          <p:spTgt spid="3">
-                                            <p:txEl>
-                                              <p:pRg st="8" end="8"/>
+                                              <p:pRg st="9" end="9"/>
                                             </p:txEl>
                                           </p:spTgt>
                                         </p:tgtEl>
@@ -6593,6 +6534,119 @@
 </p:sld>
 </file>
 
+<file path=ppt/slides/slide13.xml><?xml version="1.0" encoding="utf-8"?>
+<p:sld xmlns:a="http://schemas.openxmlformats.org/drawingml/2006/main" xmlns:r="http://schemas.openxmlformats.org/officeDocument/2006/relationships" xmlns:p="http://schemas.openxmlformats.org/presentationml/2006/main">
+  <p:cSld>
+    <p:spTree>
+      <p:nvGrpSpPr>
+        <p:cNvPr id="1" name=""/>
+        <p:cNvGrpSpPr/>
+        <p:nvPr/>
+      </p:nvGrpSpPr>
+      <p:grpSpPr>
+        <a:xfrm>
+          <a:off x="0" y="0"/>
+          <a:ext cx="0" cy="0"/>
+          <a:chOff x="0" y="0"/>
+          <a:chExt cx="0" cy="0"/>
+        </a:xfrm>
+      </p:grpSpPr>
+      <p:sp>
+        <p:nvSpPr>
+          <p:cNvPr id="2" name="Title 1">
+            <a:extLst>
+              <a:ext uri="{FF2B5EF4-FFF2-40B4-BE49-F238E27FC236}">
+                <a16:creationId xmlns:a16="http://schemas.microsoft.com/office/drawing/2014/main" id="{B39B8554-E17D-931D-7824-39E43F6B4847}"/>
+              </a:ext>
+            </a:extLst>
+          </p:cNvPr>
+          <p:cNvSpPr>
+            <a:spLocks noGrp="1"/>
+          </p:cNvSpPr>
+          <p:nvPr>
+            <p:ph type="title"/>
+          </p:nvPr>
+        </p:nvSpPr>
+        <p:spPr/>
+        <p:txBody>
+          <a:bodyPr/>
+          <a:lstStyle/>
+          <a:p>
+            <a:r>
+              <a:rPr lang="en-US" dirty="0"/>
+              <a:t>Week End: How to and Begin to Design </a:t>
+            </a:r>
+          </a:p>
+        </p:txBody>
+      </p:sp>
+      <p:sp>
+        <p:nvSpPr>
+          <p:cNvPr id="3" name="Content Placeholder 2">
+            <a:extLst>
+              <a:ext uri="{FF2B5EF4-FFF2-40B4-BE49-F238E27FC236}">
+                <a16:creationId xmlns:a16="http://schemas.microsoft.com/office/drawing/2014/main" id="{60602905-8876-DACE-51B1-BC956D69757E}"/>
+              </a:ext>
+            </a:extLst>
+          </p:cNvPr>
+          <p:cNvSpPr>
+            <a:spLocks noGrp="1"/>
+          </p:cNvSpPr>
+          <p:nvPr>
+            <p:ph sz="quarter" idx="13"/>
+          </p:nvPr>
+        </p:nvSpPr>
+        <p:spPr/>
+        <p:txBody>
+          <a:bodyPr/>
+          <a:lstStyle/>
+          <a:p>
+            <a:r>
+              <a:rPr lang="en-US" dirty="0"/>
+              <a:t>Saturday: Design process and solicit feedback</a:t>
+            </a:r>
+          </a:p>
+          <a:p>
+            <a:pPr lvl="1"/>
+            <a:r>
+              <a:rPr lang="en-US" dirty="0"/>
+              <a:t>Brainstorm + Playtest</a:t>
+            </a:r>
+          </a:p>
+          <a:p>
+            <a:r>
+              <a:rPr lang="en-US" dirty="0"/>
+              <a:t>Sunday: Game design</a:t>
+            </a:r>
+          </a:p>
+          <a:p>
+            <a:pPr lvl="1"/>
+            <a:r>
+              <a:rPr lang="en-US" dirty="0"/>
+              <a:t>Come to class to complete your game design</a:t>
+            </a:r>
+          </a:p>
+          <a:p>
+            <a:pPr lvl="1"/>
+            <a:r>
+              <a:rPr lang="en-US" dirty="0"/>
+              <a:t>I will meet with each team separately</a:t>
+            </a:r>
+          </a:p>
+        </p:txBody>
+      </p:sp>
+    </p:spTree>
+    <p:extLst>
+      <p:ext uri="{BB962C8B-B14F-4D97-AF65-F5344CB8AC3E}">
+        <p14:creationId xmlns:p14="http://schemas.microsoft.com/office/powerpoint/2010/main" val="4141564536"/>
+      </p:ext>
+    </p:extLst>
+  </p:cSld>
+  <p:clrMapOvr>
+    <a:masterClrMapping/>
+  </p:clrMapOvr>
+</p:sld>
+</file>
+
 <file path=ppt/slides/slide14.xml><?xml version="1.0" encoding="utf-8"?>
 <p:sld xmlns:a="http://schemas.openxmlformats.org/drawingml/2006/main" xmlns:r="http://schemas.openxmlformats.org/officeDocument/2006/relationships" xmlns:p="http://schemas.openxmlformats.org/presentationml/2006/main">
   <p:cSld>
@@ -6627,7 +6681,7 @@
           <a:p>
             <a:r>
               <a:rPr lang="en-US" dirty="0"/>
-              <a:t>Part II (July 2023): Build an Awesome Game</a:t>
+              <a:t>Week 2: Build an Awesome Game (in 3 days!)</a:t>
             </a:r>
           </a:p>
         </p:txBody>
@@ -6650,135 +6704,22 @@
         </p:spPr>
         <p:txBody>
           <a:bodyPr>
-            <a:normAutofit fontScale="85000" lnSpcReduction="20000"/>
+            <a:normAutofit lnSpcReduction="10000"/>
           </a:bodyPr>
           <a:lstStyle/>
           <a:p>
+            <a:pPr lvl="1"/>
             <a:r>
               <a:rPr lang="en-US" b="1" dirty="0"/>
-              <a:t>Meetings: </a:t>
-            </a:r>
-            <a:r>
-              <a:rPr lang="en-US" dirty="0"/>
-              <a:t>Every day at 9:00am, until we are done.</a:t>
-            </a:r>
-          </a:p>
-          <a:p>
-            <a:pPr lvl="1"/>
+              <a:t>Schedule</a:t>
+            </a:r>
+          </a:p>
+          <a:p>
+            <a:pPr lvl="2"/>
             <a:r>
               <a:rPr lang="en-US" b="1" dirty="0"/>
-              <a:t>Exception:  </a:t>
-            </a:r>
-            <a:r>
-              <a:rPr lang="en-US" dirty="0"/>
-              <a:t>14 July (Friday): 8-11am class time</a:t>
-            </a:r>
-            <a:endParaRPr lang="en-US" b="1" dirty="0"/>
-          </a:p>
-          <a:p>
-            <a:r>
-              <a:rPr lang="en-US" b="1" dirty="0"/>
-              <a:t>Top priorities in the first 3 to 4 days: </a:t>
-            </a:r>
-          </a:p>
-          <a:p>
-            <a:pPr lvl="1"/>
-            <a:r>
-              <a:rPr lang="en-US" b="1" dirty="0">
-                <a:solidFill>
-                  <a:srgbClr val="FFFF00"/>
-                </a:solidFill>
-              </a:rPr>
-              <a:t>Mastery of game engine  + Familiarity with real-time interactive applications + Form Teams!! </a:t>
-            </a:r>
-          </a:p>
-          <a:p>
-            <a:pPr lvl="2"/>
-            <a:r>
-              <a:rPr lang="en-US" dirty="0"/>
-              <a:t>Intro to yourself and your interests for forming groups e.g., </a:t>
-            </a:r>
-            <a:r>
-              <a:rPr lang="en-US" dirty="0">
-                <a:hlinkClick r:id="rId2" action="ppaction://hlinkpres?slideindex=1&amp;slidetitle="/>
-              </a:rPr>
-              <a:t>Student-1</a:t>
-            </a:r>
-            <a:r>
-              <a:rPr lang="en-US" dirty="0"/>
-              <a:t> (good coverage), </a:t>
-            </a:r>
-            <a:r>
-              <a:rPr lang="en-US" dirty="0">
-                <a:hlinkClick r:id="rId3" action="ppaction://hlinkpres?slideindex=1&amp;slidetitle="/>
-              </a:rPr>
-              <a:t>Student-2</a:t>
-            </a:r>
-            <a:r>
-              <a:rPr lang="en-US" dirty="0"/>
-              <a:t> (simplicity), </a:t>
-            </a:r>
-            <a:r>
-              <a:rPr lang="en-US" dirty="0">
-                <a:hlinkClick r:id="rId4" action="ppaction://hlinkpres?slideindex=1&amp;slidetitle="/>
-              </a:rPr>
-              <a:t>Student-3</a:t>
-            </a:r>
-            <a:r>
-              <a:rPr lang="en-US" dirty="0"/>
-              <a:t> (the art!)</a:t>
-            </a:r>
-            <a:endParaRPr lang="en-US" b="1" dirty="0">
-              <a:solidFill>
-                <a:srgbClr val="FFFF00"/>
-              </a:solidFill>
-            </a:endParaRPr>
-          </a:p>
-          <a:p>
-            <a:pPr lvl="1"/>
-            <a:r>
-              <a:rPr lang="en-US" b="1" dirty="0"/>
-              <a:t>Learn:</a:t>
-            </a:r>
-            <a:endParaRPr lang="en-US" dirty="0"/>
-          </a:p>
-          <a:p>
-            <a:pPr lvl="2"/>
-            <a:r>
-              <a:rPr lang="en-US" b="1" dirty="0"/>
-              <a:t>Learn</a:t>
-            </a:r>
-            <a:r>
-              <a:rPr lang="en-US" dirty="0"/>
-              <a:t>: Game Objects, Camera, UI, Game Manager, Effects, Autonomous Behaviors (AI)</a:t>
-            </a:r>
-          </a:p>
-          <a:p>
-            <a:pPr lvl="2"/>
-            <a:r>
-              <a:rPr lang="en-US" dirty="0"/>
-              <a:t>Practice: a simple interactive application (individual), a simple game (group project)</a:t>
-            </a:r>
-          </a:p>
-          <a:p>
-            <a:r>
-              <a:rPr lang="en-US" b="1" dirty="0"/>
-              <a:t>Last 10 days</a:t>
-            </a:r>
-            <a:r>
-              <a:rPr lang="en-US" dirty="0"/>
-              <a:t>: Final Project Development and Progress Demo</a:t>
-            </a:r>
-          </a:p>
-          <a:p>
-            <a:pPr lvl="1"/>
-            <a:r>
-              <a:rPr lang="en-US" dirty="0"/>
-              <a:t>How to brainstorm + what is a fun game</a:t>
-            </a:r>
-          </a:p>
-          <a:p>
-            <a:pPr lvl="1"/>
+              <a:t>Monday: 	</a:t>
+            </a:r>
             <a:r>
               <a:rPr lang="en-US" b="1" dirty="0">
                 <a:solidFill>
@@ -6791,14 +6732,13 @@
               <a:rPr lang="en-US" dirty="0"/>
               <a:t>Your final game proposal</a:t>
             </a:r>
-            <a:endParaRPr lang="en-US" b="1" dirty="0">
-              <a:solidFill>
-                <a:srgbClr val="FFFF00"/>
-              </a:solidFill>
-            </a:endParaRPr>
-          </a:p>
-          <a:p>
-            <a:pPr lvl="1"/>
+          </a:p>
+          <a:p>
+            <a:pPr lvl="2"/>
+            <a:r>
+              <a:rPr lang="en-US" b="1" dirty="0"/>
+              <a:t>Tuesday: 	</a:t>
+            </a:r>
             <a:r>
               <a:rPr lang="en-US" b="1" dirty="0">
                 <a:solidFill>
@@ -6818,7 +6758,11 @@
             </a:endParaRPr>
           </a:p>
           <a:p>
-            <a:pPr lvl="1"/>
+            <a:pPr lvl="2"/>
+            <a:r>
+              <a:rPr lang="en-US" b="1" dirty="0"/>
+              <a:t>Wednesday:     	</a:t>
+            </a:r>
             <a:r>
               <a:rPr lang="en-US" b="1" dirty="0">
                 <a:solidFill>
@@ -6838,22 +6782,11 @@
             </a:endParaRPr>
           </a:p>
           <a:p>
-            <a:pPr lvl="1"/>
-            <a:r>
-              <a:rPr lang="en-US" b="1" dirty="0">
-                <a:solidFill>
-                  <a:srgbClr val="FFFF00"/>
-                </a:solidFill>
-              </a:rPr>
-              <a:t>Presentation + Everyone plays everyone else’s games: </a:t>
-            </a:r>
-            <a:r>
-              <a:rPr lang="en-US" dirty="0"/>
-              <a:t>Beta game playtest</a:t>
-            </a:r>
-          </a:p>
-          <a:p>
-            <a:pPr lvl="1"/>
+            <a:pPr lvl="2"/>
+            <a:r>
+              <a:rPr lang="en-US" b="1" dirty="0"/>
+              <a:t>Thursday: 	</a:t>
+            </a:r>
             <a:r>
               <a:rPr lang="en-US" b="1" dirty="0">
                 <a:solidFill>
@@ -6862,6 +6795,69 @@
               </a:rPr>
               <a:t>Presentation + Whole class plays!</a:t>
             </a:r>
+          </a:p>
+          <a:p>
+            <a:pPr lvl="1"/>
+            <a:endParaRPr lang="en-US" dirty="0"/>
+          </a:p>
+          <a:p>
+            <a:pPr lvl="1"/>
+            <a:r>
+              <a:rPr lang="en-US" dirty="0"/>
+              <a:t>You will rank the teams after </a:t>
+            </a:r>
+            <a:r>
+              <a:rPr lang="en-US" dirty="0" err="1"/>
+              <a:t>thepresentations</a:t>
+            </a:r>
+            <a:endParaRPr lang="en-US" dirty="0"/>
+          </a:p>
+          <a:p>
+            <a:pPr lvl="1"/>
+            <a:r>
+              <a:rPr lang="en-US" dirty="0"/>
+              <a:t>Top ranked teams:</a:t>
+            </a:r>
+          </a:p>
+          <a:p>
+            <a:pPr lvl="2"/>
+            <a:r>
+              <a:rPr lang="en-US" dirty="0"/>
+              <a:t>First: +6%</a:t>
+            </a:r>
+          </a:p>
+          <a:p>
+            <a:pPr lvl="2"/>
+            <a:r>
+              <a:rPr lang="en-US" dirty="0"/>
+              <a:t>Second: +4%</a:t>
+            </a:r>
+          </a:p>
+          <a:p>
+            <a:pPr lvl="2"/>
+            <a:r>
+              <a:rPr lang="en-US" dirty="0"/>
+              <a:t>Third: +2%</a:t>
+            </a:r>
+          </a:p>
+          <a:p>
+            <a:pPr lvl="2"/>
+            <a:r>
+              <a:rPr lang="en-US" dirty="0"/>
+              <a:t>Forth + </a:t>
+            </a:r>
+            <a:r>
+              <a:rPr lang="en-US" dirty="0" err="1"/>
+              <a:t>Fifih</a:t>
+            </a:r>
+            <a:r>
+              <a:rPr lang="en-US" dirty="0"/>
+              <a:t>: +1%</a:t>
+            </a:r>
+          </a:p>
+          <a:p>
+            <a:pPr lvl="1"/>
+            <a:endParaRPr lang="en-US" dirty="0"/>
           </a:p>
         </p:txBody>
       </p:sp>
@@ -6957,33 +6953,15 @@
                                   </p:childTnLst>
                                 </p:cTn>
                               </p:par>
-                            </p:childTnLst>
-                          </p:cTn>
-                        </p:par>
-                      </p:childTnLst>
-                    </p:cTn>
-                  </p:par>
-                  <p:par>
-                    <p:cTn id="9" fill="hold">
-                      <p:stCondLst>
-                        <p:cond delay="indefinite"/>
-                      </p:stCondLst>
-                      <p:childTnLst>
-                        <p:par>
-                          <p:cTn id="10" fill="hold">
-                            <p:stCondLst>
-                              <p:cond delay="0"/>
-                            </p:stCondLst>
-                            <p:childTnLst>
                               <p:par>
-                                <p:cTn id="11" presetID="1" presetClass="entr" presetSubtype="0" fill="hold" grpId="0" nodeType="clickEffect">
+                                <p:cTn id="9" presetID="1" presetClass="entr" presetSubtype="0" fill="hold" grpId="0" nodeType="withEffect">
                                   <p:stCondLst>
                                     <p:cond delay="0"/>
                                   </p:stCondLst>
                                   <p:childTnLst>
                                     <p:set>
                                       <p:cBhvr>
-                                        <p:cTn id="12" dur="1" fill="hold">
+                                        <p:cTn id="10" dur="1" fill="hold">
                                           <p:stCondLst>
                                             <p:cond delay="0"/>
                                           </p:stCondLst>
@@ -7006,33 +6984,15 @@
                                   </p:childTnLst>
                                 </p:cTn>
                               </p:par>
-                            </p:childTnLst>
-                          </p:cTn>
-                        </p:par>
-                      </p:childTnLst>
-                    </p:cTn>
-                  </p:par>
-                  <p:par>
-                    <p:cTn id="13" fill="hold">
-                      <p:stCondLst>
-                        <p:cond delay="indefinite"/>
-                      </p:stCondLst>
-                      <p:childTnLst>
-                        <p:par>
-                          <p:cTn id="14" fill="hold">
-                            <p:stCondLst>
-                              <p:cond delay="0"/>
-                            </p:stCondLst>
-                            <p:childTnLst>
                               <p:par>
-                                <p:cTn id="15" presetID="1" presetClass="entr" presetSubtype="0" fill="hold" grpId="0" nodeType="clickEffect">
+                                <p:cTn id="11" presetID="1" presetClass="entr" presetSubtype="0" fill="hold" grpId="0" nodeType="withEffect">
                                   <p:stCondLst>
                                     <p:cond delay="0"/>
                                   </p:stCondLst>
                                   <p:childTnLst>
                                     <p:set>
                                       <p:cBhvr>
-                                        <p:cTn id="16" dur="1" fill="hold">
+                                        <p:cTn id="12" dur="1" fill="hold">
                                           <p:stCondLst>
                                             <p:cond delay="0"/>
                                           </p:stCondLst>
@@ -7055,33 +7015,15 @@
                                   </p:childTnLst>
                                 </p:cTn>
                               </p:par>
-                            </p:childTnLst>
-                          </p:cTn>
-                        </p:par>
-                      </p:childTnLst>
-                    </p:cTn>
-                  </p:par>
-                  <p:par>
-                    <p:cTn id="17" fill="hold">
-                      <p:stCondLst>
-                        <p:cond delay="indefinite"/>
-                      </p:stCondLst>
-                      <p:childTnLst>
-                        <p:par>
-                          <p:cTn id="18" fill="hold">
-                            <p:stCondLst>
-                              <p:cond delay="0"/>
-                            </p:stCondLst>
-                            <p:childTnLst>
                               <p:par>
-                                <p:cTn id="19" presetID="1" presetClass="entr" presetSubtype="0" fill="hold" grpId="0" nodeType="clickEffect">
+                                <p:cTn id="13" presetID="1" presetClass="entr" presetSubtype="0" fill="hold" grpId="0" nodeType="withEffect">
                                   <p:stCondLst>
                                     <p:cond delay="0"/>
                                   </p:stCondLst>
                                   <p:childTnLst>
                                     <p:set>
                                       <p:cBhvr>
-                                        <p:cTn id="20" dur="1" fill="hold">
+                                        <p:cTn id="14" dur="1" fill="hold">
                                           <p:stCondLst>
                                             <p:cond delay="0"/>
                                           </p:stCondLst>
@@ -7104,82 +7046,15 @@
                                   </p:childTnLst>
                                 </p:cTn>
                               </p:par>
-                            </p:childTnLst>
-                          </p:cTn>
-                        </p:par>
-                      </p:childTnLst>
-                    </p:cTn>
-                  </p:par>
-                  <p:par>
-                    <p:cTn id="21" fill="hold">
-                      <p:stCondLst>
-                        <p:cond delay="indefinite"/>
-                      </p:stCondLst>
-                      <p:childTnLst>
-                        <p:par>
-                          <p:cTn id="22" fill="hold">
-                            <p:stCondLst>
-                              <p:cond delay="0"/>
-                            </p:stCondLst>
-                            <p:childTnLst>
                               <p:par>
-                                <p:cTn id="23" presetID="1" presetClass="entr" presetSubtype="0" fill="hold" grpId="0" nodeType="clickEffect">
+                                <p:cTn id="15" presetID="1" presetClass="entr" presetSubtype="0" fill="hold" grpId="0" nodeType="withEffect">
                                   <p:stCondLst>
                                     <p:cond delay="0"/>
                                   </p:stCondLst>
                                   <p:childTnLst>
                                     <p:set>
                                       <p:cBhvr>
-                                        <p:cTn id="24" dur="1" fill="hold">
-                                          <p:stCondLst>
-                                            <p:cond delay="0"/>
-                                          </p:stCondLst>
-                                        </p:cTn>
-                                        <p:tgtEl>
-                                          <p:spTgt spid="3">
-                                            <p:txEl>
-                                              <p:pRg st="5" end="5"/>
-                                            </p:txEl>
-                                          </p:spTgt>
-                                        </p:tgtEl>
-                                        <p:attrNameLst>
-                                          <p:attrName>style.visibility</p:attrName>
-                                        </p:attrNameLst>
-                                      </p:cBhvr>
-                                      <p:to>
-                                        <p:strVal val="visible"/>
-                                      </p:to>
-                                    </p:set>
-                                  </p:childTnLst>
-                                </p:cTn>
-                              </p:par>
-                            </p:childTnLst>
-                          </p:cTn>
-                        </p:par>
-                      </p:childTnLst>
-                    </p:cTn>
-                  </p:par>
-                  <p:par>
-                    <p:cTn id="25" fill="hold">
-                      <p:stCondLst>
-                        <p:cond delay="indefinite"/>
-                      </p:stCondLst>
-                      <p:childTnLst>
-                        <p:par>
-                          <p:cTn id="26" fill="hold">
-                            <p:stCondLst>
-                              <p:cond delay="0"/>
-                            </p:stCondLst>
-                            <p:childTnLst>
-                              <p:par>
-                                <p:cTn id="27" presetID="1" presetClass="entr" presetSubtype="0" fill="hold" grpId="0" nodeType="clickEffect">
-                                  <p:stCondLst>
-                                    <p:cond delay="0"/>
-                                  </p:stCondLst>
-                                  <p:childTnLst>
-                                    <p:set>
-                                      <p:cBhvr>
-                                        <p:cTn id="28" dur="1" fill="hold">
+                                        <p:cTn id="16" dur="1" fill="hold">
                                           <p:stCondLst>
                                             <p:cond delay="0"/>
                                           </p:stCondLst>
@@ -7202,33 +7077,15 @@
                                   </p:childTnLst>
                                 </p:cTn>
                               </p:par>
-                            </p:childTnLst>
-                          </p:cTn>
-                        </p:par>
-                      </p:childTnLst>
-                    </p:cTn>
-                  </p:par>
-                  <p:par>
-                    <p:cTn id="29" fill="hold">
-                      <p:stCondLst>
-                        <p:cond delay="indefinite"/>
-                      </p:stCondLst>
-                      <p:childTnLst>
-                        <p:par>
-                          <p:cTn id="30" fill="hold">
-                            <p:stCondLst>
-                              <p:cond delay="0"/>
-                            </p:stCondLst>
-                            <p:childTnLst>
                               <p:par>
-                                <p:cTn id="31" presetID="1" presetClass="entr" presetSubtype="0" fill="hold" grpId="0" nodeType="clickEffect">
+                                <p:cTn id="17" presetID="1" presetClass="entr" presetSubtype="0" fill="hold" grpId="0" nodeType="withEffect">
                                   <p:stCondLst>
                                     <p:cond delay="0"/>
                                   </p:stCondLst>
                                   <p:childTnLst>
                                     <p:set>
                                       <p:cBhvr>
-                                        <p:cTn id="32" dur="1" fill="hold">
+                                        <p:cTn id="18" dur="1" fill="hold">
                                           <p:stCondLst>
                                             <p:cond delay="0"/>
                                           </p:stCondLst>
@@ -7251,33 +7108,15 @@
                                   </p:childTnLst>
                                 </p:cTn>
                               </p:par>
-                            </p:childTnLst>
-                          </p:cTn>
-                        </p:par>
-                      </p:childTnLst>
-                    </p:cTn>
-                  </p:par>
-                  <p:par>
-                    <p:cTn id="33" fill="hold">
-                      <p:stCondLst>
-                        <p:cond delay="indefinite"/>
-                      </p:stCondLst>
-                      <p:childTnLst>
-                        <p:par>
-                          <p:cTn id="34" fill="hold">
-                            <p:stCondLst>
-                              <p:cond delay="0"/>
-                            </p:stCondLst>
-                            <p:childTnLst>
                               <p:par>
-                                <p:cTn id="35" presetID="1" presetClass="entr" presetSubtype="0" fill="hold" grpId="0" nodeType="clickEffect">
+                                <p:cTn id="19" presetID="1" presetClass="entr" presetSubtype="0" fill="hold" grpId="0" nodeType="withEffect">
                                   <p:stCondLst>
                                     <p:cond delay="0"/>
                                   </p:stCondLst>
                                   <p:childTnLst>
                                     <p:set>
                                       <p:cBhvr>
-                                        <p:cTn id="36" dur="1" fill="hold">
+                                        <p:cTn id="20" dur="1" fill="hold">
                                           <p:stCondLst>
                                             <p:cond delay="0"/>
                                           </p:stCondLst>
@@ -7300,33 +7139,15 @@
                                   </p:childTnLst>
                                 </p:cTn>
                               </p:par>
-                            </p:childTnLst>
-                          </p:cTn>
-                        </p:par>
-                      </p:childTnLst>
-                    </p:cTn>
-                  </p:par>
-                  <p:par>
-                    <p:cTn id="37" fill="hold">
-                      <p:stCondLst>
-                        <p:cond delay="indefinite"/>
-                      </p:stCondLst>
-                      <p:childTnLst>
-                        <p:par>
-                          <p:cTn id="38" fill="hold">
-                            <p:stCondLst>
-                              <p:cond delay="0"/>
-                            </p:stCondLst>
-                            <p:childTnLst>
                               <p:par>
-                                <p:cTn id="39" presetID="1" presetClass="entr" presetSubtype="0" fill="hold" grpId="0" nodeType="clickEffect">
+                                <p:cTn id="21" presetID="1" presetClass="entr" presetSubtype="0" fill="hold" grpId="0" nodeType="withEffect">
                                   <p:stCondLst>
                                     <p:cond delay="0"/>
                                   </p:stCondLst>
                                   <p:childTnLst>
                                     <p:set>
                                       <p:cBhvr>
-                                        <p:cTn id="40" dur="1" fill="hold">
+                                        <p:cTn id="22" dur="1" fill="hold">
                                           <p:stCondLst>
                                             <p:cond delay="0"/>
                                           </p:stCondLst>
@@ -7349,33 +7170,15 @@
                                   </p:childTnLst>
                                 </p:cTn>
                               </p:par>
-                            </p:childTnLst>
-                          </p:cTn>
-                        </p:par>
-                      </p:childTnLst>
-                    </p:cTn>
-                  </p:par>
-                  <p:par>
-                    <p:cTn id="41" fill="hold">
-                      <p:stCondLst>
-                        <p:cond delay="indefinite"/>
-                      </p:stCondLst>
-                      <p:childTnLst>
-                        <p:par>
-                          <p:cTn id="42" fill="hold">
-                            <p:stCondLst>
-                              <p:cond delay="0"/>
-                            </p:stCondLst>
-                            <p:childTnLst>
                               <p:par>
-                                <p:cTn id="43" presetID="1" presetClass="entr" presetSubtype="0" fill="hold" grpId="0" nodeType="clickEffect">
+                                <p:cTn id="23" presetID="1" presetClass="entr" presetSubtype="0" fill="hold" grpId="0" nodeType="withEffect">
                                   <p:stCondLst>
                                     <p:cond delay="0"/>
                                   </p:stCondLst>
                                   <p:childTnLst>
                                     <p:set>
                                       <p:cBhvr>
-                                        <p:cTn id="44" dur="1" fill="hold">
+                                        <p:cTn id="24" dur="1" fill="hold">
                                           <p:stCondLst>
                                             <p:cond delay="0"/>
                                           </p:stCondLst>
@@ -7398,33 +7201,15 @@
                                   </p:childTnLst>
                                 </p:cTn>
                               </p:par>
-                            </p:childTnLst>
-                          </p:cTn>
-                        </p:par>
-                      </p:childTnLst>
-                    </p:cTn>
-                  </p:par>
-                  <p:par>
-                    <p:cTn id="45" fill="hold">
-                      <p:stCondLst>
-                        <p:cond delay="indefinite"/>
-                      </p:stCondLst>
-                      <p:childTnLst>
-                        <p:par>
-                          <p:cTn id="46" fill="hold">
-                            <p:stCondLst>
-                              <p:cond delay="0"/>
-                            </p:stCondLst>
-                            <p:childTnLst>
                               <p:par>
-                                <p:cTn id="47" presetID="1" presetClass="entr" presetSubtype="0" fill="hold" grpId="0" nodeType="clickEffect">
+                                <p:cTn id="25" presetID="1" presetClass="entr" presetSubtype="0" fill="hold" grpId="0" nodeType="withEffect">
                                   <p:stCondLst>
                                     <p:cond delay="0"/>
                                   </p:stCondLst>
                                   <p:childTnLst>
                                     <p:set>
                                       <p:cBhvr>
-                                        <p:cTn id="48" dur="1" fill="hold">
+                                        <p:cTn id="26" dur="1" fill="hold">
                                           <p:stCondLst>
                                             <p:cond delay="0"/>
                                           </p:stCondLst>
@@ -7433,153 +7218,6 @@
                                           <p:spTgt spid="3">
                                             <p:txEl>
                                               <p:pRg st="11" end="11"/>
-                                            </p:txEl>
-                                          </p:spTgt>
-                                        </p:tgtEl>
-                                        <p:attrNameLst>
-                                          <p:attrName>style.visibility</p:attrName>
-                                        </p:attrNameLst>
-                                      </p:cBhvr>
-                                      <p:to>
-                                        <p:strVal val="visible"/>
-                                      </p:to>
-                                    </p:set>
-                                  </p:childTnLst>
-                                </p:cTn>
-                              </p:par>
-                            </p:childTnLst>
-                          </p:cTn>
-                        </p:par>
-                      </p:childTnLst>
-                    </p:cTn>
-                  </p:par>
-                  <p:par>
-                    <p:cTn id="49" fill="hold">
-                      <p:stCondLst>
-                        <p:cond delay="indefinite"/>
-                      </p:stCondLst>
-                      <p:childTnLst>
-                        <p:par>
-                          <p:cTn id="50" fill="hold">
-                            <p:stCondLst>
-                              <p:cond delay="0"/>
-                            </p:stCondLst>
-                            <p:childTnLst>
-                              <p:par>
-                                <p:cTn id="51" presetID="1" presetClass="entr" presetSubtype="0" fill="hold" grpId="0" nodeType="clickEffect">
-                                  <p:stCondLst>
-                                    <p:cond delay="0"/>
-                                  </p:stCondLst>
-                                  <p:childTnLst>
-                                    <p:set>
-                                      <p:cBhvr>
-                                        <p:cTn id="52" dur="1" fill="hold">
-                                          <p:stCondLst>
-                                            <p:cond delay="0"/>
-                                          </p:stCondLst>
-                                        </p:cTn>
-                                        <p:tgtEl>
-                                          <p:spTgt spid="3">
-                                            <p:txEl>
-                                              <p:pRg st="12" end="12"/>
-                                            </p:txEl>
-                                          </p:spTgt>
-                                        </p:tgtEl>
-                                        <p:attrNameLst>
-                                          <p:attrName>style.visibility</p:attrName>
-                                        </p:attrNameLst>
-                                      </p:cBhvr>
-                                      <p:to>
-                                        <p:strVal val="visible"/>
-                                      </p:to>
-                                    </p:set>
-                                  </p:childTnLst>
-                                </p:cTn>
-                              </p:par>
-                            </p:childTnLst>
-                          </p:cTn>
-                        </p:par>
-                      </p:childTnLst>
-                    </p:cTn>
-                  </p:par>
-                  <p:par>
-                    <p:cTn id="53" fill="hold">
-                      <p:stCondLst>
-                        <p:cond delay="indefinite"/>
-                      </p:stCondLst>
-                      <p:childTnLst>
-                        <p:par>
-                          <p:cTn id="54" fill="hold">
-                            <p:stCondLst>
-                              <p:cond delay="0"/>
-                            </p:stCondLst>
-                            <p:childTnLst>
-                              <p:par>
-                                <p:cTn id="55" presetID="1" presetClass="entr" presetSubtype="0" fill="hold" grpId="0" nodeType="clickEffect">
-                                  <p:stCondLst>
-                                    <p:cond delay="0"/>
-                                  </p:stCondLst>
-                                  <p:childTnLst>
-                                    <p:set>
-                                      <p:cBhvr>
-                                        <p:cTn id="56" dur="1" fill="hold">
-                                          <p:stCondLst>
-                                            <p:cond delay="0"/>
-                                          </p:stCondLst>
-                                        </p:cTn>
-                                        <p:tgtEl>
-                                          <p:spTgt spid="3">
-                                            <p:txEl>
-                                              <p:pRg st="13" end="13"/>
-                                            </p:txEl>
-                                          </p:spTgt>
-                                        </p:tgtEl>
-                                        <p:attrNameLst>
-                                          <p:attrName>style.visibility</p:attrName>
-                                        </p:attrNameLst>
-                                      </p:cBhvr>
-                                      <p:to>
-                                        <p:strVal val="visible"/>
-                                      </p:to>
-                                    </p:set>
-                                  </p:childTnLst>
-                                </p:cTn>
-                              </p:par>
-                            </p:childTnLst>
-                          </p:cTn>
-                        </p:par>
-                      </p:childTnLst>
-                    </p:cTn>
-                  </p:par>
-                  <p:par>
-                    <p:cTn id="57" fill="hold">
-                      <p:stCondLst>
-                        <p:cond delay="indefinite"/>
-                      </p:stCondLst>
-                      <p:childTnLst>
-                        <p:par>
-                          <p:cTn id="58" fill="hold">
-                            <p:stCondLst>
-                              <p:cond delay="0"/>
-                            </p:stCondLst>
-                            <p:childTnLst>
-                              <p:par>
-                                <p:cTn id="59" presetID="1" presetClass="entr" presetSubtype="0" fill="hold" grpId="0" nodeType="clickEffect">
-                                  <p:stCondLst>
-                                    <p:cond delay="0"/>
-                                  </p:stCondLst>
-                                  <p:childTnLst>
-                                    <p:set>
-                                      <p:cBhvr>
-                                        <p:cTn id="60" dur="1" fill="hold">
-                                          <p:stCondLst>
-                                            <p:cond delay="0"/>
-                                          </p:stCondLst>
-                                        </p:cTn>
-                                        <p:tgtEl>
-                                          <p:spTgt spid="3">
-                                            <p:txEl>
-                                              <p:pRg st="14" end="14"/>
                                             </p:txEl>
                                           </p:spTgt>
                                         </p:tgtEl>
@@ -7645,12 +7283,92 @@
           <a:chExt cx="0" cy="0"/>
         </a:xfrm>
       </p:grpSpPr>
+      <p:sp>
+        <p:nvSpPr>
+          <p:cNvPr id="2" name="Title 1">
+            <a:extLst>
+              <a:ext uri="{FF2B5EF4-FFF2-40B4-BE49-F238E27FC236}">
+                <a16:creationId xmlns:a16="http://schemas.microsoft.com/office/drawing/2014/main" id="{EDF760A5-F372-A60B-4D62-9A3C8007C5AA}"/>
+              </a:ext>
+            </a:extLst>
+          </p:cNvPr>
+          <p:cNvSpPr>
+            <a:spLocks noGrp="1"/>
+          </p:cNvSpPr>
+          <p:nvPr>
+            <p:ph type="title"/>
+          </p:nvPr>
+        </p:nvSpPr>
+        <p:spPr/>
+        <p:txBody>
+          <a:bodyPr/>
+          <a:lstStyle/>
+          <a:p>
+            <a:endParaRPr lang="en-US"/>
+          </a:p>
+        </p:txBody>
+      </p:sp>
+      <p:sp>
+        <p:nvSpPr>
+          <p:cNvPr id="3" name="Content Placeholder 2">
+            <a:extLst>
+              <a:ext uri="{FF2B5EF4-FFF2-40B4-BE49-F238E27FC236}">
+                <a16:creationId xmlns:a16="http://schemas.microsoft.com/office/drawing/2014/main" id="{0DB61EC4-0529-C007-1F74-32E7C9C76B33}"/>
+              </a:ext>
+            </a:extLst>
+          </p:cNvPr>
+          <p:cNvSpPr>
+            <a:spLocks noGrp="1"/>
+          </p:cNvSpPr>
+          <p:nvPr>
+            <p:ph sz="quarter" idx="13"/>
+          </p:nvPr>
+        </p:nvSpPr>
+        <p:spPr/>
+        <p:txBody>
+          <a:bodyPr/>
+          <a:lstStyle/>
+          <a:p>
+            <a:endParaRPr lang="en-US"/>
+          </a:p>
+        </p:txBody>
+      </p:sp>
+    </p:spTree>
+    <p:extLst>
+      <p:ext uri="{BB962C8B-B14F-4D97-AF65-F5344CB8AC3E}">
+        <p14:creationId xmlns:p14="http://schemas.microsoft.com/office/powerpoint/2010/main" val="807045700"/>
+      </p:ext>
+    </p:extLst>
+  </p:cSld>
+  <p:clrMapOvr>
+    <a:masterClrMapping/>
+  </p:clrMapOvr>
+</p:sld>
+</file>
+
+<file path=ppt/slides/slide16.xml><?xml version="1.0" encoding="utf-8"?>
+<p:sld xmlns:a="http://schemas.openxmlformats.org/drawingml/2006/main" xmlns:r="http://schemas.openxmlformats.org/officeDocument/2006/relationships" xmlns:p="http://schemas.openxmlformats.org/presentationml/2006/main">
+  <p:cSld>
+    <p:spTree>
+      <p:nvGrpSpPr>
+        <p:cNvPr id="1" name=""/>
+        <p:cNvGrpSpPr/>
+        <p:nvPr/>
+      </p:nvGrpSpPr>
+      <p:grpSpPr>
+        <a:xfrm>
+          <a:off x="0" y="0"/>
+          <a:ext cx="0" cy="0"/>
+          <a:chOff x="0" y="0"/>
+          <a:chExt cx="0" cy="0"/>
+        </a:xfrm>
+      </p:grpSpPr>
       <p:pic>
         <p:nvPicPr>
-          <p:cNvPr id="3" name="Picture 2">
+          <p:cNvPr id="5" name="Picture 4" descr="A table of text on a white background&#10;&#10;Description automatically generated">
             <a:extLst>
               <a:ext uri="{FF2B5EF4-FFF2-40B4-BE49-F238E27FC236}">
-                <a16:creationId xmlns:a16="http://schemas.microsoft.com/office/drawing/2014/main" id="{534B6B39-1E50-4035-9B47-D54394C1F3C1}"/>
+                <a16:creationId xmlns:a16="http://schemas.microsoft.com/office/drawing/2014/main" id="{EAD29F83-B3EF-0846-4599-6BE7B9CF8FBC}"/>
               </a:ext>
             </a:extLst>
           </p:cNvPr>
@@ -7660,15 +7378,21 @@
           <p:nvPr/>
         </p:nvPicPr>
         <p:blipFill>
-          <a:blip r:embed="rId2"/>
+          <a:blip r:embed="rId3">
+            <a:extLst>
+              <a:ext uri="{28A0092B-C50C-407E-A947-70E740481C1C}">
+                <a14:useLocalDpi xmlns:a14="http://schemas.microsoft.com/office/drawing/2010/main" val="0"/>
+              </a:ext>
+            </a:extLst>
+          </a:blip>
           <a:stretch>
             <a:fillRect/>
           </a:stretch>
         </p:blipFill>
         <p:spPr>
           <a:xfrm>
-            <a:off x="1447800" y="1524000"/>
-            <a:ext cx="5005274" cy="5313861"/>
+            <a:off x="3124200" y="1524000"/>
+            <a:ext cx="3581400" cy="4932280"/>
           </a:xfrm>
           <a:prstGeom prst="rect">
             <a:avLst/>
@@ -7699,7 +7423,7 @@
       </p:sp>
       <p:sp>
         <p:nvSpPr>
-          <p:cNvPr id="6" name="Rectangle 5">
+          <p:cNvPr id="6" name="Oval 5">
             <a:extLst>
               <a:ext uri="{FF2B5EF4-FFF2-40B4-BE49-F238E27FC236}">
                 <a16:creationId xmlns:a16="http://schemas.microsoft.com/office/drawing/2014/main" id="{395F68BA-564D-4328-A17A-2DBF4483FF3B}"/>
@@ -7711,8 +7435,60 @@
         </p:nvSpPr>
         <p:spPr>
           <a:xfrm>
-            <a:off x="5242110" y="4180930"/>
-            <a:ext cx="533400" cy="1828800"/>
+            <a:off x="3276600" y="3505200"/>
+            <a:ext cx="1219200" cy="838200"/>
+          </a:xfrm>
+          <a:prstGeom prst="ellipse">
+            <a:avLst/>
+          </a:prstGeom>
+          <a:noFill/>
+          <a:ln w="44450">
+            <a:solidFill>
+              <a:srgbClr val="FF0000"/>
+            </a:solidFill>
+          </a:ln>
+        </p:spPr>
+        <p:style>
+          <a:lnRef idx="2">
+            <a:schemeClr val="accent1">
+              <a:shade val="50000"/>
+            </a:schemeClr>
+          </a:lnRef>
+          <a:fillRef idx="1">
+            <a:schemeClr val="accent1"/>
+          </a:fillRef>
+          <a:effectRef idx="0">
+            <a:schemeClr val="accent1"/>
+          </a:effectRef>
+          <a:fontRef idx="minor">
+            <a:schemeClr val="lt1"/>
+          </a:fontRef>
+        </p:style>
+        <p:txBody>
+          <a:bodyPr rtlCol="0" anchor="ctr"/>
+          <a:lstStyle/>
+          <a:p>
+            <a:pPr algn="ctr"/>
+            <a:endParaRPr lang="en-US"/>
+          </a:p>
+        </p:txBody>
+      </p:sp>
+      <p:sp>
+        <p:nvSpPr>
+          <p:cNvPr id="7" name="Rectangle 6">
+            <a:extLst>
+              <a:ext uri="{FF2B5EF4-FFF2-40B4-BE49-F238E27FC236}">
+                <a16:creationId xmlns:a16="http://schemas.microsoft.com/office/drawing/2014/main" id="{F832376C-D270-42C8-B6EF-DB901E163E9A}"/>
+              </a:ext>
+            </a:extLst>
+          </p:cNvPr>
+          <p:cNvSpPr/>
+          <p:nvPr/>
+        </p:nvSpPr>
+        <p:spPr>
+          <a:xfrm>
+            <a:off x="4343400" y="1981200"/>
+            <a:ext cx="2133600" cy="1600200"/>
           </a:xfrm>
           <a:prstGeom prst="rect">
             <a:avLst/>
@@ -7751,10 +7527,10 @@
       </p:sp>
       <p:sp>
         <p:nvSpPr>
-          <p:cNvPr id="7" name="Rectangle 6">
+          <p:cNvPr id="8" name="Oval 7">
             <a:extLst>
               <a:ext uri="{FF2B5EF4-FFF2-40B4-BE49-F238E27FC236}">
-                <a16:creationId xmlns:a16="http://schemas.microsoft.com/office/drawing/2014/main" id="{F832376C-D270-42C8-B6EF-DB901E163E9A}"/>
+                <a16:creationId xmlns:a16="http://schemas.microsoft.com/office/drawing/2014/main" id="{15939D8B-AC03-422F-900B-BECC89780817}"/>
               </a:ext>
             </a:extLst>
           </p:cNvPr>
@@ -7763,10 +7539,10 @@
         </p:nvSpPr>
         <p:spPr>
           <a:xfrm>
-            <a:off x="1447800" y="1549772"/>
-            <a:ext cx="3094336" cy="858466"/>
+            <a:off x="3276600" y="1676400"/>
+            <a:ext cx="1219200" cy="762000"/>
           </a:xfrm>
-          <a:prstGeom prst="rect">
+          <a:prstGeom prst="ellipse">
             <a:avLst/>
           </a:prstGeom>
           <a:noFill/>
@@ -7803,10 +7579,10 @@
       </p:sp>
       <p:sp>
         <p:nvSpPr>
-          <p:cNvPr id="8" name="Rectangle 7">
+          <p:cNvPr id="9" name="Oval 8">
             <a:extLst>
               <a:ext uri="{FF2B5EF4-FFF2-40B4-BE49-F238E27FC236}">
-                <a16:creationId xmlns:a16="http://schemas.microsoft.com/office/drawing/2014/main" id="{15939D8B-AC03-422F-900B-BECC89780817}"/>
+                <a16:creationId xmlns:a16="http://schemas.microsoft.com/office/drawing/2014/main" id="{CDBA1400-6445-417D-AECD-3D2A2D328CF2}"/>
               </a:ext>
             </a:extLst>
           </p:cNvPr>
@@ -7815,10 +7591,10 @@
         </p:nvSpPr>
         <p:spPr>
           <a:xfrm>
-            <a:off x="1524000" y="2759034"/>
-            <a:ext cx="2971800" cy="746166"/>
+            <a:off x="3200400" y="5638800"/>
+            <a:ext cx="3429000" cy="746166"/>
           </a:xfrm>
-          <a:prstGeom prst="rect">
+          <a:prstGeom prst="ellipse">
             <a:avLst/>
           </a:prstGeom>
           <a:noFill/>
@@ -7855,58 +7631,6 @@
       </p:sp>
       <p:sp>
         <p:nvSpPr>
-          <p:cNvPr id="9" name="Rectangle 8">
-            <a:extLst>
-              <a:ext uri="{FF2B5EF4-FFF2-40B4-BE49-F238E27FC236}">
-                <a16:creationId xmlns:a16="http://schemas.microsoft.com/office/drawing/2014/main" id="{CDBA1400-6445-417D-AECD-3D2A2D328CF2}"/>
-              </a:ext>
-            </a:extLst>
-          </p:cNvPr>
-          <p:cNvSpPr/>
-          <p:nvPr/>
-        </p:nvSpPr>
-        <p:spPr>
-          <a:xfrm>
-            <a:off x="2286000" y="6058411"/>
-            <a:ext cx="2209800" cy="746166"/>
-          </a:xfrm>
-          <a:prstGeom prst="rect">
-            <a:avLst/>
-          </a:prstGeom>
-          <a:noFill/>
-          <a:ln w="44450">
-            <a:solidFill>
-              <a:srgbClr val="FF0000"/>
-            </a:solidFill>
-          </a:ln>
-        </p:spPr>
-        <p:style>
-          <a:lnRef idx="2">
-            <a:schemeClr val="accent1">
-              <a:shade val="50000"/>
-            </a:schemeClr>
-          </a:lnRef>
-          <a:fillRef idx="1">
-            <a:schemeClr val="accent1"/>
-          </a:fillRef>
-          <a:effectRef idx="0">
-            <a:schemeClr val="accent1"/>
-          </a:effectRef>
-          <a:fontRef idx="minor">
-            <a:schemeClr val="lt1"/>
-          </a:fontRef>
-        </p:style>
-        <p:txBody>
-          <a:bodyPr rtlCol="0" anchor="ctr"/>
-          <a:lstStyle/>
-          <a:p>
-            <a:pPr algn="ctr"/>
-            <a:endParaRPr lang="en-US"/>
-          </a:p>
-        </p:txBody>
-      </p:sp>
-      <p:sp>
-        <p:nvSpPr>
           <p:cNvPr id="10" name="Rectangle 9">
             <a:extLst>
               <a:ext uri="{FF2B5EF4-FFF2-40B4-BE49-F238E27FC236}">
@@ -7919,8 +7643,8 @@
         </p:nvSpPr>
         <p:spPr>
           <a:xfrm>
-            <a:off x="4008736" y="3855996"/>
-            <a:ext cx="533400" cy="2135459"/>
+            <a:off x="4343400" y="3886200"/>
+            <a:ext cx="2133600" cy="1676400"/>
           </a:xfrm>
           <a:prstGeom prst="rect">
             <a:avLst/>
@@ -8232,7 +7956,7 @@
 </p:sld>
 </file>
 
-<file path=ppt/slides/slide16.xml><?xml version="1.0" encoding="utf-8"?>
+<file path=ppt/slides/slide17.xml><?xml version="1.0" encoding="utf-8"?>
 <p:sld xmlns:a="http://schemas.openxmlformats.org/drawingml/2006/main" xmlns:r="http://schemas.openxmlformats.org/officeDocument/2006/relationships" xmlns:p="http://schemas.openxmlformats.org/presentationml/2006/main">
   <p:cSld>
     <p:spTree>
@@ -8318,7 +8042,7 @@
             <a:pPr lvl="2"/>
             <a:r>
               <a:rPr lang="en-US" sz="1800" dirty="0"/>
-              <a:t>Shop, hike, explore, swim, chat</a:t>
+              <a:t>Do anything else for these two weeks!</a:t>
             </a:r>
           </a:p>
           <a:p>
@@ -8339,6 +8063,12 @@
             <a:r>
               <a:rPr lang="en-US" sz="1800" dirty="0"/>
               <a:t>who you want to work with</a:t>
+            </a:r>
+          </a:p>
+          <a:p>
+            <a:r>
+              <a:rPr lang="en-US" sz="1800" dirty="0"/>
+              <a:t>Game development  is about team work (&gt;50% of grade from teamwork)</a:t>
             </a:r>
           </a:p>
           <a:p>
@@ -8756,6 +8486,55 @@
                       </p:childTnLst>
                     </p:cTn>
                   </p:par>
+                  <p:par>
+                    <p:cTn id="35" fill="hold">
+                      <p:stCondLst>
+                        <p:cond delay="indefinite"/>
+                      </p:stCondLst>
+                      <p:childTnLst>
+                        <p:par>
+                          <p:cTn id="36" fill="hold">
+                            <p:stCondLst>
+                              <p:cond delay="0"/>
+                            </p:stCondLst>
+                            <p:childTnLst>
+                              <p:par>
+                                <p:cTn id="37" presetID="1" presetClass="entr" presetSubtype="0" fill="hold" nodeType="clickEffect">
+                                  <p:stCondLst>
+                                    <p:cond delay="0"/>
+                                  </p:stCondLst>
+                                  <p:childTnLst>
+                                    <p:set>
+                                      <p:cBhvr>
+                                        <p:cTn id="38" dur="1" fill="hold">
+                                          <p:stCondLst>
+                                            <p:cond delay="0"/>
+                                          </p:stCondLst>
+                                        </p:cTn>
+                                        <p:tgtEl>
+                                          <p:spTgt spid="3">
+                                            <p:txEl>
+                                              <p:pRg st="8" end="8"/>
+                                            </p:txEl>
+                                          </p:spTgt>
+                                        </p:tgtEl>
+                                        <p:attrNameLst>
+                                          <p:attrName>style.visibility</p:attrName>
+                                        </p:attrNameLst>
+                                      </p:cBhvr>
+                                      <p:to>
+                                        <p:strVal val="visible"/>
+                                      </p:to>
+                                    </p:set>
+                                  </p:childTnLst>
+                                </p:cTn>
+                              </p:par>
+                            </p:childTnLst>
+                          </p:cTn>
+                        </p:par>
+                      </p:childTnLst>
+                    </p:cTn>
+                  </p:par>
                 </p:childTnLst>
               </p:cTn>
               <p:prevCondLst>
@@ -8781,7 +8560,7 @@
 </p:sld>
 </file>
 
-<file path=ppt/slides/slide17.xml><?xml version="1.0" encoding="utf-8"?>
+<file path=ppt/slides/slide18.xml><?xml version="1.0" encoding="utf-8"?>
 <p:sld xmlns:a="http://schemas.openxmlformats.org/drawingml/2006/main" xmlns:r="http://schemas.openxmlformats.org/officeDocument/2006/relationships" xmlns:p="http://schemas.openxmlformats.org/presentationml/2006/main">
   <p:cSld>
     <p:spTree>
@@ -8838,7 +8617,7 @@
         </p:spPr>
         <p:txBody>
           <a:bodyPr>
-            <a:normAutofit lnSpcReduction="10000"/>
+            <a:normAutofit/>
           </a:bodyPr>
           <a:lstStyle/>
           <a:p>
@@ -8929,26 +8708,6 @@
               <a:rPr lang="en-US" dirty="0"/>
               <a:t>Remember to ask questions: </a:t>
             </a:r>
-          </a:p>
-          <a:p>
-            <a:pPr lvl="2"/>
-            <a:r>
-              <a:rPr lang="en-US" dirty="0"/>
-              <a:t>Unmute and speak!</a:t>
-            </a:r>
-          </a:p>
-          <a:p>
-            <a:pPr lvl="2"/>
-            <a:r>
-              <a:rPr lang="en-US" dirty="0"/>
-              <a:t>Type in Chat and annotate “Q” (anywhere)</a:t>
-            </a:r>
-          </a:p>
-          <a:p>
-            <a:pPr marL="0" indent="0">
-              <a:buNone/>
-            </a:pPr>
-            <a:endParaRPr lang="en-US" dirty="0"/>
           </a:p>
         </p:txBody>
       </p:sp>
@@ -9411,104 +9170,6 @@
                       </p:childTnLst>
                     </p:cTn>
                   </p:par>
-                  <p:par>
-                    <p:cTn id="39" fill="hold">
-                      <p:stCondLst>
-                        <p:cond delay="indefinite"/>
-                      </p:stCondLst>
-                      <p:childTnLst>
-                        <p:par>
-                          <p:cTn id="40" fill="hold">
-                            <p:stCondLst>
-                              <p:cond delay="0"/>
-                            </p:stCondLst>
-                            <p:childTnLst>
-                              <p:par>
-                                <p:cTn id="41" presetID="1" presetClass="entr" presetSubtype="0" fill="hold" nodeType="clickEffect">
-                                  <p:stCondLst>
-                                    <p:cond delay="0"/>
-                                  </p:stCondLst>
-                                  <p:childTnLst>
-                                    <p:set>
-                                      <p:cBhvr>
-                                        <p:cTn id="42" dur="1" fill="hold">
-                                          <p:stCondLst>
-                                            <p:cond delay="0"/>
-                                          </p:stCondLst>
-                                        </p:cTn>
-                                        <p:tgtEl>
-                                          <p:spTgt spid="3">
-                                            <p:txEl>
-                                              <p:pRg st="9" end="9"/>
-                                            </p:txEl>
-                                          </p:spTgt>
-                                        </p:tgtEl>
-                                        <p:attrNameLst>
-                                          <p:attrName>style.visibility</p:attrName>
-                                        </p:attrNameLst>
-                                      </p:cBhvr>
-                                      <p:to>
-                                        <p:strVal val="visible"/>
-                                      </p:to>
-                                    </p:set>
-                                  </p:childTnLst>
-                                </p:cTn>
-                              </p:par>
-                            </p:childTnLst>
-                          </p:cTn>
-                        </p:par>
-                      </p:childTnLst>
-                    </p:cTn>
-                  </p:par>
-                  <p:par>
-                    <p:cTn id="43" fill="hold">
-                      <p:stCondLst>
-                        <p:cond delay="indefinite"/>
-                      </p:stCondLst>
-                      <p:childTnLst>
-                        <p:par>
-                          <p:cTn id="44" fill="hold">
-                            <p:stCondLst>
-                              <p:cond delay="0"/>
-                            </p:stCondLst>
-                            <p:childTnLst>
-                              <p:par>
-                                <p:cTn id="45" presetID="1" presetClass="entr" presetSubtype="0" fill="hold" nodeType="clickEffect">
-                                  <p:stCondLst>
-                                    <p:cond delay="0"/>
-                                  </p:stCondLst>
-                                  <p:childTnLst>
-                                    <p:set>
-                                      <p:cBhvr>
-                                        <p:cTn id="46" dur="1" fill="hold">
-                                          <p:stCondLst>
-                                            <p:cond delay="0"/>
-                                          </p:stCondLst>
-                                        </p:cTn>
-                                        <p:tgtEl>
-                                          <p:spTgt spid="3">
-                                            <p:txEl>
-                                              <p:pRg st="10" end="10"/>
-                                            </p:txEl>
-                                          </p:spTgt>
-                                        </p:tgtEl>
-                                        <p:attrNameLst>
-                                          <p:attrName>style.visibility</p:attrName>
-                                        </p:attrNameLst>
-                                      </p:cBhvr>
-                                      <p:to>
-                                        <p:strVal val="visible"/>
-                                      </p:to>
-                                    </p:set>
-                                  </p:childTnLst>
-                                </p:cTn>
-                              </p:par>
-                            </p:childTnLst>
-                          </p:cTn>
-                        </p:par>
-                      </p:childTnLst>
-                    </p:cTn>
-                  </p:par>
                 </p:childTnLst>
               </p:cTn>
               <p:prevCondLst>
@@ -9534,7 +9195,7 @@
 </p:sld>
 </file>
 
-<file path=ppt/slides/slide18.xml><?xml version="1.0" encoding="utf-8"?>
+<file path=ppt/slides/slide19.xml><?xml version="1.0" encoding="utf-8"?>
 <p:sld xmlns:a="http://schemas.openxmlformats.org/drawingml/2006/main" xmlns:r="http://schemas.openxmlformats.org/officeDocument/2006/relationships" xmlns:p="http://schemas.openxmlformats.org/presentationml/2006/main">
   <p:cSld>
     <p:spTree>
@@ -9972,104 +9633,6 @@
       <p:bldP spid="6" grpId="0"/>
     </p:bldLst>
   </p:timing>
-</p:sld>
-</file>
-
-<file path=ppt/slides/slide19.xml><?xml version="1.0" encoding="utf-8"?>
-<p:sld xmlns:a="http://schemas.openxmlformats.org/drawingml/2006/main" xmlns:r="http://schemas.openxmlformats.org/officeDocument/2006/relationships" xmlns:p="http://schemas.openxmlformats.org/presentationml/2006/main">
-  <p:cSld>
-    <p:spTree>
-      <p:nvGrpSpPr>
-        <p:cNvPr id="1" name=""/>
-        <p:cNvGrpSpPr/>
-        <p:nvPr/>
-      </p:nvGrpSpPr>
-      <p:grpSpPr>
-        <a:xfrm>
-          <a:off x="0" y="0"/>
-          <a:ext cx="0" cy="0"/>
-          <a:chOff x="0" y="0"/>
-          <a:chExt cx="0" cy="0"/>
-        </a:xfrm>
-      </p:grpSpPr>
-      <p:sp>
-        <p:nvSpPr>
-          <p:cNvPr id="2" name="Title 1"/>
-          <p:cNvSpPr>
-            <a:spLocks noGrp="1"/>
-          </p:cNvSpPr>
-          <p:nvPr>
-            <p:ph type="title"/>
-          </p:nvPr>
-        </p:nvSpPr>
-        <p:spPr/>
-        <p:txBody>
-          <a:bodyPr/>
-          <a:lstStyle/>
-          <a:p>
-            <a:endParaRPr lang="en-US"/>
-          </a:p>
-        </p:txBody>
-      </p:sp>
-      <p:sp>
-        <p:nvSpPr>
-          <p:cNvPr id="3" name="Content Placeholder 2"/>
-          <p:cNvSpPr>
-            <a:spLocks noGrp="1"/>
-          </p:cNvSpPr>
-          <p:nvPr>
-            <p:ph sz="quarter" idx="13"/>
-          </p:nvPr>
-        </p:nvSpPr>
-        <p:spPr/>
-        <p:txBody>
-          <a:bodyPr/>
-          <a:lstStyle/>
-          <a:p>
-            <a:pPr marL="0" indent="0">
-              <a:buNone/>
-            </a:pPr>
-            <a:endParaRPr lang="en-US" dirty="0"/>
-          </a:p>
-          <a:p>
-            <a:pPr marL="0" indent="0">
-              <a:buNone/>
-            </a:pPr>
-            <a:endParaRPr lang="en-US" dirty="0"/>
-          </a:p>
-          <a:p>
-            <a:pPr marL="0" indent="0">
-              <a:buNone/>
-            </a:pPr>
-            <a:endParaRPr lang="en-US" dirty="0"/>
-          </a:p>
-          <a:p>
-            <a:pPr marL="0" indent="0">
-              <a:buNone/>
-            </a:pPr>
-            <a:endParaRPr lang="en-US" dirty="0"/>
-          </a:p>
-          <a:p>
-            <a:pPr marL="0" indent="0" algn="ctr">
-              <a:buNone/>
-            </a:pPr>
-            <a:r>
-              <a:rPr lang="en-US" sz="4400" dirty="0"/>
-              <a:t>… Let us begin …</a:t>
-            </a:r>
-          </a:p>
-        </p:txBody>
-      </p:sp>
-    </p:spTree>
-    <p:extLst>
-      <p:ext uri="{BB962C8B-B14F-4D97-AF65-F5344CB8AC3E}">
-        <p14:creationId xmlns:p14="http://schemas.microsoft.com/office/powerpoint/2010/main" val="370134723"/>
-      </p:ext>
-    </p:extLst>
-  </p:cSld>
-  <p:clrMapOvr>
-    <a:masterClrMapping/>
-  </p:clrMapOvr>
 </p:sld>
 </file>
 
@@ -10964,13 +10527,112 @@
             <a:endParaRPr lang="en-US" dirty="0"/>
           </a:p>
           <a:p>
+            <a:pPr marL="0" indent="0">
+              <a:buNone/>
+            </a:pPr>
+            <a:endParaRPr lang="en-US" dirty="0"/>
+          </a:p>
+          <a:p>
             <a:pPr marL="0" indent="0" algn="ctr">
               <a:buNone/>
             </a:pPr>
             <a:r>
-              <a:rPr lang="en-US" sz="3200" dirty="0"/>
-              <a:t>https://myuwbclasses.github.io/IntroGameDevelopment/</a:t>
-            </a:r>
+              <a:rPr lang="en-US" sz="4400" dirty="0"/>
+              <a:t>… Let us begin …</a:t>
+            </a:r>
+          </a:p>
+        </p:txBody>
+      </p:sp>
+    </p:spTree>
+    <p:extLst>
+      <p:ext uri="{BB962C8B-B14F-4D97-AF65-F5344CB8AC3E}">
+        <p14:creationId xmlns:p14="http://schemas.microsoft.com/office/powerpoint/2010/main" val="370134723"/>
+      </p:ext>
+    </p:extLst>
+  </p:cSld>
+  <p:clrMapOvr>
+    <a:masterClrMapping/>
+  </p:clrMapOvr>
+</p:sld>
+</file>
+
+<file path=ppt/slides/slide21.xml><?xml version="1.0" encoding="utf-8"?>
+<p:sld xmlns:a="http://schemas.openxmlformats.org/drawingml/2006/main" xmlns:r="http://schemas.openxmlformats.org/officeDocument/2006/relationships" xmlns:p="http://schemas.openxmlformats.org/presentationml/2006/main">
+  <p:cSld>
+    <p:spTree>
+      <p:nvGrpSpPr>
+        <p:cNvPr id="1" name=""/>
+        <p:cNvGrpSpPr/>
+        <p:nvPr/>
+      </p:nvGrpSpPr>
+      <p:grpSpPr>
+        <a:xfrm>
+          <a:off x="0" y="0"/>
+          <a:ext cx="0" cy="0"/>
+          <a:chOff x="0" y="0"/>
+          <a:chExt cx="0" cy="0"/>
+        </a:xfrm>
+      </p:grpSpPr>
+      <p:sp>
+        <p:nvSpPr>
+          <p:cNvPr id="2" name="Title 1"/>
+          <p:cNvSpPr>
+            <a:spLocks noGrp="1"/>
+          </p:cNvSpPr>
+          <p:nvPr>
+            <p:ph type="title"/>
+          </p:nvPr>
+        </p:nvSpPr>
+        <p:spPr/>
+        <p:txBody>
+          <a:bodyPr/>
+          <a:lstStyle/>
+          <a:p>
+            <a:endParaRPr lang="en-US"/>
+          </a:p>
+        </p:txBody>
+      </p:sp>
+      <p:sp>
+        <p:nvSpPr>
+          <p:cNvPr id="3" name="Content Placeholder 2"/>
+          <p:cNvSpPr>
+            <a:spLocks noGrp="1"/>
+          </p:cNvSpPr>
+          <p:nvPr>
+            <p:ph sz="quarter" idx="13"/>
+          </p:nvPr>
+        </p:nvSpPr>
+        <p:spPr/>
+        <p:txBody>
+          <a:bodyPr/>
+          <a:lstStyle/>
+          <a:p>
+            <a:pPr marL="0" indent="0">
+              <a:buNone/>
+            </a:pPr>
+            <a:endParaRPr lang="en-US" dirty="0"/>
+          </a:p>
+          <a:p>
+            <a:pPr marL="0" indent="0">
+              <a:buNone/>
+            </a:pPr>
+            <a:endParaRPr lang="en-US" dirty="0"/>
+          </a:p>
+          <a:p>
+            <a:pPr marL="0" indent="0">
+              <a:buNone/>
+            </a:pPr>
+            <a:endParaRPr lang="en-US" dirty="0"/>
+          </a:p>
+          <a:p>
+            <a:pPr marL="0" indent="0" algn="ctr">
+              <a:buNone/>
+            </a:pPr>
+            <a:r>
+              <a:rPr lang="en-US" sz="3200"/>
+              <a:t>https://myuwbclasses.github.io/XJTU-IntroGameDev/</a:t>
+            </a:r>
+            <a:endParaRPr lang="en-US" sz="3200" dirty="0"/>
           </a:p>
         </p:txBody>
       </p:sp>

--- a/PPT/Intro.pptx
+++ b/PPT/Intro.pptx
@@ -5,7 +5,7 @@
     <p:sldMasterId id="2147483768" r:id="rId1"/>
   </p:sldMasterIdLst>
   <p:notesMasterIdLst>
-    <p:notesMasterId r:id="rId23"/>
+    <p:notesMasterId r:id="rId22"/>
   </p:notesMasterIdLst>
   <p:sldIdLst>
     <p:sldId id="256" r:id="rId2"/>
@@ -22,13 +22,12 @@
     <p:sldId id="277" r:id="rId13"/>
     <p:sldId id="306" r:id="rId14"/>
     <p:sldId id="291" r:id="rId15"/>
-    <p:sldId id="307" r:id="rId16"/>
-    <p:sldId id="292" r:id="rId17"/>
-    <p:sldId id="290" r:id="rId18"/>
-    <p:sldId id="279" r:id="rId19"/>
-    <p:sldId id="281" r:id="rId20"/>
-    <p:sldId id="283" r:id="rId21"/>
-    <p:sldId id="282" r:id="rId22"/>
+    <p:sldId id="292" r:id="rId16"/>
+    <p:sldId id="290" r:id="rId17"/>
+    <p:sldId id="279" r:id="rId18"/>
+    <p:sldId id="281" r:id="rId19"/>
+    <p:sldId id="283" r:id="rId20"/>
+    <p:sldId id="282" r:id="rId21"/>
   </p:sldIdLst>
   <p:sldSz cx="12192000" cy="6858000"/>
   <p:notesSz cx="6858000" cy="9144000"/>
@@ -146,7 +145,6 @@
             <p14:sldId id="277"/>
             <p14:sldId id="306"/>
             <p14:sldId id="291"/>
-            <p14:sldId id="307"/>
             <p14:sldId id="292"/>
             <p14:sldId id="290"/>
             <p14:sldId id="279"/>
@@ -269,7 +267,7 @@
           <a:p>
             <a:fld id="{5578FD48-7BBA-4787-8980-5DFB65E0734D}" type="datetimeFigureOut">
               <a:rPr lang="en-US" smtClean="0"/>
-              <a:t>3/1/2024</a:t>
+              <a:t>3/11/2024</a:t>
             </a:fld>
             <a:endParaRPr lang="en-US"/>
           </a:p>
@@ -1103,7 +1101,7 @@
           <a:p>
             <a:fld id="{F7DB80D0-0163-4942-8F25-71DA65E50049}" type="slidenum">
               <a:rPr lang="en-US" smtClean="0"/>
-              <a:t>16</a:t>
+              <a:t>15</a:t>
             </a:fld>
             <a:endParaRPr lang="en-US"/>
           </a:p>
@@ -1182,7 +1180,7 @@
             <a:fld id="{1D8BD707-D9CF-40AE-B4C6-C98DA3205C09}" type="datetimeFigureOut">
               <a:rPr lang="en-US" smtClean="0"/>
               <a:pPr/>
-              <a:t>3/1/2024</a:t>
+              <a:t>3/11/2024</a:t>
             </a:fld>
             <a:endParaRPr lang="en-US"/>
           </a:p>
@@ -1499,7 +1497,7 @@
             <a:fld id="{1D8BD707-D9CF-40AE-B4C6-C98DA3205C09}" type="datetimeFigureOut">
               <a:rPr lang="en-US" smtClean="0"/>
               <a:pPr/>
-              <a:t>3/1/2024</a:t>
+              <a:t>3/11/2024</a:t>
             </a:fld>
             <a:endParaRPr lang="en-US"/>
           </a:p>
@@ -1675,7 +1673,7 @@
             <a:fld id="{1D8BD707-D9CF-40AE-B4C6-C98DA3205C09}" type="datetimeFigureOut">
               <a:rPr lang="en-US" smtClean="0"/>
               <a:pPr/>
-              <a:t>3/1/2024</a:t>
+              <a:t>3/11/2024</a:t>
             </a:fld>
             <a:endParaRPr lang="en-US"/>
           </a:p>
@@ -1795,7 +1793,7 @@
             <a:fld id="{1D8BD707-D9CF-40AE-B4C6-C98DA3205C09}" type="datetimeFigureOut">
               <a:rPr lang="en-US" smtClean="0"/>
               <a:pPr/>
-              <a:t>3/1/2024</a:t>
+              <a:t>3/11/2024</a:t>
             </a:fld>
             <a:endParaRPr lang="en-US"/>
           </a:p>
@@ -2095,7 +2093,7 @@
             <a:fld id="{1D8BD707-D9CF-40AE-B4C6-C98DA3205C09}" type="datetimeFigureOut">
               <a:rPr lang="en-US" smtClean="0"/>
               <a:pPr/>
-              <a:t>3/1/2024</a:t>
+              <a:t>3/11/2024</a:t>
             </a:fld>
             <a:endParaRPr lang="en-US"/>
           </a:p>
@@ -2390,7 +2388,7 @@
             <a:fld id="{1D8BD707-D9CF-40AE-B4C6-C98DA3205C09}" type="datetimeFigureOut">
               <a:rPr lang="en-US" smtClean="0"/>
               <a:pPr/>
-              <a:t>3/1/2024</a:t>
+              <a:t>3/11/2024</a:t>
             </a:fld>
             <a:endParaRPr lang="en-US"/>
           </a:p>
@@ -2820,7 +2818,7 @@
             <a:fld id="{1D8BD707-D9CF-40AE-B4C6-C98DA3205C09}" type="datetimeFigureOut">
               <a:rPr lang="en-US" smtClean="0"/>
               <a:pPr/>
-              <a:t>3/1/2024</a:t>
+              <a:t>3/11/2024</a:t>
             </a:fld>
             <a:endParaRPr lang="en-US"/>
           </a:p>
@@ -2940,7 +2938,7 @@
             <a:fld id="{1D8BD707-D9CF-40AE-B4C6-C98DA3205C09}" type="datetimeFigureOut">
               <a:rPr lang="en-US" smtClean="0"/>
               <a:pPr/>
-              <a:t>3/1/2024</a:t>
+              <a:t>3/11/2024</a:t>
             </a:fld>
             <a:endParaRPr lang="en-US"/>
           </a:p>
@@ -3032,7 +3030,7 @@
             <a:fld id="{1D8BD707-D9CF-40AE-B4C6-C98DA3205C09}" type="datetimeFigureOut">
               <a:rPr lang="en-US" smtClean="0"/>
               <a:pPr/>
-              <a:t>3/1/2024</a:t>
+              <a:t>3/11/2024</a:t>
             </a:fld>
             <a:endParaRPr lang="en-US"/>
           </a:p>
@@ -3284,7 +3282,7 @@
             <a:fld id="{1D8BD707-D9CF-40AE-B4C6-C98DA3205C09}" type="datetimeFigureOut">
               <a:rPr lang="en-US" smtClean="0"/>
               <a:pPr/>
-              <a:t>3/1/2024</a:t>
+              <a:t>3/11/2024</a:t>
             </a:fld>
             <a:endParaRPr lang="en-US"/>
           </a:p>
@@ -3802,7 +3800,7 @@
             <a:fld id="{1D8BD707-D9CF-40AE-B4C6-C98DA3205C09}" type="datetimeFigureOut">
               <a:rPr lang="en-US" smtClean="0"/>
               <a:pPr/>
-              <a:t>3/1/2024</a:t>
+              <a:t>3/11/2024</a:t>
             </a:fld>
             <a:endParaRPr lang="en-US"/>
           </a:p>
@@ -4034,7 +4032,7 @@
             <a:fld id="{1D8BD707-D9CF-40AE-B4C6-C98DA3205C09}" type="datetimeFigureOut">
               <a:rPr lang="en-US" smtClean="0"/>
               <a:pPr/>
-              <a:t>3/1/2024</a:t>
+              <a:t>3/11/2024</a:t>
             </a:fld>
             <a:endParaRPr lang="en-US"/>
           </a:p>
@@ -6795,35 +6793,31 @@
               </a:rPr>
               <a:t>Presentation + Whole class plays!</a:t>
             </a:r>
+            <a:br>
+              <a:rPr lang="en-US" b="1" dirty="0">
+                <a:solidFill>
+                  <a:srgbClr val="FFFF00"/>
+                </a:solidFill>
+              </a:rPr>
+            </a:br>
+            <a:endParaRPr lang="en-US" b="1" dirty="0">
+              <a:solidFill>
+                <a:srgbClr val="FFFF00"/>
+              </a:solidFill>
+            </a:endParaRPr>
           </a:p>
           <a:p>
             <a:pPr lvl="1"/>
-            <a:endParaRPr lang="en-US" dirty="0"/>
-          </a:p>
-          <a:p>
-            <a:pPr lvl="1"/>
             <a:r>
               <a:rPr lang="en-US" dirty="0"/>
-              <a:t>You will rank the teams after </a:t>
-            </a:r>
-            <a:r>
-              <a:rPr lang="en-US" dirty="0" err="1"/>
-              <a:t>thepresentations</a:t>
-            </a:r>
-            <a:endParaRPr lang="en-US" dirty="0"/>
-          </a:p>
-          <a:p>
-            <a:pPr lvl="1"/>
+              <a:t>You will rank the teams after the presentations. Top ranked teams:</a:t>
+            </a:r>
+          </a:p>
+          <a:p>
+            <a:pPr lvl="2"/>
             <a:r>
               <a:rPr lang="en-US" dirty="0"/>
-              <a:t>Top ranked teams:</a:t>
-            </a:r>
-          </a:p>
-          <a:p>
-            <a:pPr lvl="2"/>
-            <a:r>
-              <a:rPr lang="en-US" dirty="0"/>
-              <a:t>First: +6%</a:t>
+              <a:t>First: +5%</a:t>
             </a:r>
           </a:p>
           <a:p>
@@ -6837,22 +6831,21 @@
             <a:pPr lvl="2"/>
             <a:r>
               <a:rPr lang="en-US" dirty="0"/>
-              <a:t>Third: +2%</a:t>
+              <a:t>Third: +3%</a:t>
             </a:r>
           </a:p>
           <a:p>
             <a:pPr lvl="2"/>
             <a:r>
               <a:rPr lang="en-US" dirty="0"/>
-              <a:t>Forth + </a:t>
-            </a:r>
-            <a:r>
-              <a:rPr lang="en-US" dirty="0" err="1"/>
-              <a:t>Fifih</a:t>
-            </a:r>
+              <a:t>Forth: +2%</a:t>
+            </a:r>
+          </a:p>
+          <a:p>
+            <a:pPr lvl="2"/>
             <a:r>
               <a:rPr lang="en-US" dirty="0"/>
-              <a:t>: +1%</a:t>
+              <a:t>Fifth: +1%</a:t>
             </a:r>
           </a:p>
           <a:p>
@@ -7062,7 +7055,7 @@
                                         <p:tgtEl>
                                           <p:spTgt spid="3">
                                             <p:txEl>
-                                              <p:pRg st="6" end="6"/>
+                                              <p:pRg st="5" end="5"/>
                                             </p:txEl>
                                           </p:spTgt>
                                         </p:tgtEl>
@@ -7093,7 +7086,7 @@
                                         <p:tgtEl>
                                           <p:spTgt spid="3">
                                             <p:txEl>
-                                              <p:pRg st="7" end="7"/>
+                                              <p:pRg st="6" end="6"/>
                                             </p:txEl>
                                           </p:spTgt>
                                         </p:tgtEl>
@@ -7124,7 +7117,7 @@
                                         <p:tgtEl>
                                           <p:spTgt spid="3">
                                             <p:txEl>
-                                              <p:pRg st="8" end="8"/>
+                                              <p:pRg st="7" end="7"/>
                                             </p:txEl>
                                           </p:spTgt>
                                         </p:tgtEl>
@@ -7155,7 +7148,7 @@
                                         <p:tgtEl>
                                           <p:spTgt spid="3">
                                             <p:txEl>
-                                              <p:pRg st="9" end="9"/>
+                                              <p:pRg st="8" end="8"/>
                                             </p:txEl>
                                           </p:spTgt>
                                         </p:tgtEl>
@@ -7186,7 +7179,7 @@
                                         <p:tgtEl>
                                           <p:spTgt spid="3">
                                             <p:txEl>
-                                              <p:pRg st="10" end="10"/>
+                                              <p:pRg st="9" end="9"/>
                                             </p:txEl>
                                           </p:spTgt>
                                         </p:tgtEl>
@@ -7217,7 +7210,7 @@
                                         <p:tgtEl>
                                           <p:spTgt spid="3">
                                             <p:txEl>
-                                              <p:pRg st="11" end="11"/>
+                                              <p:pRg st="10" end="10"/>
                                             </p:txEl>
                                           </p:spTgt>
                                         </p:tgtEl>
@@ -7285,13 +7278,7 @@
       </p:grpSpPr>
       <p:sp>
         <p:nvSpPr>
-          <p:cNvPr id="2" name="Title 1">
-            <a:extLst>
-              <a:ext uri="{FF2B5EF4-FFF2-40B4-BE49-F238E27FC236}">
-                <a16:creationId xmlns:a16="http://schemas.microsoft.com/office/drawing/2014/main" id="{EDF760A5-F372-A60B-4D62-9A3C8007C5AA}"/>
-              </a:ext>
-            </a:extLst>
-          </p:cNvPr>
+          <p:cNvPr id="2" name="Title 1"/>
           <p:cNvSpPr>
             <a:spLocks noGrp="1"/>
           </p:cNvSpPr>
@@ -7299,21 +7286,346 @@
             <p:ph type="title"/>
           </p:nvPr>
         </p:nvSpPr>
-        <p:spPr/>
+        <p:spPr>
+          <a:xfrm>
+            <a:off x="812800" y="267865"/>
+            <a:ext cx="10566400" cy="1143000"/>
+          </a:xfrm>
+        </p:spPr>
         <p:txBody>
           <a:bodyPr/>
           <a:lstStyle/>
           <a:p>
-            <a:endParaRPr lang="en-US"/>
+            <a:r>
+              <a:rPr lang="en-US" dirty="0"/>
+              <a:t>How you Will be Evaluated</a:t>
+            </a:r>
           </a:p>
         </p:txBody>
       </p:sp>
+      <p:grpSp>
+        <p:nvGrpSpPr>
+          <p:cNvPr id="3" name="Group 2">
+            <a:extLst>
+              <a:ext uri="{FF2B5EF4-FFF2-40B4-BE49-F238E27FC236}">
+                <a16:creationId xmlns:a16="http://schemas.microsoft.com/office/drawing/2014/main" id="{488BA1D6-E11F-4736-9920-1AB6ED277103}"/>
+              </a:ext>
+            </a:extLst>
+          </p:cNvPr>
+          <p:cNvGrpSpPr/>
+          <p:nvPr/>
+        </p:nvGrpSpPr>
+        <p:grpSpPr>
+          <a:xfrm>
+            <a:off x="1752600" y="1600200"/>
+            <a:ext cx="3581400" cy="4932280"/>
+            <a:chOff x="3124200" y="1524000"/>
+            <a:chExt cx="3581400" cy="4932280"/>
+          </a:xfrm>
+        </p:grpSpPr>
+        <p:pic>
+          <p:nvPicPr>
+            <p:cNvPr id="5" name="Picture 4" descr="A table of text on a white background&#10;&#10;Description automatically generated">
+              <a:extLst>
+                <a:ext uri="{FF2B5EF4-FFF2-40B4-BE49-F238E27FC236}">
+                  <a16:creationId xmlns:a16="http://schemas.microsoft.com/office/drawing/2014/main" id="{EAD29F83-B3EF-0846-4599-6BE7B9CF8FBC}"/>
+                </a:ext>
+              </a:extLst>
+            </p:cNvPr>
+            <p:cNvPicPr>
+              <a:picLocks noChangeAspect="1"/>
+            </p:cNvPicPr>
+            <p:nvPr/>
+          </p:nvPicPr>
+          <p:blipFill>
+            <a:blip r:embed="rId3">
+              <a:extLst>
+                <a:ext uri="{28A0092B-C50C-407E-A947-70E740481C1C}">
+                  <a14:useLocalDpi xmlns:a14="http://schemas.microsoft.com/office/drawing/2010/main" val="0"/>
+                </a:ext>
+              </a:extLst>
+            </a:blip>
+            <a:stretch>
+              <a:fillRect/>
+            </a:stretch>
+          </p:blipFill>
+          <p:spPr>
+            <a:xfrm>
+              <a:off x="3124200" y="1524000"/>
+              <a:ext cx="3581400" cy="4932280"/>
+            </a:xfrm>
+            <a:prstGeom prst="rect">
+              <a:avLst/>
+            </a:prstGeom>
+          </p:spPr>
+        </p:pic>
+        <p:sp>
+          <p:nvSpPr>
+            <p:cNvPr id="6" name="Oval 5">
+              <a:extLst>
+                <a:ext uri="{FF2B5EF4-FFF2-40B4-BE49-F238E27FC236}">
+                  <a16:creationId xmlns:a16="http://schemas.microsoft.com/office/drawing/2014/main" id="{395F68BA-564D-4328-A17A-2DBF4483FF3B}"/>
+                </a:ext>
+              </a:extLst>
+            </p:cNvPr>
+            <p:cNvSpPr/>
+            <p:nvPr/>
+          </p:nvSpPr>
+          <p:spPr>
+            <a:xfrm>
+              <a:off x="3276600" y="3505200"/>
+              <a:ext cx="1219200" cy="838200"/>
+            </a:xfrm>
+            <a:prstGeom prst="ellipse">
+              <a:avLst/>
+            </a:prstGeom>
+            <a:noFill/>
+            <a:ln w="44450">
+              <a:solidFill>
+                <a:srgbClr val="FF0000"/>
+              </a:solidFill>
+            </a:ln>
+          </p:spPr>
+          <p:style>
+            <a:lnRef idx="2">
+              <a:schemeClr val="accent1">
+                <a:shade val="50000"/>
+              </a:schemeClr>
+            </a:lnRef>
+            <a:fillRef idx="1">
+              <a:schemeClr val="accent1"/>
+            </a:fillRef>
+            <a:effectRef idx="0">
+              <a:schemeClr val="accent1"/>
+            </a:effectRef>
+            <a:fontRef idx="minor">
+              <a:schemeClr val="lt1"/>
+            </a:fontRef>
+          </p:style>
+          <p:txBody>
+            <a:bodyPr rtlCol="0" anchor="ctr"/>
+            <a:lstStyle/>
+            <a:p>
+              <a:pPr algn="ctr"/>
+              <a:endParaRPr lang="en-US"/>
+            </a:p>
+          </p:txBody>
+        </p:sp>
+        <p:sp>
+          <p:nvSpPr>
+            <p:cNvPr id="7" name="Rectangle 6">
+              <a:extLst>
+                <a:ext uri="{FF2B5EF4-FFF2-40B4-BE49-F238E27FC236}">
+                  <a16:creationId xmlns:a16="http://schemas.microsoft.com/office/drawing/2014/main" id="{F832376C-D270-42C8-B6EF-DB901E163E9A}"/>
+                </a:ext>
+              </a:extLst>
+            </p:cNvPr>
+            <p:cNvSpPr/>
+            <p:nvPr/>
+          </p:nvSpPr>
+          <p:spPr>
+            <a:xfrm>
+              <a:off x="4343400" y="1981200"/>
+              <a:ext cx="2133600" cy="1600200"/>
+            </a:xfrm>
+            <a:prstGeom prst="rect">
+              <a:avLst/>
+            </a:prstGeom>
+            <a:noFill/>
+            <a:ln w="44450">
+              <a:solidFill>
+                <a:srgbClr val="FF0000"/>
+              </a:solidFill>
+            </a:ln>
+          </p:spPr>
+          <p:style>
+            <a:lnRef idx="2">
+              <a:schemeClr val="accent1">
+                <a:shade val="50000"/>
+              </a:schemeClr>
+            </a:lnRef>
+            <a:fillRef idx="1">
+              <a:schemeClr val="accent1"/>
+            </a:fillRef>
+            <a:effectRef idx="0">
+              <a:schemeClr val="accent1"/>
+            </a:effectRef>
+            <a:fontRef idx="minor">
+              <a:schemeClr val="lt1"/>
+            </a:fontRef>
+          </p:style>
+          <p:txBody>
+            <a:bodyPr rtlCol="0" anchor="ctr"/>
+            <a:lstStyle/>
+            <a:p>
+              <a:pPr algn="ctr"/>
+              <a:endParaRPr lang="en-US"/>
+            </a:p>
+          </p:txBody>
+        </p:sp>
+        <p:sp>
+          <p:nvSpPr>
+            <p:cNvPr id="8" name="Oval 7">
+              <a:extLst>
+                <a:ext uri="{FF2B5EF4-FFF2-40B4-BE49-F238E27FC236}">
+                  <a16:creationId xmlns:a16="http://schemas.microsoft.com/office/drawing/2014/main" id="{15939D8B-AC03-422F-900B-BECC89780817}"/>
+                </a:ext>
+              </a:extLst>
+            </p:cNvPr>
+            <p:cNvSpPr/>
+            <p:nvPr/>
+          </p:nvSpPr>
+          <p:spPr>
+            <a:xfrm>
+              <a:off x="3276600" y="1676400"/>
+              <a:ext cx="1219200" cy="762000"/>
+            </a:xfrm>
+            <a:prstGeom prst="ellipse">
+              <a:avLst/>
+            </a:prstGeom>
+            <a:noFill/>
+            <a:ln w="44450">
+              <a:solidFill>
+                <a:srgbClr val="FF0000"/>
+              </a:solidFill>
+            </a:ln>
+          </p:spPr>
+          <p:style>
+            <a:lnRef idx="2">
+              <a:schemeClr val="accent1">
+                <a:shade val="50000"/>
+              </a:schemeClr>
+            </a:lnRef>
+            <a:fillRef idx="1">
+              <a:schemeClr val="accent1"/>
+            </a:fillRef>
+            <a:effectRef idx="0">
+              <a:schemeClr val="accent1"/>
+            </a:effectRef>
+            <a:fontRef idx="minor">
+              <a:schemeClr val="lt1"/>
+            </a:fontRef>
+          </p:style>
+          <p:txBody>
+            <a:bodyPr rtlCol="0" anchor="ctr"/>
+            <a:lstStyle/>
+            <a:p>
+              <a:pPr algn="ctr"/>
+              <a:endParaRPr lang="en-US"/>
+            </a:p>
+          </p:txBody>
+        </p:sp>
+        <p:sp>
+          <p:nvSpPr>
+            <p:cNvPr id="9" name="Oval 8">
+              <a:extLst>
+                <a:ext uri="{FF2B5EF4-FFF2-40B4-BE49-F238E27FC236}">
+                  <a16:creationId xmlns:a16="http://schemas.microsoft.com/office/drawing/2014/main" id="{CDBA1400-6445-417D-AECD-3D2A2D328CF2}"/>
+                </a:ext>
+              </a:extLst>
+            </p:cNvPr>
+            <p:cNvSpPr/>
+            <p:nvPr/>
+          </p:nvSpPr>
+          <p:spPr>
+            <a:xfrm>
+              <a:off x="3200400" y="5638800"/>
+              <a:ext cx="3429000" cy="746166"/>
+            </a:xfrm>
+            <a:prstGeom prst="ellipse">
+              <a:avLst/>
+            </a:prstGeom>
+            <a:noFill/>
+            <a:ln w="44450">
+              <a:solidFill>
+                <a:srgbClr val="FF0000"/>
+              </a:solidFill>
+            </a:ln>
+          </p:spPr>
+          <p:style>
+            <a:lnRef idx="2">
+              <a:schemeClr val="accent1">
+                <a:shade val="50000"/>
+              </a:schemeClr>
+            </a:lnRef>
+            <a:fillRef idx="1">
+              <a:schemeClr val="accent1"/>
+            </a:fillRef>
+            <a:effectRef idx="0">
+              <a:schemeClr val="accent1"/>
+            </a:effectRef>
+            <a:fontRef idx="minor">
+              <a:schemeClr val="lt1"/>
+            </a:fontRef>
+          </p:style>
+          <p:txBody>
+            <a:bodyPr rtlCol="0" anchor="ctr"/>
+            <a:lstStyle/>
+            <a:p>
+              <a:pPr algn="ctr"/>
+              <a:endParaRPr lang="en-US"/>
+            </a:p>
+          </p:txBody>
+        </p:sp>
+        <p:sp>
+          <p:nvSpPr>
+            <p:cNvPr id="10" name="Rectangle 9">
+              <a:extLst>
+                <a:ext uri="{FF2B5EF4-FFF2-40B4-BE49-F238E27FC236}">
+                  <a16:creationId xmlns:a16="http://schemas.microsoft.com/office/drawing/2014/main" id="{B1CAE152-55F1-4152-B069-C8F1B246FE9B}"/>
+                </a:ext>
+              </a:extLst>
+            </p:cNvPr>
+            <p:cNvSpPr/>
+            <p:nvPr/>
+          </p:nvSpPr>
+          <p:spPr>
+            <a:xfrm>
+              <a:off x="4343400" y="3886200"/>
+              <a:ext cx="2133600" cy="1676400"/>
+            </a:xfrm>
+            <a:prstGeom prst="rect">
+              <a:avLst/>
+            </a:prstGeom>
+            <a:noFill/>
+            <a:ln w="44450">
+              <a:solidFill>
+                <a:srgbClr val="FF0000"/>
+              </a:solidFill>
+            </a:ln>
+          </p:spPr>
+          <p:style>
+            <a:lnRef idx="2">
+              <a:schemeClr val="accent1">
+                <a:shade val="50000"/>
+              </a:schemeClr>
+            </a:lnRef>
+            <a:fillRef idx="1">
+              <a:schemeClr val="accent1"/>
+            </a:fillRef>
+            <a:effectRef idx="0">
+              <a:schemeClr val="accent1"/>
+            </a:effectRef>
+            <a:fontRef idx="minor">
+              <a:schemeClr val="lt1"/>
+            </a:fontRef>
+          </p:style>
+          <p:txBody>
+            <a:bodyPr rtlCol="0" anchor="ctr"/>
+            <a:lstStyle/>
+            <a:p>
+              <a:pPr algn="ctr"/>
+              <a:endParaRPr lang="en-US"/>
+            </a:p>
+          </p:txBody>
+        </p:sp>
+      </p:grpSp>
       <p:sp>
         <p:nvSpPr>
-          <p:cNvPr id="3" name="Content Placeholder 2">
+          <p:cNvPr id="11" name="Content Placeholder 2">
             <a:extLst>
               <a:ext uri="{FF2B5EF4-FFF2-40B4-BE49-F238E27FC236}">
-                <a16:creationId xmlns:a16="http://schemas.microsoft.com/office/drawing/2014/main" id="{0DB61EC4-0529-C007-1F74-32E7C9C76B33}"/>
+                <a16:creationId xmlns:a16="http://schemas.microsoft.com/office/drawing/2014/main" id="{A42C3003-E8C2-44E5-9FAD-ED887F7AA9C5}"/>
               </a:ext>
             </a:extLst>
           </p:cNvPr>
@@ -7324,360 +7636,73 @@
             <p:ph sz="quarter" idx="13"/>
           </p:nvPr>
         </p:nvSpPr>
-        <p:spPr/>
-        <p:txBody>
-          <a:bodyPr/>
-          <a:lstStyle/>
-          <a:p>
-            <a:endParaRPr lang="en-US"/>
-          </a:p>
-        </p:txBody>
-      </p:sp>
-    </p:spTree>
-    <p:extLst>
-      <p:ext uri="{BB962C8B-B14F-4D97-AF65-F5344CB8AC3E}">
-        <p14:creationId xmlns:p14="http://schemas.microsoft.com/office/powerpoint/2010/main" val="807045700"/>
-      </p:ext>
-    </p:extLst>
-  </p:cSld>
-  <p:clrMapOvr>
-    <a:masterClrMapping/>
-  </p:clrMapOvr>
-</p:sld>
-</file>
-
-<file path=ppt/slides/slide16.xml><?xml version="1.0" encoding="utf-8"?>
-<p:sld xmlns:a="http://schemas.openxmlformats.org/drawingml/2006/main" xmlns:r="http://schemas.openxmlformats.org/officeDocument/2006/relationships" xmlns:p="http://schemas.openxmlformats.org/presentationml/2006/main">
-  <p:cSld>
-    <p:spTree>
-      <p:nvGrpSpPr>
-        <p:cNvPr id="1" name=""/>
-        <p:cNvGrpSpPr/>
-        <p:nvPr/>
-      </p:nvGrpSpPr>
-      <p:grpSpPr>
-        <a:xfrm>
-          <a:off x="0" y="0"/>
-          <a:ext cx="0" cy="0"/>
-          <a:chOff x="0" y="0"/>
-          <a:chExt cx="0" cy="0"/>
-        </a:xfrm>
-      </p:grpSpPr>
-      <p:pic>
-        <p:nvPicPr>
-          <p:cNvPr id="5" name="Picture 4" descr="A table of text on a white background&#10;&#10;Description automatically generated">
-            <a:extLst>
-              <a:ext uri="{FF2B5EF4-FFF2-40B4-BE49-F238E27FC236}">
-                <a16:creationId xmlns:a16="http://schemas.microsoft.com/office/drawing/2014/main" id="{EAD29F83-B3EF-0846-4599-6BE7B9CF8FBC}"/>
-              </a:ext>
-            </a:extLst>
-          </p:cNvPr>
-          <p:cNvPicPr>
-            <a:picLocks noChangeAspect="1"/>
-          </p:cNvPicPr>
-          <p:nvPr/>
-        </p:nvPicPr>
-        <p:blipFill>
-          <a:blip r:embed="rId3">
-            <a:extLst>
-              <a:ext uri="{28A0092B-C50C-407E-A947-70E740481C1C}">
-                <a14:useLocalDpi xmlns:a14="http://schemas.microsoft.com/office/drawing/2010/main" val="0"/>
-              </a:ext>
-            </a:extLst>
-          </a:blip>
-          <a:stretch>
-            <a:fillRect/>
-          </a:stretch>
-        </p:blipFill>
         <p:spPr>
           <a:xfrm>
-            <a:off x="3124200" y="1524000"/>
-            <a:ext cx="3581400" cy="4932280"/>
+            <a:off x="5562600" y="1600200"/>
+            <a:ext cx="5816600" cy="4419600"/>
           </a:xfrm>
-          <a:prstGeom prst="rect">
-            <a:avLst/>
-          </a:prstGeom>
         </p:spPr>
-      </p:pic>
-      <p:sp>
-        <p:nvSpPr>
-          <p:cNvPr id="2" name="Title 1"/>
-          <p:cNvSpPr>
-            <a:spLocks noGrp="1"/>
-          </p:cNvSpPr>
-          <p:nvPr>
-            <p:ph type="title"/>
-          </p:nvPr>
-        </p:nvSpPr>
-        <p:spPr/>
         <p:txBody>
-          <a:bodyPr/>
+          <a:bodyPr>
+            <a:normAutofit/>
+          </a:bodyPr>
           <a:lstStyle/>
           <a:p>
             <a:r>
               <a:rPr lang="en-US" dirty="0"/>
-              <a:t>How you Will be Evaluated</a:t>
-            </a:r>
-          </a:p>
-        </p:txBody>
-      </p:sp>
-      <p:sp>
-        <p:nvSpPr>
-          <p:cNvPr id="6" name="Oval 5">
-            <a:extLst>
-              <a:ext uri="{FF2B5EF4-FFF2-40B4-BE49-F238E27FC236}">
-                <a16:creationId xmlns:a16="http://schemas.microsoft.com/office/drawing/2014/main" id="{395F68BA-564D-4328-A17A-2DBF4483FF3B}"/>
-              </a:ext>
-            </a:extLst>
-          </p:cNvPr>
-          <p:cNvSpPr/>
-          <p:nvPr/>
-        </p:nvSpPr>
-        <p:spPr>
-          <a:xfrm>
-            <a:off x="3276600" y="3505200"/>
-            <a:ext cx="1219200" cy="838200"/>
-          </a:xfrm>
-          <a:prstGeom prst="ellipse">
-            <a:avLst/>
-          </a:prstGeom>
-          <a:noFill/>
-          <a:ln w="44450">
-            <a:solidFill>
-              <a:srgbClr val="FF0000"/>
-            </a:solidFill>
-          </a:ln>
-        </p:spPr>
-        <p:style>
-          <a:lnRef idx="2">
-            <a:schemeClr val="accent1">
-              <a:shade val="50000"/>
-            </a:schemeClr>
-          </a:lnRef>
-          <a:fillRef idx="1">
-            <a:schemeClr val="accent1"/>
-          </a:fillRef>
-          <a:effectRef idx="0">
-            <a:schemeClr val="accent1"/>
-          </a:effectRef>
-          <a:fontRef idx="minor">
-            <a:schemeClr val="lt1"/>
-          </a:fontRef>
-        </p:style>
-        <p:txBody>
-          <a:bodyPr rtlCol="0" anchor="ctr"/>
-          <a:lstStyle/>
-          <a:p>
-            <a:pPr algn="ctr"/>
-            <a:endParaRPr lang="en-US"/>
-          </a:p>
-        </p:txBody>
-      </p:sp>
-      <p:sp>
-        <p:nvSpPr>
-          <p:cNvPr id="7" name="Rectangle 6">
-            <a:extLst>
-              <a:ext uri="{FF2B5EF4-FFF2-40B4-BE49-F238E27FC236}">
-                <a16:creationId xmlns:a16="http://schemas.microsoft.com/office/drawing/2014/main" id="{F832376C-D270-42C8-B6EF-DB901E163E9A}"/>
-              </a:ext>
-            </a:extLst>
-          </p:cNvPr>
-          <p:cNvSpPr/>
-          <p:nvPr/>
-        </p:nvSpPr>
-        <p:spPr>
-          <a:xfrm>
-            <a:off x="4343400" y="1981200"/>
-            <a:ext cx="2133600" cy="1600200"/>
-          </a:xfrm>
-          <a:prstGeom prst="rect">
-            <a:avLst/>
-          </a:prstGeom>
-          <a:noFill/>
-          <a:ln w="44450">
-            <a:solidFill>
-              <a:srgbClr val="FF0000"/>
-            </a:solidFill>
-          </a:ln>
-        </p:spPr>
-        <p:style>
-          <a:lnRef idx="2">
-            <a:schemeClr val="accent1">
-              <a:shade val="50000"/>
-            </a:schemeClr>
-          </a:lnRef>
-          <a:fillRef idx="1">
-            <a:schemeClr val="accent1"/>
-          </a:fillRef>
-          <a:effectRef idx="0">
-            <a:schemeClr val="accent1"/>
-          </a:effectRef>
-          <a:fontRef idx="minor">
-            <a:schemeClr val="lt1"/>
-          </a:fontRef>
-        </p:style>
-        <p:txBody>
-          <a:bodyPr rtlCol="0" anchor="ctr"/>
-          <a:lstStyle/>
-          <a:p>
-            <a:pPr algn="ctr"/>
-            <a:endParaRPr lang="en-US"/>
-          </a:p>
-        </p:txBody>
-      </p:sp>
-      <p:sp>
-        <p:nvSpPr>
-          <p:cNvPr id="8" name="Oval 7">
-            <a:extLst>
-              <a:ext uri="{FF2B5EF4-FFF2-40B4-BE49-F238E27FC236}">
-                <a16:creationId xmlns:a16="http://schemas.microsoft.com/office/drawing/2014/main" id="{15939D8B-AC03-422F-900B-BECC89780817}"/>
-              </a:ext>
-            </a:extLst>
-          </p:cNvPr>
-          <p:cNvSpPr/>
-          <p:nvPr/>
-        </p:nvSpPr>
-        <p:spPr>
-          <a:xfrm>
-            <a:off x="3276600" y="1676400"/>
-            <a:ext cx="1219200" cy="762000"/>
-          </a:xfrm>
-          <a:prstGeom prst="ellipse">
-            <a:avLst/>
-          </a:prstGeom>
-          <a:noFill/>
-          <a:ln w="44450">
-            <a:solidFill>
-              <a:srgbClr val="FF0000"/>
-            </a:solidFill>
-          </a:ln>
-        </p:spPr>
-        <p:style>
-          <a:lnRef idx="2">
-            <a:schemeClr val="accent1">
-              <a:shade val="50000"/>
-            </a:schemeClr>
-          </a:lnRef>
-          <a:fillRef idx="1">
-            <a:schemeClr val="accent1"/>
-          </a:fillRef>
-          <a:effectRef idx="0">
-            <a:schemeClr val="accent1"/>
-          </a:effectRef>
-          <a:fontRef idx="minor">
-            <a:schemeClr val="lt1"/>
-          </a:fontRef>
-        </p:style>
-        <p:txBody>
-          <a:bodyPr rtlCol="0" anchor="ctr"/>
-          <a:lstStyle/>
-          <a:p>
-            <a:pPr algn="ctr"/>
-            <a:endParaRPr lang="en-US"/>
-          </a:p>
-        </p:txBody>
-      </p:sp>
-      <p:sp>
-        <p:nvSpPr>
-          <p:cNvPr id="9" name="Oval 8">
-            <a:extLst>
-              <a:ext uri="{FF2B5EF4-FFF2-40B4-BE49-F238E27FC236}">
-                <a16:creationId xmlns:a16="http://schemas.microsoft.com/office/drawing/2014/main" id="{CDBA1400-6445-417D-AECD-3D2A2D328CF2}"/>
-              </a:ext>
-            </a:extLst>
-          </p:cNvPr>
-          <p:cNvSpPr/>
-          <p:nvPr/>
-        </p:nvSpPr>
-        <p:spPr>
-          <a:xfrm>
-            <a:off x="3200400" y="5638800"/>
-            <a:ext cx="3429000" cy="746166"/>
-          </a:xfrm>
-          <a:prstGeom prst="ellipse">
-            <a:avLst/>
-          </a:prstGeom>
-          <a:noFill/>
-          <a:ln w="44450">
-            <a:solidFill>
-              <a:srgbClr val="FF0000"/>
-            </a:solidFill>
-          </a:ln>
-        </p:spPr>
-        <p:style>
-          <a:lnRef idx="2">
-            <a:schemeClr val="accent1">
-              <a:shade val="50000"/>
-            </a:schemeClr>
-          </a:lnRef>
-          <a:fillRef idx="1">
-            <a:schemeClr val="accent1"/>
-          </a:fillRef>
-          <a:effectRef idx="0">
-            <a:schemeClr val="accent1"/>
-          </a:effectRef>
-          <a:fontRef idx="minor">
-            <a:schemeClr val="lt1"/>
-          </a:fontRef>
-        </p:style>
-        <p:txBody>
-          <a:bodyPr rtlCol="0" anchor="ctr"/>
-          <a:lstStyle/>
-          <a:p>
-            <a:pPr algn="ctr"/>
-            <a:endParaRPr lang="en-US"/>
-          </a:p>
-        </p:txBody>
-      </p:sp>
-      <p:sp>
-        <p:nvSpPr>
-          <p:cNvPr id="10" name="Rectangle 9">
-            <a:extLst>
-              <a:ext uri="{FF2B5EF4-FFF2-40B4-BE49-F238E27FC236}">
-                <a16:creationId xmlns:a16="http://schemas.microsoft.com/office/drawing/2014/main" id="{B1CAE152-55F1-4152-B069-C8F1B246FE9B}"/>
-              </a:ext>
-            </a:extLst>
-          </p:cNvPr>
-          <p:cNvSpPr/>
-          <p:nvPr/>
-        </p:nvSpPr>
-        <p:spPr>
-          <a:xfrm>
-            <a:off x="4343400" y="3886200"/>
-            <a:ext cx="2133600" cy="1676400"/>
-          </a:xfrm>
-          <a:prstGeom prst="rect">
-            <a:avLst/>
-          </a:prstGeom>
-          <a:noFill/>
-          <a:ln w="44450">
-            <a:solidFill>
-              <a:srgbClr val="FF0000"/>
-            </a:solidFill>
-          </a:ln>
-        </p:spPr>
-        <p:style>
-          <a:lnRef idx="2">
-            <a:schemeClr val="accent1">
-              <a:shade val="50000"/>
-            </a:schemeClr>
-          </a:lnRef>
-          <a:fillRef idx="1">
-            <a:schemeClr val="accent1"/>
-          </a:fillRef>
-          <a:effectRef idx="0">
-            <a:schemeClr val="accent1"/>
-          </a:effectRef>
-          <a:fontRef idx="minor">
-            <a:schemeClr val="lt1"/>
-          </a:fontRef>
-        </p:style>
-        <p:txBody>
-          <a:bodyPr rtlCol="0" anchor="ctr"/>
-          <a:lstStyle/>
-          <a:p>
-            <a:pPr algn="ctr"/>
-            <a:endParaRPr lang="en-US"/>
+              <a:t>Grade will be </a:t>
+            </a:r>
+            <a:r>
+              <a:rPr lang="en-US" b="1" i="1" dirty="0"/>
+              <a:t>curved </a:t>
+            </a:r>
+            <a:endParaRPr lang="en-US" dirty="0"/>
+          </a:p>
+          <a:p>
+            <a:r>
+              <a:rPr lang="en-US" dirty="0"/>
+              <a:t>Typically …</a:t>
+            </a:r>
+          </a:p>
+          <a:p>
+            <a:pPr lvl="1"/>
+            <a:r>
+              <a:rPr lang="en-US" b="1" dirty="0"/>
+              <a:t>A</a:t>
+            </a:r>
+            <a:r>
+              <a:rPr lang="en-US" dirty="0"/>
+              <a:t>: About 10-20% of class</a:t>
+            </a:r>
+          </a:p>
+          <a:p>
+            <a:pPr lvl="1"/>
+            <a:r>
+              <a:rPr lang="en-US" b="1" dirty="0"/>
+              <a:t>B</a:t>
+            </a:r>
+            <a:r>
+              <a:rPr lang="en-US" dirty="0"/>
+              <a:t>: About 30-40% of class</a:t>
+            </a:r>
+          </a:p>
+          <a:p>
+            <a:pPr lvl="1"/>
+            <a:r>
+              <a:rPr lang="en-US" b="1" dirty="0"/>
+              <a:t>C: </a:t>
+            </a:r>
+            <a:r>
+              <a:rPr lang="en-US" dirty="0"/>
+              <a:t>About 20-30% of class</a:t>
+            </a:r>
+          </a:p>
+          <a:p>
+            <a:pPr lvl="1"/>
+            <a:r>
+              <a:rPr lang="en-US" dirty="0"/>
+              <a:t>D and F: hopefully none.</a:t>
+            </a:r>
           </a:p>
         </p:txBody>
       </p:sp>
@@ -7725,7 +7750,11 @@
                                           </p:stCondLst>
                                         </p:cTn>
                                         <p:tgtEl>
-                                          <p:spTgt spid="7"/>
+                                          <p:spTgt spid="11">
+                                            <p:txEl>
+                                              <p:pRg st="0" end="0"/>
+                                            </p:txEl>
+                                          </p:spTgt>
                                         </p:tgtEl>
                                         <p:attrNameLst>
                                           <p:attrName>style.visibility</p:attrName>
@@ -7770,7 +7799,11 @@
                                           </p:stCondLst>
                                         </p:cTn>
                                         <p:tgtEl>
-                                          <p:spTgt spid="8"/>
+                                          <p:spTgt spid="11">
+                                            <p:txEl>
+                                              <p:pRg st="1" end="1"/>
+                                            </p:txEl>
+                                          </p:spTgt>
                                         </p:tgtEl>
                                         <p:attrNameLst>
                                           <p:attrName>style.visibility</p:attrName>
@@ -7783,26 +7816,39 @@
                                   </p:childTnLst>
                                 </p:cTn>
                               </p:par>
-                            </p:childTnLst>
-                          </p:cTn>
-                        </p:par>
-                      </p:childTnLst>
-                    </p:cTn>
-                  </p:par>
-                  <p:par>
-                    <p:cTn id="11" fill="hold">
-                      <p:stCondLst>
-                        <p:cond delay="indefinite"/>
-                      </p:stCondLst>
-                      <p:childTnLst>
-                        <p:par>
-                          <p:cTn id="12" fill="hold">
-                            <p:stCondLst>
-                              <p:cond delay="0"/>
-                            </p:stCondLst>
-                            <p:childTnLst>
                               <p:par>
-                                <p:cTn id="13" presetID="1" presetClass="entr" presetSubtype="0" fill="hold" grpId="0" nodeType="clickEffect">
+                                <p:cTn id="11" presetID="1" presetClass="entr" presetSubtype="0" fill="hold" grpId="0" nodeType="withEffect">
+                                  <p:stCondLst>
+                                    <p:cond delay="0"/>
+                                  </p:stCondLst>
+                                  <p:childTnLst>
+                                    <p:set>
+                                      <p:cBhvr>
+                                        <p:cTn id="12" dur="1" fill="hold">
+                                          <p:stCondLst>
+                                            <p:cond delay="0"/>
+                                          </p:stCondLst>
+                                        </p:cTn>
+                                        <p:tgtEl>
+                                          <p:spTgt spid="11">
+                                            <p:txEl>
+                                              <p:pRg st="2" end="2"/>
+                                            </p:txEl>
+                                          </p:spTgt>
+                                        </p:tgtEl>
+                                        <p:attrNameLst>
+                                          <p:attrName>style.visibility</p:attrName>
+                                        </p:attrNameLst>
+                                      </p:cBhvr>
+                                      <p:to>
+                                        <p:strVal val="visible"/>
+                                      </p:to>
+                                    </p:set>
+                                  </p:childTnLst>
+                                </p:cTn>
+                              </p:par>
+                              <p:par>
+                                <p:cTn id="13" presetID="1" presetClass="entr" presetSubtype="0" fill="hold" grpId="0" nodeType="withEffect">
                                   <p:stCondLst>
                                     <p:cond delay="0"/>
                                   </p:stCondLst>
@@ -7815,7 +7861,11 @@
                                           </p:stCondLst>
                                         </p:cTn>
                                         <p:tgtEl>
-                                          <p:spTgt spid="10"/>
+                                          <p:spTgt spid="11">
+                                            <p:txEl>
+                                              <p:pRg st="3" end="3"/>
+                                            </p:txEl>
+                                          </p:spTgt>
                                         </p:tgtEl>
                                         <p:attrNameLst>
                                           <p:attrName>style.visibility</p:attrName>
@@ -7828,26 +7878,39 @@
                                   </p:childTnLst>
                                 </p:cTn>
                               </p:par>
-                            </p:childTnLst>
-                          </p:cTn>
-                        </p:par>
-                      </p:childTnLst>
-                    </p:cTn>
-                  </p:par>
-                  <p:par>
-                    <p:cTn id="15" fill="hold">
-                      <p:stCondLst>
-                        <p:cond delay="indefinite"/>
-                      </p:stCondLst>
-                      <p:childTnLst>
-                        <p:par>
-                          <p:cTn id="16" fill="hold">
-                            <p:stCondLst>
-                              <p:cond delay="0"/>
-                            </p:stCondLst>
-                            <p:childTnLst>
                               <p:par>
-                                <p:cTn id="17" presetID="1" presetClass="entr" presetSubtype="0" fill="hold" grpId="0" nodeType="clickEffect">
+                                <p:cTn id="15" presetID="1" presetClass="entr" presetSubtype="0" fill="hold" grpId="0" nodeType="withEffect">
+                                  <p:stCondLst>
+                                    <p:cond delay="0"/>
+                                  </p:stCondLst>
+                                  <p:childTnLst>
+                                    <p:set>
+                                      <p:cBhvr>
+                                        <p:cTn id="16" dur="1" fill="hold">
+                                          <p:stCondLst>
+                                            <p:cond delay="0"/>
+                                          </p:stCondLst>
+                                        </p:cTn>
+                                        <p:tgtEl>
+                                          <p:spTgt spid="11">
+                                            <p:txEl>
+                                              <p:pRg st="4" end="4"/>
+                                            </p:txEl>
+                                          </p:spTgt>
+                                        </p:tgtEl>
+                                        <p:attrNameLst>
+                                          <p:attrName>style.visibility</p:attrName>
+                                        </p:attrNameLst>
+                                      </p:cBhvr>
+                                      <p:to>
+                                        <p:strVal val="visible"/>
+                                      </p:to>
+                                    </p:set>
+                                  </p:childTnLst>
+                                </p:cTn>
+                              </p:par>
+                              <p:par>
+                                <p:cTn id="17" presetID="1" presetClass="entr" presetSubtype="0" fill="hold" grpId="0" nodeType="withEffect">
                                   <p:stCondLst>
                                     <p:cond delay="0"/>
                                   </p:stCondLst>
@@ -7860,52 +7923,11 @@
                                           </p:stCondLst>
                                         </p:cTn>
                                         <p:tgtEl>
-                                          <p:spTgt spid="6"/>
-                                        </p:tgtEl>
-                                        <p:attrNameLst>
-                                          <p:attrName>style.visibility</p:attrName>
-                                        </p:attrNameLst>
-                                      </p:cBhvr>
-                                      <p:to>
-                                        <p:strVal val="visible"/>
-                                      </p:to>
-                                    </p:set>
-                                  </p:childTnLst>
-                                </p:cTn>
-                              </p:par>
-                            </p:childTnLst>
-                          </p:cTn>
-                        </p:par>
-                      </p:childTnLst>
-                    </p:cTn>
-                  </p:par>
-                  <p:par>
-                    <p:cTn id="19" fill="hold">
-                      <p:stCondLst>
-                        <p:cond delay="indefinite"/>
-                      </p:stCondLst>
-                      <p:childTnLst>
-                        <p:par>
-                          <p:cTn id="20" fill="hold">
-                            <p:stCondLst>
-                              <p:cond delay="0"/>
-                            </p:stCondLst>
-                            <p:childTnLst>
-                              <p:par>
-                                <p:cTn id="21" presetID="1" presetClass="entr" presetSubtype="0" fill="hold" grpId="0" nodeType="clickEffect">
-                                  <p:stCondLst>
-                                    <p:cond delay="0"/>
-                                  </p:stCondLst>
-                                  <p:childTnLst>
-                                    <p:set>
-                                      <p:cBhvr>
-                                        <p:cTn id="22" dur="1" fill="hold">
-                                          <p:stCondLst>
-                                            <p:cond delay="0"/>
-                                          </p:stCondLst>
-                                        </p:cTn>
-                                        <p:tgtEl>
-                                          <p:spTgt spid="9"/>
+                                          <p:spTgt spid="11">
+                                            <p:txEl>
+                                              <p:pRg st="5" end="5"/>
+                                            </p:txEl>
+                                          </p:spTgt>
                                         </p:tgtEl>
                                         <p:attrNameLst>
                                           <p:attrName>style.visibility</p:attrName>
@@ -7946,12 +7968,612 @@
       </p:par>
     </p:tnLst>
     <p:bldLst>
-      <p:bldP spid="6" grpId="0" animBg="1"/>
-      <p:bldP spid="7" grpId="0" animBg="1"/>
-      <p:bldP spid="8" grpId="0" animBg="1"/>
-      <p:bldP spid="9" grpId="0" animBg="1"/>
-      <p:bldP spid="10" grpId="0" animBg="1"/>
+      <p:bldP spid="11" grpId="0" uiExpand="1" build="p"/>
     </p:bldLst>
+  </p:timing>
+</p:sld>
+</file>
+
+<file path=ppt/slides/slide16.xml><?xml version="1.0" encoding="utf-8"?>
+<p:sld xmlns:a="http://schemas.openxmlformats.org/drawingml/2006/main" xmlns:r="http://schemas.openxmlformats.org/officeDocument/2006/relationships" xmlns:p="http://schemas.openxmlformats.org/presentationml/2006/main">
+  <p:cSld>
+    <p:spTree>
+      <p:nvGrpSpPr>
+        <p:cNvPr id="1" name=""/>
+        <p:cNvGrpSpPr/>
+        <p:nvPr/>
+      </p:nvGrpSpPr>
+      <p:grpSpPr>
+        <a:xfrm>
+          <a:off x="0" y="0"/>
+          <a:ext cx="0" cy="0"/>
+          <a:chOff x="0" y="0"/>
+          <a:chExt cx="0" cy="0"/>
+        </a:xfrm>
+      </p:grpSpPr>
+      <p:sp>
+        <p:nvSpPr>
+          <p:cNvPr id="2" name="Title 1"/>
+          <p:cNvSpPr>
+            <a:spLocks noGrp="1"/>
+          </p:cNvSpPr>
+          <p:nvPr>
+            <p:ph type="title"/>
+          </p:nvPr>
+        </p:nvSpPr>
+        <p:spPr/>
+        <p:txBody>
+          <a:bodyPr/>
+          <a:lstStyle/>
+          <a:p>
+            <a:r>
+              <a:rPr lang="en-US" dirty="0"/>
+              <a:t>While Taking this class …</a:t>
+            </a:r>
+          </a:p>
+        </p:txBody>
+      </p:sp>
+      <p:sp>
+        <p:nvSpPr>
+          <p:cNvPr id="3" name="Content Placeholder 2"/>
+          <p:cNvSpPr>
+            <a:spLocks noGrp="1"/>
+          </p:cNvSpPr>
+          <p:nvPr>
+            <p:ph sz="quarter" idx="13"/>
+          </p:nvPr>
+        </p:nvSpPr>
+        <p:spPr/>
+        <p:txBody>
+          <a:bodyPr>
+            <a:normAutofit/>
+          </a:bodyPr>
+          <a:lstStyle/>
+          <a:p>
+            <a:r>
+              <a:rPr lang="en-US" sz="1800" dirty="0"/>
+              <a:t>Learning:  </a:t>
+            </a:r>
+          </a:p>
+          <a:p>
+            <a:pPr lvl="1"/>
+            <a:r>
+              <a:rPr lang="en-US" sz="1800" dirty="0"/>
+              <a:t>Fun: design, program, debug, play videogames, compete(?)</a:t>
+            </a:r>
+          </a:p>
+          <a:p>
+            <a:pPr lvl="1"/>
+            <a:r>
+              <a:rPr lang="en-US" sz="1800" dirty="0"/>
+              <a:t>Less fun: no time to sleep, deadlines, compete(?)</a:t>
+            </a:r>
+          </a:p>
+          <a:p>
+            <a:pPr lvl="1"/>
+            <a:r>
+              <a:rPr lang="en-US" sz="1800" dirty="0"/>
+              <a:t>Not much time to:</a:t>
+            </a:r>
+          </a:p>
+          <a:p>
+            <a:pPr lvl="2"/>
+            <a:r>
+              <a:rPr lang="en-US" sz="1800" dirty="0"/>
+              <a:t>Do anything else for these two weeks!</a:t>
+            </a:r>
+          </a:p>
+          <a:p>
+            <a:r>
+              <a:rPr lang="en-US" sz="1800" dirty="0"/>
+              <a:t>Team work: </a:t>
+            </a:r>
+          </a:p>
+          <a:p>
+            <a:pPr lvl="2"/>
+            <a:r>
+              <a:rPr lang="en-US" sz="1800" dirty="0"/>
+              <a:t>about yourself, and </a:t>
+            </a:r>
+          </a:p>
+          <a:p>
+            <a:pPr lvl="2"/>
+            <a:r>
+              <a:rPr lang="en-US" sz="1800" dirty="0"/>
+              <a:t>who you want to work with</a:t>
+            </a:r>
+          </a:p>
+          <a:p>
+            <a:r>
+              <a:rPr lang="en-US" sz="1800" dirty="0"/>
+              <a:t>Game development  is about team work (&gt;50% of grade from teamwork)</a:t>
+            </a:r>
+          </a:p>
+          <a:p>
+            <a:endParaRPr lang="en-US" dirty="0"/>
+          </a:p>
+        </p:txBody>
+      </p:sp>
+    </p:spTree>
+    <p:extLst>
+      <p:ext uri="{BB962C8B-B14F-4D97-AF65-F5344CB8AC3E}">
+        <p14:creationId xmlns:p14="http://schemas.microsoft.com/office/powerpoint/2010/main" val="825304880"/>
+      </p:ext>
+    </p:extLst>
+  </p:cSld>
+  <p:clrMapOvr>
+    <a:masterClrMapping/>
+  </p:clrMapOvr>
+  <p:timing>
+    <p:tnLst>
+      <p:par>
+        <p:cTn id="1" dur="indefinite" restart="never" nodeType="tmRoot">
+          <p:childTnLst>
+            <p:seq concurrent="1" nextAc="seek">
+              <p:cTn id="2" dur="indefinite" nodeType="mainSeq">
+                <p:childTnLst>
+                  <p:par>
+                    <p:cTn id="3" fill="hold">
+                      <p:stCondLst>
+                        <p:cond delay="indefinite"/>
+                      </p:stCondLst>
+                      <p:childTnLst>
+                        <p:par>
+                          <p:cTn id="4" fill="hold">
+                            <p:stCondLst>
+                              <p:cond delay="0"/>
+                            </p:stCondLst>
+                            <p:childTnLst>
+                              <p:par>
+                                <p:cTn id="5" presetID="1" presetClass="entr" presetSubtype="0" fill="hold" nodeType="clickEffect">
+                                  <p:stCondLst>
+                                    <p:cond delay="0"/>
+                                  </p:stCondLst>
+                                  <p:childTnLst>
+                                    <p:set>
+                                      <p:cBhvr>
+                                        <p:cTn id="6" dur="1" fill="hold">
+                                          <p:stCondLst>
+                                            <p:cond delay="0"/>
+                                          </p:stCondLst>
+                                        </p:cTn>
+                                        <p:tgtEl>
+                                          <p:spTgt spid="3">
+                                            <p:txEl>
+                                              <p:pRg st="0" end="0"/>
+                                            </p:txEl>
+                                          </p:spTgt>
+                                        </p:tgtEl>
+                                        <p:attrNameLst>
+                                          <p:attrName>style.visibility</p:attrName>
+                                        </p:attrNameLst>
+                                      </p:cBhvr>
+                                      <p:to>
+                                        <p:strVal val="visible"/>
+                                      </p:to>
+                                    </p:set>
+                                  </p:childTnLst>
+                                </p:cTn>
+                              </p:par>
+                            </p:childTnLst>
+                          </p:cTn>
+                        </p:par>
+                      </p:childTnLst>
+                    </p:cTn>
+                  </p:par>
+                  <p:par>
+                    <p:cTn id="7" fill="hold">
+                      <p:stCondLst>
+                        <p:cond delay="indefinite"/>
+                      </p:stCondLst>
+                      <p:childTnLst>
+                        <p:par>
+                          <p:cTn id="8" fill="hold">
+                            <p:stCondLst>
+                              <p:cond delay="0"/>
+                            </p:stCondLst>
+                            <p:childTnLst>
+                              <p:par>
+                                <p:cTn id="9" presetID="1" presetClass="entr" presetSubtype="0" fill="hold" nodeType="clickEffect">
+                                  <p:stCondLst>
+                                    <p:cond delay="0"/>
+                                  </p:stCondLst>
+                                  <p:childTnLst>
+                                    <p:set>
+                                      <p:cBhvr>
+                                        <p:cTn id="10" dur="1" fill="hold">
+                                          <p:stCondLst>
+                                            <p:cond delay="0"/>
+                                          </p:stCondLst>
+                                        </p:cTn>
+                                        <p:tgtEl>
+                                          <p:spTgt spid="3">
+                                            <p:txEl>
+                                              <p:pRg st="1" end="1"/>
+                                            </p:txEl>
+                                          </p:spTgt>
+                                        </p:tgtEl>
+                                        <p:attrNameLst>
+                                          <p:attrName>style.visibility</p:attrName>
+                                        </p:attrNameLst>
+                                      </p:cBhvr>
+                                      <p:to>
+                                        <p:strVal val="visible"/>
+                                      </p:to>
+                                    </p:set>
+                                  </p:childTnLst>
+                                </p:cTn>
+                              </p:par>
+                            </p:childTnLst>
+                          </p:cTn>
+                        </p:par>
+                      </p:childTnLst>
+                    </p:cTn>
+                  </p:par>
+                  <p:par>
+                    <p:cTn id="11" fill="hold">
+                      <p:stCondLst>
+                        <p:cond delay="indefinite"/>
+                      </p:stCondLst>
+                      <p:childTnLst>
+                        <p:par>
+                          <p:cTn id="12" fill="hold">
+                            <p:stCondLst>
+                              <p:cond delay="0"/>
+                            </p:stCondLst>
+                            <p:childTnLst>
+                              <p:par>
+                                <p:cTn id="13" presetID="1" presetClass="entr" presetSubtype="0" fill="hold" nodeType="clickEffect">
+                                  <p:stCondLst>
+                                    <p:cond delay="0"/>
+                                  </p:stCondLst>
+                                  <p:childTnLst>
+                                    <p:set>
+                                      <p:cBhvr>
+                                        <p:cTn id="14" dur="1" fill="hold">
+                                          <p:stCondLst>
+                                            <p:cond delay="0"/>
+                                          </p:stCondLst>
+                                        </p:cTn>
+                                        <p:tgtEl>
+                                          <p:spTgt spid="3">
+                                            <p:txEl>
+                                              <p:pRg st="2" end="2"/>
+                                            </p:txEl>
+                                          </p:spTgt>
+                                        </p:tgtEl>
+                                        <p:attrNameLst>
+                                          <p:attrName>style.visibility</p:attrName>
+                                        </p:attrNameLst>
+                                      </p:cBhvr>
+                                      <p:to>
+                                        <p:strVal val="visible"/>
+                                      </p:to>
+                                    </p:set>
+                                  </p:childTnLst>
+                                </p:cTn>
+                              </p:par>
+                            </p:childTnLst>
+                          </p:cTn>
+                        </p:par>
+                      </p:childTnLst>
+                    </p:cTn>
+                  </p:par>
+                  <p:par>
+                    <p:cTn id="15" fill="hold">
+                      <p:stCondLst>
+                        <p:cond delay="indefinite"/>
+                      </p:stCondLst>
+                      <p:childTnLst>
+                        <p:par>
+                          <p:cTn id="16" fill="hold">
+                            <p:stCondLst>
+                              <p:cond delay="0"/>
+                            </p:stCondLst>
+                            <p:childTnLst>
+                              <p:par>
+                                <p:cTn id="17" presetID="1" presetClass="entr" presetSubtype="0" fill="hold" nodeType="clickEffect">
+                                  <p:stCondLst>
+                                    <p:cond delay="0"/>
+                                  </p:stCondLst>
+                                  <p:childTnLst>
+                                    <p:set>
+                                      <p:cBhvr>
+                                        <p:cTn id="18" dur="1" fill="hold">
+                                          <p:stCondLst>
+                                            <p:cond delay="0"/>
+                                          </p:stCondLst>
+                                        </p:cTn>
+                                        <p:tgtEl>
+                                          <p:spTgt spid="3">
+                                            <p:txEl>
+                                              <p:pRg st="3" end="3"/>
+                                            </p:txEl>
+                                          </p:spTgt>
+                                        </p:tgtEl>
+                                        <p:attrNameLst>
+                                          <p:attrName>style.visibility</p:attrName>
+                                        </p:attrNameLst>
+                                      </p:cBhvr>
+                                      <p:to>
+                                        <p:strVal val="visible"/>
+                                      </p:to>
+                                    </p:set>
+                                  </p:childTnLst>
+                                </p:cTn>
+                              </p:par>
+                            </p:childTnLst>
+                          </p:cTn>
+                        </p:par>
+                      </p:childTnLst>
+                    </p:cTn>
+                  </p:par>
+                  <p:par>
+                    <p:cTn id="19" fill="hold">
+                      <p:stCondLst>
+                        <p:cond delay="indefinite"/>
+                      </p:stCondLst>
+                      <p:childTnLst>
+                        <p:par>
+                          <p:cTn id="20" fill="hold">
+                            <p:stCondLst>
+                              <p:cond delay="0"/>
+                            </p:stCondLst>
+                            <p:childTnLst>
+                              <p:par>
+                                <p:cTn id="21" presetID="1" presetClass="entr" presetSubtype="0" fill="hold" nodeType="clickEffect">
+                                  <p:stCondLst>
+                                    <p:cond delay="0"/>
+                                  </p:stCondLst>
+                                  <p:childTnLst>
+                                    <p:set>
+                                      <p:cBhvr>
+                                        <p:cTn id="22" dur="1" fill="hold">
+                                          <p:stCondLst>
+                                            <p:cond delay="0"/>
+                                          </p:stCondLst>
+                                        </p:cTn>
+                                        <p:tgtEl>
+                                          <p:spTgt spid="3">
+                                            <p:txEl>
+                                              <p:pRg st="4" end="4"/>
+                                            </p:txEl>
+                                          </p:spTgt>
+                                        </p:tgtEl>
+                                        <p:attrNameLst>
+                                          <p:attrName>style.visibility</p:attrName>
+                                        </p:attrNameLst>
+                                      </p:cBhvr>
+                                      <p:to>
+                                        <p:strVal val="visible"/>
+                                      </p:to>
+                                    </p:set>
+                                  </p:childTnLst>
+                                </p:cTn>
+                              </p:par>
+                            </p:childTnLst>
+                          </p:cTn>
+                        </p:par>
+                      </p:childTnLst>
+                    </p:cTn>
+                  </p:par>
+                  <p:par>
+                    <p:cTn id="23" fill="hold">
+                      <p:stCondLst>
+                        <p:cond delay="indefinite"/>
+                      </p:stCondLst>
+                      <p:childTnLst>
+                        <p:par>
+                          <p:cTn id="24" fill="hold">
+                            <p:stCondLst>
+                              <p:cond delay="0"/>
+                            </p:stCondLst>
+                            <p:childTnLst>
+                              <p:par>
+                                <p:cTn id="25" presetID="1" presetClass="entr" presetSubtype="0" fill="hold" nodeType="clickEffect">
+                                  <p:stCondLst>
+                                    <p:cond delay="0"/>
+                                  </p:stCondLst>
+                                  <p:childTnLst>
+                                    <p:set>
+                                      <p:cBhvr>
+                                        <p:cTn id="26" dur="1" fill="hold">
+                                          <p:stCondLst>
+                                            <p:cond delay="0"/>
+                                          </p:stCondLst>
+                                        </p:cTn>
+                                        <p:tgtEl>
+                                          <p:spTgt spid="3">
+                                            <p:txEl>
+                                              <p:pRg st="5" end="5"/>
+                                            </p:txEl>
+                                          </p:spTgt>
+                                        </p:tgtEl>
+                                        <p:attrNameLst>
+                                          <p:attrName>style.visibility</p:attrName>
+                                        </p:attrNameLst>
+                                      </p:cBhvr>
+                                      <p:to>
+                                        <p:strVal val="visible"/>
+                                      </p:to>
+                                    </p:set>
+                                  </p:childTnLst>
+                                </p:cTn>
+                              </p:par>
+                            </p:childTnLst>
+                          </p:cTn>
+                        </p:par>
+                      </p:childTnLst>
+                    </p:cTn>
+                  </p:par>
+                  <p:par>
+                    <p:cTn id="27" fill="hold">
+                      <p:stCondLst>
+                        <p:cond delay="indefinite"/>
+                      </p:stCondLst>
+                      <p:childTnLst>
+                        <p:par>
+                          <p:cTn id="28" fill="hold">
+                            <p:stCondLst>
+                              <p:cond delay="0"/>
+                            </p:stCondLst>
+                            <p:childTnLst>
+                              <p:par>
+                                <p:cTn id="29" presetID="1" presetClass="entr" presetSubtype="0" fill="hold" nodeType="clickEffect">
+                                  <p:stCondLst>
+                                    <p:cond delay="0"/>
+                                  </p:stCondLst>
+                                  <p:childTnLst>
+                                    <p:set>
+                                      <p:cBhvr>
+                                        <p:cTn id="30" dur="1" fill="hold">
+                                          <p:stCondLst>
+                                            <p:cond delay="0"/>
+                                          </p:stCondLst>
+                                        </p:cTn>
+                                        <p:tgtEl>
+                                          <p:spTgt spid="3">
+                                            <p:txEl>
+                                              <p:pRg st="6" end="6"/>
+                                            </p:txEl>
+                                          </p:spTgt>
+                                        </p:tgtEl>
+                                        <p:attrNameLst>
+                                          <p:attrName>style.visibility</p:attrName>
+                                        </p:attrNameLst>
+                                      </p:cBhvr>
+                                      <p:to>
+                                        <p:strVal val="visible"/>
+                                      </p:to>
+                                    </p:set>
+                                  </p:childTnLst>
+                                </p:cTn>
+                              </p:par>
+                            </p:childTnLst>
+                          </p:cTn>
+                        </p:par>
+                      </p:childTnLst>
+                    </p:cTn>
+                  </p:par>
+                  <p:par>
+                    <p:cTn id="31" fill="hold">
+                      <p:stCondLst>
+                        <p:cond delay="indefinite"/>
+                      </p:stCondLst>
+                      <p:childTnLst>
+                        <p:par>
+                          <p:cTn id="32" fill="hold">
+                            <p:stCondLst>
+                              <p:cond delay="0"/>
+                            </p:stCondLst>
+                            <p:childTnLst>
+                              <p:par>
+                                <p:cTn id="33" presetID="1" presetClass="entr" presetSubtype="0" fill="hold" nodeType="clickEffect">
+                                  <p:stCondLst>
+                                    <p:cond delay="0"/>
+                                  </p:stCondLst>
+                                  <p:childTnLst>
+                                    <p:set>
+                                      <p:cBhvr>
+                                        <p:cTn id="34" dur="1" fill="hold">
+                                          <p:stCondLst>
+                                            <p:cond delay="0"/>
+                                          </p:stCondLst>
+                                        </p:cTn>
+                                        <p:tgtEl>
+                                          <p:spTgt spid="3">
+                                            <p:txEl>
+                                              <p:pRg st="7" end="7"/>
+                                            </p:txEl>
+                                          </p:spTgt>
+                                        </p:tgtEl>
+                                        <p:attrNameLst>
+                                          <p:attrName>style.visibility</p:attrName>
+                                        </p:attrNameLst>
+                                      </p:cBhvr>
+                                      <p:to>
+                                        <p:strVal val="visible"/>
+                                      </p:to>
+                                    </p:set>
+                                  </p:childTnLst>
+                                </p:cTn>
+                              </p:par>
+                            </p:childTnLst>
+                          </p:cTn>
+                        </p:par>
+                      </p:childTnLst>
+                    </p:cTn>
+                  </p:par>
+                  <p:par>
+                    <p:cTn id="35" fill="hold">
+                      <p:stCondLst>
+                        <p:cond delay="indefinite"/>
+                      </p:stCondLst>
+                      <p:childTnLst>
+                        <p:par>
+                          <p:cTn id="36" fill="hold">
+                            <p:stCondLst>
+                              <p:cond delay="0"/>
+                            </p:stCondLst>
+                            <p:childTnLst>
+                              <p:par>
+                                <p:cTn id="37" presetID="1" presetClass="entr" presetSubtype="0" fill="hold" nodeType="clickEffect">
+                                  <p:stCondLst>
+                                    <p:cond delay="0"/>
+                                  </p:stCondLst>
+                                  <p:childTnLst>
+                                    <p:set>
+                                      <p:cBhvr>
+                                        <p:cTn id="38" dur="1" fill="hold">
+                                          <p:stCondLst>
+                                            <p:cond delay="0"/>
+                                          </p:stCondLst>
+                                        </p:cTn>
+                                        <p:tgtEl>
+                                          <p:spTgt spid="3">
+                                            <p:txEl>
+                                              <p:pRg st="8" end="8"/>
+                                            </p:txEl>
+                                          </p:spTgt>
+                                        </p:tgtEl>
+                                        <p:attrNameLst>
+                                          <p:attrName>style.visibility</p:attrName>
+                                        </p:attrNameLst>
+                                      </p:cBhvr>
+                                      <p:to>
+                                        <p:strVal val="visible"/>
+                                      </p:to>
+                                    </p:set>
+                                  </p:childTnLst>
+                                </p:cTn>
+                              </p:par>
+                            </p:childTnLst>
+                          </p:cTn>
+                        </p:par>
+                      </p:childTnLst>
+                    </p:cTn>
+                  </p:par>
+                </p:childTnLst>
+              </p:cTn>
+              <p:prevCondLst>
+                <p:cond evt="onPrev" delay="0">
+                  <p:tgtEl>
+                    <p:sldTgt/>
+                  </p:tgtEl>
+                </p:cond>
+              </p:prevCondLst>
+              <p:nextCondLst>
+                <p:cond evt="onNext" delay="0">
+                  <p:tgtEl>
+                    <p:sldTgt/>
+                  </p:tgtEl>
+                </p:cond>
+              </p:nextCondLst>
+            </p:seq>
+          </p:childTnLst>
+        </p:cTn>
+      </p:par>
+    </p:tnLst>
   </p:timing>
 </p:sld>
 </file>
@@ -7990,7 +8612,7 @@
           <a:p>
             <a:r>
               <a:rPr lang="en-US" dirty="0"/>
-              <a:t>While Taking this class …</a:t>
+              <a:t>Teaching and Learning</a:t>
             </a:r>
           </a:p>
         </p:txBody>
@@ -8005,7 +8627,12 @@
             <p:ph sz="quarter" idx="13"/>
           </p:nvPr>
         </p:nvSpPr>
-        <p:spPr/>
+        <p:spPr>
+          <a:xfrm>
+            <a:off x="1066800" y="1600200"/>
+            <a:ext cx="10312400" cy="4114800"/>
+          </a:xfrm>
+        </p:spPr>
         <p:txBody>
           <a:bodyPr>
             <a:normAutofit/>
@@ -8013,73 +8640,99 @@
           <a:lstStyle/>
           <a:p>
             <a:r>
-              <a:rPr lang="en-US" sz="1800" dirty="0"/>
-              <a:t>Learning:  </a:t>
+              <a:rPr lang="en-US" dirty="0"/>
+              <a:t>I teach based on: </a:t>
             </a:r>
           </a:p>
           <a:p>
             <a:pPr lvl="1"/>
             <a:r>
-              <a:rPr lang="en-US" sz="1800" dirty="0"/>
-              <a:t>Fun: design, program, debug, play videogames, compete(?)</a:t>
+              <a:rPr lang="en-US" dirty="0"/>
+              <a:t>Showing and demonstrating examples (</a:t>
+            </a:r>
+            <a:r>
+              <a:rPr lang="en-US" dirty="0" err="1"/>
+              <a:t>ppts</a:t>
+            </a:r>
+            <a:r>
+              <a:rPr lang="en-US" dirty="0"/>
+              <a:t> when appropriate)</a:t>
             </a:r>
           </a:p>
           <a:p>
             <a:pPr lvl="1"/>
             <a:r>
-              <a:rPr lang="en-US" sz="1800" dirty="0"/>
-              <a:t>Less fun: no time to sleep, deadlines, compete(?)</a:t>
+              <a:rPr lang="en-US" dirty="0"/>
+              <a:t>Referring to lecture notes explaining the examples</a:t>
             </a:r>
           </a:p>
           <a:p>
             <a:pPr lvl="1"/>
             <a:r>
-              <a:rPr lang="en-US" sz="1800" dirty="0"/>
-              <a:t>Not much time to:</a:t>
-            </a:r>
-          </a:p>
-          <a:p>
-            <a:pPr lvl="2"/>
-            <a:r>
-              <a:rPr lang="en-US" sz="1800" dirty="0"/>
-              <a:t>Do anything else for these two weeks!</a:t>
-            </a:r>
-          </a:p>
-          <a:p>
-            <a:r>
-              <a:rPr lang="en-US" sz="1800" dirty="0"/>
-              <a:t>Team work: </a:t>
-            </a:r>
-          </a:p>
-          <a:p>
-            <a:pPr lvl="2"/>
-            <a:r>
-              <a:rPr lang="en-US" sz="1800" dirty="0"/>
-              <a:t>about yourself, and </a:t>
-            </a:r>
-          </a:p>
-          <a:p>
-            <a:pPr lvl="2"/>
-            <a:r>
-              <a:rPr lang="en-US" sz="1800" dirty="0"/>
-              <a:t>who you want to work with</a:t>
-            </a:r>
-          </a:p>
-          <a:p>
-            <a:r>
-              <a:rPr lang="en-US" sz="1800" dirty="0"/>
-              <a:t>Game development  is about team work (&gt;50% of grade from teamwork)</a:t>
-            </a:r>
-          </a:p>
-          <a:p>
-            <a:endParaRPr lang="en-US" dirty="0"/>
+              <a:rPr lang="en-US" b="1" dirty="0">
+                <a:solidFill>
+                  <a:srgbClr val="FFFF00"/>
+                </a:solidFill>
+              </a:rPr>
+              <a:t>Receiving questions/comments from you</a:t>
+            </a:r>
+            <a:r>
+              <a:rPr lang="en-US" dirty="0"/>
+              <a:t>!!</a:t>
+            </a:r>
+          </a:p>
+          <a:p>
+            <a:r>
+              <a:rPr lang="en-US" dirty="0"/>
+              <a:t>You are responsible to learn by:</a:t>
+            </a:r>
+          </a:p>
+          <a:p>
+            <a:pPr lvl="1"/>
+            <a:r>
+              <a:rPr lang="en-US" dirty="0"/>
+              <a:t>Following the examples in class [</a:t>
+            </a:r>
+            <a:r>
+              <a:rPr lang="en-US" b="1" dirty="0">
+                <a:solidFill>
+                  <a:srgbClr val="FFFF00"/>
+                </a:solidFill>
+              </a:rPr>
+              <a:t>ASK questions</a:t>
+            </a:r>
+            <a:r>
+              <a:rPr lang="en-US" dirty="0"/>
+              <a:t>]</a:t>
+            </a:r>
+          </a:p>
+          <a:p>
+            <a:pPr lvl="1"/>
+            <a:r>
+              <a:rPr lang="en-US" dirty="0"/>
+              <a:t>Understanding the concepts behind the examples</a:t>
+            </a:r>
+          </a:p>
+          <a:p>
+            <a:pPr lvl="1"/>
+            <a:r>
+              <a:rPr lang="en-US" dirty="0"/>
+              <a:t>Practicing and reviewing the concepts/skills by hands-on exercises</a:t>
+            </a:r>
+          </a:p>
+          <a:p>
+            <a:pPr lvl="1"/>
+            <a:r>
+              <a:rPr lang="en-US" dirty="0"/>
+              <a:t>Remember to ask questions: </a:t>
+            </a:r>
           </a:p>
         </p:txBody>
       </p:sp>
     </p:spTree>
     <p:extLst>
       <p:ext uri="{BB962C8B-B14F-4D97-AF65-F5344CB8AC3E}">
-        <p14:creationId xmlns:p14="http://schemas.microsoft.com/office/powerpoint/2010/main" val="825304880"/>
+        <p14:creationId xmlns:p14="http://schemas.microsoft.com/office/powerpoint/2010/main" val="1726513893"/>
       </p:ext>
     </p:extLst>
   </p:cSld>
@@ -8579,641 +9232,6 @@
       </p:grpSpPr>
       <p:sp>
         <p:nvSpPr>
-          <p:cNvPr id="2" name="Title 1"/>
-          <p:cNvSpPr>
-            <a:spLocks noGrp="1"/>
-          </p:cNvSpPr>
-          <p:nvPr>
-            <p:ph type="title"/>
-          </p:nvPr>
-        </p:nvSpPr>
-        <p:spPr/>
-        <p:txBody>
-          <a:bodyPr/>
-          <a:lstStyle/>
-          <a:p>
-            <a:r>
-              <a:rPr lang="en-US" dirty="0"/>
-              <a:t>Teaching and Learning</a:t>
-            </a:r>
-          </a:p>
-        </p:txBody>
-      </p:sp>
-      <p:sp>
-        <p:nvSpPr>
-          <p:cNvPr id="3" name="Content Placeholder 2"/>
-          <p:cNvSpPr>
-            <a:spLocks noGrp="1"/>
-          </p:cNvSpPr>
-          <p:nvPr>
-            <p:ph sz="quarter" idx="13"/>
-          </p:nvPr>
-        </p:nvSpPr>
-        <p:spPr>
-          <a:xfrm>
-            <a:off x="1066800" y="1600200"/>
-            <a:ext cx="10312400" cy="4114800"/>
-          </a:xfrm>
-        </p:spPr>
-        <p:txBody>
-          <a:bodyPr>
-            <a:normAutofit/>
-          </a:bodyPr>
-          <a:lstStyle/>
-          <a:p>
-            <a:r>
-              <a:rPr lang="en-US" dirty="0"/>
-              <a:t>I teach based on: </a:t>
-            </a:r>
-          </a:p>
-          <a:p>
-            <a:pPr lvl="1"/>
-            <a:r>
-              <a:rPr lang="en-US" dirty="0"/>
-              <a:t>Showing and demonstrating examples (</a:t>
-            </a:r>
-            <a:r>
-              <a:rPr lang="en-US" dirty="0" err="1"/>
-              <a:t>ppts</a:t>
-            </a:r>
-            <a:r>
-              <a:rPr lang="en-US" dirty="0"/>
-              <a:t> when appropriate)</a:t>
-            </a:r>
-          </a:p>
-          <a:p>
-            <a:pPr lvl="1"/>
-            <a:r>
-              <a:rPr lang="en-US" dirty="0"/>
-              <a:t>Referring to lecture notes explaining the examples</a:t>
-            </a:r>
-          </a:p>
-          <a:p>
-            <a:pPr lvl="1"/>
-            <a:r>
-              <a:rPr lang="en-US" b="1" dirty="0">
-                <a:solidFill>
-                  <a:srgbClr val="FFFF00"/>
-                </a:solidFill>
-              </a:rPr>
-              <a:t>Receiving questions/comments from you</a:t>
-            </a:r>
-            <a:r>
-              <a:rPr lang="en-US" dirty="0"/>
-              <a:t>!!</a:t>
-            </a:r>
-          </a:p>
-          <a:p>
-            <a:r>
-              <a:rPr lang="en-US" dirty="0"/>
-              <a:t>You are responsible to learn by:</a:t>
-            </a:r>
-          </a:p>
-          <a:p>
-            <a:pPr lvl="1"/>
-            <a:r>
-              <a:rPr lang="en-US" dirty="0"/>
-              <a:t>Following the examples in class [</a:t>
-            </a:r>
-            <a:r>
-              <a:rPr lang="en-US" b="1" dirty="0">
-                <a:solidFill>
-                  <a:srgbClr val="FFFF00"/>
-                </a:solidFill>
-              </a:rPr>
-              <a:t>ASK questions</a:t>
-            </a:r>
-            <a:r>
-              <a:rPr lang="en-US" dirty="0"/>
-              <a:t>]</a:t>
-            </a:r>
-          </a:p>
-          <a:p>
-            <a:pPr lvl="1"/>
-            <a:r>
-              <a:rPr lang="en-US" dirty="0"/>
-              <a:t>Understanding the concepts behind the examples</a:t>
-            </a:r>
-          </a:p>
-          <a:p>
-            <a:pPr lvl="1"/>
-            <a:r>
-              <a:rPr lang="en-US" dirty="0"/>
-              <a:t>Practicing and reviewing the concepts/skills by hands-on exercises</a:t>
-            </a:r>
-          </a:p>
-          <a:p>
-            <a:pPr lvl="1"/>
-            <a:r>
-              <a:rPr lang="en-US" dirty="0"/>
-              <a:t>Remember to ask questions: </a:t>
-            </a:r>
-          </a:p>
-        </p:txBody>
-      </p:sp>
-    </p:spTree>
-    <p:extLst>
-      <p:ext uri="{BB962C8B-B14F-4D97-AF65-F5344CB8AC3E}">
-        <p14:creationId xmlns:p14="http://schemas.microsoft.com/office/powerpoint/2010/main" val="1726513893"/>
-      </p:ext>
-    </p:extLst>
-  </p:cSld>
-  <p:clrMapOvr>
-    <a:masterClrMapping/>
-  </p:clrMapOvr>
-  <p:timing>
-    <p:tnLst>
-      <p:par>
-        <p:cTn id="1" dur="indefinite" restart="never" nodeType="tmRoot">
-          <p:childTnLst>
-            <p:seq concurrent="1" nextAc="seek">
-              <p:cTn id="2" dur="indefinite" nodeType="mainSeq">
-                <p:childTnLst>
-                  <p:par>
-                    <p:cTn id="3" fill="hold">
-                      <p:stCondLst>
-                        <p:cond delay="indefinite"/>
-                      </p:stCondLst>
-                      <p:childTnLst>
-                        <p:par>
-                          <p:cTn id="4" fill="hold">
-                            <p:stCondLst>
-                              <p:cond delay="0"/>
-                            </p:stCondLst>
-                            <p:childTnLst>
-                              <p:par>
-                                <p:cTn id="5" presetID="1" presetClass="entr" presetSubtype="0" fill="hold" nodeType="clickEffect">
-                                  <p:stCondLst>
-                                    <p:cond delay="0"/>
-                                  </p:stCondLst>
-                                  <p:childTnLst>
-                                    <p:set>
-                                      <p:cBhvr>
-                                        <p:cTn id="6" dur="1" fill="hold">
-                                          <p:stCondLst>
-                                            <p:cond delay="0"/>
-                                          </p:stCondLst>
-                                        </p:cTn>
-                                        <p:tgtEl>
-                                          <p:spTgt spid="3">
-                                            <p:txEl>
-                                              <p:pRg st="0" end="0"/>
-                                            </p:txEl>
-                                          </p:spTgt>
-                                        </p:tgtEl>
-                                        <p:attrNameLst>
-                                          <p:attrName>style.visibility</p:attrName>
-                                        </p:attrNameLst>
-                                      </p:cBhvr>
-                                      <p:to>
-                                        <p:strVal val="visible"/>
-                                      </p:to>
-                                    </p:set>
-                                  </p:childTnLst>
-                                </p:cTn>
-                              </p:par>
-                            </p:childTnLst>
-                          </p:cTn>
-                        </p:par>
-                      </p:childTnLst>
-                    </p:cTn>
-                  </p:par>
-                  <p:par>
-                    <p:cTn id="7" fill="hold">
-                      <p:stCondLst>
-                        <p:cond delay="indefinite"/>
-                      </p:stCondLst>
-                      <p:childTnLst>
-                        <p:par>
-                          <p:cTn id="8" fill="hold">
-                            <p:stCondLst>
-                              <p:cond delay="0"/>
-                            </p:stCondLst>
-                            <p:childTnLst>
-                              <p:par>
-                                <p:cTn id="9" presetID="1" presetClass="entr" presetSubtype="0" fill="hold" nodeType="clickEffect">
-                                  <p:stCondLst>
-                                    <p:cond delay="0"/>
-                                  </p:stCondLst>
-                                  <p:childTnLst>
-                                    <p:set>
-                                      <p:cBhvr>
-                                        <p:cTn id="10" dur="1" fill="hold">
-                                          <p:stCondLst>
-                                            <p:cond delay="0"/>
-                                          </p:stCondLst>
-                                        </p:cTn>
-                                        <p:tgtEl>
-                                          <p:spTgt spid="3">
-                                            <p:txEl>
-                                              <p:pRg st="1" end="1"/>
-                                            </p:txEl>
-                                          </p:spTgt>
-                                        </p:tgtEl>
-                                        <p:attrNameLst>
-                                          <p:attrName>style.visibility</p:attrName>
-                                        </p:attrNameLst>
-                                      </p:cBhvr>
-                                      <p:to>
-                                        <p:strVal val="visible"/>
-                                      </p:to>
-                                    </p:set>
-                                  </p:childTnLst>
-                                </p:cTn>
-                              </p:par>
-                            </p:childTnLst>
-                          </p:cTn>
-                        </p:par>
-                      </p:childTnLst>
-                    </p:cTn>
-                  </p:par>
-                  <p:par>
-                    <p:cTn id="11" fill="hold">
-                      <p:stCondLst>
-                        <p:cond delay="indefinite"/>
-                      </p:stCondLst>
-                      <p:childTnLst>
-                        <p:par>
-                          <p:cTn id="12" fill="hold">
-                            <p:stCondLst>
-                              <p:cond delay="0"/>
-                            </p:stCondLst>
-                            <p:childTnLst>
-                              <p:par>
-                                <p:cTn id="13" presetID="1" presetClass="entr" presetSubtype="0" fill="hold" nodeType="clickEffect">
-                                  <p:stCondLst>
-                                    <p:cond delay="0"/>
-                                  </p:stCondLst>
-                                  <p:childTnLst>
-                                    <p:set>
-                                      <p:cBhvr>
-                                        <p:cTn id="14" dur="1" fill="hold">
-                                          <p:stCondLst>
-                                            <p:cond delay="0"/>
-                                          </p:stCondLst>
-                                        </p:cTn>
-                                        <p:tgtEl>
-                                          <p:spTgt spid="3">
-                                            <p:txEl>
-                                              <p:pRg st="2" end="2"/>
-                                            </p:txEl>
-                                          </p:spTgt>
-                                        </p:tgtEl>
-                                        <p:attrNameLst>
-                                          <p:attrName>style.visibility</p:attrName>
-                                        </p:attrNameLst>
-                                      </p:cBhvr>
-                                      <p:to>
-                                        <p:strVal val="visible"/>
-                                      </p:to>
-                                    </p:set>
-                                  </p:childTnLst>
-                                </p:cTn>
-                              </p:par>
-                            </p:childTnLst>
-                          </p:cTn>
-                        </p:par>
-                      </p:childTnLst>
-                    </p:cTn>
-                  </p:par>
-                  <p:par>
-                    <p:cTn id="15" fill="hold">
-                      <p:stCondLst>
-                        <p:cond delay="indefinite"/>
-                      </p:stCondLst>
-                      <p:childTnLst>
-                        <p:par>
-                          <p:cTn id="16" fill="hold">
-                            <p:stCondLst>
-                              <p:cond delay="0"/>
-                            </p:stCondLst>
-                            <p:childTnLst>
-                              <p:par>
-                                <p:cTn id="17" presetID="1" presetClass="entr" presetSubtype="0" fill="hold" nodeType="clickEffect">
-                                  <p:stCondLst>
-                                    <p:cond delay="0"/>
-                                  </p:stCondLst>
-                                  <p:childTnLst>
-                                    <p:set>
-                                      <p:cBhvr>
-                                        <p:cTn id="18" dur="1" fill="hold">
-                                          <p:stCondLst>
-                                            <p:cond delay="0"/>
-                                          </p:stCondLst>
-                                        </p:cTn>
-                                        <p:tgtEl>
-                                          <p:spTgt spid="3">
-                                            <p:txEl>
-                                              <p:pRg st="3" end="3"/>
-                                            </p:txEl>
-                                          </p:spTgt>
-                                        </p:tgtEl>
-                                        <p:attrNameLst>
-                                          <p:attrName>style.visibility</p:attrName>
-                                        </p:attrNameLst>
-                                      </p:cBhvr>
-                                      <p:to>
-                                        <p:strVal val="visible"/>
-                                      </p:to>
-                                    </p:set>
-                                  </p:childTnLst>
-                                </p:cTn>
-                              </p:par>
-                            </p:childTnLst>
-                          </p:cTn>
-                        </p:par>
-                      </p:childTnLst>
-                    </p:cTn>
-                  </p:par>
-                  <p:par>
-                    <p:cTn id="19" fill="hold">
-                      <p:stCondLst>
-                        <p:cond delay="indefinite"/>
-                      </p:stCondLst>
-                      <p:childTnLst>
-                        <p:par>
-                          <p:cTn id="20" fill="hold">
-                            <p:stCondLst>
-                              <p:cond delay="0"/>
-                            </p:stCondLst>
-                            <p:childTnLst>
-                              <p:par>
-                                <p:cTn id="21" presetID="1" presetClass="entr" presetSubtype="0" fill="hold" nodeType="clickEffect">
-                                  <p:stCondLst>
-                                    <p:cond delay="0"/>
-                                  </p:stCondLst>
-                                  <p:childTnLst>
-                                    <p:set>
-                                      <p:cBhvr>
-                                        <p:cTn id="22" dur="1" fill="hold">
-                                          <p:stCondLst>
-                                            <p:cond delay="0"/>
-                                          </p:stCondLst>
-                                        </p:cTn>
-                                        <p:tgtEl>
-                                          <p:spTgt spid="3">
-                                            <p:txEl>
-                                              <p:pRg st="4" end="4"/>
-                                            </p:txEl>
-                                          </p:spTgt>
-                                        </p:tgtEl>
-                                        <p:attrNameLst>
-                                          <p:attrName>style.visibility</p:attrName>
-                                        </p:attrNameLst>
-                                      </p:cBhvr>
-                                      <p:to>
-                                        <p:strVal val="visible"/>
-                                      </p:to>
-                                    </p:set>
-                                  </p:childTnLst>
-                                </p:cTn>
-                              </p:par>
-                            </p:childTnLst>
-                          </p:cTn>
-                        </p:par>
-                      </p:childTnLst>
-                    </p:cTn>
-                  </p:par>
-                  <p:par>
-                    <p:cTn id="23" fill="hold">
-                      <p:stCondLst>
-                        <p:cond delay="indefinite"/>
-                      </p:stCondLst>
-                      <p:childTnLst>
-                        <p:par>
-                          <p:cTn id="24" fill="hold">
-                            <p:stCondLst>
-                              <p:cond delay="0"/>
-                            </p:stCondLst>
-                            <p:childTnLst>
-                              <p:par>
-                                <p:cTn id="25" presetID="1" presetClass="entr" presetSubtype="0" fill="hold" nodeType="clickEffect">
-                                  <p:stCondLst>
-                                    <p:cond delay="0"/>
-                                  </p:stCondLst>
-                                  <p:childTnLst>
-                                    <p:set>
-                                      <p:cBhvr>
-                                        <p:cTn id="26" dur="1" fill="hold">
-                                          <p:stCondLst>
-                                            <p:cond delay="0"/>
-                                          </p:stCondLst>
-                                        </p:cTn>
-                                        <p:tgtEl>
-                                          <p:spTgt spid="3">
-                                            <p:txEl>
-                                              <p:pRg st="5" end="5"/>
-                                            </p:txEl>
-                                          </p:spTgt>
-                                        </p:tgtEl>
-                                        <p:attrNameLst>
-                                          <p:attrName>style.visibility</p:attrName>
-                                        </p:attrNameLst>
-                                      </p:cBhvr>
-                                      <p:to>
-                                        <p:strVal val="visible"/>
-                                      </p:to>
-                                    </p:set>
-                                  </p:childTnLst>
-                                </p:cTn>
-                              </p:par>
-                            </p:childTnLst>
-                          </p:cTn>
-                        </p:par>
-                      </p:childTnLst>
-                    </p:cTn>
-                  </p:par>
-                  <p:par>
-                    <p:cTn id="27" fill="hold">
-                      <p:stCondLst>
-                        <p:cond delay="indefinite"/>
-                      </p:stCondLst>
-                      <p:childTnLst>
-                        <p:par>
-                          <p:cTn id="28" fill="hold">
-                            <p:stCondLst>
-                              <p:cond delay="0"/>
-                            </p:stCondLst>
-                            <p:childTnLst>
-                              <p:par>
-                                <p:cTn id="29" presetID="1" presetClass="entr" presetSubtype="0" fill="hold" nodeType="clickEffect">
-                                  <p:stCondLst>
-                                    <p:cond delay="0"/>
-                                  </p:stCondLst>
-                                  <p:childTnLst>
-                                    <p:set>
-                                      <p:cBhvr>
-                                        <p:cTn id="30" dur="1" fill="hold">
-                                          <p:stCondLst>
-                                            <p:cond delay="0"/>
-                                          </p:stCondLst>
-                                        </p:cTn>
-                                        <p:tgtEl>
-                                          <p:spTgt spid="3">
-                                            <p:txEl>
-                                              <p:pRg st="6" end="6"/>
-                                            </p:txEl>
-                                          </p:spTgt>
-                                        </p:tgtEl>
-                                        <p:attrNameLst>
-                                          <p:attrName>style.visibility</p:attrName>
-                                        </p:attrNameLst>
-                                      </p:cBhvr>
-                                      <p:to>
-                                        <p:strVal val="visible"/>
-                                      </p:to>
-                                    </p:set>
-                                  </p:childTnLst>
-                                </p:cTn>
-                              </p:par>
-                            </p:childTnLst>
-                          </p:cTn>
-                        </p:par>
-                      </p:childTnLst>
-                    </p:cTn>
-                  </p:par>
-                  <p:par>
-                    <p:cTn id="31" fill="hold">
-                      <p:stCondLst>
-                        <p:cond delay="indefinite"/>
-                      </p:stCondLst>
-                      <p:childTnLst>
-                        <p:par>
-                          <p:cTn id="32" fill="hold">
-                            <p:stCondLst>
-                              <p:cond delay="0"/>
-                            </p:stCondLst>
-                            <p:childTnLst>
-                              <p:par>
-                                <p:cTn id="33" presetID="1" presetClass="entr" presetSubtype="0" fill="hold" nodeType="clickEffect">
-                                  <p:stCondLst>
-                                    <p:cond delay="0"/>
-                                  </p:stCondLst>
-                                  <p:childTnLst>
-                                    <p:set>
-                                      <p:cBhvr>
-                                        <p:cTn id="34" dur="1" fill="hold">
-                                          <p:stCondLst>
-                                            <p:cond delay="0"/>
-                                          </p:stCondLst>
-                                        </p:cTn>
-                                        <p:tgtEl>
-                                          <p:spTgt spid="3">
-                                            <p:txEl>
-                                              <p:pRg st="7" end="7"/>
-                                            </p:txEl>
-                                          </p:spTgt>
-                                        </p:tgtEl>
-                                        <p:attrNameLst>
-                                          <p:attrName>style.visibility</p:attrName>
-                                        </p:attrNameLst>
-                                      </p:cBhvr>
-                                      <p:to>
-                                        <p:strVal val="visible"/>
-                                      </p:to>
-                                    </p:set>
-                                  </p:childTnLst>
-                                </p:cTn>
-                              </p:par>
-                            </p:childTnLst>
-                          </p:cTn>
-                        </p:par>
-                      </p:childTnLst>
-                    </p:cTn>
-                  </p:par>
-                  <p:par>
-                    <p:cTn id="35" fill="hold">
-                      <p:stCondLst>
-                        <p:cond delay="indefinite"/>
-                      </p:stCondLst>
-                      <p:childTnLst>
-                        <p:par>
-                          <p:cTn id="36" fill="hold">
-                            <p:stCondLst>
-                              <p:cond delay="0"/>
-                            </p:stCondLst>
-                            <p:childTnLst>
-                              <p:par>
-                                <p:cTn id="37" presetID="1" presetClass="entr" presetSubtype="0" fill="hold" nodeType="clickEffect">
-                                  <p:stCondLst>
-                                    <p:cond delay="0"/>
-                                  </p:stCondLst>
-                                  <p:childTnLst>
-                                    <p:set>
-                                      <p:cBhvr>
-                                        <p:cTn id="38" dur="1" fill="hold">
-                                          <p:stCondLst>
-                                            <p:cond delay="0"/>
-                                          </p:stCondLst>
-                                        </p:cTn>
-                                        <p:tgtEl>
-                                          <p:spTgt spid="3">
-                                            <p:txEl>
-                                              <p:pRg st="8" end="8"/>
-                                            </p:txEl>
-                                          </p:spTgt>
-                                        </p:tgtEl>
-                                        <p:attrNameLst>
-                                          <p:attrName>style.visibility</p:attrName>
-                                        </p:attrNameLst>
-                                      </p:cBhvr>
-                                      <p:to>
-                                        <p:strVal val="visible"/>
-                                      </p:to>
-                                    </p:set>
-                                  </p:childTnLst>
-                                </p:cTn>
-                              </p:par>
-                            </p:childTnLst>
-                          </p:cTn>
-                        </p:par>
-                      </p:childTnLst>
-                    </p:cTn>
-                  </p:par>
-                </p:childTnLst>
-              </p:cTn>
-              <p:prevCondLst>
-                <p:cond evt="onPrev" delay="0">
-                  <p:tgtEl>
-                    <p:sldTgt/>
-                  </p:tgtEl>
-                </p:cond>
-              </p:prevCondLst>
-              <p:nextCondLst>
-                <p:cond evt="onNext" delay="0">
-                  <p:tgtEl>
-                    <p:sldTgt/>
-                  </p:tgtEl>
-                </p:cond>
-              </p:nextCondLst>
-            </p:seq>
-          </p:childTnLst>
-        </p:cTn>
-      </p:par>
-    </p:tnLst>
-  </p:timing>
-</p:sld>
-</file>
-
-<file path=ppt/slides/slide19.xml><?xml version="1.0" encoding="utf-8"?>
-<p:sld xmlns:a="http://schemas.openxmlformats.org/drawingml/2006/main" xmlns:r="http://schemas.openxmlformats.org/officeDocument/2006/relationships" xmlns:p="http://schemas.openxmlformats.org/presentationml/2006/main">
-  <p:cSld>
-    <p:spTree>
-      <p:nvGrpSpPr>
-        <p:cNvPr id="1" name=""/>
-        <p:cNvGrpSpPr/>
-        <p:nvPr/>
-      </p:nvGrpSpPr>
-      <p:grpSpPr>
-        <a:xfrm>
-          <a:off x="0" y="0"/>
-          <a:ext cx="0" cy="0"/>
-          <a:chOff x="0" y="0"/>
-          <a:chExt cx="0" cy="0"/>
-        </a:xfrm>
-      </p:grpSpPr>
-      <p:sp>
-        <p:nvSpPr>
           <p:cNvPr id="3" name="Content Placeholder 2"/>
           <p:cNvSpPr>
             <a:spLocks noGrp="1"/>
@@ -9633,6 +9651,104 @@
       <p:bldP spid="6" grpId="0"/>
     </p:bldLst>
   </p:timing>
+</p:sld>
+</file>
+
+<file path=ppt/slides/slide19.xml><?xml version="1.0" encoding="utf-8"?>
+<p:sld xmlns:a="http://schemas.openxmlformats.org/drawingml/2006/main" xmlns:r="http://schemas.openxmlformats.org/officeDocument/2006/relationships" xmlns:p="http://schemas.openxmlformats.org/presentationml/2006/main">
+  <p:cSld>
+    <p:spTree>
+      <p:nvGrpSpPr>
+        <p:cNvPr id="1" name=""/>
+        <p:cNvGrpSpPr/>
+        <p:nvPr/>
+      </p:nvGrpSpPr>
+      <p:grpSpPr>
+        <a:xfrm>
+          <a:off x="0" y="0"/>
+          <a:ext cx="0" cy="0"/>
+          <a:chOff x="0" y="0"/>
+          <a:chExt cx="0" cy="0"/>
+        </a:xfrm>
+      </p:grpSpPr>
+      <p:sp>
+        <p:nvSpPr>
+          <p:cNvPr id="2" name="Title 1"/>
+          <p:cNvSpPr>
+            <a:spLocks noGrp="1"/>
+          </p:cNvSpPr>
+          <p:nvPr>
+            <p:ph type="title"/>
+          </p:nvPr>
+        </p:nvSpPr>
+        <p:spPr/>
+        <p:txBody>
+          <a:bodyPr/>
+          <a:lstStyle/>
+          <a:p>
+            <a:endParaRPr lang="en-US"/>
+          </a:p>
+        </p:txBody>
+      </p:sp>
+      <p:sp>
+        <p:nvSpPr>
+          <p:cNvPr id="3" name="Content Placeholder 2"/>
+          <p:cNvSpPr>
+            <a:spLocks noGrp="1"/>
+          </p:cNvSpPr>
+          <p:nvPr>
+            <p:ph sz="quarter" idx="13"/>
+          </p:nvPr>
+        </p:nvSpPr>
+        <p:spPr/>
+        <p:txBody>
+          <a:bodyPr/>
+          <a:lstStyle/>
+          <a:p>
+            <a:pPr marL="0" indent="0">
+              <a:buNone/>
+            </a:pPr>
+            <a:endParaRPr lang="en-US" dirty="0"/>
+          </a:p>
+          <a:p>
+            <a:pPr marL="0" indent="0">
+              <a:buNone/>
+            </a:pPr>
+            <a:endParaRPr lang="en-US" dirty="0"/>
+          </a:p>
+          <a:p>
+            <a:pPr marL="0" indent="0">
+              <a:buNone/>
+            </a:pPr>
+            <a:endParaRPr lang="en-US" dirty="0"/>
+          </a:p>
+          <a:p>
+            <a:pPr marL="0" indent="0">
+              <a:buNone/>
+            </a:pPr>
+            <a:endParaRPr lang="en-US" dirty="0"/>
+          </a:p>
+          <a:p>
+            <a:pPr marL="0" indent="0" algn="ctr">
+              <a:buNone/>
+            </a:pPr>
+            <a:r>
+              <a:rPr lang="en-US" sz="4400" dirty="0"/>
+              <a:t>… Let us begin …</a:t>
+            </a:r>
+          </a:p>
+        </p:txBody>
+      </p:sp>
+    </p:spTree>
+    <p:extLst>
+      <p:ext uri="{BB962C8B-B14F-4D97-AF65-F5344CB8AC3E}">
+        <p14:creationId xmlns:p14="http://schemas.microsoft.com/office/powerpoint/2010/main" val="370134723"/>
+      </p:ext>
+    </p:extLst>
+  </p:cSld>
+  <p:clrMapOvr>
+    <a:masterClrMapping/>
+  </p:clrMapOvr>
 </p:sld>
 </file>
 
@@ -10459,104 +10575,6 @@
 </file>
 
 <file path=ppt/slides/slide20.xml><?xml version="1.0" encoding="utf-8"?>
-<p:sld xmlns:a="http://schemas.openxmlformats.org/drawingml/2006/main" xmlns:r="http://schemas.openxmlformats.org/officeDocument/2006/relationships" xmlns:p="http://schemas.openxmlformats.org/presentationml/2006/main">
-  <p:cSld>
-    <p:spTree>
-      <p:nvGrpSpPr>
-        <p:cNvPr id="1" name=""/>
-        <p:cNvGrpSpPr/>
-        <p:nvPr/>
-      </p:nvGrpSpPr>
-      <p:grpSpPr>
-        <a:xfrm>
-          <a:off x="0" y="0"/>
-          <a:ext cx="0" cy="0"/>
-          <a:chOff x="0" y="0"/>
-          <a:chExt cx="0" cy="0"/>
-        </a:xfrm>
-      </p:grpSpPr>
-      <p:sp>
-        <p:nvSpPr>
-          <p:cNvPr id="2" name="Title 1"/>
-          <p:cNvSpPr>
-            <a:spLocks noGrp="1"/>
-          </p:cNvSpPr>
-          <p:nvPr>
-            <p:ph type="title"/>
-          </p:nvPr>
-        </p:nvSpPr>
-        <p:spPr/>
-        <p:txBody>
-          <a:bodyPr/>
-          <a:lstStyle/>
-          <a:p>
-            <a:endParaRPr lang="en-US"/>
-          </a:p>
-        </p:txBody>
-      </p:sp>
-      <p:sp>
-        <p:nvSpPr>
-          <p:cNvPr id="3" name="Content Placeholder 2"/>
-          <p:cNvSpPr>
-            <a:spLocks noGrp="1"/>
-          </p:cNvSpPr>
-          <p:nvPr>
-            <p:ph sz="quarter" idx="13"/>
-          </p:nvPr>
-        </p:nvSpPr>
-        <p:spPr/>
-        <p:txBody>
-          <a:bodyPr/>
-          <a:lstStyle/>
-          <a:p>
-            <a:pPr marL="0" indent="0">
-              <a:buNone/>
-            </a:pPr>
-            <a:endParaRPr lang="en-US" dirty="0"/>
-          </a:p>
-          <a:p>
-            <a:pPr marL="0" indent="0">
-              <a:buNone/>
-            </a:pPr>
-            <a:endParaRPr lang="en-US" dirty="0"/>
-          </a:p>
-          <a:p>
-            <a:pPr marL="0" indent="0">
-              <a:buNone/>
-            </a:pPr>
-            <a:endParaRPr lang="en-US" dirty="0"/>
-          </a:p>
-          <a:p>
-            <a:pPr marL="0" indent="0">
-              <a:buNone/>
-            </a:pPr>
-            <a:endParaRPr lang="en-US" dirty="0"/>
-          </a:p>
-          <a:p>
-            <a:pPr marL="0" indent="0" algn="ctr">
-              <a:buNone/>
-            </a:pPr>
-            <a:r>
-              <a:rPr lang="en-US" sz="4400" dirty="0"/>
-              <a:t>… Let us begin …</a:t>
-            </a:r>
-          </a:p>
-        </p:txBody>
-      </p:sp>
-    </p:spTree>
-    <p:extLst>
-      <p:ext uri="{BB962C8B-B14F-4D97-AF65-F5344CB8AC3E}">
-        <p14:creationId xmlns:p14="http://schemas.microsoft.com/office/powerpoint/2010/main" val="370134723"/>
-      </p:ext>
-    </p:extLst>
-  </p:cSld>
-  <p:clrMapOvr>
-    <a:masterClrMapping/>
-  </p:clrMapOvr>
-</p:sld>
-</file>
-
-<file path=ppt/slides/slide21.xml><?xml version="1.0" encoding="utf-8"?>
 <p:sld xmlns:a="http://schemas.openxmlformats.org/drawingml/2006/main" xmlns:r="http://schemas.openxmlformats.org/officeDocument/2006/relationships" xmlns:p="http://schemas.openxmlformats.org/presentationml/2006/main">
   <p:cSld>
     <p:spTree>

--- a/PPT/Intro.pptx
+++ b/PPT/Intro.pptx
@@ -267,7 +267,7 @@
           <a:p>
             <a:fld id="{5578FD48-7BBA-4787-8980-5DFB65E0734D}" type="datetimeFigureOut">
               <a:rPr lang="en-US" smtClean="0"/>
-              <a:t>3/11/2024</a:t>
+              <a:t>3/12/2024</a:t>
             </a:fld>
             <a:endParaRPr lang="en-US"/>
           </a:p>
@@ -1180,7 +1180,7 @@
             <a:fld id="{1D8BD707-D9CF-40AE-B4C6-C98DA3205C09}" type="datetimeFigureOut">
               <a:rPr lang="en-US" smtClean="0"/>
               <a:pPr/>
-              <a:t>3/11/2024</a:t>
+              <a:t>3/12/2024</a:t>
             </a:fld>
             <a:endParaRPr lang="en-US"/>
           </a:p>
@@ -1497,7 +1497,7 @@
             <a:fld id="{1D8BD707-D9CF-40AE-B4C6-C98DA3205C09}" type="datetimeFigureOut">
               <a:rPr lang="en-US" smtClean="0"/>
               <a:pPr/>
-              <a:t>3/11/2024</a:t>
+              <a:t>3/12/2024</a:t>
             </a:fld>
             <a:endParaRPr lang="en-US"/>
           </a:p>
@@ -1673,7 +1673,7 @@
             <a:fld id="{1D8BD707-D9CF-40AE-B4C6-C98DA3205C09}" type="datetimeFigureOut">
               <a:rPr lang="en-US" smtClean="0"/>
               <a:pPr/>
-              <a:t>3/11/2024</a:t>
+              <a:t>3/12/2024</a:t>
             </a:fld>
             <a:endParaRPr lang="en-US"/>
           </a:p>
@@ -1793,7 +1793,7 @@
             <a:fld id="{1D8BD707-D9CF-40AE-B4C6-C98DA3205C09}" type="datetimeFigureOut">
               <a:rPr lang="en-US" smtClean="0"/>
               <a:pPr/>
-              <a:t>3/11/2024</a:t>
+              <a:t>3/12/2024</a:t>
             </a:fld>
             <a:endParaRPr lang="en-US"/>
           </a:p>
@@ -2093,7 +2093,7 @@
             <a:fld id="{1D8BD707-D9CF-40AE-B4C6-C98DA3205C09}" type="datetimeFigureOut">
               <a:rPr lang="en-US" smtClean="0"/>
               <a:pPr/>
-              <a:t>3/11/2024</a:t>
+              <a:t>3/12/2024</a:t>
             </a:fld>
             <a:endParaRPr lang="en-US"/>
           </a:p>
@@ -2388,7 +2388,7 @@
             <a:fld id="{1D8BD707-D9CF-40AE-B4C6-C98DA3205C09}" type="datetimeFigureOut">
               <a:rPr lang="en-US" smtClean="0"/>
               <a:pPr/>
-              <a:t>3/11/2024</a:t>
+              <a:t>3/12/2024</a:t>
             </a:fld>
             <a:endParaRPr lang="en-US"/>
           </a:p>
@@ -2818,7 +2818,7 @@
             <a:fld id="{1D8BD707-D9CF-40AE-B4C6-C98DA3205C09}" type="datetimeFigureOut">
               <a:rPr lang="en-US" smtClean="0"/>
               <a:pPr/>
-              <a:t>3/11/2024</a:t>
+              <a:t>3/12/2024</a:t>
             </a:fld>
             <a:endParaRPr lang="en-US"/>
           </a:p>
@@ -2938,7 +2938,7 @@
             <a:fld id="{1D8BD707-D9CF-40AE-B4C6-C98DA3205C09}" type="datetimeFigureOut">
               <a:rPr lang="en-US" smtClean="0"/>
               <a:pPr/>
-              <a:t>3/11/2024</a:t>
+              <a:t>3/12/2024</a:t>
             </a:fld>
             <a:endParaRPr lang="en-US"/>
           </a:p>
@@ -3030,7 +3030,7 @@
             <a:fld id="{1D8BD707-D9CF-40AE-B4C6-C98DA3205C09}" type="datetimeFigureOut">
               <a:rPr lang="en-US" smtClean="0"/>
               <a:pPr/>
-              <a:t>3/11/2024</a:t>
+              <a:t>3/12/2024</a:t>
             </a:fld>
             <a:endParaRPr lang="en-US"/>
           </a:p>
@@ -3282,7 +3282,7 @@
             <a:fld id="{1D8BD707-D9CF-40AE-B4C6-C98DA3205C09}" type="datetimeFigureOut">
               <a:rPr lang="en-US" smtClean="0"/>
               <a:pPr/>
-              <a:t>3/11/2024</a:t>
+              <a:t>3/12/2024</a:t>
             </a:fld>
             <a:endParaRPr lang="en-US"/>
           </a:p>
@@ -3800,7 +3800,7 @@
             <a:fld id="{1D8BD707-D9CF-40AE-B4C6-C98DA3205C09}" type="datetimeFigureOut">
               <a:rPr lang="en-US" smtClean="0"/>
               <a:pPr/>
-              <a:t>3/11/2024</a:t>
+              <a:t>3/12/2024</a:t>
             </a:fld>
             <a:endParaRPr lang="en-US"/>
           </a:p>
@@ -4032,7 +4032,7 @@
             <a:fld id="{1D8BD707-D9CF-40AE-B4C6-C98DA3205C09}" type="datetimeFigureOut">
               <a:rPr lang="en-US" smtClean="0"/>
               <a:pPr/>
-              <a:t>3/11/2024</a:t>
+              <a:t>3/12/2024</a:t>
             </a:fld>
             <a:endParaRPr lang="en-US"/>
           </a:p>
@@ -5981,7 +5981,7 @@
         <p:spPr/>
         <p:txBody>
           <a:bodyPr>
-            <a:normAutofit/>
+            <a:normAutofit fontScale="92500" lnSpcReduction="10000"/>
           </a:bodyPr>
           <a:lstStyle/>
           <a:p>
@@ -6087,9 +6087,19 @@
               <a:rPr lang="en-US" b="1" dirty="0"/>
               <a:t>Daily Short Quiz: </a:t>
             </a:r>
+          </a:p>
+          <a:p>
+            <a:pPr lvl="1"/>
             <a:r>
               <a:rPr lang="en-US" dirty="0"/>
-              <a:t>should take 10-20 minutes, open book, open everything</a:t>
+              <a:t>Would take 10-20 minutes to about 30 minutes</a:t>
+            </a:r>
+          </a:p>
+          <a:p>
+            <a:pPr lvl="1"/>
+            <a:r>
+              <a:rPr lang="en-US" dirty="0"/>
+              <a:t>open book, open everything</a:t>
             </a:r>
           </a:p>
           <a:p>
@@ -6449,26 +6459,39 @@
                                   </p:childTnLst>
                                 </p:cTn>
                               </p:par>
-                            </p:childTnLst>
-                          </p:cTn>
-                        </p:par>
-                      </p:childTnLst>
-                    </p:cTn>
-                  </p:par>
-                  <p:par>
-                    <p:cTn id="27" fill="hold">
-                      <p:stCondLst>
-                        <p:cond delay="indefinite"/>
-                      </p:stCondLst>
-                      <p:childTnLst>
-                        <p:par>
-                          <p:cTn id="28" fill="hold">
-                            <p:stCondLst>
-                              <p:cond delay="0"/>
-                            </p:stCondLst>
-                            <p:childTnLst>
                               <p:par>
-                                <p:cTn id="29" presetID="1" presetClass="entr" presetSubtype="0" fill="hold" grpId="0" nodeType="clickEffect">
+                                <p:cTn id="27" presetID="1" presetClass="entr" presetSubtype="0" fill="hold" grpId="0" nodeType="withEffect">
+                                  <p:stCondLst>
+                                    <p:cond delay="0"/>
+                                  </p:stCondLst>
+                                  <p:childTnLst>
+                                    <p:set>
+                                      <p:cBhvr>
+                                        <p:cTn id="28" dur="1" fill="hold">
+                                          <p:stCondLst>
+                                            <p:cond delay="0"/>
+                                          </p:stCondLst>
+                                        </p:cTn>
+                                        <p:tgtEl>
+                                          <p:spTgt spid="3">
+                                            <p:txEl>
+                                              <p:pRg st="9" end="9"/>
+                                            </p:txEl>
+                                          </p:spTgt>
+                                        </p:tgtEl>
+                                        <p:attrNameLst>
+                                          <p:attrName>style.visibility</p:attrName>
+                                        </p:attrNameLst>
+                                      </p:cBhvr>
+                                      <p:to>
+                                        <p:strVal val="visible"/>
+                                      </p:to>
+                                    </p:set>
+                                  </p:childTnLst>
+                                </p:cTn>
+                              </p:par>
+                              <p:par>
+                                <p:cTn id="29" presetID="1" presetClass="entr" presetSubtype="0" fill="hold" grpId="0" nodeType="withEffect">
                                   <p:stCondLst>
                                     <p:cond delay="0"/>
                                   </p:stCondLst>
@@ -6483,7 +6506,56 @@
                                         <p:tgtEl>
                                           <p:spTgt spid="3">
                                             <p:txEl>
-                                              <p:pRg st="9" end="9"/>
+                                              <p:pRg st="10" end="10"/>
+                                            </p:txEl>
+                                          </p:spTgt>
+                                        </p:tgtEl>
+                                        <p:attrNameLst>
+                                          <p:attrName>style.visibility</p:attrName>
+                                        </p:attrNameLst>
+                                      </p:cBhvr>
+                                      <p:to>
+                                        <p:strVal val="visible"/>
+                                      </p:to>
+                                    </p:set>
+                                  </p:childTnLst>
+                                </p:cTn>
+                              </p:par>
+                            </p:childTnLst>
+                          </p:cTn>
+                        </p:par>
+                      </p:childTnLst>
+                    </p:cTn>
+                  </p:par>
+                  <p:par>
+                    <p:cTn id="31" fill="hold">
+                      <p:stCondLst>
+                        <p:cond delay="indefinite"/>
+                      </p:stCondLst>
+                      <p:childTnLst>
+                        <p:par>
+                          <p:cTn id="32" fill="hold">
+                            <p:stCondLst>
+                              <p:cond delay="0"/>
+                            </p:stCondLst>
+                            <p:childTnLst>
+                              <p:par>
+                                <p:cTn id="33" presetID="1" presetClass="entr" presetSubtype="0" fill="hold" grpId="0" nodeType="clickEffect">
+                                  <p:stCondLst>
+                                    <p:cond delay="0"/>
+                                  </p:stCondLst>
+                                  <p:childTnLst>
+                                    <p:set>
+                                      <p:cBhvr>
+                                        <p:cTn id="34" dur="1" fill="hold">
+                                          <p:stCondLst>
+                                            <p:cond delay="0"/>
+                                          </p:stCondLst>
+                                        </p:cTn>
+                                        <p:tgtEl>
+                                          <p:spTgt spid="3">
+                                            <p:txEl>
+                                              <p:pRg st="11" end="11"/>
                                             </p:txEl>
                                           </p:spTgt>
                                         </p:tgtEl>
@@ -6600,7 +6672,7 @@
           <a:p>
             <a:r>
               <a:rPr lang="en-US" dirty="0"/>
-              <a:t>Saturday: Design process and solicit feedback</a:t>
+              <a:t>Saturday: Design process and how to receive feedback</a:t>
             </a:r>
           </a:p>
           <a:p>
@@ -6627,7 +6699,7 @@
             <a:pPr lvl="1"/>
             <a:r>
               <a:rPr lang="en-US" dirty="0"/>
-              <a:t>I will meet with each team separately</a:t>
+              <a:t>I will meet with each team individually</a:t>
             </a:r>
           </a:p>
         </p:txBody>
@@ -6642,6 +6714,281 @@
   <p:clrMapOvr>
     <a:masterClrMapping/>
   </p:clrMapOvr>
+  <p:timing>
+    <p:tnLst>
+      <p:par>
+        <p:cTn id="1" dur="indefinite" restart="never" nodeType="tmRoot">
+          <p:childTnLst>
+            <p:seq concurrent="1" nextAc="seek">
+              <p:cTn id="2" dur="indefinite" nodeType="mainSeq">
+                <p:childTnLst>
+                  <p:par>
+                    <p:cTn id="3" fill="hold">
+                      <p:stCondLst>
+                        <p:cond delay="indefinite"/>
+                      </p:stCondLst>
+                      <p:childTnLst>
+                        <p:par>
+                          <p:cTn id="4" fill="hold">
+                            <p:stCondLst>
+                              <p:cond delay="0"/>
+                            </p:stCondLst>
+                            <p:childTnLst>
+                              <p:par>
+                                <p:cTn id="5" presetID="1" presetClass="entr" presetSubtype="0" fill="hold" nodeType="clickEffect">
+                                  <p:stCondLst>
+                                    <p:cond delay="0"/>
+                                  </p:stCondLst>
+                                  <p:childTnLst>
+                                    <p:set>
+                                      <p:cBhvr>
+                                        <p:cTn id="6" dur="1" fill="hold">
+                                          <p:stCondLst>
+                                            <p:cond delay="0"/>
+                                          </p:stCondLst>
+                                        </p:cTn>
+                                        <p:tgtEl>
+                                          <p:spTgt spid="3">
+                                            <p:txEl>
+                                              <p:pRg st="0" end="0"/>
+                                            </p:txEl>
+                                          </p:spTgt>
+                                        </p:tgtEl>
+                                        <p:attrNameLst>
+                                          <p:attrName>style.visibility</p:attrName>
+                                        </p:attrNameLst>
+                                      </p:cBhvr>
+                                      <p:to>
+                                        <p:strVal val="visible"/>
+                                      </p:to>
+                                    </p:set>
+                                  </p:childTnLst>
+                                </p:cTn>
+                              </p:par>
+                            </p:childTnLst>
+                          </p:cTn>
+                        </p:par>
+                      </p:childTnLst>
+                    </p:cTn>
+                  </p:par>
+                  <p:par>
+                    <p:cTn id="7" fill="hold">
+                      <p:stCondLst>
+                        <p:cond delay="indefinite"/>
+                      </p:stCondLst>
+                      <p:childTnLst>
+                        <p:par>
+                          <p:cTn id="8" fill="hold">
+                            <p:stCondLst>
+                              <p:cond delay="0"/>
+                            </p:stCondLst>
+                            <p:childTnLst>
+                              <p:par>
+                                <p:cTn id="9" presetID="1" presetClass="entr" presetSubtype="0" fill="hold" nodeType="clickEffect">
+                                  <p:stCondLst>
+                                    <p:cond delay="0"/>
+                                  </p:stCondLst>
+                                  <p:childTnLst>
+                                    <p:set>
+                                      <p:cBhvr>
+                                        <p:cTn id="10" dur="1" fill="hold">
+                                          <p:stCondLst>
+                                            <p:cond delay="0"/>
+                                          </p:stCondLst>
+                                        </p:cTn>
+                                        <p:tgtEl>
+                                          <p:spTgt spid="3">
+                                            <p:txEl>
+                                              <p:pRg st="1" end="1"/>
+                                            </p:txEl>
+                                          </p:spTgt>
+                                        </p:tgtEl>
+                                        <p:attrNameLst>
+                                          <p:attrName>style.visibility</p:attrName>
+                                        </p:attrNameLst>
+                                      </p:cBhvr>
+                                      <p:to>
+                                        <p:strVal val="visible"/>
+                                      </p:to>
+                                    </p:set>
+                                  </p:childTnLst>
+                                </p:cTn>
+                              </p:par>
+                            </p:childTnLst>
+                          </p:cTn>
+                        </p:par>
+                      </p:childTnLst>
+                    </p:cTn>
+                  </p:par>
+                  <p:par>
+                    <p:cTn id="11" fill="hold">
+                      <p:stCondLst>
+                        <p:cond delay="indefinite"/>
+                      </p:stCondLst>
+                      <p:childTnLst>
+                        <p:par>
+                          <p:cTn id="12" fill="hold">
+                            <p:stCondLst>
+                              <p:cond delay="0"/>
+                            </p:stCondLst>
+                            <p:childTnLst>
+                              <p:par>
+                                <p:cTn id="13" presetID="1" presetClass="entr" presetSubtype="0" fill="hold" nodeType="clickEffect">
+                                  <p:stCondLst>
+                                    <p:cond delay="0"/>
+                                  </p:stCondLst>
+                                  <p:childTnLst>
+                                    <p:set>
+                                      <p:cBhvr>
+                                        <p:cTn id="14" dur="1" fill="hold">
+                                          <p:stCondLst>
+                                            <p:cond delay="0"/>
+                                          </p:stCondLst>
+                                        </p:cTn>
+                                        <p:tgtEl>
+                                          <p:spTgt spid="3">
+                                            <p:txEl>
+                                              <p:pRg st="2" end="2"/>
+                                            </p:txEl>
+                                          </p:spTgt>
+                                        </p:tgtEl>
+                                        <p:attrNameLst>
+                                          <p:attrName>style.visibility</p:attrName>
+                                        </p:attrNameLst>
+                                      </p:cBhvr>
+                                      <p:to>
+                                        <p:strVal val="visible"/>
+                                      </p:to>
+                                    </p:set>
+                                  </p:childTnLst>
+                                </p:cTn>
+                              </p:par>
+                            </p:childTnLst>
+                          </p:cTn>
+                        </p:par>
+                      </p:childTnLst>
+                    </p:cTn>
+                  </p:par>
+                  <p:par>
+                    <p:cTn id="15" fill="hold">
+                      <p:stCondLst>
+                        <p:cond delay="indefinite"/>
+                      </p:stCondLst>
+                      <p:childTnLst>
+                        <p:par>
+                          <p:cTn id="16" fill="hold">
+                            <p:stCondLst>
+                              <p:cond delay="0"/>
+                            </p:stCondLst>
+                            <p:childTnLst>
+                              <p:par>
+                                <p:cTn id="17" presetID="1" presetClass="entr" presetSubtype="0" fill="hold" nodeType="clickEffect">
+                                  <p:stCondLst>
+                                    <p:cond delay="0"/>
+                                  </p:stCondLst>
+                                  <p:childTnLst>
+                                    <p:set>
+                                      <p:cBhvr>
+                                        <p:cTn id="18" dur="1" fill="hold">
+                                          <p:stCondLst>
+                                            <p:cond delay="0"/>
+                                          </p:stCondLst>
+                                        </p:cTn>
+                                        <p:tgtEl>
+                                          <p:spTgt spid="3">
+                                            <p:txEl>
+                                              <p:pRg st="3" end="3"/>
+                                            </p:txEl>
+                                          </p:spTgt>
+                                        </p:tgtEl>
+                                        <p:attrNameLst>
+                                          <p:attrName>style.visibility</p:attrName>
+                                        </p:attrNameLst>
+                                      </p:cBhvr>
+                                      <p:to>
+                                        <p:strVal val="visible"/>
+                                      </p:to>
+                                    </p:set>
+                                  </p:childTnLst>
+                                </p:cTn>
+                              </p:par>
+                            </p:childTnLst>
+                          </p:cTn>
+                        </p:par>
+                      </p:childTnLst>
+                    </p:cTn>
+                  </p:par>
+                  <p:par>
+                    <p:cTn id="19" fill="hold">
+                      <p:stCondLst>
+                        <p:cond delay="indefinite"/>
+                      </p:stCondLst>
+                      <p:childTnLst>
+                        <p:par>
+                          <p:cTn id="20" fill="hold">
+                            <p:stCondLst>
+                              <p:cond delay="0"/>
+                            </p:stCondLst>
+                            <p:childTnLst>
+                              <p:par>
+                                <p:cTn id="21" presetID="1" presetClass="entr" presetSubtype="0" fill="hold" nodeType="clickEffect">
+                                  <p:stCondLst>
+                                    <p:cond delay="0"/>
+                                  </p:stCondLst>
+                                  <p:childTnLst>
+                                    <p:set>
+                                      <p:cBhvr>
+                                        <p:cTn id="22" dur="1" fill="hold">
+                                          <p:stCondLst>
+                                            <p:cond delay="0"/>
+                                          </p:stCondLst>
+                                        </p:cTn>
+                                        <p:tgtEl>
+                                          <p:spTgt spid="3">
+                                            <p:txEl>
+                                              <p:pRg st="4" end="4"/>
+                                            </p:txEl>
+                                          </p:spTgt>
+                                        </p:tgtEl>
+                                        <p:attrNameLst>
+                                          <p:attrName>style.visibility</p:attrName>
+                                        </p:attrNameLst>
+                                      </p:cBhvr>
+                                      <p:to>
+                                        <p:strVal val="visible"/>
+                                      </p:to>
+                                    </p:set>
+                                  </p:childTnLst>
+                                </p:cTn>
+                              </p:par>
+                            </p:childTnLst>
+                          </p:cTn>
+                        </p:par>
+                      </p:childTnLst>
+                    </p:cTn>
+                  </p:par>
+                </p:childTnLst>
+              </p:cTn>
+              <p:prevCondLst>
+                <p:cond evt="onPrev" delay="0">
+                  <p:tgtEl>
+                    <p:sldTgt/>
+                  </p:tgtEl>
+                </p:cond>
+              </p:prevCondLst>
+              <p:nextCondLst>
+                <p:cond evt="onNext" delay="0">
+                  <p:tgtEl>
+                    <p:sldTgt/>
+                  </p:tgtEl>
+                </p:cond>
+              </p:nextCondLst>
+            </p:seq>
+          </p:childTnLst>
+        </p:cTn>
+      </p:par>
+    </p:tnLst>
+  </p:timing>
 </p:sld>
 </file>
 
@@ -6810,7 +7157,7 @@
             <a:pPr lvl="1"/>
             <a:r>
               <a:rPr lang="en-US" dirty="0"/>
-              <a:t>You will rank the teams after the presentations. Top ranked teams:</a:t>
+              <a:t>Whole class will rank the teams after the presentations. Top ranked teams:</a:t>
             </a:r>
           </a:p>
           <a:p>
@@ -6915,15 +7262,33 @@
                                   </p:childTnLst>
                                 </p:cTn>
                               </p:par>
+                            </p:childTnLst>
+                          </p:cTn>
+                        </p:par>
+                      </p:childTnLst>
+                    </p:cTn>
+                  </p:par>
+                  <p:par>
+                    <p:cTn id="7" fill="hold">
+                      <p:stCondLst>
+                        <p:cond delay="indefinite"/>
+                      </p:stCondLst>
+                      <p:childTnLst>
+                        <p:par>
+                          <p:cTn id="8" fill="hold">
+                            <p:stCondLst>
+                              <p:cond delay="0"/>
+                            </p:stCondLst>
+                            <p:childTnLst>
                               <p:par>
-                                <p:cTn id="7" presetID="1" presetClass="entr" presetSubtype="0" fill="hold" grpId="0" nodeType="withEffect">
+                                <p:cTn id="9" presetID="1" presetClass="entr" presetSubtype="0" fill="hold" grpId="0" nodeType="clickEffect">
                                   <p:stCondLst>
                                     <p:cond delay="0"/>
                                   </p:stCondLst>
                                   <p:childTnLst>
                                     <p:set>
                                       <p:cBhvr>
-                                        <p:cTn id="8" dur="1" fill="hold">
+                                        <p:cTn id="10" dur="1" fill="hold">
                                           <p:stCondLst>
                                             <p:cond delay="0"/>
                                           </p:stCondLst>
@@ -6946,15 +7311,33 @@
                                   </p:childTnLst>
                                 </p:cTn>
                               </p:par>
+                            </p:childTnLst>
+                          </p:cTn>
+                        </p:par>
+                      </p:childTnLst>
+                    </p:cTn>
+                  </p:par>
+                  <p:par>
+                    <p:cTn id="11" fill="hold">
+                      <p:stCondLst>
+                        <p:cond delay="indefinite"/>
+                      </p:stCondLst>
+                      <p:childTnLst>
+                        <p:par>
+                          <p:cTn id="12" fill="hold">
+                            <p:stCondLst>
+                              <p:cond delay="0"/>
+                            </p:stCondLst>
+                            <p:childTnLst>
                               <p:par>
-                                <p:cTn id="9" presetID="1" presetClass="entr" presetSubtype="0" fill="hold" grpId="0" nodeType="withEffect">
+                                <p:cTn id="13" presetID="1" presetClass="entr" presetSubtype="0" fill="hold" grpId="0" nodeType="clickEffect">
                                   <p:stCondLst>
                                     <p:cond delay="0"/>
                                   </p:stCondLst>
                                   <p:childTnLst>
                                     <p:set>
                                       <p:cBhvr>
-                                        <p:cTn id="10" dur="1" fill="hold">
+                                        <p:cTn id="14" dur="1" fill="hold">
                                           <p:stCondLst>
                                             <p:cond delay="0"/>
                                           </p:stCondLst>
@@ -6977,15 +7360,33 @@
                                   </p:childTnLst>
                                 </p:cTn>
                               </p:par>
+                            </p:childTnLst>
+                          </p:cTn>
+                        </p:par>
+                      </p:childTnLst>
+                    </p:cTn>
+                  </p:par>
+                  <p:par>
+                    <p:cTn id="15" fill="hold">
+                      <p:stCondLst>
+                        <p:cond delay="indefinite"/>
+                      </p:stCondLst>
+                      <p:childTnLst>
+                        <p:par>
+                          <p:cTn id="16" fill="hold">
+                            <p:stCondLst>
+                              <p:cond delay="0"/>
+                            </p:stCondLst>
+                            <p:childTnLst>
                               <p:par>
-                                <p:cTn id="11" presetID="1" presetClass="entr" presetSubtype="0" fill="hold" grpId="0" nodeType="withEffect">
+                                <p:cTn id="17" presetID="1" presetClass="entr" presetSubtype="0" fill="hold" grpId="0" nodeType="clickEffect">
                                   <p:stCondLst>
                                     <p:cond delay="0"/>
                                   </p:stCondLst>
                                   <p:childTnLst>
                                     <p:set>
                                       <p:cBhvr>
-                                        <p:cTn id="12" dur="1" fill="hold">
+                                        <p:cTn id="18" dur="1" fill="hold">
                                           <p:stCondLst>
                                             <p:cond delay="0"/>
                                           </p:stCondLst>
@@ -7008,15 +7409,33 @@
                                   </p:childTnLst>
                                 </p:cTn>
                               </p:par>
+                            </p:childTnLst>
+                          </p:cTn>
+                        </p:par>
+                      </p:childTnLst>
+                    </p:cTn>
+                  </p:par>
+                  <p:par>
+                    <p:cTn id="19" fill="hold">
+                      <p:stCondLst>
+                        <p:cond delay="indefinite"/>
+                      </p:stCondLst>
+                      <p:childTnLst>
+                        <p:par>
+                          <p:cTn id="20" fill="hold">
+                            <p:stCondLst>
+                              <p:cond delay="0"/>
+                            </p:stCondLst>
+                            <p:childTnLst>
                               <p:par>
-                                <p:cTn id="13" presetID="1" presetClass="entr" presetSubtype="0" fill="hold" grpId="0" nodeType="withEffect">
+                                <p:cTn id="21" presetID="1" presetClass="entr" presetSubtype="0" fill="hold" grpId="0" nodeType="clickEffect">
                                   <p:stCondLst>
                                     <p:cond delay="0"/>
                                   </p:stCondLst>
                                   <p:childTnLst>
                                     <p:set>
                                       <p:cBhvr>
-                                        <p:cTn id="14" dur="1" fill="hold">
+                                        <p:cTn id="22" dur="1" fill="hold">
                                           <p:stCondLst>
                                             <p:cond delay="0"/>
                                           </p:stCondLst>
@@ -7039,15 +7458,33 @@
                                   </p:childTnLst>
                                 </p:cTn>
                               </p:par>
+                            </p:childTnLst>
+                          </p:cTn>
+                        </p:par>
+                      </p:childTnLst>
+                    </p:cTn>
+                  </p:par>
+                  <p:par>
+                    <p:cTn id="23" fill="hold">
+                      <p:stCondLst>
+                        <p:cond delay="indefinite"/>
+                      </p:stCondLst>
+                      <p:childTnLst>
+                        <p:par>
+                          <p:cTn id="24" fill="hold">
+                            <p:stCondLst>
+                              <p:cond delay="0"/>
+                            </p:stCondLst>
+                            <p:childTnLst>
                               <p:par>
-                                <p:cTn id="15" presetID="1" presetClass="entr" presetSubtype="0" fill="hold" grpId="0" nodeType="withEffect">
+                                <p:cTn id="25" presetID="1" presetClass="entr" presetSubtype="0" fill="hold" grpId="0" nodeType="clickEffect">
                                   <p:stCondLst>
                                     <p:cond delay="0"/>
                                   </p:stCondLst>
                                   <p:childTnLst>
                                     <p:set>
                                       <p:cBhvr>
-                                        <p:cTn id="16" dur="1" fill="hold">
+                                        <p:cTn id="26" dur="1" fill="hold">
                                           <p:stCondLst>
                                             <p:cond delay="0"/>
                                           </p:stCondLst>
@@ -7070,15 +7507,33 @@
                                   </p:childTnLst>
                                 </p:cTn>
                               </p:par>
+                            </p:childTnLst>
+                          </p:cTn>
+                        </p:par>
+                      </p:childTnLst>
+                    </p:cTn>
+                  </p:par>
+                  <p:par>
+                    <p:cTn id="27" fill="hold">
+                      <p:stCondLst>
+                        <p:cond delay="indefinite"/>
+                      </p:stCondLst>
+                      <p:childTnLst>
+                        <p:par>
+                          <p:cTn id="28" fill="hold">
+                            <p:stCondLst>
+                              <p:cond delay="0"/>
+                            </p:stCondLst>
+                            <p:childTnLst>
                               <p:par>
-                                <p:cTn id="17" presetID="1" presetClass="entr" presetSubtype="0" fill="hold" grpId="0" nodeType="withEffect">
+                                <p:cTn id="29" presetID="1" presetClass="entr" presetSubtype="0" fill="hold" grpId="0" nodeType="clickEffect">
                                   <p:stCondLst>
                                     <p:cond delay="0"/>
                                   </p:stCondLst>
                                   <p:childTnLst>
                                     <p:set>
                                       <p:cBhvr>
-                                        <p:cTn id="18" dur="1" fill="hold">
+                                        <p:cTn id="30" dur="1" fill="hold">
                                           <p:stCondLst>
                                             <p:cond delay="0"/>
                                           </p:stCondLst>
@@ -7101,15 +7556,33 @@
                                   </p:childTnLst>
                                 </p:cTn>
                               </p:par>
+                            </p:childTnLst>
+                          </p:cTn>
+                        </p:par>
+                      </p:childTnLst>
+                    </p:cTn>
+                  </p:par>
+                  <p:par>
+                    <p:cTn id="31" fill="hold">
+                      <p:stCondLst>
+                        <p:cond delay="indefinite"/>
+                      </p:stCondLst>
+                      <p:childTnLst>
+                        <p:par>
+                          <p:cTn id="32" fill="hold">
+                            <p:stCondLst>
+                              <p:cond delay="0"/>
+                            </p:stCondLst>
+                            <p:childTnLst>
                               <p:par>
-                                <p:cTn id="19" presetID="1" presetClass="entr" presetSubtype="0" fill="hold" grpId="0" nodeType="withEffect">
+                                <p:cTn id="33" presetID="1" presetClass="entr" presetSubtype="0" fill="hold" grpId="0" nodeType="clickEffect">
                                   <p:stCondLst>
                                     <p:cond delay="0"/>
                                   </p:stCondLst>
                                   <p:childTnLst>
                                     <p:set>
                                       <p:cBhvr>
-                                        <p:cTn id="20" dur="1" fill="hold">
+                                        <p:cTn id="34" dur="1" fill="hold">
                                           <p:stCondLst>
                                             <p:cond delay="0"/>
                                           </p:stCondLst>
@@ -7132,15 +7605,33 @@
                                   </p:childTnLst>
                                 </p:cTn>
                               </p:par>
+                            </p:childTnLst>
+                          </p:cTn>
+                        </p:par>
+                      </p:childTnLst>
+                    </p:cTn>
+                  </p:par>
+                  <p:par>
+                    <p:cTn id="35" fill="hold">
+                      <p:stCondLst>
+                        <p:cond delay="indefinite"/>
+                      </p:stCondLst>
+                      <p:childTnLst>
+                        <p:par>
+                          <p:cTn id="36" fill="hold">
+                            <p:stCondLst>
+                              <p:cond delay="0"/>
+                            </p:stCondLst>
+                            <p:childTnLst>
                               <p:par>
-                                <p:cTn id="21" presetID="1" presetClass="entr" presetSubtype="0" fill="hold" grpId="0" nodeType="withEffect">
+                                <p:cTn id="37" presetID="1" presetClass="entr" presetSubtype="0" fill="hold" grpId="0" nodeType="clickEffect">
                                   <p:stCondLst>
                                     <p:cond delay="0"/>
                                   </p:stCondLst>
                                   <p:childTnLst>
                                     <p:set>
                                       <p:cBhvr>
-                                        <p:cTn id="22" dur="1" fill="hold">
+                                        <p:cTn id="38" dur="1" fill="hold">
                                           <p:stCondLst>
                                             <p:cond delay="0"/>
                                           </p:stCondLst>
@@ -7163,15 +7654,33 @@
                                   </p:childTnLst>
                                 </p:cTn>
                               </p:par>
+                            </p:childTnLst>
+                          </p:cTn>
+                        </p:par>
+                      </p:childTnLst>
+                    </p:cTn>
+                  </p:par>
+                  <p:par>
+                    <p:cTn id="39" fill="hold">
+                      <p:stCondLst>
+                        <p:cond delay="indefinite"/>
+                      </p:stCondLst>
+                      <p:childTnLst>
+                        <p:par>
+                          <p:cTn id="40" fill="hold">
+                            <p:stCondLst>
+                              <p:cond delay="0"/>
+                            </p:stCondLst>
+                            <p:childTnLst>
                               <p:par>
-                                <p:cTn id="23" presetID="1" presetClass="entr" presetSubtype="0" fill="hold" grpId="0" nodeType="withEffect">
+                                <p:cTn id="41" presetID="1" presetClass="entr" presetSubtype="0" fill="hold" grpId="0" nodeType="clickEffect">
                                   <p:stCondLst>
                                     <p:cond delay="0"/>
                                   </p:stCondLst>
                                   <p:childTnLst>
                                     <p:set>
                                       <p:cBhvr>
-                                        <p:cTn id="24" dur="1" fill="hold">
+                                        <p:cTn id="42" dur="1" fill="hold">
                                           <p:stCondLst>
                                             <p:cond delay="0"/>
                                           </p:stCondLst>
@@ -7194,15 +7703,33 @@
                                   </p:childTnLst>
                                 </p:cTn>
                               </p:par>
+                            </p:childTnLst>
+                          </p:cTn>
+                        </p:par>
+                      </p:childTnLst>
+                    </p:cTn>
+                  </p:par>
+                  <p:par>
+                    <p:cTn id="43" fill="hold">
+                      <p:stCondLst>
+                        <p:cond delay="indefinite"/>
+                      </p:stCondLst>
+                      <p:childTnLst>
+                        <p:par>
+                          <p:cTn id="44" fill="hold">
+                            <p:stCondLst>
+                              <p:cond delay="0"/>
+                            </p:stCondLst>
+                            <p:childTnLst>
                               <p:par>
-                                <p:cTn id="25" presetID="1" presetClass="entr" presetSubtype="0" fill="hold" grpId="0" nodeType="withEffect">
+                                <p:cTn id="45" presetID="1" presetClass="entr" presetSubtype="0" fill="hold" grpId="0" nodeType="clickEffect">
                                   <p:stCondLst>
                                     <p:cond delay="0"/>
                                   </p:stCondLst>
                                   <p:childTnLst>
                                     <p:set>
                                       <p:cBhvr>
-                                        <p:cTn id="26" dur="1" fill="hold">
+                                        <p:cTn id="46" dur="1" fill="hold">
                                           <p:stCondLst>
                                             <p:cond delay="0"/>
                                           </p:stCondLst>
@@ -7276,6 +7803,36 @@
           <a:chExt cx="0" cy="0"/>
         </a:xfrm>
       </p:grpSpPr>
+      <p:pic>
+        <p:nvPicPr>
+          <p:cNvPr id="4" name="Picture 3">
+            <a:extLst>
+              <a:ext uri="{FF2B5EF4-FFF2-40B4-BE49-F238E27FC236}">
+                <a16:creationId xmlns:a16="http://schemas.microsoft.com/office/drawing/2014/main" id="{CCBD1660-2A07-4087-B358-CA9D6D0308A1}"/>
+              </a:ext>
+            </a:extLst>
+          </p:cNvPr>
+          <p:cNvPicPr>
+            <a:picLocks noChangeAspect="1"/>
+          </p:cNvPicPr>
+          <p:nvPr/>
+        </p:nvPicPr>
+        <p:blipFill>
+          <a:blip r:embed="rId3"/>
+          <a:stretch>
+            <a:fillRect/>
+          </a:stretch>
+        </p:blipFill>
+        <p:spPr>
+          <a:xfrm>
+            <a:off x="1743075" y="1600200"/>
+            <a:ext cx="3667125" cy="5038401"/>
+          </a:xfrm>
+          <a:prstGeom prst="rect">
+            <a:avLst/>
+          </a:prstGeom>
+        </p:spPr>
+      </p:pic>
       <p:sp>
         <p:nvSpPr>
           <p:cNvPr id="2" name="Title 1"/>
@@ -7303,323 +7860,266 @@
           </a:p>
         </p:txBody>
       </p:sp>
-      <p:grpSp>
-        <p:nvGrpSpPr>
-          <p:cNvPr id="3" name="Group 2">
+      <p:sp>
+        <p:nvSpPr>
+          <p:cNvPr id="6" name="Oval 5">
             <a:extLst>
               <a:ext uri="{FF2B5EF4-FFF2-40B4-BE49-F238E27FC236}">
-                <a16:creationId xmlns:a16="http://schemas.microsoft.com/office/drawing/2014/main" id="{488BA1D6-E11F-4736-9920-1AB6ED277103}"/>
+                <a16:creationId xmlns:a16="http://schemas.microsoft.com/office/drawing/2014/main" id="{395F68BA-564D-4328-A17A-2DBF4483FF3B}"/>
               </a:ext>
             </a:extLst>
           </p:cNvPr>
-          <p:cNvGrpSpPr/>
+          <p:cNvSpPr/>
           <p:nvPr/>
-        </p:nvGrpSpPr>
-        <p:grpSpPr>
+        </p:nvSpPr>
+        <p:spPr>
           <a:xfrm>
-            <a:off x="1752600" y="1600200"/>
-            <a:ext cx="3581400" cy="4932280"/>
-            <a:chOff x="3124200" y="1524000"/>
-            <a:chExt cx="3581400" cy="4932280"/>
+            <a:off x="1828800" y="3671570"/>
+            <a:ext cx="1219200" cy="838200"/>
           </a:xfrm>
-        </p:grpSpPr>
-        <p:pic>
-          <p:nvPicPr>
-            <p:cNvPr id="5" name="Picture 4" descr="A table of text on a white background&#10;&#10;Description automatically generated">
-              <a:extLst>
-                <a:ext uri="{FF2B5EF4-FFF2-40B4-BE49-F238E27FC236}">
-                  <a16:creationId xmlns:a16="http://schemas.microsoft.com/office/drawing/2014/main" id="{EAD29F83-B3EF-0846-4599-6BE7B9CF8FBC}"/>
-                </a:ext>
-              </a:extLst>
-            </p:cNvPr>
-            <p:cNvPicPr>
-              <a:picLocks noChangeAspect="1"/>
-            </p:cNvPicPr>
-            <p:nvPr/>
-          </p:nvPicPr>
-          <p:blipFill>
-            <a:blip r:embed="rId3">
-              <a:extLst>
-                <a:ext uri="{28A0092B-C50C-407E-A947-70E740481C1C}">
-                  <a14:useLocalDpi xmlns:a14="http://schemas.microsoft.com/office/drawing/2010/main" val="0"/>
-                </a:ext>
-              </a:extLst>
-            </a:blip>
-            <a:stretch>
-              <a:fillRect/>
-            </a:stretch>
-          </p:blipFill>
-          <p:spPr>
-            <a:xfrm>
-              <a:off x="3124200" y="1524000"/>
-              <a:ext cx="3581400" cy="4932280"/>
-            </a:xfrm>
-            <a:prstGeom prst="rect">
-              <a:avLst/>
-            </a:prstGeom>
-          </p:spPr>
-        </p:pic>
-        <p:sp>
-          <p:nvSpPr>
-            <p:cNvPr id="6" name="Oval 5">
-              <a:extLst>
-                <a:ext uri="{FF2B5EF4-FFF2-40B4-BE49-F238E27FC236}">
-                  <a16:creationId xmlns:a16="http://schemas.microsoft.com/office/drawing/2014/main" id="{395F68BA-564D-4328-A17A-2DBF4483FF3B}"/>
-                </a:ext>
-              </a:extLst>
-            </p:cNvPr>
-            <p:cNvSpPr/>
-            <p:nvPr/>
-          </p:nvSpPr>
-          <p:spPr>
-            <a:xfrm>
-              <a:off x="3276600" y="3505200"/>
-              <a:ext cx="1219200" cy="838200"/>
-            </a:xfrm>
-            <a:prstGeom prst="ellipse">
-              <a:avLst/>
-            </a:prstGeom>
-            <a:noFill/>
-            <a:ln w="44450">
-              <a:solidFill>
-                <a:srgbClr val="FF0000"/>
-              </a:solidFill>
-            </a:ln>
-          </p:spPr>
-          <p:style>
-            <a:lnRef idx="2">
-              <a:schemeClr val="accent1">
-                <a:shade val="50000"/>
-              </a:schemeClr>
-            </a:lnRef>
-            <a:fillRef idx="1">
-              <a:schemeClr val="accent1"/>
-            </a:fillRef>
-            <a:effectRef idx="0">
-              <a:schemeClr val="accent1"/>
-            </a:effectRef>
-            <a:fontRef idx="minor">
-              <a:schemeClr val="lt1"/>
-            </a:fontRef>
-          </p:style>
-          <p:txBody>
-            <a:bodyPr rtlCol="0" anchor="ctr"/>
-            <a:lstStyle/>
-            <a:p>
-              <a:pPr algn="ctr"/>
-              <a:endParaRPr lang="en-US"/>
-            </a:p>
-          </p:txBody>
-        </p:sp>
-        <p:sp>
-          <p:nvSpPr>
-            <p:cNvPr id="7" name="Rectangle 6">
-              <a:extLst>
-                <a:ext uri="{FF2B5EF4-FFF2-40B4-BE49-F238E27FC236}">
-                  <a16:creationId xmlns:a16="http://schemas.microsoft.com/office/drawing/2014/main" id="{F832376C-D270-42C8-B6EF-DB901E163E9A}"/>
-                </a:ext>
-              </a:extLst>
-            </p:cNvPr>
-            <p:cNvSpPr/>
-            <p:nvPr/>
-          </p:nvSpPr>
-          <p:spPr>
-            <a:xfrm>
-              <a:off x="4343400" y="1981200"/>
-              <a:ext cx="2133600" cy="1600200"/>
-            </a:xfrm>
-            <a:prstGeom prst="rect">
-              <a:avLst/>
-            </a:prstGeom>
-            <a:noFill/>
-            <a:ln w="44450">
-              <a:solidFill>
-                <a:srgbClr val="FF0000"/>
-              </a:solidFill>
-            </a:ln>
-          </p:spPr>
-          <p:style>
-            <a:lnRef idx="2">
-              <a:schemeClr val="accent1">
-                <a:shade val="50000"/>
-              </a:schemeClr>
-            </a:lnRef>
-            <a:fillRef idx="1">
-              <a:schemeClr val="accent1"/>
-            </a:fillRef>
-            <a:effectRef idx="0">
-              <a:schemeClr val="accent1"/>
-            </a:effectRef>
-            <a:fontRef idx="minor">
-              <a:schemeClr val="lt1"/>
-            </a:fontRef>
-          </p:style>
-          <p:txBody>
-            <a:bodyPr rtlCol="0" anchor="ctr"/>
-            <a:lstStyle/>
-            <a:p>
-              <a:pPr algn="ctr"/>
-              <a:endParaRPr lang="en-US"/>
-            </a:p>
-          </p:txBody>
-        </p:sp>
-        <p:sp>
-          <p:nvSpPr>
-            <p:cNvPr id="8" name="Oval 7">
-              <a:extLst>
-                <a:ext uri="{FF2B5EF4-FFF2-40B4-BE49-F238E27FC236}">
-                  <a16:creationId xmlns:a16="http://schemas.microsoft.com/office/drawing/2014/main" id="{15939D8B-AC03-422F-900B-BECC89780817}"/>
-                </a:ext>
-              </a:extLst>
-            </p:cNvPr>
-            <p:cNvSpPr/>
-            <p:nvPr/>
-          </p:nvSpPr>
-          <p:spPr>
-            <a:xfrm>
-              <a:off x="3276600" y="1676400"/>
-              <a:ext cx="1219200" cy="762000"/>
-            </a:xfrm>
-            <a:prstGeom prst="ellipse">
-              <a:avLst/>
-            </a:prstGeom>
-            <a:noFill/>
-            <a:ln w="44450">
-              <a:solidFill>
-                <a:srgbClr val="FF0000"/>
-              </a:solidFill>
-            </a:ln>
-          </p:spPr>
-          <p:style>
-            <a:lnRef idx="2">
-              <a:schemeClr val="accent1">
-                <a:shade val="50000"/>
-              </a:schemeClr>
-            </a:lnRef>
-            <a:fillRef idx="1">
-              <a:schemeClr val="accent1"/>
-            </a:fillRef>
-            <a:effectRef idx="0">
-              <a:schemeClr val="accent1"/>
-            </a:effectRef>
-            <a:fontRef idx="minor">
-              <a:schemeClr val="lt1"/>
-            </a:fontRef>
-          </p:style>
-          <p:txBody>
-            <a:bodyPr rtlCol="0" anchor="ctr"/>
-            <a:lstStyle/>
-            <a:p>
-              <a:pPr algn="ctr"/>
-              <a:endParaRPr lang="en-US"/>
-            </a:p>
-          </p:txBody>
-        </p:sp>
-        <p:sp>
-          <p:nvSpPr>
-            <p:cNvPr id="9" name="Oval 8">
-              <a:extLst>
-                <a:ext uri="{FF2B5EF4-FFF2-40B4-BE49-F238E27FC236}">
-                  <a16:creationId xmlns:a16="http://schemas.microsoft.com/office/drawing/2014/main" id="{CDBA1400-6445-417D-AECD-3D2A2D328CF2}"/>
-                </a:ext>
-              </a:extLst>
-            </p:cNvPr>
-            <p:cNvSpPr/>
-            <p:nvPr/>
-          </p:nvSpPr>
-          <p:spPr>
-            <a:xfrm>
-              <a:off x="3200400" y="5638800"/>
-              <a:ext cx="3429000" cy="746166"/>
-            </a:xfrm>
-            <a:prstGeom prst="ellipse">
-              <a:avLst/>
-            </a:prstGeom>
-            <a:noFill/>
-            <a:ln w="44450">
-              <a:solidFill>
-                <a:srgbClr val="FF0000"/>
-              </a:solidFill>
-            </a:ln>
-          </p:spPr>
-          <p:style>
-            <a:lnRef idx="2">
-              <a:schemeClr val="accent1">
-                <a:shade val="50000"/>
-              </a:schemeClr>
-            </a:lnRef>
-            <a:fillRef idx="1">
-              <a:schemeClr val="accent1"/>
-            </a:fillRef>
-            <a:effectRef idx="0">
-              <a:schemeClr val="accent1"/>
-            </a:effectRef>
-            <a:fontRef idx="minor">
-              <a:schemeClr val="lt1"/>
-            </a:fontRef>
-          </p:style>
-          <p:txBody>
-            <a:bodyPr rtlCol="0" anchor="ctr"/>
-            <a:lstStyle/>
-            <a:p>
-              <a:pPr algn="ctr"/>
-              <a:endParaRPr lang="en-US"/>
-            </a:p>
-          </p:txBody>
-        </p:sp>
-        <p:sp>
-          <p:nvSpPr>
-            <p:cNvPr id="10" name="Rectangle 9">
-              <a:extLst>
-                <a:ext uri="{FF2B5EF4-FFF2-40B4-BE49-F238E27FC236}">
-                  <a16:creationId xmlns:a16="http://schemas.microsoft.com/office/drawing/2014/main" id="{B1CAE152-55F1-4152-B069-C8F1B246FE9B}"/>
-                </a:ext>
-              </a:extLst>
-            </p:cNvPr>
-            <p:cNvSpPr/>
-            <p:nvPr/>
-          </p:nvSpPr>
-          <p:spPr>
-            <a:xfrm>
-              <a:off x="4343400" y="3886200"/>
-              <a:ext cx="2133600" cy="1676400"/>
-            </a:xfrm>
-            <a:prstGeom prst="rect">
-              <a:avLst/>
-            </a:prstGeom>
-            <a:noFill/>
-            <a:ln w="44450">
-              <a:solidFill>
-                <a:srgbClr val="FF0000"/>
-              </a:solidFill>
-            </a:ln>
-          </p:spPr>
-          <p:style>
-            <a:lnRef idx="2">
-              <a:schemeClr val="accent1">
-                <a:shade val="50000"/>
-              </a:schemeClr>
-            </a:lnRef>
-            <a:fillRef idx="1">
-              <a:schemeClr val="accent1"/>
-            </a:fillRef>
-            <a:effectRef idx="0">
-              <a:schemeClr val="accent1"/>
-            </a:effectRef>
-            <a:fontRef idx="minor">
-              <a:schemeClr val="lt1"/>
-            </a:fontRef>
-          </p:style>
-          <p:txBody>
-            <a:bodyPr rtlCol="0" anchor="ctr"/>
-            <a:lstStyle/>
-            <a:p>
-              <a:pPr algn="ctr"/>
-              <a:endParaRPr lang="en-US"/>
-            </a:p>
-          </p:txBody>
-        </p:sp>
-      </p:grpSp>
+          <a:prstGeom prst="ellipse">
+            <a:avLst/>
+          </a:prstGeom>
+          <a:noFill/>
+          <a:ln w="44450">
+            <a:solidFill>
+              <a:srgbClr val="FF0000"/>
+            </a:solidFill>
+          </a:ln>
+        </p:spPr>
+        <p:style>
+          <a:lnRef idx="2">
+            <a:schemeClr val="accent1">
+              <a:shade val="50000"/>
+            </a:schemeClr>
+          </a:lnRef>
+          <a:fillRef idx="1">
+            <a:schemeClr val="accent1"/>
+          </a:fillRef>
+          <a:effectRef idx="0">
+            <a:schemeClr val="accent1"/>
+          </a:effectRef>
+          <a:fontRef idx="minor">
+            <a:schemeClr val="lt1"/>
+          </a:fontRef>
+        </p:style>
+        <p:txBody>
+          <a:bodyPr rtlCol="0" anchor="ctr"/>
+          <a:lstStyle/>
+          <a:p>
+            <a:pPr algn="ctr"/>
+            <a:endParaRPr lang="en-US"/>
+          </a:p>
+        </p:txBody>
+      </p:sp>
+      <p:sp>
+        <p:nvSpPr>
+          <p:cNvPr id="7" name="Rectangle 6">
+            <a:extLst>
+              <a:ext uri="{FF2B5EF4-FFF2-40B4-BE49-F238E27FC236}">
+                <a16:creationId xmlns:a16="http://schemas.microsoft.com/office/drawing/2014/main" id="{F832376C-D270-42C8-B6EF-DB901E163E9A}"/>
+              </a:ext>
+            </a:extLst>
+          </p:cNvPr>
+          <p:cNvSpPr/>
+          <p:nvPr/>
+        </p:nvSpPr>
+        <p:spPr>
+          <a:xfrm>
+            <a:off x="2964180" y="2129367"/>
+            <a:ext cx="2133600" cy="1600200"/>
+          </a:xfrm>
+          <a:prstGeom prst="rect">
+            <a:avLst/>
+          </a:prstGeom>
+          <a:noFill/>
+          <a:ln w="44450">
+            <a:solidFill>
+              <a:srgbClr val="FF0000"/>
+            </a:solidFill>
+          </a:ln>
+        </p:spPr>
+        <p:style>
+          <a:lnRef idx="2">
+            <a:schemeClr val="accent1">
+              <a:shade val="50000"/>
+            </a:schemeClr>
+          </a:lnRef>
+          <a:fillRef idx="1">
+            <a:schemeClr val="accent1"/>
+          </a:fillRef>
+          <a:effectRef idx="0">
+            <a:schemeClr val="accent1"/>
+          </a:effectRef>
+          <a:fontRef idx="minor">
+            <a:schemeClr val="lt1"/>
+          </a:fontRef>
+        </p:style>
+        <p:txBody>
+          <a:bodyPr rtlCol="0" anchor="ctr"/>
+          <a:lstStyle/>
+          <a:p>
+            <a:pPr algn="ctr"/>
+            <a:endParaRPr lang="en-US"/>
+          </a:p>
+        </p:txBody>
+      </p:sp>
+      <p:sp>
+        <p:nvSpPr>
+          <p:cNvPr id="8" name="Oval 7">
+            <a:extLst>
+              <a:ext uri="{FF2B5EF4-FFF2-40B4-BE49-F238E27FC236}">
+                <a16:creationId xmlns:a16="http://schemas.microsoft.com/office/drawing/2014/main" id="{15939D8B-AC03-422F-900B-BECC89780817}"/>
+              </a:ext>
+            </a:extLst>
+          </p:cNvPr>
+          <p:cNvSpPr/>
+          <p:nvPr/>
+        </p:nvSpPr>
+        <p:spPr>
+          <a:xfrm>
+            <a:off x="1784773" y="1748367"/>
+            <a:ext cx="1219200" cy="762000"/>
+          </a:xfrm>
+          <a:prstGeom prst="ellipse">
+            <a:avLst/>
+          </a:prstGeom>
+          <a:noFill/>
+          <a:ln w="44450">
+            <a:solidFill>
+              <a:srgbClr val="FF0000"/>
+            </a:solidFill>
+          </a:ln>
+        </p:spPr>
+        <p:style>
+          <a:lnRef idx="2">
+            <a:schemeClr val="accent1">
+              <a:shade val="50000"/>
+            </a:schemeClr>
+          </a:lnRef>
+          <a:fillRef idx="1">
+            <a:schemeClr val="accent1"/>
+          </a:fillRef>
+          <a:effectRef idx="0">
+            <a:schemeClr val="accent1"/>
+          </a:effectRef>
+          <a:fontRef idx="minor">
+            <a:schemeClr val="lt1"/>
+          </a:fontRef>
+        </p:style>
+        <p:txBody>
+          <a:bodyPr rtlCol="0" anchor="ctr"/>
+          <a:lstStyle/>
+          <a:p>
+            <a:pPr algn="ctr"/>
+            <a:endParaRPr lang="en-US"/>
+          </a:p>
+        </p:txBody>
+      </p:sp>
+      <p:sp>
+        <p:nvSpPr>
+          <p:cNvPr id="9" name="Oval 8">
+            <a:extLst>
+              <a:ext uri="{FF2B5EF4-FFF2-40B4-BE49-F238E27FC236}">
+                <a16:creationId xmlns:a16="http://schemas.microsoft.com/office/drawing/2014/main" id="{CDBA1400-6445-417D-AECD-3D2A2D328CF2}"/>
+              </a:ext>
+            </a:extLst>
+          </p:cNvPr>
+          <p:cNvSpPr/>
+          <p:nvPr/>
+        </p:nvSpPr>
+        <p:spPr>
+          <a:xfrm>
+            <a:off x="1828800" y="5828135"/>
+            <a:ext cx="3429000" cy="746166"/>
+          </a:xfrm>
+          <a:prstGeom prst="ellipse">
+            <a:avLst/>
+          </a:prstGeom>
+          <a:noFill/>
+          <a:ln w="44450">
+            <a:solidFill>
+              <a:srgbClr val="FF0000"/>
+            </a:solidFill>
+          </a:ln>
+        </p:spPr>
+        <p:style>
+          <a:lnRef idx="2">
+            <a:schemeClr val="accent1">
+              <a:shade val="50000"/>
+            </a:schemeClr>
+          </a:lnRef>
+          <a:fillRef idx="1">
+            <a:schemeClr val="accent1"/>
+          </a:fillRef>
+          <a:effectRef idx="0">
+            <a:schemeClr val="accent1"/>
+          </a:effectRef>
+          <a:fontRef idx="minor">
+            <a:schemeClr val="lt1"/>
+          </a:fontRef>
+        </p:style>
+        <p:txBody>
+          <a:bodyPr rtlCol="0" anchor="ctr"/>
+          <a:lstStyle/>
+          <a:p>
+            <a:pPr algn="ctr"/>
+            <a:endParaRPr lang="en-US"/>
+          </a:p>
+        </p:txBody>
+      </p:sp>
+      <p:sp>
+        <p:nvSpPr>
+          <p:cNvPr id="10" name="Rectangle 9">
+            <a:extLst>
+              <a:ext uri="{FF2B5EF4-FFF2-40B4-BE49-F238E27FC236}">
+                <a16:creationId xmlns:a16="http://schemas.microsoft.com/office/drawing/2014/main" id="{B1CAE152-55F1-4152-B069-C8F1B246FE9B}"/>
+              </a:ext>
+            </a:extLst>
+          </p:cNvPr>
+          <p:cNvSpPr/>
+          <p:nvPr/>
+        </p:nvSpPr>
+        <p:spPr>
+          <a:xfrm>
+            <a:off x="2968413" y="4057068"/>
+            <a:ext cx="2133600" cy="1676400"/>
+          </a:xfrm>
+          <a:prstGeom prst="rect">
+            <a:avLst/>
+          </a:prstGeom>
+          <a:noFill/>
+          <a:ln w="44450">
+            <a:solidFill>
+              <a:srgbClr val="FF0000"/>
+            </a:solidFill>
+          </a:ln>
+        </p:spPr>
+        <p:style>
+          <a:lnRef idx="2">
+            <a:schemeClr val="accent1">
+              <a:shade val="50000"/>
+            </a:schemeClr>
+          </a:lnRef>
+          <a:fillRef idx="1">
+            <a:schemeClr val="accent1"/>
+          </a:fillRef>
+          <a:effectRef idx="0">
+            <a:schemeClr val="accent1"/>
+          </a:effectRef>
+          <a:fontRef idx="minor">
+            <a:schemeClr val="lt1"/>
+          </a:fontRef>
+        </p:style>
+        <p:txBody>
+          <a:bodyPr rtlCol="0" anchor="ctr"/>
+          <a:lstStyle/>
+          <a:p>
+            <a:pPr algn="ctr"/>
+            <a:endParaRPr lang="en-US"/>
+          </a:p>
+        </p:txBody>
+      </p:sp>
       <p:sp>
         <p:nvSpPr>
           <p:cNvPr id="11" name="Content Placeholder 2">
@@ -7703,6 +8203,110 @@
               <a:rPr lang="en-US" dirty="0"/>
               <a:t>D and F: hopefully none.</a:t>
             </a:r>
+          </a:p>
+        </p:txBody>
+      </p:sp>
+      <p:sp>
+        <p:nvSpPr>
+          <p:cNvPr id="12" name="Rectangle 11">
+            <a:extLst>
+              <a:ext uri="{FF2B5EF4-FFF2-40B4-BE49-F238E27FC236}">
+                <a16:creationId xmlns:a16="http://schemas.microsoft.com/office/drawing/2014/main" id="{600E12D1-C0CE-4682-98F3-F1874623E0CA}"/>
+              </a:ext>
+            </a:extLst>
+          </p:cNvPr>
+          <p:cNvSpPr/>
+          <p:nvPr/>
+        </p:nvSpPr>
+        <p:spPr>
+          <a:xfrm>
+            <a:off x="4495800" y="3048000"/>
+            <a:ext cx="685800" cy="381000"/>
+          </a:xfrm>
+          <a:prstGeom prst="rect">
+            <a:avLst/>
+          </a:prstGeom>
+          <a:noFill/>
+          <a:ln w="44450">
+            <a:solidFill>
+              <a:srgbClr val="FF0000"/>
+            </a:solidFill>
+          </a:ln>
+        </p:spPr>
+        <p:style>
+          <a:lnRef idx="2">
+            <a:schemeClr val="accent1">
+              <a:shade val="50000"/>
+            </a:schemeClr>
+          </a:lnRef>
+          <a:fillRef idx="1">
+            <a:schemeClr val="accent1"/>
+          </a:fillRef>
+          <a:effectRef idx="0">
+            <a:schemeClr val="accent1"/>
+          </a:effectRef>
+          <a:fontRef idx="minor">
+            <a:schemeClr val="lt1"/>
+          </a:fontRef>
+        </p:style>
+        <p:txBody>
+          <a:bodyPr rtlCol="0" anchor="ctr"/>
+          <a:lstStyle/>
+          <a:p>
+            <a:pPr algn="ctr"/>
+            <a:endParaRPr lang="en-US"/>
+          </a:p>
+        </p:txBody>
+      </p:sp>
+      <p:sp>
+        <p:nvSpPr>
+          <p:cNvPr id="13" name="Rectangle 12">
+            <a:extLst>
+              <a:ext uri="{FF2B5EF4-FFF2-40B4-BE49-F238E27FC236}">
+                <a16:creationId xmlns:a16="http://schemas.microsoft.com/office/drawing/2014/main" id="{A5BC644B-5A3F-404D-8863-96977FC0BD1E}"/>
+              </a:ext>
+            </a:extLst>
+          </p:cNvPr>
+          <p:cNvSpPr/>
+          <p:nvPr/>
+        </p:nvSpPr>
+        <p:spPr>
+          <a:xfrm>
+            <a:off x="4530513" y="2419932"/>
+            <a:ext cx="685800" cy="381000"/>
+          </a:xfrm>
+          <a:prstGeom prst="rect">
+            <a:avLst/>
+          </a:prstGeom>
+          <a:noFill/>
+          <a:ln w="44450">
+            <a:solidFill>
+              <a:srgbClr val="FF0000"/>
+            </a:solidFill>
+          </a:ln>
+        </p:spPr>
+        <p:style>
+          <a:lnRef idx="2">
+            <a:schemeClr val="accent1">
+              <a:shade val="50000"/>
+            </a:schemeClr>
+          </a:lnRef>
+          <a:fillRef idx="1">
+            <a:schemeClr val="accent1"/>
+          </a:fillRef>
+          <a:effectRef idx="0">
+            <a:schemeClr val="accent1"/>
+          </a:effectRef>
+          <a:fontRef idx="minor">
+            <a:schemeClr val="lt1"/>
+          </a:fontRef>
+        </p:style>
+        <p:txBody>
+          <a:bodyPr rtlCol="0" anchor="ctr"/>
+          <a:lstStyle/>
+          <a:p>
+            <a:pPr algn="ctr"/>
+            <a:endParaRPr lang="en-US"/>
           </a:p>
         </p:txBody>
       </p:sp>
@@ -7750,11 +8354,7 @@
                                           </p:stCondLst>
                                         </p:cTn>
                                         <p:tgtEl>
-                                          <p:spTgt spid="11">
-                                            <p:txEl>
-                                              <p:pRg st="0" end="0"/>
-                                            </p:txEl>
-                                          </p:spTgt>
+                                          <p:spTgt spid="7"/>
                                         </p:tgtEl>
                                         <p:attrNameLst>
                                           <p:attrName>style.visibility</p:attrName>
@@ -7799,6 +8399,325 @@
                                           </p:stCondLst>
                                         </p:cTn>
                                         <p:tgtEl>
+                                          <p:spTgt spid="13"/>
+                                        </p:tgtEl>
+                                        <p:attrNameLst>
+                                          <p:attrName>style.visibility</p:attrName>
+                                        </p:attrNameLst>
+                                      </p:cBhvr>
+                                      <p:to>
+                                        <p:strVal val="visible"/>
+                                      </p:to>
+                                    </p:set>
+                                  </p:childTnLst>
+                                </p:cTn>
+                              </p:par>
+                            </p:childTnLst>
+                          </p:cTn>
+                        </p:par>
+                      </p:childTnLst>
+                    </p:cTn>
+                  </p:par>
+                  <p:par>
+                    <p:cTn id="11" fill="hold">
+                      <p:stCondLst>
+                        <p:cond delay="indefinite"/>
+                      </p:stCondLst>
+                      <p:childTnLst>
+                        <p:par>
+                          <p:cTn id="12" fill="hold">
+                            <p:stCondLst>
+                              <p:cond delay="0"/>
+                            </p:stCondLst>
+                            <p:childTnLst>
+                              <p:par>
+                                <p:cTn id="13" presetID="1" presetClass="entr" presetSubtype="0" fill="hold" grpId="0" nodeType="clickEffect">
+                                  <p:stCondLst>
+                                    <p:cond delay="0"/>
+                                  </p:stCondLst>
+                                  <p:childTnLst>
+                                    <p:set>
+                                      <p:cBhvr>
+                                        <p:cTn id="14" dur="1" fill="hold">
+                                          <p:stCondLst>
+                                            <p:cond delay="0"/>
+                                          </p:stCondLst>
+                                        </p:cTn>
+                                        <p:tgtEl>
+                                          <p:spTgt spid="12"/>
+                                        </p:tgtEl>
+                                        <p:attrNameLst>
+                                          <p:attrName>style.visibility</p:attrName>
+                                        </p:attrNameLst>
+                                      </p:cBhvr>
+                                      <p:to>
+                                        <p:strVal val="visible"/>
+                                      </p:to>
+                                    </p:set>
+                                  </p:childTnLst>
+                                </p:cTn>
+                              </p:par>
+                            </p:childTnLst>
+                          </p:cTn>
+                        </p:par>
+                      </p:childTnLst>
+                    </p:cTn>
+                  </p:par>
+                  <p:par>
+                    <p:cTn id="15" fill="hold">
+                      <p:stCondLst>
+                        <p:cond delay="indefinite"/>
+                      </p:stCondLst>
+                      <p:childTnLst>
+                        <p:par>
+                          <p:cTn id="16" fill="hold">
+                            <p:stCondLst>
+                              <p:cond delay="0"/>
+                            </p:stCondLst>
+                            <p:childTnLst>
+                              <p:par>
+                                <p:cTn id="17" presetID="1" presetClass="entr" presetSubtype="0" fill="hold" grpId="0" nodeType="clickEffect">
+                                  <p:stCondLst>
+                                    <p:cond delay="0"/>
+                                  </p:stCondLst>
+                                  <p:childTnLst>
+                                    <p:set>
+                                      <p:cBhvr>
+                                        <p:cTn id="18" dur="1" fill="hold">
+                                          <p:stCondLst>
+                                            <p:cond delay="0"/>
+                                          </p:stCondLst>
+                                        </p:cTn>
+                                        <p:tgtEl>
+                                          <p:spTgt spid="8"/>
+                                        </p:tgtEl>
+                                        <p:attrNameLst>
+                                          <p:attrName>style.visibility</p:attrName>
+                                        </p:attrNameLst>
+                                      </p:cBhvr>
+                                      <p:to>
+                                        <p:strVal val="visible"/>
+                                      </p:to>
+                                    </p:set>
+                                  </p:childTnLst>
+                                </p:cTn>
+                              </p:par>
+                            </p:childTnLst>
+                          </p:cTn>
+                        </p:par>
+                      </p:childTnLst>
+                    </p:cTn>
+                  </p:par>
+                  <p:par>
+                    <p:cTn id="19" fill="hold">
+                      <p:stCondLst>
+                        <p:cond delay="indefinite"/>
+                      </p:stCondLst>
+                      <p:childTnLst>
+                        <p:par>
+                          <p:cTn id="20" fill="hold">
+                            <p:stCondLst>
+                              <p:cond delay="0"/>
+                            </p:stCondLst>
+                            <p:childTnLst>
+                              <p:par>
+                                <p:cTn id="21" presetID="1" presetClass="entr" presetSubtype="0" fill="hold" grpId="0" nodeType="clickEffect">
+                                  <p:stCondLst>
+                                    <p:cond delay="0"/>
+                                  </p:stCondLst>
+                                  <p:childTnLst>
+                                    <p:set>
+                                      <p:cBhvr>
+                                        <p:cTn id="22" dur="1" fill="hold">
+                                          <p:stCondLst>
+                                            <p:cond delay="0"/>
+                                          </p:stCondLst>
+                                        </p:cTn>
+                                        <p:tgtEl>
+                                          <p:spTgt spid="10"/>
+                                        </p:tgtEl>
+                                        <p:attrNameLst>
+                                          <p:attrName>style.visibility</p:attrName>
+                                        </p:attrNameLst>
+                                      </p:cBhvr>
+                                      <p:to>
+                                        <p:strVal val="visible"/>
+                                      </p:to>
+                                    </p:set>
+                                  </p:childTnLst>
+                                </p:cTn>
+                              </p:par>
+                            </p:childTnLst>
+                          </p:cTn>
+                        </p:par>
+                      </p:childTnLst>
+                    </p:cTn>
+                  </p:par>
+                  <p:par>
+                    <p:cTn id="23" fill="hold">
+                      <p:stCondLst>
+                        <p:cond delay="indefinite"/>
+                      </p:stCondLst>
+                      <p:childTnLst>
+                        <p:par>
+                          <p:cTn id="24" fill="hold">
+                            <p:stCondLst>
+                              <p:cond delay="0"/>
+                            </p:stCondLst>
+                            <p:childTnLst>
+                              <p:par>
+                                <p:cTn id="25" presetID="1" presetClass="entr" presetSubtype="0" fill="hold" grpId="0" nodeType="clickEffect">
+                                  <p:stCondLst>
+                                    <p:cond delay="0"/>
+                                  </p:stCondLst>
+                                  <p:childTnLst>
+                                    <p:set>
+                                      <p:cBhvr>
+                                        <p:cTn id="26" dur="1" fill="hold">
+                                          <p:stCondLst>
+                                            <p:cond delay="0"/>
+                                          </p:stCondLst>
+                                        </p:cTn>
+                                        <p:tgtEl>
+                                          <p:spTgt spid="6"/>
+                                        </p:tgtEl>
+                                        <p:attrNameLst>
+                                          <p:attrName>style.visibility</p:attrName>
+                                        </p:attrNameLst>
+                                      </p:cBhvr>
+                                      <p:to>
+                                        <p:strVal val="visible"/>
+                                      </p:to>
+                                    </p:set>
+                                  </p:childTnLst>
+                                </p:cTn>
+                              </p:par>
+                            </p:childTnLst>
+                          </p:cTn>
+                        </p:par>
+                      </p:childTnLst>
+                    </p:cTn>
+                  </p:par>
+                  <p:par>
+                    <p:cTn id="27" fill="hold">
+                      <p:stCondLst>
+                        <p:cond delay="indefinite"/>
+                      </p:stCondLst>
+                      <p:childTnLst>
+                        <p:par>
+                          <p:cTn id="28" fill="hold">
+                            <p:stCondLst>
+                              <p:cond delay="0"/>
+                            </p:stCondLst>
+                            <p:childTnLst>
+                              <p:par>
+                                <p:cTn id="29" presetID="1" presetClass="entr" presetSubtype="0" fill="hold" grpId="0" nodeType="clickEffect">
+                                  <p:stCondLst>
+                                    <p:cond delay="0"/>
+                                  </p:stCondLst>
+                                  <p:childTnLst>
+                                    <p:set>
+                                      <p:cBhvr>
+                                        <p:cTn id="30" dur="1" fill="hold">
+                                          <p:stCondLst>
+                                            <p:cond delay="0"/>
+                                          </p:stCondLst>
+                                        </p:cTn>
+                                        <p:tgtEl>
+                                          <p:spTgt spid="9"/>
+                                        </p:tgtEl>
+                                        <p:attrNameLst>
+                                          <p:attrName>style.visibility</p:attrName>
+                                        </p:attrNameLst>
+                                      </p:cBhvr>
+                                      <p:to>
+                                        <p:strVal val="visible"/>
+                                      </p:to>
+                                    </p:set>
+                                  </p:childTnLst>
+                                </p:cTn>
+                              </p:par>
+                            </p:childTnLst>
+                          </p:cTn>
+                        </p:par>
+                      </p:childTnLst>
+                    </p:cTn>
+                  </p:par>
+                  <p:par>
+                    <p:cTn id="31" fill="hold">
+                      <p:stCondLst>
+                        <p:cond delay="indefinite"/>
+                      </p:stCondLst>
+                      <p:childTnLst>
+                        <p:par>
+                          <p:cTn id="32" fill="hold">
+                            <p:stCondLst>
+                              <p:cond delay="0"/>
+                            </p:stCondLst>
+                            <p:childTnLst>
+                              <p:par>
+                                <p:cTn id="33" presetID="1" presetClass="entr" presetSubtype="0" fill="hold" grpId="0" nodeType="clickEffect">
+                                  <p:stCondLst>
+                                    <p:cond delay="0"/>
+                                  </p:stCondLst>
+                                  <p:childTnLst>
+                                    <p:set>
+                                      <p:cBhvr>
+                                        <p:cTn id="34" dur="1" fill="hold">
+                                          <p:stCondLst>
+                                            <p:cond delay="0"/>
+                                          </p:stCondLst>
+                                        </p:cTn>
+                                        <p:tgtEl>
+                                          <p:spTgt spid="11">
+                                            <p:txEl>
+                                              <p:pRg st="0" end="0"/>
+                                            </p:txEl>
+                                          </p:spTgt>
+                                        </p:tgtEl>
+                                        <p:attrNameLst>
+                                          <p:attrName>style.visibility</p:attrName>
+                                        </p:attrNameLst>
+                                      </p:cBhvr>
+                                      <p:to>
+                                        <p:strVal val="visible"/>
+                                      </p:to>
+                                    </p:set>
+                                  </p:childTnLst>
+                                </p:cTn>
+                              </p:par>
+                            </p:childTnLst>
+                          </p:cTn>
+                        </p:par>
+                      </p:childTnLst>
+                    </p:cTn>
+                  </p:par>
+                  <p:par>
+                    <p:cTn id="35" fill="hold">
+                      <p:stCondLst>
+                        <p:cond delay="indefinite"/>
+                      </p:stCondLst>
+                      <p:childTnLst>
+                        <p:par>
+                          <p:cTn id="36" fill="hold">
+                            <p:stCondLst>
+                              <p:cond delay="0"/>
+                            </p:stCondLst>
+                            <p:childTnLst>
+                              <p:par>
+                                <p:cTn id="37" presetID="1" presetClass="entr" presetSubtype="0" fill="hold" grpId="0" nodeType="clickEffect">
+                                  <p:stCondLst>
+                                    <p:cond delay="0"/>
+                                  </p:stCondLst>
+                                  <p:childTnLst>
+                                    <p:set>
+                                      <p:cBhvr>
+                                        <p:cTn id="38" dur="1" fill="hold">
+                                          <p:stCondLst>
+                                            <p:cond delay="0"/>
+                                          </p:stCondLst>
+                                        </p:cTn>
+                                        <p:tgtEl>
                                           <p:spTgt spid="11">
                                             <p:txEl>
                                               <p:pRg st="1" end="1"/>
@@ -7817,14 +8736,14 @@
                                 </p:cTn>
                               </p:par>
                               <p:par>
-                                <p:cTn id="11" presetID="1" presetClass="entr" presetSubtype="0" fill="hold" grpId="0" nodeType="withEffect">
+                                <p:cTn id="39" presetID="1" presetClass="entr" presetSubtype="0" fill="hold" grpId="0" nodeType="withEffect">
                                   <p:stCondLst>
                                     <p:cond delay="0"/>
                                   </p:stCondLst>
                                   <p:childTnLst>
                                     <p:set>
                                       <p:cBhvr>
-                                        <p:cTn id="12" dur="1" fill="hold">
+                                        <p:cTn id="40" dur="1" fill="hold">
                                           <p:stCondLst>
                                             <p:cond delay="0"/>
                                           </p:stCondLst>
@@ -7848,14 +8767,14 @@
                                 </p:cTn>
                               </p:par>
                               <p:par>
-                                <p:cTn id="13" presetID="1" presetClass="entr" presetSubtype="0" fill="hold" grpId="0" nodeType="withEffect">
+                                <p:cTn id="41" presetID="1" presetClass="entr" presetSubtype="0" fill="hold" grpId="0" nodeType="withEffect">
                                   <p:stCondLst>
                                     <p:cond delay="0"/>
                                   </p:stCondLst>
                                   <p:childTnLst>
                                     <p:set>
                                       <p:cBhvr>
-                                        <p:cTn id="14" dur="1" fill="hold">
+                                        <p:cTn id="42" dur="1" fill="hold">
                                           <p:stCondLst>
                                             <p:cond delay="0"/>
                                           </p:stCondLst>
@@ -7879,14 +8798,14 @@
                                 </p:cTn>
                               </p:par>
                               <p:par>
-                                <p:cTn id="15" presetID="1" presetClass="entr" presetSubtype="0" fill="hold" grpId="0" nodeType="withEffect">
+                                <p:cTn id="43" presetID="1" presetClass="entr" presetSubtype="0" fill="hold" grpId="0" nodeType="withEffect">
                                   <p:stCondLst>
                                     <p:cond delay="0"/>
                                   </p:stCondLst>
                                   <p:childTnLst>
                                     <p:set>
                                       <p:cBhvr>
-                                        <p:cTn id="16" dur="1" fill="hold">
+                                        <p:cTn id="44" dur="1" fill="hold">
                                           <p:stCondLst>
                                             <p:cond delay="0"/>
                                           </p:stCondLst>
@@ -7910,14 +8829,14 @@
                                 </p:cTn>
                               </p:par>
                               <p:par>
-                                <p:cTn id="17" presetID="1" presetClass="entr" presetSubtype="0" fill="hold" grpId="0" nodeType="withEffect">
+                                <p:cTn id="45" presetID="1" presetClass="entr" presetSubtype="0" fill="hold" grpId="0" nodeType="withEffect">
                                   <p:stCondLst>
                                     <p:cond delay="0"/>
                                   </p:stCondLst>
                                   <p:childTnLst>
                                     <p:set>
                                       <p:cBhvr>
-                                        <p:cTn id="18" dur="1" fill="hold">
+                                        <p:cTn id="46" dur="1" fill="hold">
                                           <p:stCondLst>
                                             <p:cond delay="0"/>
                                           </p:stCondLst>
@@ -7968,7 +8887,14 @@
       </p:par>
     </p:tnLst>
     <p:bldLst>
+      <p:bldP spid="6" grpId="0" animBg="1"/>
+      <p:bldP spid="7" grpId="0" animBg="1"/>
+      <p:bldP spid="8" grpId="0" animBg="1"/>
+      <p:bldP spid="9" grpId="0" animBg="1"/>
+      <p:bldP spid="10" grpId="0" animBg="1"/>
       <p:bldP spid="11" grpId="0" uiExpand="1" build="p"/>
+      <p:bldP spid="12" grpId="0" animBg="1"/>
+      <p:bldP spid="13" grpId="0" animBg="1"/>
     </p:bldLst>
   </p:timing>
 </p:sld>

--- a/PPT/Intro.pptx
+++ b/PPT/Intro.pptx
@@ -5,7 +5,7 @@
     <p:sldMasterId id="2147483768" r:id="rId1"/>
   </p:sldMasterIdLst>
   <p:notesMasterIdLst>
-    <p:notesMasterId r:id="rId22"/>
+    <p:notesMasterId r:id="rId23"/>
   </p:notesMasterIdLst>
   <p:sldIdLst>
     <p:sldId id="256" r:id="rId2"/>
@@ -27,7 +27,8 @@
     <p:sldId id="279" r:id="rId18"/>
     <p:sldId id="281" r:id="rId19"/>
     <p:sldId id="283" r:id="rId20"/>
-    <p:sldId id="282" r:id="rId21"/>
+    <p:sldId id="307" r:id="rId21"/>
+    <p:sldId id="282" r:id="rId22"/>
   </p:sldIdLst>
   <p:sldSz cx="12192000" cy="6858000"/>
   <p:notesSz cx="6858000" cy="9144000"/>
@@ -150,6 +151,7 @@
             <p14:sldId id="279"/>
             <p14:sldId id="281"/>
             <p14:sldId id="283"/>
+            <p14:sldId id="307"/>
             <p14:sldId id="282"/>
           </p14:sldIdLst>
         </p14:section>
@@ -267,7 +269,7 @@
           <a:p>
             <a:fld id="{5578FD48-7BBA-4787-8980-5DFB65E0734D}" type="datetimeFigureOut">
               <a:rPr lang="en-US" smtClean="0"/>
-              <a:t>3/12/2024</a:t>
+              <a:t>3/18/2024</a:t>
             </a:fld>
             <a:endParaRPr lang="en-US"/>
           </a:p>
@@ -773,41 +775,6 @@
               <a:tabLst/>
               <a:defRPr/>
             </a:pPr>
-            <a:r>
-              <a:rPr lang="en-US" b="1" dirty="0"/>
-              <a:t>Programming Languages </a:t>
-            </a:r>
-            <a:r>
-              <a:rPr lang="en-US" dirty="0"/>
-              <a:t>poll</a:t>
-            </a:r>
-          </a:p>
-          <a:p>
-            <a:pPr marL="0" marR="0" lvl="0" indent="0" algn="l" defTabSz="914400" rtl="0" eaLnBrk="1" fontAlgn="auto" latinLnBrk="0" hangingPunct="1">
-              <a:lnSpc>
-                <a:spcPct val="100000"/>
-              </a:lnSpc>
-              <a:spcBef>
-                <a:spcPts val="0"/>
-              </a:spcBef>
-              <a:spcAft>
-                <a:spcPts val="0"/>
-              </a:spcAft>
-              <a:buClrTx/>
-              <a:buSzTx/>
-              <a:buFontTx/>
-              <a:buNone/>
-              <a:tabLst/>
-              <a:defRPr/>
-            </a:pPr>
-            <a:r>
-              <a:rPr lang="en-US" b="1" dirty="0"/>
-              <a:t>Background </a:t>
-            </a:r>
-            <a:r>
-              <a:rPr lang="en-US" b="0" dirty="0"/>
-              <a:t>poll</a:t>
-            </a:r>
             <a:endParaRPr lang="en-US" b="1" dirty="0"/>
           </a:p>
           <a:p>
@@ -1111,6 +1078,90 @@
     <p:extLst>
       <p:ext uri="{BB962C8B-B14F-4D97-AF65-F5344CB8AC3E}">
         <p14:creationId xmlns:p14="http://schemas.microsoft.com/office/powerpoint/2010/main" val="1945347898"/>
+      </p:ext>
+    </p:extLst>
+  </p:cSld>
+  <p:clrMapOvr>
+    <a:masterClrMapping/>
+  </p:clrMapOvr>
+</p:notes>
+</file>
+
+<file path=ppt/notesSlides/notesSlide7.xml><?xml version="1.0" encoding="utf-8"?>
+<p:notes xmlns:a="http://schemas.openxmlformats.org/drawingml/2006/main" xmlns:r="http://schemas.openxmlformats.org/officeDocument/2006/relationships" xmlns:p="http://schemas.openxmlformats.org/presentationml/2006/main">
+  <p:cSld>
+    <p:spTree>
+      <p:nvGrpSpPr>
+        <p:cNvPr id="1" name=""/>
+        <p:cNvGrpSpPr/>
+        <p:nvPr/>
+      </p:nvGrpSpPr>
+      <p:grpSpPr>
+        <a:xfrm>
+          <a:off x="0" y="0"/>
+          <a:ext cx="0" cy="0"/>
+          <a:chOff x="0" y="0"/>
+          <a:chExt cx="0" cy="0"/>
+        </a:xfrm>
+      </p:grpSpPr>
+      <p:sp>
+        <p:nvSpPr>
+          <p:cNvPr id="2" name="Slide Image Placeholder 1"/>
+          <p:cNvSpPr>
+            <a:spLocks noGrp="1" noRot="1" noChangeAspect="1"/>
+          </p:cNvSpPr>
+          <p:nvPr>
+            <p:ph type="sldImg"/>
+          </p:nvPr>
+        </p:nvSpPr>
+        <p:spPr/>
+      </p:sp>
+      <p:sp>
+        <p:nvSpPr>
+          <p:cNvPr id="3" name="Notes Placeholder 2"/>
+          <p:cNvSpPr>
+            <a:spLocks noGrp="1"/>
+          </p:cNvSpPr>
+          <p:nvPr>
+            <p:ph type="body" idx="1"/>
+          </p:nvPr>
+        </p:nvSpPr>
+        <p:spPr/>
+        <p:txBody>
+          <a:bodyPr/>
+          <a:lstStyle/>
+          <a:p>
+            <a:endParaRPr lang="en-US" dirty="0"/>
+          </a:p>
+        </p:txBody>
+      </p:sp>
+      <p:sp>
+        <p:nvSpPr>
+          <p:cNvPr id="4" name="Slide Number Placeholder 3"/>
+          <p:cNvSpPr>
+            <a:spLocks noGrp="1"/>
+          </p:cNvSpPr>
+          <p:nvPr>
+            <p:ph type="sldNum" sz="quarter" idx="5"/>
+          </p:nvPr>
+        </p:nvSpPr>
+        <p:spPr/>
+        <p:txBody>
+          <a:bodyPr/>
+          <a:lstStyle/>
+          <a:p>
+            <a:fld id="{F7DB80D0-0163-4942-8F25-71DA65E50049}" type="slidenum">
+              <a:rPr lang="en-US" smtClean="0"/>
+              <a:t>20</a:t>
+            </a:fld>
+            <a:endParaRPr lang="en-US"/>
+          </a:p>
+        </p:txBody>
+      </p:sp>
+    </p:spTree>
+    <p:extLst>
+      <p:ext uri="{BB962C8B-B14F-4D97-AF65-F5344CB8AC3E}">
+        <p14:creationId xmlns:p14="http://schemas.microsoft.com/office/powerpoint/2010/main" val="2666115201"/>
       </p:ext>
     </p:extLst>
   </p:cSld>
@@ -1180,7 +1231,7 @@
             <a:fld id="{1D8BD707-D9CF-40AE-B4C6-C98DA3205C09}" type="datetimeFigureOut">
               <a:rPr lang="en-US" smtClean="0"/>
               <a:pPr/>
-              <a:t>3/12/2024</a:t>
+              <a:t>3/18/2024</a:t>
             </a:fld>
             <a:endParaRPr lang="en-US"/>
           </a:p>
@@ -1497,7 +1548,7 @@
             <a:fld id="{1D8BD707-D9CF-40AE-B4C6-C98DA3205C09}" type="datetimeFigureOut">
               <a:rPr lang="en-US" smtClean="0"/>
               <a:pPr/>
-              <a:t>3/12/2024</a:t>
+              <a:t>3/18/2024</a:t>
             </a:fld>
             <a:endParaRPr lang="en-US"/>
           </a:p>
@@ -1673,7 +1724,7 @@
             <a:fld id="{1D8BD707-D9CF-40AE-B4C6-C98DA3205C09}" type="datetimeFigureOut">
               <a:rPr lang="en-US" smtClean="0"/>
               <a:pPr/>
-              <a:t>3/12/2024</a:t>
+              <a:t>3/18/2024</a:t>
             </a:fld>
             <a:endParaRPr lang="en-US"/>
           </a:p>
@@ -1793,7 +1844,7 @@
             <a:fld id="{1D8BD707-D9CF-40AE-B4C6-C98DA3205C09}" type="datetimeFigureOut">
               <a:rPr lang="en-US" smtClean="0"/>
               <a:pPr/>
-              <a:t>3/12/2024</a:t>
+              <a:t>3/18/2024</a:t>
             </a:fld>
             <a:endParaRPr lang="en-US"/>
           </a:p>
@@ -2093,7 +2144,7 @@
             <a:fld id="{1D8BD707-D9CF-40AE-B4C6-C98DA3205C09}" type="datetimeFigureOut">
               <a:rPr lang="en-US" smtClean="0"/>
               <a:pPr/>
-              <a:t>3/12/2024</a:t>
+              <a:t>3/18/2024</a:t>
             </a:fld>
             <a:endParaRPr lang="en-US"/>
           </a:p>
@@ -2388,7 +2439,7 @@
             <a:fld id="{1D8BD707-D9CF-40AE-B4C6-C98DA3205C09}" type="datetimeFigureOut">
               <a:rPr lang="en-US" smtClean="0"/>
               <a:pPr/>
-              <a:t>3/12/2024</a:t>
+              <a:t>3/18/2024</a:t>
             </a:fld>
             <a:endParaRPr lang="en-US"/>
           </a:p>
@@ -2818,7 +2869,7 @@
             <a:fld id="{1D8BD707-D9CF-40AE-B4C6-C98DA3205C09}" type="datetimeFigureOut">
               <a:rPr lang="en-US" smtClean="0"/>
               <a:pPr/>
-              <a:t>3/12/2024</a:t>
+              <a:t>3/18/2024</a:t>
             </a:fld>
             <a:endParaRPr lang="en-US"/>
           </a:p>
@@ -2938,7 +2989,7 @@
             <a:fld id="{1D8BD707-D9CF-40AE-B4C6-C98DA3205C09}" type="datetimeFigureOut">
               <a:rPr lang="en-US" smtClean="0"/>
               <a:pPr/>
-              <a:t>3/12/2024</a:t>
+              <a:t>3/18/2024</a:t>
             </a:fld>
             <a:endParaRPr lang="en-US"/>
           </a:p>
@@ -3030,7 +3081,7 @@
             <a:fld id="{1D8BD707-D9CF-40AE-B4C6-C98DA3205C09}" type="datetimeFigureOut">
               <a:rPr lang="en-US" smtClean="0"/>
               <a:pPr/>
-              <a:t>3/12/2024</a:t>
+              <a:t>3/18/2024</a:t>
             </a:fld>
             <a:endParaRPr lang="en-US"/>
           </a:p>
@@ -3282,7 +3333,7 @@
             <a:fld id="{1D8BD707-D9CF-40AE-B4C6-C98DA3205C09}" type="datetimeFigureOut">
               <a:rPr lang="en-US" smtClean="0"/>
               <a:pPr/>
-              <a:t>3/12/2024</a:t>
+              <a:t>3/18/2024</a:t>
             </a:fld>
             <a:endParaRPr lang="en-US"/>
           </a:p>
@@ -3800,7 +3851,7 @@
             <a:fld id="{1D8BD707-D9CF-40AE-B4C6-C98DA3205C09}" type="datetimeFigureOut">
               <a:rPr lang="en-US" smtClean="0"/>
               <a:pPr/>
-              <a:t>3/12/2024</a:t>
+              <a:t>3/18/2024</a:t>
             </a:fld>
             <a:endParaRPr lang="en-US"/>
           </a:p>
@@ -4032,7 +4083,7 @@
             <a:fld id="{1D8BD707-D9CF-40AE-B4C6-C98DA3205C09}" type="datetimeFigureOut">
               <a:rPr lang="en-US" smtClean="0"/>
               <a:pPr/>
-              <a:t>3/12/2024</a:t>
+              <a:t>3/18/2024</a:t>
             </a:fld>
             <a:endParaRPr lang="en-US"/>
           </a:p>
@@ -5531,7 +5582,7 @@
             <a:pPr lvl="1"/>
             <a:r>
               <a:rPr lang="en-US" sz="1800" dirty="0"/>
-              <a:t>you want to learn with me, or </a:t>
+              <a:t>You want to learn with me, or </a:t>
             </a:r>
           </a:p>
           <a:p>
@@ -5981,7 +6032,7 @@
         <p:spPr/>
         <p:txBody>
           <a:bodyPr>
-            <a:normAutofit fontScale="92500" lnSpcReduction="10000"/>
+            <a:normAutofit lnSpcReduction="10000"/>
           </a:bodyPr>
           <a:lstStyle/>
           <a:p>
@@ -6010,13 +6061,6 @@
             <a:r>
               <a:rPr lang="en-US" dirty="0"/>
               <a:t>: Game Objects, Camera, UI, Game Manager, Effects, Autonomous Behaviors (AI)</a:t>
-            </a:r>
-          </a:p>
-          <a:p>
-            <a:pPr lvl="1"/>
-            <a:r>
-              <a:rPr lang="en-US" dirty="0"/>
-              <a:t>EX2Practice:, a simple game (group project)</a:t>
             </a:r>
           </a:p>
           <a:p>
@@ -6049,7 +6093,7 @@
             </a:r>
             <a:r>
               <a:rPr lang="en-US" dirty="0"/>
-              <a:t>tomorrow before class</a:t>
+              <a:t>on Wednesday before class</a:t>
             </a:r>
           </a:p>
           <a:p>
@@ -6064,7 +6108,7 @@
             </a:r>
             <a:r>
               <a:rPr lang="en-US" dirty="0"/>
-              <a:t>on Thursday before class</a:t>
+              <a:t>on Friday before class</a:t>
             </a:r>
           </a:p>
           <a:p>
@@ -6085,7 +6129,15 @@
           <a:p>
             <a:r>
               <a:rPr lang="en-US" b="1" dirty="0"/>
-              <a:t>Daily Short Quiz: </a:t>
+              <a:t>Quiz </a:t>
+            </a:r>
+            <a:r>
+              <a:rPr lang="en-US" dirty="0"/>
+              <a:t>on Tuesday, Thursday, and Friday beginning of class</a:t>
+            </a:r>
+            <a:r>
+              <a:rPr lang="en-US" b="1" dirty="0"/>
+              <a:t> </a:t>
             </a:r>
           </a:p>
           <a:p>
@@ -6099,7 +6151,7 @@
             <a:pPr lvl="1"/>
             <a:r>
               <a:rPr lang="en-US" dirty="0"/>
-              <a:t>open book, open everything</a:t>
+              <a:t>open book, open everything, individual effort</a:t>
             </a:r>
           </a:p>
           <a:p>
@@ -6109,7 +6161,7 @@
                   <a:srgbClr val="FFFF00"/>
                 </a:solidFill>
               </a:rPr>
-              <a:t>Very short turnaround! </a:t>
+              <a:t>Very fast turnaround!  No time to stop and wander</a:t>
             </a:r>
           </a:p>
         </p:txBody>
@@ -6237,15 +6289,33 @@
                                   </p:childTnLst>
                                 </p:cTn>
                               </p:par>
+                            </p:childTnLst>
+                          </p:cTn>
+                        </p:par>
+                      </p:childTnLst>
+                    </p:cTn>
+                  </p:par>
+                  <p:par>
+                    <p:cTn id="11" fill="hold">
+                      <p:stCondLst>
+                        <p:cond delay="indefinite"/>
+                      </p:stCondLst>
+                      <p:childTnLst>
+                        <p:par>
+                          <p:cTn id="12" fill="hold">
+                            <p:stCondLst>
+                              <p:cond delay="0"/>
+                            </p:stCondLst>
+                            <p:childTnLst>
                               <p:par>
-                                <p:cTn id="11" presetID="1" presetClass="entr" presetSubtype="0" fill="hold" grpId="0" nodeType="withEffect">
+                                <p:cTn id="13" presetID="1" presetClass="entr" presetSubtype="0" fill="hold" grpId="0" nodeType="clickEffect">
                                   <p:stCondLst>
                                     <p:cond delay="0"/>
                                   </p:stCondLst>
                                   <p:childTnLst>
                                     <p:set>
                                       <p:cBhvr>
-                                        <p:cTn id="12" dur="1" fill="hold">
+                                        <p:cTn id="14" dur="1" fill="hold">
                                           <p:stCondLst>
                                             <p:cond delay="0"/>
                                           </p:stCondLst>
@@ -6268,26 +6338,8 @@
                                   </p:childTnLst>
                                 </p:cTn>
                               </p:par>
-                            </p:childTnLst>
-                          </p:cTn>
-                        </p:par>
-                      </p:childTnLst>
-                    </p:cTn>
-                  </p:par>
-                  <p:par>
-                    <p:cTn id="13" fill="hold">
-                      <p:stCondLst>
-                        <p:cond delay="indefinite"/>
-                      </p:stCondLst>
-                      <p:childTnLst>
-                        <p:par>
-                          <p:cTn id="14" fill="hold">
-                            <p:stCondLst>
-                              <p:cond delay="0"/>
-                            </p:stCondLst>
-                            <p:childTnLst>
                               <p:par>
-                                <p:cTn id="15" presetID="1" presetClass="entr" presetSubtype="0" fill="hold" grpId="0" nodeType="clickEffect">
+                                <p:cTn id="15" presetID="1" presetClass="entr" presetSubtype="0" fill="hold" grpId="0" nodeType="withEffect">
                                   <p:stCondLst>
                                     <p:cond delay="0"/>
                                   </p:stCondLst>
@@ -6379,15 +6431,33 @@
                                   </p:childTnLst>
                                 </p:cTn>
                               </p:par>
+                            </p:childTnLst>
+                          </p:cTn>
+                        </p:par>
+                      </p:childTnLst>
+                    </p:cTn>
+                  </p:par>
+                  <p:par>
+                    <p:cTn id="21" fill="hold">
+                      <p:stCondLst>
+                        <p:cond delay="indefinite"/>
+                      </p:stCondLst>
+                      <p:childTnLst>
+                        <p:par>
+                          <p:cTn id="22" fill="hold">
+                            <p:stCondLst>
+                              <p:cond delay="0"/>
+                            </p:stCondLst>
+                            <p:childTnLst>
                               <p:par>
-                                <p:cTn id="21" presetID="1" presetClass="entr" presetSubtype="0" fill="hold" grpId="0" nodeType="withEffect">
+                                <p:cTn id="23" presetID="1" presetClass="entr" presetSubtype="0" fill="hold" grpId="0" nodeType="clickEffect">
                                   <p:stCondLst>
                                     <p:cond delay="0"/>
                                   </p:stCondLst>
                                   <p:childTnLst>
                                     <p:set>
                                       <p:cBhvr>
-                                        <p:cTn id="22" dur="1" fill="hold">
+                                        <p:cTn id="24" dur="1" fill="hold">
                                           <p:stCondLst>
                                             <p:cond delay="0"/>
                                           </p:stCondLst>
@@ -6410,26 +6480,8 @@
                                   </p:childTnLst>
                                 </p:cTn>
                               </p:par>
-                            </p:childTnLst>
-                          </p:cTn>
-                        </p:par>
-                      </p:childTnLst>
-                    </p:cTn>
-                  </p:par>
-                  <p:par>
-                    <p:cTn id="23" fill="hold">
-                      <p:stCondLst>
-                        <p:cond delay="indefinite"/>
-                      </p:stCondLst>
-                      <p:childTnLst>
-                        <p:par>
-                          <p:cTn id="24" fill="hold">
-                            <p:stCondLst>
-                              <p:cond delay="0"/>
-                            </p:stCondLst>
-                            <p:childTnLst>
                               <p:par>
-                                <p:cTn id="25" presetID="1" presetClass="entr" presetSubtype="0" fill="hold" grpId="0" nodeType="clickEffect">
+                                <p:cTn id="25" presetID="1" presetClass="entr" presetSubtype="0" fill="hold" grpId="0" nodeType="withEffect">
                                   <p:stCondLst>
                                     <p:cond delay="0"/>
                                   </p:stCondLst>
@@ -6490,15 +6542,33 @@
                                   </p:childTnLst>
                                 </p:cTn>
                               </p:par>
+                            </p:childTnLst>
+                          </p:cTn>
+                        </p:par>
+                      </p:childTnLst>
+                    </p:cTn>
+                  </p:par>
+                  <p:par>
+                    <p:cTn id="29" fill="hold">
+                      <p:stCondLst>
+                        <p:cond delay="indefinite"/>
+                      </p:stCondLst>
+                      <p:childTnLst>
+                        <p:par>
+                          <p:cTn id="30" fill="hold">
+                            <p:stCondLst>
+                              <p:cond delay="0"/>
+                            </p:stCondLst>
+                            <p:childTnLst>
                               <p:par>
-                                <p:cTn id="29" presetID="1" presetClass="entr" presetSubtype="0" fill="hold" grpId="0" nodeType="withEffect">
+                                <p:cTn id="31" presetID="1" presetClass="entr" presetSubtype="0" fill="hold" grpId="0" nodeType="clickEffect">
                                   <p:stCondLst>
                                     <p:cond delay="0"/>
                                   </p:stCondLst>
                                   <p:childTnLst>
                                     <p:set>
                                       <p:cBhvr>
-                                        <p:cTn id="30" dur="1" fill="hold">
+                                        <p:cTn id="32" dur="1" fill="hold">
                                           <p:stCondLst>
                                             <p:cond delay="0"/>
                                           </p:stCondLst>
@@ -6507,55 +6577,6 @@
                                           <p:spTgt spid="3">
                                             <p:txEl>
                                               <p:pRg st="10" end="10"/>
-                                            </p:txEl>
-                                          </p:spTgt>
-                                        </p:tgtEl>
-                                        <p:attrNameLst>
-                                          <p:attrName>style.visibility</p:attrName>
-                                        </p:attrNameLst>
-                                      </p:cBhvr>
-                                      <p:to>
-                                        <p:strVal val="visible"/>
-                                      </p:to>
-                                    </p:set>
-                                  </p:childTnLst>
-                                </p:cTn>
-                              </p:par>
-                            </p:childTnLst>
-                          </p:cTn>
-                        </p:par>
-                      </p:childTnLst>
-                    </p:cTn>
-                  </p:par>
-                  <p:par>
-                    <p:cTn id="31" fill="hold">
-                      <p:stCondLst>
-                        <p:cond delay="indefinite"/>
-                      </p:stCondLst>
-                      <p:childTnLst>
-                        <p:par>
-                          <p:cTn id="32" fill="hold">
-                            <p:stCondLst>
-                              <p:cond delay="0"/>
-                            </p:stCondLst>
-                            <p:childTnLst>
-                              <p:par>
-                                <p:cTn id="33" presetID="1" presetClass="entr" presetSubtype="0" fill="hold" grpId="0" nodeType="clickEffect">
-                                  <p:stCondLst>
-                                    <p:cond delay="0"/>
-                                  </p:stCondLst>
-                                  <p:childTnLst>
-                                    <p:set>
-                                      <p:cBhvr>
-                                        <p:cTn id="34" dur="1" fill="hold">
-                                          <p:stCondLst>
-                                            <p:cond delay="0"/>
-                                          </p:stCondLst>
-                                        </p:cTn>
-                                        <p:tgtEl>
-                                          <p:spTgt spid="3">
-                                            <p:txEl>
-                                              <p:pRg st="11" end="11"/>
                                             </p:txEl>
                                           </p:spTgt>
                                         </p:tgtEl>
@@ -6643,8 +6664,12 @@
           <a:lstStyle/>
           <a:p>
             <a:r>
+              <a:rPr lang="en-US" dirty="0" err="1"/>
+              <a:t>WeekEnd</a:t>
+            </a:r>
+            <a:r>
               <a:rPr lang="en-US" dirty="0"/>
-              <a:t>Week End: How to and Begin to Design </a:t>
+              <a:t>: How to and Begin to Design </a:t>
             </a:r>
           </a:p>
         </p:txBody>
@@ -7805,10 +7830,10 @@
       </p:grpSpPr>
       <p:pic>
         <p:nvPicPr>
-          <p:cNvPr id="4" name="Picture 3">
+          <p:cNvPr id="18" name="Picture 17">
             <a:extLst>
               <a:ext uri="{FF2B5EF4-FFF2-40B4-BE49-F238E27FC236}">
-                <a16:creationId xmlns:a16="http://schemas.microsoft.com/office/drawing/2014/main" id="{CCBD1660-2A07-4087-B358-CA9D6D0308A1}"/>
+                <a16:creationId xmlns:a16="http://schemas.microsoft.com/office/drawing/2014/main" id="{0C23AC1B-74D1-804C-9FFC-EB62E534FC1F}"/>
               </a:ext>
             </a:extLst>
           </p:cNvPr>
@@ -7825,8 +7850,8 @@
         </p:blipFill>
         <p:spPr>
           <a:xfrm>
-            <a:off x="1743075" y="1600200"/>
-            <a:ext cx="3667125" cy="5038401"/>
+            <a:off x="1371600" y="1371600"/>
+            <a:ext cx="5304260" cy="5350667"/>
           </a:xfrm>
           <a:prstGeom prst="rect">
             <a:avLst/>
@@ -7862,10 +7887,10 @@
       </p:sp>
       <p:sp>
         <p:nvSpPr>
-          <p:cNvPr id="6" name="Oval 5">
+          <p:cNvPr id="7" name="Rectangle 6">
             <a:extLst>
               <a:ext uri="{FF2B5EF4-FFF2-40B4-BE49-F238E27FC236}">
-                <a16:creationId xmlns:a16="http://schemas.microsoft.com/office/drawing/2014/main" id="{395F68BA-564D-4328-A17A-2DBF4483FF3B}"/>
+                <a16:creationId xmlns:a16="http://schemas.microsoft.com/office/drawing/2014/main" id="{F832376C-D270-42C8-B6EF-DB901E163E9A}"/>
               </a:ext>
             </a:extLst>
           </p:cNvPr>
@@ -7874,8 +7899,60 @@
         </p:nvSpPr>
         <p:spPr>
           <a:xfrm>
-            <a:off x="1828800" y="3671570"/>
-            <a:ext cx="1219200" cy="838200"/>
+            <a:off x="2743200" y="1905000"/>
+            <a:ext cx="2514600" cy="1828800"/>
+          </a:xfrm>
+          <a:prstGeom prst="rect">
+            <a:avLst/>
+          </a:prstGeom>
+          <a:noFill/>
+          <a:ln w="44450">
+            <a:solidFill>
+              <a:srgbClr val="FF0000"/>
+            </a:solidFill>
+          </a:ln>
+        </p:spPr>
+        <p:style>
+          <a:lnRef idx="2">
+            <a:schemeClr val="accent1">
+              <a:shade val="50000"/>
+            </a:schemeClr>
+          </a:lnRef>
+          <a:fillRef idx="1">
+            <a:schemeClr val="accent1"/>
+          </a:fillRef>
+          <a:effectRef idx="0">
+            <a:schemeClr val="accent1"/>
+          </a:effectRef>
+          <a:fontRef idx="minor">
+            <a:schemeClr val="lt1"/>
+          </a:fontRef>
+        </p:style>
+        <p:txBody>
+          <a:bodyPr rtlCol="0" anchor="ctr"/>
+          <a:lstStyle/>
+          <a:p>
+            <a:pPr algn="ctr"/>
+            <a:endParaRPr lang="en-US"/>
+          </a:p>
+        </p:txBody>
+      </p:sp>
+      <p:sp>
+        <p:nvSpPr>
+          <p:cNvPr id="8" name="Oval 7">
+            <a:extLst>
+              <a:ext uri="{FF2B5EF4-FFF2-40B4-BE49-F238E27FC236}">
+                <a16:creationId xmlns:a16="http://schemas.microsoft.com/office/drawing/2014/main" id="{15939D8B-AC03-422F-900B-BECC89780817}"/>
+              </a:ext>
+            </a:extLst>
+          </p:cNvPr>
+          <p:cNvSpPr/>
+          <p:nvPr/>
+        </p:nvSpPr>
+        <p:spPr>
+          <a:xfrm>
+            <a:off x="1447800" y="1371600"/>
+            <a:ext cx="1371600" cy="914400"/>
           </a:xfrm>
           <a:prstGeom prst="ellipse">
             <a:avLst/>
@@ -7914,10 +7991,10 @@
       </p:sp>
       <p:sp>
         <p:nvSpPr>
-          <p:cNvPr id="7" name="Rectangle 6">
+          <p:cNvPr id="9" name="Oval 8">
             <a:extLst>
               <a:ext uri="{FF2B5EF4-FFF2-40B4-BE49-F238E27FC236}">
-                <a16:creationId xmlns:a16="http://schemas.microsoft.com/office/drawing/2014/main" id="{F832376C-D270-42C8-B6EF-DB901E163E9A}"/>
+                <a16:creationId xmlns:a16="http://schemas.microsoft.com/office/drawing/2014/main" id="{CDBA1400-6445-417D-AECD-3D2A2D328CF2}"/>
               </a:ext>
             </a:extLst>
           </p:cNvPr>
@@ -7926,8 +8003,60 @@
         </p:nvSpPr>
         <p:spPr>
           <a:xfrm>
-            <a:off x="2964180" y="2129367"/>
-            <a:ext cx="2133600" cy="1600200"/>
+            <a:off x="1295400" y="6019800"/>
+            <a:ext cx="4191000" cy="609600"/>
+          </a:xfrm>
+          <a:prstGeom prst="ellipse">
+            <a:avLst/>
+          </a:prstGeom>
+          <a:noFill/>
+          <a:ln w="44450">
+            <a:solidFill>
+              <a:srgbClr val="FF0000"/>
+            </a:solidFill>
+          </a:ln>
+        </p:spPr>
+        <p:style>
+          <a:lnRef idx="2">
+            <a:schemeClr val="accent1">
+              <a:shade val="50000"/>
+            </a:schemeClr>
+          </a:lnRef>
+          <a:fillRef idx="1">
+            <a:schemeClr val="accent1"/>
+          </a:fillRef>
+          <a:effectRef idx="0">
+            <a:schemeClr val="accent1"/>
+          </a:effectRef>
+          <a:fontRef idx="minor">
+            <a:schemeClr val="lt1"/>
+          </a:fontRef>
+        </p:style>
+        <p:txBody>
+          <a:bodyPr rtlCol="0" anchor="ctr"/>
+          <a:lstStyle/>
+          <a:p>
+            <a:pPr algn="ctr"/>
+            <a:endParaRPr lang="en-US"/>
+          </a:p>
+        </p:txBody>
+      </p:sp>
+      <p:sp>
+        <p:nvSpPr>
+          <p:cNvPr id="10" name="Rectangle 9">
+            <a:extLst>
+              <a:ext uri="{FF2B5EF4-FFF2-40B4-BE49-F238E27FC236}">
+                <a16:creationId xmlns:a16="http://schemas.microsoft.com/office/drawing/2014/main" id="{B1CAE152-55F1-4152-B069-C8F1B246FE9B}"/>
+              </a:ext>
+            </a:extLst>
+          </p:cNvPr>
+          <p:cNvSpPr/>
+          <p:nvPr/>
+        </p:nvSpPr>
+        <p:spPr>
+          <a:xfrm>
+            <a:off x="2743200" y="4191000"/>
+            <a:ext cx="2514600" cy="1905000"/>
           </a:xfrm>
           <a:prstGeom prst="rect">
             <a:avLst/>
@@ -7966,162 +8095,6 @@
       </p:sp>
       <p:sp>
         <p:nvSpPr>
-          <p:cNvPr id="8" name="Oval 7">
-            <a:extLst>
-              <a:ext uri="{FF2B5EF4-FFF2-40B4-BE49-F238E27FC236}">
-                <a16:creationId xmlns:a16="http://schemas.microsoft.com/office/drawing/2014/main" id="{15939D8B-AC03-422F-900B-BECC89780817}"/>
-              </a:ext>
-            </a:extLst>
-          </p:cNvPr>
-          <p:cNvSpPr/>
-          <p:nvPr/>
-        </p:nvSpPr>
-        <p:spPr>
-          <a:xfrm>
-            <a:off x="1784773" y="1748367"/>
-            <a:ext cx="1219200" cy="762000"/>
-          </a:xfrm>
-          <a:prstGeom prst="ellipse">
-            <a:avLst/>
-          </a:prstGeom>
-          <a:noFill/>
-          <a:ln w="44450">
-            <a:solidFill>
-              <a:srgbClr val="FF0000"/>
-            </a:solidFill>
-          </a:ln>
-        </p:spPr>
-        <p:style>
-          <a:lnRef idx="2">
-            <a:schemeClr val="accent1">
-              <a:shade val="50000"/>
-            </a:schemeClr>
-          </a:lnRef>
-          <a:fillRef idx="1">
-            <a:schemeClr val="accent1"/>
-          </a:fillRef>
-          <a:effectRef idx="0">
-            <a:schemeClr val="accent1"/>
-          </a:effectRef>
-          <a:fontRef idx="minor">
-            <a:schemeClr val="lt1"/>
-          </a:fontRef>
-        </p:style>
-        <p:txBody>
-          <a:bodyPr rtlCol="0" anchor="ctr"/>
-          <a:lstStyle/>
-          <a:p>
-            <a:pPr algn="ctr"/>
-            <a:endParaRPr lang="en-US"/>
-          </a:p>
-        </p:txBody>
-      </p:sp>
-      <p:sp>
-        <p:nvSpPr>
-          <p:cNvPr id="9" name="Oval 8">
-            <a:extLst>
-              <a:ext uri="{FF2B5EF4-FFF2-40B4-BE49-F238E27FC236}">
-                <a16:creationId xmlns:a16="http://schemas.microsoft.com/office/drawing/2014/main" id="{CDBA1400-6445-417D-AECD-3D2A2D328CF2}"/>
-              </a:ext>
-            </a:extLst>
-          </p:cNvPr>
-          <p:cNvSpPr/>
-          <p:nvPr/>
-        </p:nvSpPr>
-        <p:spPr>
-          <a:xfrm>
-            <a:off x="1828800" y="5828135"/>
-            <a:ext cx="3429000" cy="746166"/>
-          </a:xfrm>
-          <a:prstGeom prst="ellipse">
-            <a:avLst/>
-          </a:prstGeom>
-          <a:noFill/>
-          <a:ln w="44450">
-            <a:solidFill>
-              <a:srgbClr val="FF0000"/>
-            </a:solidFill>
-          </a:ln>
-        </p:spPr>
-        <p:style>
-          <a:lnRef idx="2">
-            <a:schemeClr val="accent1">
-              <a:shade val="50000"/>
-            </a:schemeClr>
-          </a:lnRef>
-          <a:fillRef idx="1">
-            <a:schemeClr val="accent1"/>
-          </a:fillRef>
-          <a:effectRef idx="0">
-            <a:schemeClr val="accent1"/>
-          </a:effectRef>
-          <a:fontRef idx="minor">
-            <a:schemeClr val="lt1"/>
-          </a:fontRef>
-        </p:style>
-        <p:txBody>
-          <a:bodyPr rtlCol="0" anchor="ctr"/>
-          <a:lstStyle/>
-          <a:p>
-            <a:pPr algn="ctr"/>
-            <a:endParaRPr lang="en-US"/>
-          </a:p>
-        </p:txBody>
-      </p:sp>
-      <p:sp>
-        <p:nvSpPr>
-          <p:cNvPr id="10" name="Rectangle 9">
-            <a:extLst>
-              <a:ext uri="{FF2B5EF4-FFF2-40B4-BE49-F238E27FC236}">
-                <a16:creationId xmlns:a16="http://schemas.microsoft.com/office/drawing/2014/main" id="{B1CAE152-55F1-4152-B069-C8F1B246FE9B}"/>
-              </a:ext>
-            </a:extLst>
-          </p:cNvPr>
-          <p:cNvSpPr/>
-          <p:nvPr/>
-        </p:nvSpPr>
-        <p:spPr>
-          <a:xfrm>
-            <a:off x="2968413" y="4057068"/>
-            <a:ext cx="2133600" cy="1676400"/>
-          </a:xfrm>
-          <a:prstGeom prst="rect">
-            <a:avLst/>
-          </a:prstGeom>
-          <a:noFill/>
-          <a:ln w="44450">
-            <a:solidFill>
-              <a:srgbClr val="FF0000"/>
-            </a:solidFill>
-          </a:ln>
-        </p:spPr>
-        <p:style>
-          <a:lnRef idx="2">
-            <a:schemeClr val="accent1">
-              <a:shade val="50000"/>
-            </a:schemeClr>
-          </a:lnRef>
-          <a:fillRef idx="1">
-            <a:schemeClr val="accent1"/>
-          </a:fillRef>
-          <a:effectRef idx="0">
-            <a:schemeClr val="accent1"/>
-          </a:effectRef>
-          <a:fontRef idx="minor">
-            <a:schemeClr val="lt1"/>
-          </a:fontRef>
-        </p:style>
-        <p:txBody>
-          <a:bodyPr rtlCol="0" anchor="ctr"/>
-          <a:lstStyle/>
-          <a:p>
-            <a:pPr algn="ctr"/>
-            <a:endParaRPr lang="en-US"/>
-          </a:p>
-        </p:txBody>
-      </p:sp>
-      <p:sp>
-        <p:nvSpPr>
           <p:cNvPr id="11" name="Content Placeholder 2">
             <a:extLst>
               <a:ext uri="{FF2B5EF4-FFF2-40B4-BE49-F238E27FC236}">
@@ -8138,8 +8111,8 @@
         </p:nvSpPr>
         <p:spPr>
           <a:xfrm>
-            <a:off x="5562600" y="1600200"/>
-            <a:ext cx="5816600" cy="4419600"/>
+            <a:off x="7239000" y="1524000"/>
+            <a:ext cx="4191000" cy="4419600"/>
           </a:xfrm>
         </p:spPr>
         <p:txBody>
@@ -8160,48 +8133,32 @@
           </a:p>
           <a:p>
             <a:r>
+              <a:rPr lang="en-US" b="1" dirty="0"/>
+              <a:t>My plan </a:t>
+            </a:r>
+            <a:r>
               <a:rPr lang="en-US" dirty="0"/>
-              <a:t>Typically …</a:t>
+              <a:t>…</a:t>
             </a:r>
           </a:p>
           <a:p>
             <a:pPr lvl="1"/>
             <a:r>
+              <a:rPr lang="en-US" dirty="0"/>
+              <a:t>Average: About 85-90%</a:t>
+            </a:r>
+          </a:p>
+          <a:p>
+            <a:r>
               <a:rPr lang="en-US" b="1" dirty="0"/>
-              <a:t>A</a:t>
-            </a:r>
+              <a:t>My hope: </a:t>
+            </a:r>
+          </a:p>
+          <a:p>
+            <a:pPr lvl="1"/>
             <a:r>
               <a:rPr lang="en-US" dirty="0"/>
-              <a:t>: About 10-20% of class</a:t>
-            </a:r>
-          </a:p>
-          <a:p>
-            <a:pPr lvl="1"/>
-            <a:r>
-              <a:rPr lang="en-US" b="1" dirty="0"/>
-              <a:t>B</a:t>
-            </a:r>
-            <a:r>
-              <a:rPr lang="en-US" dirty="0"/>
-              <a:t>: About 30-40% of class</a:t>
-            </a:r>
-          </a:p>
-          <a:p>
-            <a:pPr lvl="1"/>
-            <a:r>
-              <a:rPr lang="en-US" b="1" dirty="0"/>
-              <a:t>C: </a:t>
-            </a:r>
-            <a:r>
-              <a:rPr lang="en-US" dirty="0"/>
-              <a:t>About 20-30% of class</a:t>
-            </a:r>
-          </a:p>
-          <a:p>
-            <a:pPr lvl="1"/>
-            <a:r>
-              <a:rPr lang="en-US" dirty="0"/>
-              <a:t>D and F: hopefully none.</a:t>
+              <a:t>No one score less than 70%</a:t>
             </a:r>
           </a:p>
         </p:txBody>
@@ -8220,7 +8177,7 @@
         </p:nvSpPr>
         <p:spPr>
           <a:xfrm>
-            <a:off x="4495800" y="3048000"/>
+            <a:off x="4572000" y="3048000"/>
             <a:ext cx="685800" cy="381000"/>
           </a:xfrm>
           <a:prstGeom prst="rect">
@@ -8272,10 +8229,114 @@
         </p:nvSpPr>
         <p:spPr>
           <a:xfrm>
-            <a:off x="4530513" y="2419932"/>
+            <a:off x="4572000" y="2286000"/>
             <a:ext cx="685800" cy="381000"/>
           </a:xfrm>
           <a:prstGeom prst="rect">
+            <a:avLst/>
+          </a:prstGeom>
+          <a:noFill/>
+          <a:ln w="44450">
+            <a:solidFill>
+              <a:srgbClr val="FF0000"/>
+            </a:solidFill>
+          </a:ln>
+        </p:spPr>
+        <p:style>
+          <a:lnRef idx="2">
+            <a:schemeClr val="accent1">
+              <a:shade val="50000"/>
+            </a:schemeClr>
+          </a:lnRef>
+          <a:fillRef idx="1">
+            <a:schemeClr val="accent1"/>
+          </a:fillRef>
+          <a:effectRef idx="0">
+            <a:schemeClr val="accent1"/>
+          </a:effectRef>
+          <a:fontRef idx="minor">
+            <a:schemeClr val="lt1"/>
+          </a:fontRef>
+        </p:style>
+        <p:txBody>
+          <a:bodyPr rtlCol="0" anchor="ctr"/>
+          <a:lstStyle/>
+          <a:p>
+            <a:pPr algn="ctr"/>
+            <a:endParaRPr lang="en-US"/>
+          </a:p>
+        </p:txBody>
+      </p:sp>
+      <p:sp>
+        <p:nvSpPr>
+          <p:cNvPr id="14" name="Rectangle 13">
+            <a:extLst>
+              <a:ext uri="{FF2B5EF4-FFF2-40B4-BE49-F238E27FC236}">
+                <a16:creationId xmlns:a16="http://schemas.microsoft.com/office/drawing/2014/main" id="{88271BB1-32FE-4905-49B0-49C9E1881865}"/>
+              </a:ext>
+            </a:extLst>
+          </p:cNvPr>
+          <p:cNvSpPr/>
+          <p:nvPr/>
+        </p:nvSpPr>
+        <p:spPr>
+          <a:xfrm>
+            <a:off x="5257800" y="4191000"/>
+            <a:ext cx="1600200" cy="2286000"/>
+          </a:xfrm>
+          <a:prstGeom prst="rect">
+            <a:avLst/>
+          </a:prstGeom>
+          <a:noFill/>
+          <a:ln w="44450">
+            <a:solidFill>
+              <a:srgbClr val="FF0000"/>
+            </a:solidFill>
+          </a:ln>
+        </p:spPr>
+        <p:style>
+          <a:lnRef idx="2">
+            <a:schemeClr val="accent1">
+              <a:shade val="50000"/>
+            </a:schemeClr>
+          </a:lnRef>
+          <a:fillRef idx="1">
+            <a:schemeClr val="accent1"/>
+          </a:fillRef>
+          <a:effectRef idx="0">
+            <a:schemeClr val="accent1"/>
+          </a:effectRef>
+          <a:fontRef idx="minor">
+            <a:schemeClr val="lt1"/>
+          </a:fontRef>
+        </p:style>
+        <p:txBody>
+          <a:bodyPr rtlCol="0" anchor="ctr"/>
+          <a:lstStyle/>
+          <a:p>
+            <a:pPr algn="ctr"/>
+            <a:endParaRPr lang="en-US"/>
+          </a:p>
+        </p:txBody>
+      </p:sp>
+      <p:sp>
+        <p:nvSpPr>
+          <p:cNvPr id="19" name="Oval 18">
+            <a:extLst>
+              <a:ext uri="{FF2B5EF4-FFF2-40B4-BE49-F238E27FC236}">
+                <a16:creationId xmlns:a16="http://schemas.microsoft.com/office/drawing/2014/main" id="{3B91B0B4-A6C7-A0DA-C073-6E4DC5FDFC06}"/>
+              </a:ext>
+            </a:extLst>
+          </p:cNvPr>
+          <p:cNvSpPr/>
+          <p:nvPr/>
+        </p:nvSpPr>
+        <p:spPr>
+          <a:xfrm>
+            <a:off x="1371600" y="3733800"/>
+            <a:ext cx="1371600" cy="914400"/>
+          </a:xfrm>
+          <a:prstGeom prst="ellipse">
             <a:avLst/>
           </a:prstGeom>
           <a:noFill/>
@@ -8579,7 +8640,7 @@
                                           </p:stCondLst>
                                         </p:cTn>
                                         <p:tgtEl>
-                                          <p:spTgt spid="6"/>
+                                          <p:spTgt spid="14"/>
                                         </p:tgtEl>
                                         <p:attrNameLst>
                                           <p:attrName>style.visibility</p:attrName>
@@ -8624,7 +8685,7 @@
                                           </p:stCondLst>
                                         </p:cTn>
                                         <p:tgtEl>
-                                          <p:spTgt spid="9"/>
+                                          <p:spTgt spid="19"/>
                                         </p:tgtEl>
                                         <p:attrNameLst>
                                           <p:attrName>style.visibility</p:attrName>
@@ -8669,11 +8730,7 @@
                                           </p:stCondLst>
                                         </p:cTn>
                                         <p:tgtEl>
-                                          <p:spTgt spid="11">
-                                            <p:txEl>
-                                              <p:pRg st="0" end="0"/>
-                                            </p:txEl>
-                                          </p:spTgt>
+                                          <p:spTgt spid="9"/>
                                         </p:tgtEl>
                                         <p:attrNameLst>
                                           <p:attrName>style.visibility</p:attrName>
@@ -8720,7 +8777,7 @@
                                         <p:tgtEl>
                                           <p:spTgt spid="11">
                                             <p:txEl>
-                                              <p:pRg st="1" end="1"/>
+                                              <p:pRg st="0" end="0"/>
                                             </p:txEl>
                                           </p:spTgt>
                                         </p:tgtEl>
@@ -8735,39 +8792,26 @@
                                   </p:childTnLst>
                                 </p:cTn>
                               </p:par>
+                            </p:childTnLst>
+                          </p:cTn>
+                        </p:par>
+                      </p:childTnLst>
+                    </p:cTn>
+                  </p:par>
+                  <p:par>
+                    <p:cTn id="39" fill="hold">
+                      <p:stCondLst>
+                        <p:cond delay="indefinite"/>
+                      </p:stCondLst>
+                      <p:childTnLst>
+                        <p:par>
+                          <p:cTn id="40" fill="hold">
+                            <p:stCondLst>
+                              <p:cond delay="0"/>
+                            </p:stCondLst>
+                            <p:childTnLst>
                               <p:par>
-                                <p:cTn id="39" presetID="1" presetClass="entr" presetSubtype="0" fill="hold" grpId="0" nodeType="withEffect">
-                                  <p:stCondLst>
-                                    <p:cond delay="0"/>
-                                  </p:stCondLst>
-                                  <p:childTnLst>
-                                    <p:set>
-                                      <p:cBhvr>
-                                        <p:cTn id="40" dur="1" fill="hold">
-                                          <p:stCondLst>
-                                            <p:cond delay="0"/>
-                                          </p:stCondLst>
-                                        </p:cTn>
-                                        <p:tgtEl>
-                                          <p:spTgt spid="11">
-                                            <p:txEl>
-                                              <p:pRg st="2" end="2"/>
-                                            </p:txEl>
-                                          </p:spTgt>
-                                        </p:tgtEl>
-                                        <p:attrNameLst>
-                                          <p:attrName>style.visibility</p:attrName>
-                                        </p:attrNameLst>
-                                      </p:cBhvr>
-                                      <p:to>
-                                        <p:strVal val="visible"/>
-                                      </p:to>
-                                    </p:set>
-                                  </p:childTnLst>
-                                </p:cTn>
-                              </p:par>
-                              <p:par>
-                                <p:cTn id="41" presetID="1" presetClass="entr" presetSubtype="0" fill="hold" grpId="0" nodeType="withEffect">
+                                <p:cTn id="41" presetID="1" presetClass="entr" presetSubtype="0" fill="hold" grpId="0" nodeType="clickEffect">
                                   <p:stCondLst>
                                     <p:cond delay="0"/>
                                   </p:stCondLst>
@@ -8782,7 +8826,7 @@
                                         <p:tgtEl>
                                           <p:spTgt spid="11">
                                             <p:txEl>
-                                              <p:pRg st="3" end="3"/>
+                                              <p:pRg st="1" end="1"/>
                                             </p:txEl>
                                           </p:spTgt>
                                         </p:tgtEl>
@@ -8813,7 +8857,56 @@
                                         <p:tgtEl>
                                           <p:spTgt spid="11">
                                             <p:txEl>
-                                              <p:pRg st="4" end="4"/>
+                                              <p:pRg st="2" end="2"/>
+                                            </p:txEl>
+                                          </p:spTgt>
+                                        </p:tgtEl>
+                                        <p:attrNameLst>
+                                          <p:attrName>style.visibility</p:attrName>
+                                        </p:attrNameLst>
+                                      </p:cBhvr>
+                                      <p:to>
+                                        <p:strVal val="visible"/>
+                                      </p:to>
+                                    </p:set>
+                                  </p:childTnLst>
+                                </p:cTn>
+                              </p:par>
+                            </p:childTnLst>
+                          </p:cTn>
+                        </p:par>
+                      </p:childTnLst>
+                    </p:cTn>
+                  </p:par>
+                  <p:par>
+                    <p:cTn id="45" fill="hold">
+                      <p:stCondLst>
+                        <p:cond delay="indefinite"/>
+                      </p:stCondLst>
+                      <p:childTnLst>
+                        <p:par>
+                          <p:cTn id="46" fill="hold">
+                            <p:stCondLst>
+                              <p:cond delay="0"/>
+                            </p:stCondLst>
+                            <p:childTnLst>
+                              <p:par>
+                                <p:cTn id="47" presetID="1" presetClass="entr" presetSubtype="0" fill="hold" grpId="0" nodeType="clickEffect">
+                                  <p:stCondLst>
+                                    <p:cond delay="0"/>
+                                  </p:stCondLst>
+                                  <p:childTnLst>
+                                    <p:set>
+                                      <p:cBhvr>
+                                        <p:cTn id="48" dur="1" fill="hold">
+                                          <p:stCondLst>
+                                            <p:cond delay="0"/>
+                                          </p:stCondLst>
+                                        </p:cTn>
+                                        <p:tgtEl>
+                                          <p:spTgt spid="11">
+                                            <p:txEl>
+                                              <p:pRg st="3" end="3"/>
                                             </p:txEl>
                                           </p:spTgt>
                                         </p:tgtEl>
@@ -8829,14 +8922,14 @@
                                 </p:cTn>
                               </p:par>
                               <p:par>
-                                <p:cTn id="45" presetID="1" presetClass="entr" presetSubtype="0" fill="hold" grpId="0" nodeType="withEffect">
+                                <p:cTn id="49" presetID="1" presetClass="entr" presetSubtype="0" fill="hold" grpId="0" nodeType="withEffect">
                                   <p:stCondLst>
                                     <p:cond delay="0"/>
                                   </p:stCondLst>
                                   <p:childTnLst>
                                     <p:set>
                                       <p:cBhvr>
-                                        <p:cTn id="46" dur="1" fill="hold">
+                                        <p:cTn id="50" dur="1" fill="hold">
                                           <p:stCondLst>
                                             <p:cond delay="0"/>
                                           </p:stCondLst>
@@ -8844,7 +8937,7 @@
                                         <p:tgtEl>
                                           <p:spTgt spid="11">
                                             <p:txEl>
-                                              <p:pRg st="5" end="5"/>
+                                              <p:pRg st="4" end="4"/>
                                             </p:txEl>
                                           </p:spTgt>
                                         </p:tgtEl>
@@ -8887,7 +8980,6 @@
       </p:par>
     </p:tnLst>
     <p:bldLst>
-      <p:bldP spid="6" grpId="0" animBg="1"/>
       <p:bldP spid="7" grpId="0" animBg="1"/>
       <p:bldP spid="8" grpId="0" animBg="1"/>
       <p:bldP spid="9" grpId="0" animBg="1"/>
@@ -8895,6 +8987,8 @@
       <p:bldP spid="11" grpId="0" uiExpand="1" build="p"/>
       <p:bldP spid="12" grpId="0" animBg="1"/>
       <p:bldP spid="13" grpId="0" animBg="1"/>
+      <p:bldP spid="14" grpId="0" animBg="1"/>
+      <p:bldP spid="19" grpId="0" animBg="1"/>
     </p:bldLst>
   </p:timing>
 </p:sld>
@@ -9012,7 +9106,7 @@
           <a:p>
             <a:r>
               <a:rPr lang="en-US" sz="1800" dirty="0"/>
-              <a:t>Game development  is about team work (&gt;50% of grade from teamwork)</a:t>
+              <a:t>Game development  is about team work (50% of grade from teamwork)</a:t>
             </a:r>
           </a:p>
           <a:p>
@@ -10741,7 +10835,7 @@
           <a:p>
             <a:r>
               <a:rPr lang="en-US" dirty="0"/>
-              <a:t>Where are we from what language do we speak?</a:t>
+              <a:t>Where are we from and what language we speak?</a:t>
             </a:r>
           </a:p>
           <a:p>
@@ -10807,6 +10901,20 @@
                 <a:cs typeface="FreesiaUPC" panose="020B0604020202020204" pitchFamily="34" charset="-34"/>
               </a:rPr>
               <a:t>在班上有朋友吗？</a:t>
+            </a:r>
+            <a:endParaRPr lang="en-US" altLang="zh-CN" dirty="0">
+              <a:latin typeface="+mn-ea"/>
+              <a:cs typeface="FreesiaUPC" panose="020B0604020202020204" pitchFamily="34" charset="-34"/>
+            </a:endParaRPr>
+          </a:p>
+          <a:p>
+            <a:pPr lvl="1"/>
+            <a:r>
+              <a:rPr lang="en-US" altLang="zh-CN" dirty="0">
+                <a:latin typeface="+mn-ea"/>
+                <a:cs typeface="FreesiaUPC" panose="020B0604020202020204" pitchFamily="34" charset="-34"/>
+              </a:rPr>
+              <a:t>You need to form teams (of 5 or 6) ASAP</a:t>
             </a:r>
             <a:br>
               <a:rPr lang="en-US" altLang="zh-CN" dirty="0">
@@ -11172,33 +11280,15 @@
                                   </p:childTnLst>
                                 </p:cTn>
                               </p:par>
-                            </p:childTnLst>
-                          </p:cTn>
-                        </p:par>
-                      </p:childTnLst>
-                    </p:cTn>
-                  </p:par>
-                  <p:par>
-                    <p:cTn id="15" fill="hold">
-                      <p:stCondLst>
-                        <p:cond delay="indefinite"/>
-                      </p:stCondLst>
-                      <p:childTnLst>
-                        <p:par>
-                          <p:cTn id="16" fill="hold">
-                            <p:stCondLst>
-                              <p:cond delay="0"/>
-                            </p:stCondLst>
-                            <p:childTnLst>
                               <p:par>
-                                <p:cTn id="17" presetID="1" presetClass="entr" presetSubtype="0" fill="hold" grpId="0" nodeType="clickEffect">
+                                <p:cTn id="15" presetID="1" presetClass="entr" presetSubtype="0" fill="hold" grpId="0" nodeType="withEffect">
                                   <p:stCondLst>
                                     <p:cond delay="0"/>
                                   </p:stCondLst>
                                   <p:childTnLst>
                                     <p:set>
                                       <p:cBhvr>
-                                        <p:cTn id="18" dur="1" fill="hold">
+                                        <p:cTn id="16" dur="1" fill="hold">
                                           <p:stCondLst>
                                             <p:cond delay="0"/>
                                           </p:stCondLst>
@@ -11228,26 +11318,26 @@
                     </p:cTn>
                   </p:par>
                   <p:par>
-                    <p:cTn id="19" fill="hold">
+                    <p:cTn id="17" fill="hold">
                       <p:stCondLst>
                         <p:cond delay="indefinite"/>
                       </p:stCondLst>
                       <p:childTnLst>
                         <p:par>
-                          <p:cTn id="20" fill="hold">
+                          <p:cTn id="18" fill="hold">
                             <p:stCondLst>
                               <p:cond delay="0"/>
                             </p:stCondLst>
                             <p:childTnLst>
                               <p:par>
-                                <p:cTn id="21" presetID="1" presetClass="entr" presetSubtype="0" fill="hold" grpId="0" nodeType="clickEffect">
+                                <p:cTn id="19" presetID="1" presetClass="entr" presetSubtype="0" fill="hold" grpId="0" nodeType="clickEffect">
                                   <p:stCondLst>
                                     <p:cond delay="0"/>
                                   </p:stCondLst>
                                   <p:childTnLst>
                                     <p:set>
                                       <p:cBhvr>
-                                        <p:cTn id="22" dur="1" fill="hold">
+                                        <p:cTn id="20" dur="1" fill="hold">
                                           <p:stCondLst>
                                             <p:cond delay="0"/>
                                           </p:stCondLst>
@@ -11277,26 +11367,26 @@
                     </p:cTn>
                   </p:par>
                   <p:par>
-                    <p:cTn id="23" fill="hold">
+                    <p:cTn id="21" fill="hold">
                       <p:stCondLst>
                         <p:cond delay="indefinite"/>
                       </p:stCondLst>
                       <p:childTnLst>
                         <p:par>
-                          <p:cTn id="24" fill="hold">
+                          <p:cTn id="22" fill="hold">
                             <p:stCondLst>
                               <p:cond delay="0"/>
                             </p:stCondLst>
                             <p:childTnLst>
                               <p:par>
-                                <p:cTn id="25" presetID="1" presetClass="entr" presetSubtype="0" fill="hold" grpId="0" nodeType="clickEffect">
+                                <p:cTn id="23" presetID="1" presetClass="entr" presetSubtype="0" fill="hold" grpId="0" nodeType="clickEffect">
                                   <p:stCondLst>
                                     <p:cond delay="0"/>
                                   </p:stCondLst>
                                   <p:childTnLst>
                                     <p:set>
                                       <p:cBhvr>
-                                        <p:cTn id="26" dur="1" fill="hold">
+                                        <p:cTn id="24" dur="1" fill="hold">
                                           <p:stCondLst>
                                             <p:cond delay="0"/>
                                           </p:stCondLst>
@@ -11326,26 +11416,26 @@
                     </p:cTn>
                   </p:par>
                   <p:par>
-                    <p:cTn id="27" fill="hold">
+                    <p:cTn id="25" fill="hold">
                       <p:stCondLst>
                         <p:cond delay="indefinite"/>
                       </p:stCondLst>
                       <p:childTnLst>
                         <p:par>
-                          <p:cTn id="28" fill="hold">
+                          <p:cTn id="26" fill="hold">
                             <p:stCondLst>
                               <p:cond delay="0"/>
                             </p:stCondLst>
                             <p:childTnLst>
                               <p:par>
-                                <p:cTn id="29" presetID="1" presetClass="entr" presetSubtype="0" fill="hold" grpId="0" nodeType="clickEffect">
+                                <p:cTn id="27" presetID="1" presetClass="entr" presetSubtype="0" fill="hold" grpId="0" nodeType="clickEffect">
                                   <p:stCondLst>
                                     <p:cond delay="0"/>
                                   </p:stCondLst>
                                   <p:childTnLst>
                                     <p:set>
                                       <p:cBhvr>
-                                        <p:cTn id="30" dur="1" fill="hold">
+                                        <p:cTn id="28" dur="1" fill="hold">
                                           <p:stCondLst>
                                             <p:cond delay="0"/>
                                           </p:stCondLst>
@@ -11375,26 +11465,26 @@
                     </p:cTn>
                   </p:par>
                   <p:par>
-                    <p:cTn id="31" fill="hold">
+                    <p:cTn id="29" fill="hold">
                       <p:stCondLst>
                         <p:cond delay="indefinite"/>
                       </p:stCondLst>
                       <p:childTnLst>
                         <p:par>
-                          <p:cTn id="32" fill="hold">
+                          <p:cTn id="30" fill="hold">
                             <p:stCondLst>
                               <p:cond delay="0"/>
                             </p:stCondLst>
                             <p:childTnLst>
                               <p:par>
-                                <p:cTn id="33" presetID="1" presetClass="entr" presetSubtype="0" fill="hold" grpId="0" nodeType="clickEffect">
+                                <p:cTn id="31" presetID="1" presetClass="entr" presetSubtype="0" fill="hold" grpId="0" nodeType="clickEffect">
                                   <p:stCondLst>
                                     <p:cond delay="0"/>
                                   </p:stCondLst>
                                   <p:childTnLst>
                                     <p:set>
                                       <p:cBhvr>
-                                        <p:cTn id="34" dur="1" fill="hold">
+                                        <p:cTn id="32" dur="1" fill="hold">
                                           <p:stCondLst>
                                             <p:cond delay="0"/>
                                           </p:stCondLst>
@@ -11424,26 +11514,26 @@
                     </p:cTn>
                   </p:par>
                   <p:par>
-                    <p:cTn id="35" fill="hold">
+                    <p:cTn id="33" fill="hold">
                       <p:stCondLst>
                         <p:cond delay="indefinite"/>
                       </p:stCondLst>
                       <p:childTnLst>
                         <p:par>
-                          <p:cTn id="36" fill="hold">
+                          <p:cTn id="34" fill="hold">
                             <p:stCondLst>
                               <p:cond delay="0"/>
                             </p:stCondLst>
                             <p:childTnLst>
                               <p:par>
-                                <p:cTn id="37" presetID="1" presetClass="entr" presetSubtype="0" fill="hold" grpId="0" nodeType="clickEffect">
+                                <p:cTn id="35" presetID="1" presetClass="entr" presetSubtype="0" fill="hold" grpId="0" nodeType="clickEffect">
                                   <p:stCondLst>
                                     <p:cond delay="0"/>
                                   </p:stCondLst>
                                   <p:childTnLst>
                                     <p:set>
                                       <p:cBhvr>
-                                        <p:cTn id="38" dur="1" fill="hold">
+                                        <p:cTn id="36" dur="1" fill="hold">
                                           <p:stCondLst>
                                             <p:cond delay="0"/>
                                           </p:stCondLst>
@@ -11452,6 +11542,55 @@
                                           <p:spTgt spid="3">
                                             <p:txEl>
                                               <p:pRg st="9" end="9"/>
+                                            </p:txEl>
+                                          </p:spTgt>
+                                        </p:tgtEl>
+                                        <p:attrNameLst>
+                                          <p:attrName>style.visibility</p:attrName>
+                                        </p:attrNameLst>
+                                      </p:cBhvr>
+                                      <p:to>
+                                        <p:strVal val="visible"/>
+                                      </p:to>
+                                    </p:set>
+                                  </p:childTnLst>
+                                </p:cTn>
+                              </p:par>
+                            </p:childTnLst>
+                          </p:cTn>
+                        </p:par>
+                      </p:childTnLst>
+                    </p:cTn>
+                  </p:par>
+                  <p:par>
+                    <p:cTn id="37" fill="hold">
+                      <p:stCondLst>
+                        <p:cond delay="indefinite"/>
+                      </p:stCondLst>
+                      <p:childTnLst>
+                        <p:par>
+                          <p:cTn id="38" fill="hold">
+                            <p:stCondLst>
+                              <p:cond delay="0"/>
+                            </p:stCondLst>
+                            <p:childTnLst>
+                              <p:par>
+                                <p:cTn id="39" presetID="1" presetClass="entr" presetSubtype="0" fill="hold" grpId="0" nodeType="clickEffect">
+                                  <p:stCondLst>
+                                    <p:cond delay="0"/>
+                                  </p:stCondLst>
+                                  <p:childTnLst>
+                                    <p:set>
+                                      <p:cBhvr>
+                                        <p:cTn id="40" dur="1" fill="hold">
+                                          <p:stCondLst>
+                                            <p:cond delay="0"/>
+                                          </p:stCondLst>
+                                        </p:cTn>
+                                        <p:tgtEl>
+                                          <p:spTgt spid="3">
+                                            <p:txEl>
+                                              <p:pRg st="10" end="10"/>
                                             </p:txEl>
                                           </p:spTgt>
                                         </p:tgtEl>
@@ -11519,6 +11658,205 @@
       </p:grpSpPr>
       <p:sp>
         <p:nvSpPr>
+          <p:cNvPr id="2" name="Title 1">
+            <a:extLst>
+              <a:ext uri="{FF2B5EF4-FFF2-40B4-BE49-F238E27FC236}">
+                <a16:creationId xmlns:a16="http://schemas.microsoft.com/office/drawing/2014/main" id="{E5C28D2F-9809-9ADD-A272-84EBCF355657}"/>
+              </a:ext>
+            </a:extLst>
+          </p:cNvPr>
+          <p:cNvSpPr>
+            <a:spLocks noGrp="1"/>
+          </p:cNvSpPr>
+          <p:nvPr>
+            <p:ph type="title"/>
+          </p:nvPr>
+        </p:nvSpPr>
+        <p:spPr/>
+        <p:txBody>
+          <a:bodyPr/>
+          <a:lstStyle/>
+          <a:p>
+            <a:r>
+              <a:rPr lang="en-US" dirty="0"/>
+              <a:t>First thing: Team forming …</a:t>
+            </a:r>
+          </a:p>
+        </p:txBody>
+      </p:sp>
+      <p:sp>
+        <p:nvSpPr>
+          <p:cNvPr id="3" name="Content Placeholder 2">
+            <a:extLst>
+              <a:ext uri="{FF2B5EF4-FFF2-40B4-BE49-F238E27FC236}">
+                <a16:creationId xmlns:a16="http://schemas.microsoft.com/office/drawing/2014/main" id="{5C83C90E-A9AD-9AED-B41E-03E1B0AD8E10}"/>
+              </a:ext>
+            </a:extLst>
+          </p:cNvPr>
+          <p:cNvSpPr>
+            <a:spLocks noGrp="1"/>
+          </p:cNvSpPr>
+          <p:nvPr>
+            <p:ph sz="quarter" idx="13"/>
+          </p:nvPr>
+        </p:nvSpPr>
+        <p:spPr/>
+        <p:txBody>
+          <a:bodyPr/>
+          <a:lstStyle/>
+          <a:p>
+            <a:r>
+              <a:rPr lang="en-US" dirty="0"/>
+              <a:t>Teams of 5 or 6 members: To Dos …</a:t>
+            </a:r>
+          </a:p>
+          <a:p>
+            <a:pPr lvl="1"/>
+            <a:r>
+              <a:rPr lang="en-US" b="1" dirty="0"/>
+              <a:t>First: </a:t>
+            </a:r>
+            <a:r>
+              <a:rPr lang="en-US" dirty="0"/>
+              <a:t>final your friends and people you </a:t>
+            </a:r>
+            <a:r>
+              <a:rPr lang="en-US" dirty="0" err="1"/>
+              <a:t>wantr</a:t>
+            </a:r>
+            <a:r>
+              <a:rPr lang="en-US" dirty="0"/>
+              <a:t> to work with, form a team (with everyone’s agreement)</a:t>
+            </a:r>
+          </a:p>
+          <a:p>
+            <a:pPr lvl="1"/>
+            <a:r>
+              <a:rPr lang="en-US" dirty="0"/>
+              <a:t>Second: Follow this link:  </a:t>
+            </a:r>
+            <a:r>
+              <a:rPr lang="en-US" dirty="0">
+                <a:hlinkClick r:id="rId3"/>
+              </a:rPr>
+              <a:t>https://docs.qq.com/sheet/DRFFYYndTcXVzRG1v?tab=09pftn</a:t>
+            </a:r>
+            <a:r>
+              <a:rPr lang="en-US" dirty="0"/>
+              <a:t>.</a:t>
+            </a:r>
+          </a:p>
+          <a:p>
+            <a:pPr lvl="2"/>
+            <a:r>
+              <a:rPr lang="en-US" dirty="0"/>
+              <a:t>On </a:t>
+            </a:r>
+            <a:r>
+              <a:rPr lang="zh-CN" altLang="en-US" dirty="0"/>
+              <a:t>工作表</a:t>
+            </a:r>
+            <a:r>
+              <a:rPr lang="en-US" altLang="zh-CN" dirty="0"/>
+              <a:t>2</a:t>
+            </a:r>
+            <a:r>
+              <a:rPr lang="zh-CN" altLang="en-US" dirty="0"/>
+              <a:t>：</a:t>
+            </a:r>
+            <a:r>
+              <a:rPr lang="en-US" altLang="zh-CN" dirty="0"/>
+              <a:t>Enter</a:t>
+            </a:r>
+            <a:r>
+              <a:rPr lang="zh-CN" altLang="en-US" dirty="0"/>
+              <a:t> </a:t>
+            </a:r>
+            <a:r>
+              <a:rPr lang="en-US" altLang="zh-CN" dirty="0"/>
+              <a:t>your names besides an available team</a:t>
+            </a:r>
+            <a:endParaRPr lang="en-US" dirty="0"/>
+          </a:p>
+          <a:p>
+            <a:pPr lvl="2"/>
+            <a:r>
+              <a:rPr lang="en-US" dirty="0"/>
+              <a:t>On </a:t>
+            </a:r>
+            <a:r>
+              <a:rPr lang="zh-CN" altLang="en-US" dirty="0"/>
+              <a:t>工作表</a:t>
+            </a:r>
+            <a:r>
+              <a:rPr lang="en-US" altLang="zh-CN" dirty="0"/>
+              <a:t>1</a:t>
+            </a:r>
+            <a:r>
+              <a:rPr lang="zh-CN" altLang="en-US" dirty="0"/>
+              <a:t>：</a:t>
+            </a:r>
+            <a:r>
+              <a:rPr lang="en-US" altLang="zh-CN" dirty="0"/>
+              <a:t>Find names of each team member and enter the appropriate team-number under Column-C</a:t>
+            </a:r>
+          </a:p>
+          <a:p>
+            <a:pPr lvl="1"/>
+            <a:endParaRPr lang="en-US" dirty="0"/>
+          </a:p>
+          <a:p>
+            <a:r>
+              <a:rPr lang="en-US" dirty="0"/>
+              <a:t>Deadline for forming teams: </a:t>
+            </a:r>
+            <a:r>
+              <a:rPr lang="en-US" b="1" dirty="0">
+                <a:solidFill>
+                  <a:srgbClr val="FFFF00"/>
+                </a:solidFill>
+              </a:rPr>
+              <a:t>Wednesday before class</a:t>
+            </a:r>
+          </a:p>
+          <a:p>
+            <a:pPr lvl="1"/>
+            <a:endParaRPr lang="en-US" dirty="0"/>
+          </a:p>
+        </p:txBody>
+      </p:sp>
+    </p:spTree>
+    <p:extLst>
+      <p:ext uri="{BB962C8B-B14F-4D97-AF65-F5344CB8AC3E}">
+        <p14:creationId xmlns:p14="http://schemas.microsoft.com/office/powerpoint/2010/main" val="2490395288"/>
+      </p:ext>
+    </p:extLst>
+  </p:cSld>
+  <p:clrMapOvr>
+    <a:masterClrMapping/>
+  </p:clrMapOvr>
+</p:sld>
+</file>
+
+<file path=ppt/slides/slide21.xml><?xml version="1.0" encoding="utf-8"?>
+<p:sld xmlns:a="http://schemas.openxmlformats.org/drawingml/2006/main" xmlns:r="http://schemas.openxmlformats.org/officeDocument/2006/relationships" xmlns:p="http://schemas.openxmlformats.org/presentationml/2006/main">
+  <p:cSld>
+    <p:spTree>
+      <p:nvGrpSpPr>
+        <p:cNvPr id="1" name=""/>
+        <p:cNvGrpSpPr/>
+        <p:nvPr/>
+      </p:nvGrpSpPr>
+      <p:grpSpPr>
+        <a:xfrm>
+          <a:off x="0" y="0"/>
+          <a:ext cx="0" cy="0"/>
+          <a:chOff x="0" y="0"/>
+          <a:chExt cx="0" cy="0"/>
+        </a:xfrm>
+      </p:grpSpPr>
+      <p:sp>
+        <p:nvSpPr>
           <p:cNvPr id="2" name="Title 1"/>
           <p:cNvSpPr>
             <a:spLocks noGrp="1"/>
@@ -11573,10 +11911,9 @@
               <a:buNone/>
             </a:pPr>
             <a:r>
-              <a:rPr lang="en-US" sz="3200"/>
+              <a:rPr lang="en-US" sz="3200" dirty="0"/>
               <a:t>https://myuwbclasses.github.io/XJTU-IntroGameDev/</a:t>
             </a:r>
-            <a:endParaRPr lang="en-US" sz="3200" dirty="0"/>
           </a:p>
         </p:txBody>
       </p:sp>
@@ -11663,7 +12000,7 @@
             <a:pPr lvl="1"/>
             <a:r>
               <a:rPr lang="en-US" altLang="zh-TW" dirty="0"/>
-              <a:t>For fun?  … FUN? 14 days with 32-contact hours!</a:t>
+              <a:t>For fun?  … FUN? 11 days with 32-contact hours!</a:t>
             </a:r>
           </a:p>
           <a:p>
@@ -12465,7 +12802,7 @@
           <a:p>
             <a:r>
               <a:rPr lang="en-US" dirty="0"/>
-              <a:t>Answer my questions in class, unmute and answer, or type in Chat</a:t>
+              <a:t>Please answer my questions in class,  yelling out the answer is welcome</a:t>
             </a:r>
           </a:p>
           <a:p>
@@ -13179,7 +13516,7 @@
           <a:p>
             <a:r>
               <a:rPr lang="en-US" dirty="0"/>
-              <a:t>Graphics User Interface (GUI) Programming? </a:t>
+              <a:t>Graphical User Interface (GUI) Programming? </a:t>
             </a:r>
           </a:p>
           <a:p>

--- a/PPT/Intro.pptx
+++ b/PPT/Intro.pptx
@@ -269,7 +269,7 @@
           <a:p>
             <a:fld id="{5578FD48-7BBA-4787-8980-5DFB65E0734D}" type="datetimeFigureOut">
               <a:rPr lang="en-US" smtClean="0"/>
-              <a:t>3/18/2024</a:t>
+              <a:t>1/19/2025</a:t>
             </a:fld>
             <a:endParaRPr lang="en-US"/>
           </a:p>
@@ -1231,7 +1231,7 @@
             <a:fld id="{1D8BD707-D9CF-40AE-B4C6-C98DA3205C09}" type="datetimeFigureOut">
               <a:rPr lang="en-US" smtClean="0"/>
               <a:pPr/>
-              <a:t>3/18/2024</a:t>
+              <a:t>1/19/2025</a:t>
             </a:fld>
             <a:endParaRPr lang="en-US"/>
           </a:p>
@@ -1548,7 +1548,7 @@
             <a:fld id="{1D8BD707-D9CF-40AE-B4C6-C98DA3205C09}" type="datetimeFigureOut">
               <a:rPr lang="en-US" smtClean="0"/>
               <a:pPr/>
-              <a:t>3/18/2024</a:t>
+              <a:t>1/19/2025</a:t>
             </a:fld>
             <a:endParaRPr lang="en-US"/>
           </a:p>
@@ -1724,7 +1724,7 @@
             <a:fld id="{1D8BD707-D9CF-40AE-B4C6-C98DA3205C09}" type="datetimeFigureOut">
               <a:rPr lang="en-US" smtClean="0"/>
               <a:pPr/>
-              <a:t>3/18/2024</a:t>
+              <a:t>1/19/2025</a:t>
             </a:fld>
             <a:endParaRPr lang="en-US"/>
           </a:p>
@@ -1844,7 +1844,7 @@
             <a:fld id="{1D8BD707-D9CF-40AE-B4C6-C98DA3205C09}" type="datetimeFigureOut">
               <a:rPr lang="en-US" smtClean="0"/>
               <a:pPr/>
-              <a:t>3/18/2024</a:t>
+              <a:t>1/19/2025</a:t>
             </a:fld>
             <a:endParaRPr lang="en-US"/>
           </a:p>
@@ -2144,7 +2144,7 @@
             <a:fld id="{1D8BD707-D9CF-40AE-B4C6-C98DA3205C09}" type="datetimeFigureOut">
               <a:rPr lang="en-US" smtClean="0"/>
               <a:pPr/>
-              <a:t>3/18/2024</a:t>
+              <a:t>1/19/2025</a:t>
             </a:fld>
             <a:endParaRPr lang="en-US"/>
           </a:p>
@@ -2439,7 +2439,7 @@
             <a:fld id="{1D8BD707-D9CF-40AE-B4C6-C98DA3205C09}" type="datetimeFigureOut">
               <a:rPr lang="en-US" smtClean="0"/>
               <a:pPr/>
-              <a:t>3/18/2024</a:t>
+              <a:t>1/19/2025</a:t>
             </a:fld>
             <a:endParaRPr lang="en-US"/>
           </a:p>
@@ -2869,7 +2869,7 @@
             <a:fld id="{1D8BD707-D9CF-40AE-B4C6-C98DA3205C09}" type="datetimeFigureOut">
               <a:rPr lang="en-US" smtClean="0"/>
               <a:pPr/>
-              <a:t>3/18/2024</a:t>
+              <a:t>1/19/2025</a:t>
             </a:fld>
             <a:endParaRPr lang="en-US"/>
           </a:p>
@@ -2989,7 +2989,7 @@
             <a:fld id="{1D8BD707-D9CF-40AE-B4C6-C98DA3205C09}" type="datetimeFigureOut">
               <a:rPr lang="en-US" smtClean="0"/>
               <a:pPr/>
-              <a:t>3/18/2024</a:t>
+              <a:t>1/19/2025</a:t>
             </a:fld>
             <a:endParaRPr lang="en-US"/>
           </a:p>
@@ -3081,7 +3081,7 @@
             <a:fld id="{1D8BD707-D9CF-40AE-B4C6-C98DA3205C09}" type="datetimeFigureOut">
               <a:rPr lang="en-US" smtClean="0"/>
               <a:pPr/>
-              <a:t>3/18/2024</a:t>
+              <a:t>1/19/2025</a:t>
             </a:fld>
             <a:endParaRPr lang="en-US"/>
           </a:p>
@@ -3333,7 +3333,7 @@
             <a:fld id="{1D8BD707-D9CF-40AE-B4C6-C98DA3205C09}" type="datetimeFigureOut">
               <a:rPr lang="en-US" smtClean="0"/>
               <a:pPr/>
-              <a:t>3/18/2024</a:t>
+              <a:t>1/19/2025</a:t>
             </a:fld>
             <a:endParaRPr lang="en-US"/>
           </a:p>
@@ -3851,7 +3851,7 @@
             <a:fld id="{1D8BD707-D9CF-40AE-B4C6-C98DA3205C09}" type="datetimeFigureOut">
               <a:rPr lang="en-US" smtClean="0"/>
               <a:pPr/>
-              <a:t>3/18/2024</a:t>
+              <a:t>1/19/2025</a:t>
             </a:fld>
             <a:endParaRPr lang="en-US"/>
           </a:p>
@@ -4083,7 +4083,7 @@
             <a:fld id="{1D8BD707-D9CF-40AE-B4C6-C98DA3205C09}" type="datetimeFigureOut">
               <a:rPr lang="en-US" smtClean="0"/>
               <a:pPr/>
-              <a:t>3/18/2024</a:t>
+              <a:t>1/19/2025</a:t>
             </a:fld>
             <a:endParaRPr lang="en-US"/>
           </a:p>
@@ -4627,7 +4627,7 @@
           <a:p>
             <a:r>
               <a:rPr lang="en-US" dirty="0"/>
-              <a:t>March 2024</a:t>
+              <a:t>March 2025</a:t>
             </a:r>
           </a:p>
         </p:txBody>
@@ -4742,7 +4742,7 @@
         </p:spPr>
         <p:txBody>
           <a:bodyPr>
-            <a:normAutofit/>
+            <a:normAutofit fontScale="92500" lnSpcReduction="10000"/>
           </a:bodyPr>
           <a:lstStyle/>
           <a:p>
@@ -4771,18 +4771,7 @@
                   <a:srgbClr val="FFFF00"/>
                 </a:solidFill>
               </a:rPr>
-              <a:t>From Teams of 5 or 6 members</a:t>
-            </a:r>
-            <a:endParaRPr lang="en-US" sz="1800" dirty="0">
-              <a:solidFill>
-                <a:srgbClr val="FFFF00"/>
-              </a:solidFill>
-            </a:endParaRPr>
-          </a:p>
-          <a:p>
-            <a:r>
-              <a:rPr lang="en-US" sz="1800" dirty="0"/>
-              <a:t>Weekend: Saturday and Sunday</a:t>
+              <a:t>From Teams of 4 members</a:t>
             </a:r>
           </a:p>
           <a:p>
@@ -4802,26 +4791,64 @@
           <a:p>
             <a:r>
               <a:rPr lang="en-US" sz="1800" dirty="0"/>
-              <a:t>Next week: Monday to Thursday: Build the </a:t>
-            </a:r>
-            <a:r>
-              <a:rPr lang="en-US" sz="1800" b="1" dirty="0">
-                <a:solidFill>
-                  <a:srgbClr val="FFFF00"/>
-                </a:solidFill>
-              </a:rPr>
-              <a:t>best game</a:t>
-            </a:r>
+              <a:t>Weekend: Saturday</a:t>
+            </a:r>
+          </a:p>
+          <a:p>
+            <a:pPr lvl="1"/>
             <a:r>
               <a:rPr lang="en-US" sz="1800" dirty="0"/>
-              <a:t> ever</a:t>
+              <a:t>Present your game design, convince us it is the best game ever</a:t>
+            </a:r>
+          </a:p>
+          <a:p>
+            <a:r>
+              <a:rPr lang="en-US" sz="1800" dirty="0"/>
+              <a:t>Next week: </a:t>
             </a:r>
           </a:p>
           <a:p>
             <a:pPr lvl="1"/>
             <a:r>
               <a:rPr lang="en-US" sz="1800" dirty="0"/>
-              <a:t>Present idea, show demo, we play your alpha, and we play your final game</a:t>
+              <a:t>Monday (10</a:t>
+            </a:r>
+            <a:r>
+              <a:rPr lang="en-US" sz="1800" baseline="30000" dirty="0"/>
+              <a:t>th</a:t>
+            </a:r>
+            <a:r>
+              <a:rPr lang="en-US" sz="1800" dirty="0"/>
+              <a:t> of March): Build a rough version of the game and show us</a:t>
+            </a:r>
+          </a:p>
+          <a:p>
+            <a:pPr lvl="1"/>
+            <a:r>
+              <a:rPr lang="en-US" sz="1800" dirty="0"/>
+              <a:t>Wednesday (12</a:t>
+            </a:r>
+            <a:r>
+              <a:rPr lang="en-US" sz="1800" baseline="30000" dirty="0"/>
+              <a:t>th</a:t>
+            </a:r>
+            <a:r>
+              <a:rPr lang="en-US" sz="1800" dirty="0"/>
+              <a:t> of March): We will play and critique your games!!</a:t>
+            </a:r>
+          </a:p>
+          <a:p>
+            <a:r>
+              <a:rPr lang="en-US" sz="1800" dirty="0"/>
+              <a:t>Two weeks later on 17</a:t>
+            </a:r>
+            <a:r>
+              <a:rPr lang="en-US" sz="1800" baseline="30000" dirty="0"/>
+              <a:t>th</a:t>
+            </a:r>
+            <a:r>
+              <a:rPr lang="en-US" sz="1800" dirty="0"/>
+              <a:t> of March: we will play and rank all games</a:t>
             </a:r>
           </a:p>
         </p:txBody>
@@ -4921,7 +4948,7 @@
                                         <p:tgtEl>
                                           <p:spTgt spid="3">
                                             <p:txEl>
-                                              <p:pRg st="3" end="3"/>
+                                              <p:pRg st="5" end="5"/>
                                             </p:txEl>
                                           </p:spTgt>
                                         </p:tgtEl>
@@ -4970,7 +4997,7 @@
                                         <p:tgtEl>
                                           <p:spTgt spid="3">
                                             <p:txEl>
-                                              <p:pRg st="6" end="6"/>
+                                              <p:pRg st="7" end="7"/>
                                             </p:txEl>
                                           </p:spTgt>
                                         </p:tgtEl>
@@ -5019,7 +5046,7 @@
                                         <p:tgtEl>
                                           <p:spTgt spid="3">
                                             <p:txEl>
-                                              <p:pRg st="1" end="1"/>
+                                              <p:pRg st="8" end="8"/>
                                             </p:txEl>
                                           </p:spTgt>
                                         </p:tgtEl>
@@ -5068,7 +5095,7 @@
                                         <p:tgtEl>
                                           <p:spTgt spid="3">
                                             <p:txEl>
-                                              <p:pRg st="2" end="2"/>
+                                              <p:pRg st="9" end="9"/>
                                             </p:txEl>
                                           </p:spTgt>
                                         </p:tgtEl>
@@ -5117,7 +5144,7 @@
                                         <p:tgtEl>
                                           <p:spTgt spid="3">
                                             <p:txEl>
-                                              <p:pRg st="4" end="4"/>
+                                              <p:pRg st="1" end="1"/>
                                             </p:txEl>
                                           </p:spTgt>
                                         </p:tgtEl>
@@ -5166,7 +5193,7 @@
                                         <p:tgtEl>
                                           <p:spTgt spid="3">
                                             <p:txEl>
-                                              <p:pRg st="5" end="5"/>
+                                              <p:pRg st="2" end="2"/>
                                             </p:txEl>
                                           </p:spTgt>
                                         </p:tgtEl>
@@ -5215,7 +5242,154 @@
                                         <p:tgtEl>
                                           <p:spTgt spid="3">
                                             <p:txEl>
-                                              <p:pRg st="7" end="7"/>
+                                              <p:pRg st="3" end="3"/>
+                                            </p:txEl>
+                                          </p:spTgt>
+                                        </p:tgtEl>
+                                        <p:attrNameLst>
+                                          <p:attrName>style.visibility</p:attrName>
+                                        </p:attrNameLst>
+                                      </p:cBhvr>
+                                      <p:to>
+                                        <p:strVal val="visible"/>
+                                      </p:to>
+                                    </p:set>
+                                  </p:childTnLst>
+                                </p:cTn>
+                              </p:par>
+                            </p:childTnLst>
+                          </p:cTn>
+                        </p:par>
+                      </p:childTnLst>
+                    </p:cTn>
+                  </p:par>
+                  <p:par>
+                    <p:cTn id="35" fill="hold">
+                      <p:stCondLst>
+                        <p:cond delay="indefinite"/>
+                      </p:stCondLst>
+                      <p:childTnLst>
+                        <p:par>
+                          <p:cTn id="36" fill="hold">
+                            <p:stCondLst>
+                              <p:cond delay="0"/>
+                            </p:stCondLst>
+                            <p:childTnLst>
+                              <p:par>
+                                <p:cTn id="37" presetID="1" presetClass="entr" presetSubtype="0" fill="hold" nodeType="clickEffect">
+                                  <p:stCondLst>
+                                    <p:cond delay="0"/>
+                                  </p:stCondLst>
+                                  <p:childTnLst>
+                                    <p:set>
+                                      <p:cBhvr>
+                                        <p:cTn id="38" dur="1" fill="hold">
+                                          <p:stCondLst>
+                                            <p:cond delay="0"/>
+                                          </p:stCondLst>
+                                        </p:cTn>
+                                        <p:tgtEl>
+                                          <p:spTgt spid="3">
+                                            <p:txEl>
+                                              <p:pRg st="4" end="4"/>
+                                            </p:txEl>
+                                          </p:spTgt>
+                                        </p:tgtEl>
+                                        <p:attrNameLst>
+                                          <p:attrName>style.visibility</p:attrName>
+                                        </p:attrNameLst>
+                                      </p:cBhvr>
+                                      <p:to>
+                                        <p:strVal val="visible"/>
+                                      </p:to>
+                                    </p:set>
+                                  </p:childTnLst>
+                                </p:cTn>
+                              </p:par>
+                            </p:childTnLst>
+                          </p:cTn>
+                        </p:par>
+                      </p:childTnLst>
+                    </p:cTn>
+                  </p:par>
+                  <p:par>
+                    <p:cTn id="39" fill="hold">
+                      <p:stCondLst>
+                        <p:cond delay="indefinite"/>
+                      </p:stCondLst>
+                      <p:childTnLst>
+                        <p:par>
+                          <p:cTn id="40" fill="hold">
+                            <p:stCondLst>
+                              <p:cond delay="0"/>
+                            </p:stCondLst>
+                            <p:childTnLst>
+                              <p:par>
+                                <p:cTn id="41" presetID="1" presetClass="entr" presetSubtype="0" fill="hold" nodeType="clickEffect">
+                                  <p:stCondLst>
+                                    <p:cond delay="0"/>
+                                  </p:stCondLst>
+                                  <p:childTnLst>
+                                    <p:set>
+                                      <p:cBhvr>
+                                        <p:cTn id="42" dur="1" fill="hold">
+                                          <p:stCondLst>
+                                            <p:cond delay="0"/>
+                                          </p:stCondLst>
+                                        </p:cTn>
+                                        <p:tgtEl>
+                                          <p:spTgt spid="3">
+                                            <p:txEl>
+                                              <p:pRg st="6" end="6"/>
+                                            </p:txEl>
+                                          </p:spTgt>
+                                        </p:tgtEl>
+                                        <p:attrNameLst>
+                                          <p:attrName>style.visibility</p:attrName>
+                                        </p:attrNameLst>
+                                      </p:cBhvr>
+                                      <p:to>
+                                        <p:strVal val="visible"/>
+                                      </p:to>
+                                    </p:set>
+                                  </p:childTnLst>
+                                </p:cTn>
+                              </p:par>
+                            </p:childTnLst>
+                          </p:cTn>
+                        </p:par>
+                      </p:childTnLst>
+                    </p:cTn>
+                  </p:par>
+                  <p:par>
+                    <p:cTn id="43" fill="hold">
+                      <p:stCondLst>
+                        <p:cond delay="indefinite"/>
+                      </p:stCondLst>
+                      <p:childTnLst>
+                        <p:par>
+                          <p:cTn id="44" fill="hold">
+                            <p:stCondLst>
+                              <p:cond delay="0"/>
+                            </p:stCondLst>
+                            <p:childTnLst>
+                              <p:par>
+                                <p:cTn id="45" presetID="1" presetClass="entr" presetSubtype="0" fill="hold" nodeType="clickEffect">
+                                  <p:stCondLst>
+                                    <p:cond delay="0"/>
+                                  </p:stCondLst>
+                                  <p:childTnLst>
+                                    <p:set>
+                                      <p:cBhvr>
+                                        <p:cTn id="46" dur="1" fill="hold">
+                                          <p:stCondLst>
+                                            <p:cond delay="0"/>
+                                          </p:stCondLst>
+                                        </p:cTn>
+                                        <p:tgtEl>
+                                          <p:spTgt spid="3">
+                                            <p:txEl>
+                                              <p:pRg st="10" end="10"/>
                                             </p:txEl>
                                           </p:spTgt>
                                         </p:tgtEl>
@@ -6066,7 +6240,7 @@
           <a:p>
             <a:r>
               <a:rPr lang="en-US" dirty="0"/>
-              <a:t>3 Programming Assignments: due before class  </a:t>
+              <a:t>2 Programming Assignments: due before class  </a:t>
             </a:r>
             <a:r>
               <a:rPr lang="en-US" dirty="0">
@@ -6085,45 +6259,14 @@
             <a:pPr lvl="1"/>
             <a:r>
               <a:rPr lang="en-US" dirty="0"/>
-              <a:t>Ex1: Small Coding Exercise (individual)		</a:t>
-            </a:r>
-            <a:r>
-              <a:rPr lang="en-US" b="1" dirty="0"/>
-              <a:t>due </a:t>
-            </a:r>
+              <a:t>Ex1: Small Coding Exercise (individual)</a:t>
+            </a:r>
+          </a:p>
+          <a:p>
+            <a:pPr lvl="1"/>
             <a:r>
               <a:rPr lang="en-US" dirty="0"/>
-              <a:t>on Wednesday before class</a:t>
-            </a:r>
-          </a:p>
-          <a:p>
-            <a:pPr lvl="1"/>
-            <a:r>
-              <a:rPr lang="en-US" dirty="0"/>
-              <a:t>Ex2 : a simple interactive application (individual)	</a:t>
-            </a:r>
-            <a:r>
-              <a:rPr lang="en-US" b="1" dirty="0"/>
-              <a:t>due </a:t>
-            </a:r>
-            <a:r>
-              <a:rPr lang="en-US" dirty="0"/>
-              <a:t>on Friday before class</a:t>
-            </a:r>
-          </a:p>
-          <a:p>
-            <a:pPr lvl="1"/>
-            <a:r>
-              <a:rPr lang="en-US" dirty="0"/>
-              <a:t>Ex3: a simple (not fun) game (team) 		</a:t>
-            </a:r>
-            <a:r>
-              <a:rPr lang="en-US" b="1" dirty="0"/>
-              <a:t>due </a:t>
-            </a:r>
-            <a:r>
-              <a:rPr lang="en-US" dirty="0"/>
-              <a:t>on next Monday before class</a:t>
+              <a:t>Ex2 : a simple interactive application (individual)</a:t>
             </a:r>
           </a:p>
           <a:p>
@@ -6133,7 +6276,7 @@
             </a:r>
             <a:r>
               <a:rPr lang="en-US" dirty="0"/>
-              <a:t>on Tuesday, Thursday, and Friday beginning of class</a:t>
+              <a:t>(x3) at beginning of classes</a:t>
             </a:r>
             <a:r>
               <a:rPr lang="en-US" b="1" dirty="0"/>
@@ -6152,6 +6295,16 @@
             <a:r>
               <a:rPr lang="en-US" dirty="0"/>
               <a:t>open book, open everything, individual effort</a:t>
+            </a:r>
+          </a:p>
+          <a:p>
+            <a:r>
+              <a:rPr lang="en-US" b="1" dirty="0"/>
+              <a:t>Design: </a:t>
+            </a:r>
+            <a:r>
+              <a:rPr lang="en-US" dirty="0"/>
+              <a:t>your final game</a:t>
             </a:r>
           </a:p>
           <a:p>
@@ -6400,15 +6553,33 @@
                                   </p:childTnLst>
                                 </p:cTn>
                               </p:par>
+                            </p:childTnLst>
+                          </p:cTn>
+                        </p:par>
+                      </p:childTnLst>
+                    </p:cTn>
+                  </p:par>
+                  <p:par>
+                    <p:cTn id="19" fill="hold">
+                      <p:stCondLst>
+                        <p:cond delay="indefinite"/>
+                      </p:stCondLst>
+                      <p:childTnLst>
+                        <p:par>
+                          <p:cTn id="20" fill="hold">
+                            <p:stCondLst>
+                              <p:cond delay="0"/>
+                            </p:stCondLst>
+                            <p:childTnLst>
                               <p:par>
-                                <p:cTn id="19" presetID="1" presetClass="entr" presetSubtype="0" fill="hold" grpId="0" nodeType="withEffect">
+                                <p:cTn id="21" presetID="1" presetClass="entr" presetSubtype="0" fill="hold" grpId="0" nodeType="clickEffect">
                                   <p:stCondLst>
                                     <p:cond delay="0"/>
                                   </p:stCondLst>
                                   <p:childTnLst>
                                     <p:set>
                                       <p:cBhvr>
-                                        <p:cTn id="20" dur="1" fill="hold">
+                                        <p:cTn id="22" dur="1" fill="hold">
                                           <p:stCondLst>
                                             <p:cond delay="0"/>
                                           </p:stCondLst>
@@ -6431,26 +6602,8 @@
                                   </p:childTnLst>
                                 </p:cTn>
                               </p:par>
-                            </p:childTnLst>
-                          </p:cTn>
-                        </p:par>
-                      </p:childTnLst>
-                    </p:cTn>
-                  </p:par>
-                  <p:par>
-                    <p:cTn id="21" fill="hold">
-                      <p:stCondLst>
-                        <p:cond delay="indefinite"/>
-                      </p:stCondLst>
-                      <p:childTnLst>
-                        <p:par>
-                          <p:cTn id="22" fill="hold">
-                            <p:stCondLst>
-                              <p:cond delay="0"/>
-                            </p:stCondLst>
-                            <p:childTnLst>
                               <p:par>
-                                <p:cTn id="23" presetID="1" presetClass="entr" presetSubtype="0" fill="hold" grpId="0" nodeType="clickEffect">
+                                <p:cTn id="23" presetID="1" presetClass="entr" presetSubtype="0" fill="hold" grpId="0" nodeType="withEffect">
                                   <p:stCondLst>
                                     <p:cond delay="0"/>
                                   </p:stCondLst>
@@ -6511,15 +6664,33 @@
                                   </p:childTnLst>
                                 </p:cTn>
                               </p:par>
+                            </p:childTnLst>
+                          </p:cTn>
+                        </p:par>
+                      </p:childTnLst>
+                    </p:cTn>
+                  </p:par>
+                  <p:par>
+                    <p:cTn id="27" fill="hold">
+                      <p:stCondLst>
+                        <p:cond delay="indefinite"/>
+                      </p:stCondLst>
+                      <p:childTnLst>
+                        <p:par>
+                          <p:cTn id="28" fill="hold">
+                            <p:stCondLst>
+                              <p:cond delay="0"/>
+                            </p:stCondLst>
+                            <p:childTnLst>
                               <p:par>
-                                <p:cTn id="27" presetID="1" presetClass="entr" presetSubtype="0" fill="hold" grpId="0" nodeType="withEffect">
+                                <p:cTn id="29" presetID="1" presetClass="entr" presetSubtype="0" fill="hold" grpId="0" nodeType="clickEffect">
                                   <p:stCondLst>
                                     <p:cond delay="0"/>
                                   </p:stCondLst>
                                   <p:childTnLst>
                                     <p:set>
                                       <p:cBhvr>
-                                        <p:cTn id="28" dur="1" fill="hold">
+                                        <p:cTn id="30" dur="1" fill="hold">
                                           <p:stCondLst>
                                             <p:cond delay="0"/>
                                           </p:stCondLst>
@@ -6549,26 +6720,26 @@
                     </p:cTn>
                   </p:par>
                   <p:par>
-                    <p:cTn id="29" fill="hold">
+                    <p:cTn id="31" fill="hold">
                       <p:stCondLst>
                         <p:cond delay="indefinite"/>
                       </p:stCondLst>
                       <p:childTnLst>
                         <p:par>
-                          <p:cTn id="30" fill="hold">
+                          <p:cTn id="32" fill="hold">
                             <p:stCondLst>
                               <p:cond delay="0"/>
                             </p:stCondLst>
                             <p:childTnLst>
                               <p:par>
-                                <p:cTn id="31" presetID="1" presetClass="entr" presetSubtype="0" fill="hold" grpId="0" nodeType="clickEffect">
+                                <p:cTn id="33" presetID="1" presetClass="entr" presetSubtype="0" fill="hold" grpId="0" nodeType="clickEffect">
                                   <p:stCondLst>
                                     <p:cond delay="0"/>
                                   </p:stCondLst>
                                   <p:childTnLst>
                                     <p:set>
                                       <p:cBhvr>
-                                        <p:cTn id="32" dur="1" fill="hold">
+                                        <p:cTn id="34" dur="1" fill="hold">
                                           <p:stCondLst>
                                             <p:cond delay="0"/>
                                           </p:stCondLst>
@@ -6664,13 +6835,14 @@
           <a:lstStyle/>
           <a:p>
             <a:r>
+              <a:rPr lang="en-US" dirty="0"/>
+              <a:t>Week 2 + 3: Present, Test, and </a:t>
+            </a:r>
+            <a:r>
               <a:rPr lang="en-US" dirty="0" err="1"/>
-              <a:t>WeekEnd</a:t>
-            </a:r>
-            <a:r>
-              <a:rPr lang="en-US" dirty="0"/>
-              <a:t>: How to and Begin to Design </a:t>
-            </a:r>
+              <a:t>Evalutate</a:t>
+            </a:r>
+            <a:endParaRPr lang="en-US" dirty="0"/>
           </a:p>
         </p:txBody>
       </p:sp>
@@ -6697,35 +6869,158 @@
           <a:p>
             <a:r>
               <a:rPr lang="en-US" dirty="0"/>
-              <a:t>Saturday: Design process and how to receive feedback</a:t>
+              <a:t>Saturday:</a:t>
             </a:r>
           </a:p>
           <a:p>
             <a:pPr lvl="1"/>
             <a:r>
               <a:rPr lang="en-US" dirty="0"/>
-              <a:t>Brainstorm + Playtest</a:t>
-            </a:r>
-          </a:p>
-          <a:p>
+              <a:t>AM: </a:t>
+            </a:r>
+            <a:r>
+              <a:rPr lang="en-US" b="1" dirty="0">
+                <a:solidFill>
+                  <a:srgbClr val="FFFF00"/>
+                </a:solidFill>
+              </a:rPr>
+              <a:t>Presentation: </a:t>
+            </a:r>
+            <a:r>
+              <a:rPr lang="en-US" b="1" i="1" u="sng" dirty="0"/>
+              <a:t>show</a:t>
+            </a:r>
             <a:r>
               <a:rPr lang="en-US" dirty="0"/>
-              <a:t>Sunday: Game design</a:t>
+              <a:t> and tell us your final game idea</a:t>
             </a:r>
           </a:p>
           <a:p>
             <a:pPr lvl="1"/>
             <a:r>
               <a:rPr lang="en-US" dirty="0"/>
-              <a:t>Come to class to complete your game design</a:t>
+              <a:t>PM: Meet with me to discuss challenges</a:t>
+            </a:r>
+          </a:p>
+          <a:p>
+            <a:r>
+              <a:rPr lang="en-US" dirty="0"/>
+              <a:t>Next Monday + Wednesday:</a:t>
             </a:r>
           </a:p>
           <a:p>
             <a:pPr lvl="1"/>
             <a:r>
               <a:rPr lang="en-US" dirty="0"/>
-              <a:t>I will meet with each team individually</a:t>
-            </a:r>
+              <a:t>Monday: </a:t>
+            </a:r>
+            <a:r>
+              <a:rPr lang="en-US" b="1" dirty="0">
+                <a:solidFill>
+                  <a:srgbClr val="FFFF00"/>
+                </a:solidFill>
+              </a:rPr>
+              <a:t>Presentation: </a:t>
+            </a:r>
+            <a:r>
+              <a:rPr lang="en-US" dirty="0"/>
+              <a:t>Game prototype demo (show</a:t>
+            </a:r>
+            <a:r>
+              <a:rPr lang="en-US" b="1" i="1" dirty="0"/>
+              <a:t> </a:t>
+            </a:r>
+            <a:r>
+              <a:rPr lang="en-US" dirty="0"/>
+              <a:t>us your by </a:t>
+            </a:r>
+            <a:r>
+              <a:rPr lang="en-US" b="1" i="1" u="sng" dirty="0"/>
+              <a:t>playing</a:t>
+            </a:r>
+            <a:r>
+              <a:rPr lang="en-US" b="1" i="1" dirty="0"/>
+              <a:t> </a:t>
+            </a:r>
+            <a:r>
+              <a:rPr lang="en-US" dirty="0"/>
+              <a:t>your rough build)</a:t>
+            </a:r>
+          </a:p>
+          <a:p>
+            <a:pPr lvl="1"/>
+            <a:r>
+              <a:rPr lang="en-US" dirty="0">
+                <a:solidFill>
+                  <a:srgbClr val="FFFF00"/>
+                </a:solidFill>
+              </a:rPr>
+              <a:t>Wednesday: </a:t>
+            </a:r>
+            <a:r>
+              <a:rPr lang="en-US" b="1" dirty="0">
+                <a:solidFill>
+                  <a:srgbClr val="FFFF00"/>
+                </a:solidFill>
+              </a:rPr>
+              <a:t>Everyone plays everyone else’s games</a:t>
+            </a:r>
+            <a:r>
+              <a:rPr lang="en-US" dirty="0"/>
+              <a:t>: Alpha game playtest</a:t>
+            </a:r>
+            <a:br>
+              <a:rPr lang="en-US" dirty="0"/>
+            </a:br>
+            <a:endParaRPr lang="en-US" dirty="0"/>
+          </a:p>
+          <a:p>
+            <a:pPr marL="0" indent="0">
+              <a:buNone/>
+            </a:pPr>
+            <a:r>
+              <a:rPr lang="en-US" b="1" dirty="0">
+                <a:solidFill>
+                  <a:srgbClr val="FFFF00"/>
+                </a:solidFill>
+              </a:rPr>
+              <a:t>Rest + Work for the rest of the week</a:t>
+            </a:r>
+            <a:br>
+              <a:rPr lang="en-US" b="1" dirty="0">
+                <a:solidFill>
+                  <a:srgbClr val="FFFF00"/>
+                </a:solidFill>
+              </a:rPr>
+            </a:br>
+            <a:endParaRPr lang="en-US" b="1" dirty="0">
+              <a:solidFill>
+                <a:srgbClr val="FFFF00"/>
+              </a:solidFill>
+            </a:endParaRPr>
+          </a:p>
+          <a:p>
+            <a:r>
+              <a:rPr lang="en-US" dirty="0"/>
+              <a:t>Last day of class Monday March 17</a:t>
+            </a:r>
+            <a:r>
+              <a:rPr lang="en-US" baseline="30000" dirty="0"/>
+              <a:t>th</a:t>
+            </a:r>
+            <a:r>
+              <a:rPr lang="en-US" b="1" dirty="0"/>
+              <a:t>: </a:t>
+            </a:r>
+            <a:r>
+              <a:rPr lang="en-US" b="1" dirty="0">
+                <a:solidFill>
+                  <a:srgbClr val="FFFF00"/>
+                </a:solidFill>
+              </a:rPr>
+              <a:t>Whole class plays!</a:t>
+            </a:r>
+            <a:endParaRPr lang="en-US" dirty="0"/>
           </a:p>
         </p:txBody>
       </p:sp>
@@ -6992,6 +7287,153 @@
                       </p:childTnLst>
                     </p:cTn>
                   </p:par>
+                  <p:par>
+                    <p:cTn id="23" fill="hold">
+                      <p:stCondLst>
+                        <p:cond delay="indefinite"/>
+                      </p:stCondLst>
+                      <p:childTnLst>
+                        <p:par>
+                          <p:cTn id="24" fill="hold">
+                            <p:stCondLst>
+                              <p:cond delay="0"/>
+                            </p:stCondLst>
+                            <p:childTnLst>
+                              <p:par>
+                                <p:cTn id="25" presetID="1" presetClass="entr" presetSubtype="0" fill="hold" nodeType="clickEffect">
+                                  <p:stCondLst>
+                                    <p:cond delay="0"/>
+                                  </p:stCondLst>
+                                  <p:childTnLst>
+                                    <p:set>
+                                      <p:cBhvr>
+                                        <p:cTn id="26" dur="1" fill="hold">
+                                          <p:stCondLst>
+                                            <p:cond delay="0"/>
+                                          </p:stCondLst>
+                                        </p:cTn>
+                                        <p:tgtEl>
+                                          <p:spTgt spid="3">
+                                            <p:txEl>
+                                              <p:pRg st="5" end="5"/>
+                                            </p:txEl>
+                                          </p:spTgt>
+                                        </p:tgtEl>
+                                        <p:attrNameLst>
+                                          <p:attrName>style.visibility</p:attrName>
+                                        </p:attrNameLst>
+                                      </p:cBhvr>
+                                      <p:to>
+                                        <p:strVal val="visible"/>
+                                      </p:to>
+                                    </p:set>
+                                  </p:childTnLst>
+                                </p:cTn>
+                              </p:par>
+                            </p:childTnLst>
+                          </p:cTn>
+                        </p:par>
+                      </p:childTnLst>
+                    </p:cTn>
+                  </p:par>
+                  <p:par>
+                    <p:cTn id="27" fill="hold">
+                      <p:stCondLst>
+                        <p:cond delay="indefinite"/>
+                      </p:stCondLst>
+                      <p:childTnLst>
+                        <p:par>
+                          <p:cTn id="28" fill="hold">
+                            <p:stCondLst>
+                              <p:cond delay="0"/>
+                            </p:stCondLst>
+                            <p:childTnLst>
+                              <p:par>
+                                <p:cTn id="29" presetID="1" presetClass="entr" presetSubtype="0" fill="hold" nodeType="clickEffect">
+                                  <p:stCondLst>
+                                    <p:cond delay="0"/>
+                                  </p:stCondLst>
+                                  <p:childTnLst>
+                                    <p:set>
+                                      <p:cBhvr>
+                                        <p:cTn id="30" dur="1" fill="hold">
+                                          <p:stCondLst>
+                                            <p:cond delay="0"/>
+                                          </p:stCondLst>
+                                        </p:cTn>
+                                        <p:tgtEl>
+                                          <p:spTgt spid="3">
+                                            <p:txEl>
+                                              <p:pRg st="6" end="6"/>
+                                            </p:txEl>
+                                          </p:spTgt>
+                                        </p:tgtEl>
+                                        <p:attrNameLst>
+                                          <p:attrName>style.visibility</p:attrName>
+                                        </p:attrNameLst>
+                                      </p:cBhvr>
+                                      <p:to>
+                                        <p:strVal val="visible"/>
+                                      </p:to>
+                                    </p:set>
+                                  </p:childTnLst>
+                                </p:cTn>
+                              </p:par>
+                            </p:childTnLst>
+                          </p:cTn>
+                        </p:par>
+                      </p:childTnLst>
+                    </p:cTn>
+                  </p:par>
+                  <p:par>
+                    <p:cTn id="31" fill="hold">
+                      <p:stCondLst>
+                        <p:cond delay="indefinite"/>
+                      </p:stCondLst>
+                      <p:childTnLst>
+                        <p:par>
+                          <p:cTn id="32" fill="hold">
+                            <p:stCondLst>
+                              <p:cond delay="0"/>
+                            </p:stCondLst>
+                            <p:childTnLst>
+                              <p:par>
+                                <p:cTn id="33" presetID="1" presetClass="entr" presetSubtype="0" fill="hold" nodeType="clickEffect">
+                                  <p:stCondLst>
+                                    <p:cond delay="0"/>
+                                  </p:stCondLst>
+                                  <p:childTnLst>
+                                    <p:set>
+                                      <p:cBhvr>
+                                        <p:cTn id="34" dur="1" fill="hold">
+                                          <p:stCondLst>
+                                            <p:cond delay="0"/>
+                                          </p:stCondLst>
+                                        </p:cTn>
+                                        <p:tgtEl>
+                                          <p:spTgt spid="3">
+                                            <p:txEl>
+                                              <p:pRg st="7" end="7"/>
+                                            </p:txEl>
+                                          </p:spTgt>
+                                        </p:tgtEl>
+                                        <p:attrNameLst>
+                                          <p:attrName>style.visibility</p:attrName>
+                                        </p:attrNameLst>
+                                      </p:cBhvr>
+                                      <p:to>
+                                        <p:strVal val="visible"/>
+                                      </p:to>
+                                    </p:set>
+                                  </p:childTnLst>
+                                </p:cTn>
+                              </p:par>
+                            </p:childTnLst>
+                          </p:cTn>
+                        </p:par>
+                      </p:childTnLst>
+                    </p:cTn>
+                  </p:par>
                 </p:childTnLst>
               </p:cTn>
               <p:prevCondLst>
@@ -7051,7 +7493,7 @@
           <a:p>
             <a:r>
               <a:rPr lang="en-US" dirty="0"/>
-              <a:t>Week 2: Build an Awesome Game (in 3 days!)</a:t>
+              <a:t>Game Ranking:</a:t>
             </a:r>
           </a:p>
         </p:txBody>
@@ -7074,113 +7516,12 @@
         </p:spPr>
         <p:txBody>
           <a:bodyPr>
-            <a:normAutofit lnSpcReduction="10000"/>
+            <a:normAutofit/>
           </a:bodyPr>
           <a:lstStyle/>
           <a:p>
             <a:pPr lvl="1"/>
             <a:r>
-              <a:rPr lang="en-US" b="1" dirty="0"/>
-              <a:t>Schedule</a:t>
-            </a:r>
-          </a:p>
-          <a:p>
-            <a:pPr lvl="2"/>
-            <a:r>
-              <a:rPr lang="en-US" b="1" dirty="0"/>
-              <a:t>Monday: 	</a:t>
-            </a:r>
-            <a:r>
-              <a:rPr lang="en-US" b="1" dirty="0">
-                <a:solidFill>
-                  <a:srgbClr val="FFFF00"/>
-                </a:solidFill>
-              </a:rPr>
-              <a:t>Presentation: </a:t>
-            </a:r>
-            <a:r>
-              <a:rPr lang="en-US" dirty="0"/>
-              <a:t>Your final game proposal</a:t>
-            </a:r>
-          </a:p>
-          <a:p>
-            <a:pPr lvl="2"/>
-            <a:r>
-              <a:rPr lang="en-US" b="1" dirty="0"/>
-              <a:t>Tuesday: 	</a:t>
-            </a:r>
-            <a:r>
-              <a:rPr lang="en-US" b="1" dirty="0">
-                <a:solidFill>
-                  <a:srgbClr val="FFFF00"/>
-                </a:solidFill>
-              </a:rPr>
-              <a:t>Presentation: </a:t>
-            </a:r>
-            <a:r>
-              <a:rPr lang="en-US" dirty="0"/>
-              <a:t>Game prototype demo</a:t>
-            </a:r>
-            <a:endParaRPr lang="en-US" b="1" dirty="0">
-              <a:solidFill>
-                <a:srgbClr val="FFFF00"/>
-              </a:solidFill>
-            </a:endParaRPr>
-          </a:p>
-          <a:p>
-            <a:pPr lvl="2"/>
-            <a:r>
-              <a:rPr lang="en-US" b="1" dirty="0"/>
-              <a:t>Wednesday:     	</a:t>
-            </a:r>
-            <a:r>
-              <a:rPr lang="en-US" b="1" dirty="0">
-                <a:solidFill>
-                  <a:srgbClr val="FFFF00"/>
-                </a:solidFill>
-              </a:rPr>
-              <a:t>Presentation + Everyone plays everyone else’s games</a:t>
-            </a:r>
-            <a:r>
-              <a:rPr lang="en-US" dirty="0"/>
-              <a:t>: Alpha game playtest</a:t>
-            </a:r>
-            <a:endParaRPr lang="en-US" b="1" dirty="0">
-              <a:solidFill>
-                <a:srgbClr val="FFFF00"/>
-              </a:solidFill>
-            </a:endParaRPr>
-          </a:p>
-          <a:p>
-            <a:pPr lvl="2"/>
-            <a:r>
-              <a:rPr lang="en-US" b="1" dirty="0"/>
-              <a:t>Thursday: 	</a:t>
-            </a:r>
-            <a:r>
-              <a:rPr lang="en-US" b="1" dirty="0">
-                <a:solidFill>
-                  <a:srgbClr val="FFFF00"/>
-                </a:solidFill>
-              </a:rPr>
-              <a:t>Presentation + Whole class plays!</a:t>
-            </a:r>
-            <a:br>
-              <a:rPr lang="en-US" b="1" dirty="0">
-                <a:solidFill>
-                  <a:srgbClr val="FFFF00"/>
-                </a:solidFill>
-              </a:rPr>
-            </a:br>
-            <a:endParaRPr lang="en-US" b="1" dirty="0">
-              <a:solidFill>
-                <a:srgbClr val="FFFF00"/>
-              </a:solidFill>
-            </a:endParaRPr>
-          </a:p>
-          <a:p>
-            <a:pPr lvl="1"/>
-            <a:r>
               <a:rPr lang="en-US" dirty="0"/>
               <a:t>Whole class will rank the teams after the presentations. Top ranked teams:</a:t>
             </a:r>
@@ -7189,39 +7530,27 @@
             <a:pPr lvl="2"/>
             <a:r>
               <a:rPr lang="en-US" dirty="0"/>
-              <a:t>First: +5%</a:t>
+              <a:t>First: +3%</a:t>
             </a:r>
           </a:p>
           <a:p>
             <a:pPr lvl="2"/>
             <a:r>
               <a:rPr lang="en-US" dirty="0"/>
-              <a:t>Second: +4%</a:t>
+              <a:t>Second: +2%</a:t>
             </a:r>
           </a:p>
           <a:p>
             <a:pPr lvl="2"/>
             <a:r>
               <a:rPr lang="en-US" dirty="0"/>
-              <a:t>Third: +3%</a:t>
-            </a:r>
-          </a:p>
-          <a:p>
-            <a:pPr lvl="2"/>
-            <a:r>
-              <a:rPr lang="en-US" dirty="0"/>
-              <a:t>Forth: +2%</a:t>
-            </a:r>
-          </a:p>
-          <a:p>
-            <a:pPr lvl="2"/>
-            <a:r>
-              <a:rPr lang="en-US" dirty="0"/>
-              <a:t>Fifth: +1%</a:t>
-            </a:r>
-          </a:p>
-          <a:p>
-            <a:pPr lvl="1"/>
+              <a:t>Third: +1%</a:t>
+            </a:r>
+          </a:p>
+          <a:p>
+            <a:pPr marL="457200" lvl="1" indent="0">
+              <a:buNone/>
+            </a:pPr>
             <a:endParaRPr lang="en-US" dirty="0"/>
           </a:p>
         </p:txBody>
@@ -7440,349 +7769,6 @@
                       </p:childTnLst>
                     </p:cTn>
                   </p:par>
-                  <p:par>
-                    <p:cTn id="19" fill="hold">
-                      <p:stCondLst>
-                        <p:cond delay="indefinite"/>
-                      </p:stCondLst>
-                      <p:childTnLst>
-                        <p:par>
-                          <p:cTn id="20" fill="hold">
-                            <p:stCondLst>
-                              <p:cond delay="0"/>
-                            </p:stCondLst>
-                            <p:childTnLst>
-                              <p:par>
-                                <p:cTn id="21" presetID="1" presetClass="entr" presetSubtype="0" fill="hold" grpId="0" nodeType="clickEffect">
-                                  <p:stCondLst>
-                                    <p:cond delay="0"/>
-                                  </p:stCondLst>
-                                  <p:childTnLst>
-                                    <p:set>
-                                      <p:cBhvr>
-                                        <p:cTn id="22" dur="1" fill="hold">
-                                          <p:stCondLst>
-                                            <p:cond delay="0"/>
-                                          </p:stCondLst>
-                                        </p:cTn>
-                                        <p:tgtEl>
-                                          <p:spTgt spid="3">
-                                            <p:txEl>
-                                              <p:pRg st="4" end="4"/>
-                                            </p:txEl>
-                                          </p:spTgt>
-                                        </p:tgtEl>
-                                        <p:attrNameLst>
-                                          <p:attrName>style.visibility</p:attrName>
-                                        </p:attrNameLst>
-                                      </p:cBhvr>
-                                      <p:to>
-                                        <p:strVal val="visible"/>
-                                      </p:to>
-                                    </p:set>
-                                  </p:childTnLst>
-                                </p:cTn>
-                              </p:par>
-                            </p:childTnLst>
-                          </p:cTn>
-                        </p:par>
-                      </p:childTnLst>
-                    </p:cTn>
-                  </p:par>
-                  <p:par>
-                    <p:cTn id="23" fill="hold">
-                      <p:stCondLst>
-                        <p:cond delay="indefinite"/>
-                      </p:stCondLst>
-                      <p:childTnLst>
-                        <p:par>
-                          <p:cTn id="24" fill="hold">
-                            <p:stCondLst>
-                              <p:cond delay="0"/>
-                            </p:stCondLst>
-                            <p:childTnLst>
-                              <p:par>
-                                <p:cTn id="25" presetID="1" presetClass="entr" presetSubtype="0" fill="hold" grpId="0" nodeType="clickEffect">
-                                  <p:stCondLst>
-                                    <p:cond delay="0"/>
-                                  </p:stCondLst>
-                                  <p:childTnLst>
-                                    <p:set>
-                                      <p:cBhvr>
-                                        <p:cTn id="26" dur="1" fill="hold">
-                                          <p:stCondLst>
-                                            <p:cond delay="0"/>
-                                          </p:stCondLst>
-                                        </p:cTn>
-                                        <p:tgtEl>
-                                          <p:spTgt spid="3">
-                                            <p:txEl>
-                                              <p:pRg st="5" end="5"/>
-                                            </p:txEl>
-                                          </p:spTgt>
-                                        </p:tgtEl>
-                                        <p:attrNameLst>
-                                          <p:attrName>style.visibility</p:attrName>
-                                        </p:attrNameLst>
-                                      </p:cBhvr>
-                                      <p:to>
-                                        <p:strVal val="visible"/>
-                                      </p:to>
-                                    </p:set>
-                                  </p:childTnLst>
-                                </p:cTn>
-                              </p:par>
-                            </p:childTnLst>
-                          </p:cTn>
-                        </p:par>
-                      </p:childTnLst>
-                    </p:cTn>
-                  </p:par>
-                  <p:par>
-                    <p:cTn id="27" fill="hold">
-                      <p:stCondLst>
-                        <p:cond delay="indefinite"/>
-                      </p:stCondLst>
-                      <p:childTnLst>
-                        <p:par>
-                          <p:cTn id="28" fill="hold">
-                            <p:stCondLst>
-                              <p:cond delay="0"/>
-                            </p:stCondLst>
-                            <p:childTnLst>
-                              <p:par>
-                                <p:cTn id="29" presetID="1" presetClass="entr" presetSubtype="0" fill="hold" grpId="0" nodeType="clickEffect">
-                                  <p:stCondLst>
-                                    <p:cond delay="0"/>
-                                  </p:stCondLst>
-                                  <p:childTnLst>
-                                    <p:set>
-                                      <p:cBhvr>
-                                        <p:cTn id="30" dur="1" fill="hold">
-                                          <p:stCondLst>
-                                            <p:cond delay="0"/>
-                                          </p:stCondLst>
-                                        </p:cTn>
-                                        <p:tgtEl>
-                                          <p:spTgt spid="3">
-                                            <p:txEl>
-                                              <p:pRg st="6" end="6"/>
-                                            </p:txEl>
-                                          </p:spTgt>
-                                        </p:tgtEl>
-                                        <p:attrNameLst>
-                                          <p:attrName>style.visibility</p:attrName>
-                                        </p:attrNameLst>
-                                      </p:cBhvr>
-                                      <p:to>
-                                        <p:strVal val="visible"/>
-                                      </p:to>
-                                    </p:set>
-                                  </p:childTnLst>
-                                </p:cTn>
-                              </p:par>
-                            </p:childTnLst>
-                          </p:cTn>
-                        </p:par>
-                      </p:childTnLst>
-                    </p:cTn>
-                  </p:par>
-                  <p:par>
-                    <p:cTn id="31" fill="hold">
-                      <p:stCondLst>
-                        <p:cond delay="indefinite"/>
-                      </p:stCondLst>
-                      <p:childTnLst>
-                        <p:par>
-                          <p:cTn id="32" fill="hold">
-                            <p:stCondLst>
-                              <p:cond delay="0"/>
-                            </p:stCondLst>
-                            <p:childTnLst>
-                              <p:par>
-                                <p:cTn id="33" presetID="1" presetClass="entr" presetSubtype="0" fill="hold" grpId="0" nodeType="clickEffect">
-                                  <p:stCondLst>
-                                    <p:cond delay="0"/>
-                                  </p:stCondLst>
-                                  <p:childTnLst>
-                                    <p:set>
-                                      <p:cBhvr>
-                                        <p:cTn id="34" dur="1" fill="hold">
-                                          <p:stCondLst>
-                                            <p:cond delay="0"/>
-                                          </p:stCondLst>
-                                        </p:cTn>
-                                        <p:tgtEl>
-                                          <p:spTgt spid="3">
-                                            <p:txEl>
-                                              <p:pRg st="7" end="7"/>
-                                            </p:txEl>
-                                          </p:spTgt>
-                                        </p:tgtEl>
-                                        <p:attrNameLst>
-                                          <p:attrName>style.visibility</p:attrName>
-                                        </p:attrNameLst>
-                                      </p:cBhvr>
-                                      <p:to>
-                                        <p:strVal val="visible"/>
-                                      </p:to>
-                                    </p:set>
-                                  </p:childTnLst>
-                                </p:cTn>
-                              </p:par>
-                            </p:childTnLst>
-                          </p:cTn>
-                        </p:par>
-                      </p:childTnLst>
-                    </p:cTn>
-                  </p:par>
-                  <p:par>
-                    <p:cTn id="35" fill="hold">
-                      <p:stCondLst>
-                        <p:cond delay="indefinite"/>
-                      </p:stCondLst>
-                      <p:childTnLst>
-                        <p:par>
-                          <p:cTn id="36" fill="hold">
-                            <p:stCondLst>
-                              <p:cond delay="0"/>
-                            </p:stCondLst>
-                            <p:childTnLst>
-                              <p:par>
-                                <p:cTn id="37" presetID="1" presetClass="entr" presetSubtype="0" fill="hold" grpId="0" nodeType="clickEffect">
-                                  <p:stCondLst>
-                                    <p:cond delay="0"/>
-                                  </p:stCondLst>
-                                  <p:childTnLst>
-                                    <p:set>
-                                      <p:cBhvr>
-                                        <p:cTn id="38" dur="1" fill="hold">
-                                          <p:stCondLst>
-                                            <p:cond delay="0"/>
-                                          </p:stCondLst>
-                                        </p:cTn>
-                                        <p:tgtEl>
-                                          <p:spTgt spid="3">
-                                            <p:txEl>
-                                              <p:pRg st="8" end="8"/>
-                                            </p:txEl>
-                                          </p:spTgt>
-                                        </p:tgtEl>
-                                        <p:attrNameLst>
-                                          <p:attrName>style.visibility</p:attrName>
-                                        </p:attrNameLst>
-                                      </p:cBhvr>
-                                      <p:to>
-                                        <p:strVal val="visible"/>
-                                      </p:to>
-                                    </p:set>
-                                  </p:childTnLst>
-                                </p:cTn>
-                              </p:par>
-                            </p:childTnLst>
-                          </p:cTn>
-                        </p:par>
-                      </p:childTnLst>
-                    </p:cTn>
-                  </p:par>
-                  <p:par>
-                    <p:cTn id="39" fill="hold">
-                      <p:stCondLst>
-                        <p:cond delay="indefinite"/>
-                      </p:stCondLst>
-                      <p:childTnLst>
-                        <p:par>
-                          <p:cTn id="40" fill="hold">
-                            <p:stCondLst>
-                              <p:cond delay="0"/>
-                            </p:stCondLst>
-                            <p:childTnLst>
-                              <p:par>
-                                <p:cTn id="41" presetID="1" presetClass="entr" presetSubtype="0" fill="hold" grpId="0" nodeType="clickEffect">
-                                  <p:stCondLst>
-                                    <p:cond delay="0"/>
-                                  </p:stCondLst>
-                                  <p:childTnLst>
-                                    <p:set>
-                                      <p:cBhvr>
-                                        <p:cTn id="42" dur="1" fill="hold">
-                                          <p:stCondLst>
-                                            <p:cond delay="0"/>
-                                          </p:stCondLst>
-                                        </p:cTn>
-                                        <p:tgtEl>
-                                          <p:spTgt spid="3">
-                                            <p:txEl>
-                                              <p:pRg st="9" end="9"/>
-                                            </p:txEl>
-                                          </p:spTgt>
-                                        </p:tgtEl>
-                                        <p:attrNameLst>
-                                          <p:attrName>style.visibility</p:attrName>
-                                        </p:attrNameLst>
-                                      </p:cBhvr>
-                                      <p:to>
-                                        <p:strVal val="visible"/>
-                                      </p:to>
-                                    </p:set>
-                                  </p:childTnLst>
-                                </p:cTn>
-                              </p:par>
-                            </p:childTnLst>
-                          </p:cTn>
-                        </p:par>
-                      </p:childTnLst>
-                    </p:cTn>
-                  </p:par>
-                  <p:par>
-                    <p:cTn id="43" fill="hold">
-                      <p:stCondLst>
-                        <p:cond delay="indefinite"/>
-                      </p:stCondLst>
-                      <p:childTnLst>
-                        <p:par>
-                          <p:cTn id="44" fill="hold">
-                            <p:stCondLst>
-                              <p:cond delay="0"/>
-                            </p:stCondLst>
-                            <p:childTnLst>
-                              <p:par>
-                                <p:cTn id="45" presetID="1" presetClass="entr" presetSubtype="0" fill="hold" grpId="0" nodeType="clickEffect">
-                                  <p:stCondLst>
-                                    <p:cond delay="0"/>
-                                  </p:stCondLst>
-                                  <p:childTnLst>
-                                    <p:set>
-                                      <p:cBhvr>
-                                        <p:cTn id="46" dur="1" fill="hold">
-                                          <p:stCondLst>
-                                            <p:cond delay="0"/>
-                                          </p:stCondLst>
-                                        </p:cTn>
-                                        <p:tgtEl>
-                                          <p:spTgt spid="3">
-                                            <p:txEl>
-                                              <p:pRg st="10" end="10"/>
-                                            </p:txEl>
-                                          </p:spTgt>
-                                        </p:tgtEl>
-                                        <p:attrNameLst>
-                                          <p:attrName>style.visibility</p:attrName>
-                                        </p:attrNameLst>
-                                      </p:cBhvr>
-                                      <p:to>
-                                        <p:strVal val="visible"/>
-                                      </p:to>
-                                    </p:set>
-                                  </p:childTnLst>
-                                </p:cTn>
-                              </p:par>
-                            </p:childTnLst>
-                          </p:cTn>
-                        </p:par>
-                      </p:childTnLst>
-                    </p:cTn>
-                  </p:par>
                 </p:childTnLst>
               </p:cTn>
               <p:prevCondLst>
@@ -7830,10 +7816,10 @@
       </p:grpSpPr>
       <p:pic>
         <p:nvPicPr>
-          <p:cNvPr id="18" name="Picture 17">
+          <p:cNvPr id="3" name="Picture 2">
             <a:extLst>
               <a:ext uri="{FF2B5EF4-FFF2-40B4-BE49-F238E27FC236}">
-                <a16:creationId xmlns:a16="http://schemas.microsoft.com/office/drawing/2014/main" id="{0C23AC1B-74D1-804C-9FFC-EB62E534FC1F}"/>
+                <a16:creationId xmlns:a16="http://schemas.microsoft.com/office/drawing/2014/main" id="{F53D2E2D-8714-4ACB-A308-2CF3A789EEC1}"/>
               </a:ext>
             </a:extLst>
           </p:cNvPr>
@@ -7850,8 +7836,8 @@
         </p:blipFill>
         <p:spPr>
           <a:xfrm>
-            <a:off x="1371600" y="1371600"/>
-            <a:ext cx="5304260" cy="5350667"/>
+            <a:off x="1402505" y="1371600"/>
+            <a:ext cx="5341195" cy="5168470"/>
           </a:xfrm>
           <a:prstGeom prst="rect">
             <a:avLst/>
@@ -8003,7 +7989,7 @@
         </p:nvSpPr>
         <p:spPr>
           <a:xfrm>
-            <a:off x="1295400" y="6019800"/>
+            <a:off x="1325458" y="5943282"/>
             <a:ext cx="4191000" cy="609600"/>
           </a:xfrm>
           <a:prstGeom prst="ellipse">
@@ -8055,7 +8041,7 @@
         </p:nvSpPr>
         <p:spPr>
           <a:xfrm>
-            <a:off x="2743200" y="4191000"/>
+            <a:off x="2731770" y="4191001"/>
             <a:ext cx="2514600" cy="1905000"/>
           </a:xfrm>
           <a:prstGeom prst="rect">
@@ -8281,7 +8267,7 @@
         </p:nvSpPr>
         <p:spPr>
           <a:xfrm>
-            <a:off x="5257800" y="4191000"/>
+            <a:off x="5246370" y="4191001"/>
             <a:ext cx="1600200" cy="2286000"/>
           </a:xfrm>
           <a:prstGeom prst="rect">
@@ -8333,8 +8319,8 @@
         </p:nvSpPr>
         <p:spPr>
           <a:xfrm>
-            <a:off x="1371600" y="3733800"/>
-            <a:ext cx="1371600" cy="914400"/>
+            <a:off x="1524000" y="3974462"/>
+            <a:ext cx="1371600" cy="1066800"/>
           </a:xfrm>
           <a:prstGeom prst="ellipse">
             <a:avLst/>
@@ -9106,7 +9092,7 @@
           <a:p>
             <a:r>
               <a:rPr lang="en-US" sz="1800" dirty="0"/>
-              <a:t>Game development  is about team work (50% of grade from teamwork)</a:t>
+              <a:t>Game development  is about team work (40% of grade from teamwork)</a:t>
             </a:r>
           </a:p>
           <a:p>
@@ -10914,7 +10900,7 @@
                 <a:latin typeface="+mn-ea"/>
                 <a:cs typeface="FreesiaUPC" panose="020B0604020202020204" pitchFamily="34" charset="-34"/>
               </a:rPr>
-              <a:t>You need to form teams (of 5 or 6) ASAP</a:t>
+              <a:t>You need to form teams (of 4) ASAP</a:t>
             </a:r>
             <a:br>
               <a:rPr lang="en-US" altLang="zh-CN" dirty="0">
@@ -11679,7 +11665,7 @@
           <a:p>
             <a:r>
               <a:rPr lang="en-US" dirty="0"/>
-              <a:t>First thing: Team forming …</a:t>
+              <a:t>First thing: Team forming … (needs update)</a:t>
             </a:r>
           </a:p>
         </p:txBody>
@@ -11707,7 +11693,7 @@
           <a:p>
             <a:r>
               <a:rPr lang="en-US" dirty="0"/>
-              <a:t>Teams of 5 or 6 members: To Dos …</a:t>
+              <a:t>Teams of 4 members: To Dos …</a:t>
             </a:r>
           </a:p>
           <a:p>
@@ -11911,9 +11897,22 @@
               <a:buNone/>
             </a:pPr>
             <a:r>
-              <a:rPr lang="en-US" sz="3200" dirty="0"/>
-              <a:t>https://myuwbclasses.github.io/XJTU-IntroGameDev/</a:t>
-            </a:r>
+              <a:rPr lang="en-US" sz="3200" dirty="0">
+                <a:hlinkClick r:id="rId2"/>
+              </a:rPr>
+              <a:t>https://myuwbclasses.github.</a:t>
+            </a:r>
+            <a:r>
+              <a:rPr lang="en-US" sz="3200">
+                <a:hlinkClick r:id="rId2"/>
+              </a:rPr>
+              <a:t>io/IntroGameDev-XJTU/</a:t>
+            </a:r>
+            <a:r>
+              <a:rPr lang="en-US" sz="3200"/>
+              <a:t> </a:t>
+            </a:r>
+            <a:endParaRPr lang="en-US" sz="3200" dirty="0"/>
           </a:p>
         </p:txBody>
       </p:sp>
@@ -12000,7 +11999,7 @@
             <a:pPr lvl="1"/>
             <a:r>
               <a:rPr lang="en-US" altLang="zh-TW" dirty="0"/>
-              <a:t>For fun?  … FUN? 11 days with 32-contact hours!</a:t>
+              <a:t>For fun?  … FUN? 15 days with 32-contact hours!</a:t>
             </a:r>
           </a:p>
           <a:p>

--- a/PPT/Intro.pptx
+++ b/PPT/Intro.pptx
@@ -269,7 +269,7 @@
           <a:p>
             <a:fld id="{5578FD48-7BBA-4787-8980-5DFB65E0734D}" type="datetimeFigureOut">
               <a:rPr lang="en-US" smtClean="0"/>
-              <a:t>1/19/2025</a:t>
+              <a:t>1/20/2025</a:t>
             </a:fld>
             <a:endParaRPr lang="en-US"/>
           </a:p>
@@ -1231,7 +1231,7 @@
             <a:fld id="{1D8BD707-D9CF-40AE-B4C6-C98DA3205C09}" type="datetimeFigureOut">
               <a:rPr lang="en-US" smtClean="0"/>
               <a:pPr/>
-              <a:t>1/19/2025</a:t>
+              <a:t>1/20/2025</a:t>
             </a:fld>
             <a:endParaRPr lang="en-US"/>
           </a:p>
@@ -1548,7 +1548,7 @@
             <a:fld id="{1D8BD707-D9CF-40AE-B4C6-C98DA3205C09}" type="datetimeFigureOut">
               <a:rPr lang="en-US" smtClean="0"/>
               <a:pPr/>
-              <a:t>1/19/2025</a:t>
+              <a:t>1/20/2025</a:t>
             </a:fld>
             <a:endParaRPr lang="en-US"/>
           </a:p>
@@ -1724,7 +1724,7 @@
             <a:fld id="{1D8BD707-D9CF-40AE-B4C6-C98DA3205C09}" type="datetimeFigureOut">
               <a:rPr lang="en-US" smtClean="0"/>
               <a:pPr/>
-              <a:t>1/19/2025</a:t>
+              <a:t>1/20/2025</a:t>
             </a:fld>
             <a:endParaRPr lang="en-US"/>
           </a:p>
@@ -1844,7 +1844,7 @@
             <a:fld id="{1D8BD707-D9CF-40AE-B4C6-C98DA3205C09}" type="datetimeFigureOut">
               <a:rPr lang="en-US" smtClean="0"/>
               <a:pPr/>
-              <a:t>1/19/2025</a:t>
+              <a:t>1/20/2025</a:t>
             </a:fld>
             <a:endParaRPr lang="en-US"/>
           </a:p>
@@ -2144,7 +2144,7 @@
             <a:fld id="{1D8BD707-D9CF-40AE-B4C6-C98DA3205C09}" type="datetimeFigureOut">
               <a:rPr lang="en-US" smtClean="0"/>
               <a:pPr/>
-              <a:t>1/19/2025</a:t>
+              <a:t>1/20/2025</a:t>
             </a:fld>
             <a:endParaRPr lang="en-US"/>
           </a:p>
@@ -2439,7 +2439,7 @@
             <a:fld id="{1D8BD707-D9CF-40AE-B4C6-C98DA3205C09}" type="datetimeFigureOut">
               <a:rPr lang="en-US" smtClean="0"/>
               <a:pPr/>
-              <a:t>1/19/2025</a:t>
+              <a:t>1/20/2025</a:t>
             </a:fld>
             <a:endParaRPr lang="en-US"/>
           </a:p>
@@ -2869,7 +2869,7 @@
             <a:fld id="{1D8BD707-D9CF-40AE-B4C6-C98DA3205C09}" type="datetimeFigureOut">
               <a:rPr lang="en-US" smtClean="0"/>
               <a:pPr/>
-              <a:t>1/19/2025</a:t>
+              <a:t>1/20/2025</a:t>
             </a:fld>
             <a:endParaRPr lang="en-US"/>
           </a:p>
@@ -2989,7 +2989,7 @@
             <a:fld id="{1D8BD707-D9CF-40AE-B4C6-C98DA3205C09}" type="datetimeFigureOut">
               <a:rPr lang="en-US" smtClean="0"/>
               <a:pPr/>
-              <a:t>1/19/2025</a:t>
+              <a:t>1/20/2025</a:t>
             </a:fld>
             <a:endParaRPr lang="en-US"/>
           </a:p>
@@ -3081,7 +3081,7 @@
             <a:fld id="{1D8BD707-D9CF-40AE-B4C6-C98DA3205C09}" type="datetimeFigureOut">
               <a:rPr lang="en-US" smtClean="0"/>
               <a:pPr/>
-              <a:t>1/19/2025</a:t>
+              <a:t>1/20/2025</a:t>
             </a:fld>
             <a:endParaRPr lang="en-US"/>
           </a:p>
@@ -3333,7 +3333,7 @@
             <a:fld id="{1D8BD707-D9CF-40AE-B4C6-C98DA3205C09}" type="datetimeFigureOut">
               <a:rPr lang="en-US" smtClean="0"/>
               <a:pPr/>
-              <a:t>1/19/2025</a:t>
+              <a:t>1/20/2025</a:t>
             </a:fld>
             <a:endParaRPr lang="en-US"/>
           </a:p>
@@ -3851,7 +3851,7 @@
             <a:fld id="{1D8BD707-D9CF-40AE-B4C6-C98DA3205C09}" type="datetimeFigureOut">
               <a:rPr lang="en-US" smtClean="0"/>
               <a:pPr/>
-              <a:t>1/19/2025</a:t>
+              <a:t>1/20/2025</a:t>
             </a:fld>
             <a:endParaRPr lang="en-US"/>
           </a:p>
@@ -4083,7 +4083,7 @@
             <a:fld id="{1D8BD707-D9CF-40AE-B4C6-C98DA3205C09}" type="datetimeFigureOut">
               <a:rPr lang="en-US" smtClean="0"/>
               <a:pPr/>
-              <a:t>1/19/2025</a:t>
+              <a:t>1/20/2025</a:t>
             </a:fld>
             <a:endParaRPr lang="en-US"/>
           </a:p>
@@ -6836,13 +6836,8 @@
           <a:p>
             <a:r>
               <a:rPr lang="en-US" dirty="0"/>
-              <a:t>Week 2 + 3: Present, Test, and </a:t>
-            </a:r>
-            <a:r>
-              <a:rPr lang="en-US" dirty="0" err="1"/>
-              <a:t>Evalutate</a:t>
-            </a:r>
-            <a:endParaRPr lang="en-US" dirty="0"/>
+              <a:t>Week 2 + 3: Present, Test, Refine, and Deliver</a:t>
+            </a:r>
           </a:p>
         </p:txBody>
       </p:sp>
@@ -14943,7 +14938,7 @@
             </a:r>
             <a:r>
               <a:rPr lang="zh-TW" altLang="en-US" dirty="0"/>
-              <a:t>台灣出生，到過山東，沒去過青島 </a:t>
+              <a:t>台灣出生，到過山東，去過青島 </a:t>
             </a:r>
             <a:endParaRPr lang="en-US" dirty="0"/>
           </a:p>

--- a/PPT/Intro.pptx
+++ b/PPT/Intro.pptx
@@ -269,7 +269,7 @@
           <a:p>
             <a:fld id="{5578FD48-7BBA-4787-8980-5DFB65E0734D}" type="datetimeFigureOut">
               <a:rPr lang="en-US" smtClean="0"/>
-              <a:t>1/20/2025</a:t>
+              <a:t>3/3/2025</a:t>
             </a:fld>
             <a:endParaRPr lang="en-US"/>
           </a:p>
@@ -1231,7 +1231,7 @@
             <a:fld id="{1D8BD707-D9CF-40AE-B4C6-C98DA3205C09}" type="datetimeFigureOut">
               <a:rPr lang="en-US" smtClean="0"/>
               <a:pPr/>
-              <a:t>1/20/2025</a:t>
+              <a:t>3/3/2025</a:t>
             </a:fld>
             <a:endParaRPr lang="en-US"/>
           </a:p>
@@ -1548,7 +1548,7 @@
             <a:fld id="{1D8BD707-D9CF-40AE-B4C6-C98DA3205C09}" type="datetimeFigureOut">
               <a:rPr lang="en-US" smtClean="0"/>
               <a:pPr/>
-              <a:t>1/20/2025</a:t>
+              <a:t>3/3/2025</a:t>
             </a:fld>
             <a:endParaRPr lang="en-US"/>
           </a:p>
@@ -1724,7 +1724,7 @@
             <a:fld id="{1D8BD707-D9CF-40AE-B4C6-C98DA3205C09}" type="datetimeFigureOut">
               <a:rPr lang="en-US" smtClean="0"/>
               <a:pPr/>
-              <a:t>1/20/2025</a:t>
+              <a:t>3/3/2025</a:t>
             </a:fld>
             <a:endParaRPr lang="en-US"/>
           </a:p>
@@ -1844,7 +1844,7 @@
             <a:fld id="{1D8BD707-D9CF-40AE-B4C6-C98DA3205C09}" type="datetimeFigureOut">
               <a:rPr lang="en-US" smtClean="0"/>
               <a:pPr/>
-              <a:t>1/20/2025</a:t>
+              <a:t>3/3/2025</a:t>
             </a:fld>
             <a:endParaRPr lang="en-US"/>
           </a:p>
@@ -2144,7 +2144,7 @@
             <a:fld id="{1D8BD707-D9CF-40AE-B4C6-C98DA3205C09}" type="datetimeFigureOut">
               <a:rPr lang="en-US" smtClean="0"/>
               <a:pPr/>
-              <a:t>1/20/2025</a:t>
+              <a:t>3/3/2025</a:t>
             </a:fld>
             <a:endParaRPr lang="en-US"/>
           </a:p>
@@ -2439,7 +2439,7 @@
             <a:fld id="{1D8BD707-D9CF-40AE-B4C6-C98DA3205C09}" type="datetimeFigureOut">
               <a:rPr lang="en-US" smtClean="0"/>
               <a:pPr/>
-              <a:t>1/20/2025</a:t>
+              <a:t>3/3/2025</a:t>
             </a:fld>
             <a:endParaRPr lang="en-US"/>
           </a:p>
@@ -2869,7 +2869,7 @@
             <a:fld id="{1D8BD707-D9CF-40AE-B4C6-C98DA3205C09}" type="datetimeFigureOut">
               <a:rPr lang="en-US" smtClean="0"/>
               <a:pPr/>
-              <a:t>1/20/2025</a:t>
+              <a:t>3/3/2025</a:t>
             </a:fld>
             <a:endParaRPr lang="en-US"/>
           </a:p>
@@ -2989,7 +2989,7 @@
             <a:fld id="{1D8BD707-D9CF-40AE-B4C6-C98DA3205C09}" type="datetimeFigureOut">
               <a:rPr lang="en-US" smtClean="0"/>
               <a:pPr/>
-              <a:t>1/20/2025</a:t>
+              <a:t>3/3/2025</a:t>
             </a:fld>
             <a:endParaRPr lang="en-US"/>
           </a:p>
@@ -3081,7 +3081,7 @@
             <a:fld id="{1D8BD707-D9CF-40AE-B4C6-C98DA3205C09}" type="datetimeFigureOut">
               <a:rPr lang="en-US" smtClean="0"/>
               <a:pPr/>
-              <a:t>1/20/2025</a:t>
+              <a:t>3/3/2025</a:t>
             </a:fld>
             <a:endParaRPr lang="en-US"/>
           </a:p>
@@ -3333,7 +3333,7 @@
             <a:fld id="{1D8BD707-D9CF-40AE-B4C6-C98DA3205C09}" type="datetimeFigureOut">
               <a:rPr lang="en-US" smtClean="0"/>
               <a:pPr/>
-              <a:t>1/20/2025</a:t>
+              <a:t>3/3/2025</a:t>
             </a:fld>
             <a:endParaRPr lang="en-US"/>
           </a:p>
@@ -3851,7 +3851,7 @@
             <a:fld id="{1D8BD707-D9CF-40AE-B4C6-C98DA3205C09}" type="datetimeFigureOut">
               <a:rPr lang="en-US" smtClean="0"/>
               <a:pPr/>
-              <a:t>1/20/2025</a:t>
+              <a:t>3/3/2025</a:t>
             </a:fld>
             <a:endParaRPr lang="en-US"/>
           </a:p>
@@ -4083,7 +4083,7 @@
             <a:fld id="{1D8BD707-D9CF-40AE-B4C6-C98DA3205C09}" type="datetimeFigureOut">
               <a:rPr lang="en-US" smtClean="0"/>
               <a:pPr/>
-              <a:t>1/20/2025</a:t>
+              <a:t>3/3/2025</a:t>
             </a:fld>
             <a:endParaRPr lang="en-US"/>
           </a:p>
@@ -4840,7 +4840,7 @@
           <a:p>
             <a:r>
               <a:rPr lang="en-US" sz="1800" dirty="0"/>
-              <a:t>Two weeks later on 17</a:t>
+              <a:t>Two weeks later on Monday 17</a:t>
             </a:r>
             <a:r>
               <a:rPr lang="en-US" sz="1800" baseline="30000" dirty="0"/>
@@ -5046,7 +5046,7 @@
                                         <p:tgtEl>
                                           <p:spTgt spid="3">
                                             <p:txEl>
-                                              <p:pRg st="8" end="8"/>
+                                              <p:pRg st="1" end="1"/>
                                             </p:txEl>
                                           </p:spTgt>
                                         </p:tgtEl>
@@ -5095,7 +5095,7 @@
                                         <p:tgtEl>
                                           <p:spTgt spid="3">
                                             <p:txEl>
-                                              <p:pRg st="9" end="9"/>
+                                              <p:pRg st="2" end="2"/>
                                             </p:txEl>
                                           </p:spTgt>
                                         </p:tgtEl>
@@ -5144,7 +5144,7 @@
                                         <p:tgtEl>
                                           <p:spTgt spid="3">
                                             <p:txEl>
-                                              <p:pRg st="1" end="1"/>
+                                              <p:pRg st="3" end="3"/>
                                             </p:txEl>
                                           </p:spTgt>
                                         </p:tgtEl>
@@ -5193,7 +5193,7 @@
                                         <p:tgtEl>
                                           <p:spTgt spid="3">
                                             <p:txEl>
-                                              <p:pRg st="2" end="2"/>
+                                              <p:pRg st="4" end="4"/>
                                             </p:txEl>
                                           </p:spTgt>
                                         </p:tgtEl>
@@ -5242,7 +5242,7 @@
                                         <p:tgtEl>
                                           <p:spTgt spid="3">
                                             <p:txEl>
-                                              <p:pRg st="3" end="3"/>
+                                              <p:pRg st="6" end="6"/>
                                             </p:txEl>
                                           </p:spTgt>
                                         </p:tgtEl>
@@ -5291,7 +5291,7 @@
                                         <p:tgtEl>
                                           <p:spTgt spid="3">
                                             <p:txEl>
-                                              <p:pRg st="4" end="4"/>
+                                              <p:pRg st="8" end="8"/>
                                             </p:txEl>
                                           </p:spTgt>
                                         </p:tgtEl>
@@ -5340,7 +5340,7 @@
                                         <p:tgtEl>
                                           <p:spTgt spid="3">
                                             <p:txEl>
-                                              <p:pRg st="6" end="6"/>
+                                              <p:pRg st="9" end="9"/>
                                             </p:txEl>
                                           </p:spTgt>
                                         </p:tgtEl>
@@ -6294,7 +6294,19 @@
             <a:pPr lvl="1"/>
             <a:r>
               <a:rPr lang="en-US" dirty="0"/>
-              <a:t>open book, open everything, individual effort</a:t>
+              <a:t>open book, open everything EXCEPT </a:t>
+            </a:r>
+            <a:r>
+              <a:rPr lang="en-US" b="1" dirty="0">
+                <a:solidFill>
+                  <a:srgbClr val="FF0000"/>
+                </a:solidFill>
+              </a:rPr>
+              <a:t>no </a:t>
+            </a:r>
+            <a:r>
+              <a:rPr lang="en-US" dirty="0"/>
+              <a:t>phone or laptop, individual effort</a:t>
             </a:r>
           </a:p>
           <a:p>
@@ -6927,7 +6939,7 @@
             </a:r>
             <a:r>
               <a:rPr lang="en-US" dirty="0"/>
-              <a:t>us your by </a:t>
+              <a:t>us your game by </a:t>
             </a:r>
             <a:r>
               <a:rPr lang="en-US" b="1" i="1" u="sng" dirty="0"/>
@@ -11660,7 +11672,7 @@
           <a:p>
             <a:r>
               <a:rPr lang="en-US" dirty="0"/>
-              <a:t>First thing: Team forming … (needs update)</a:t>
+              <a:t>First thing: Team forming … (DONE!!)</a:t>
             </a:r>
           </a:p>
         </p:txBody>
@@ -11688,97 +11700,191 @@
           <a:p>
             <a:r>
               <a:rPr lang="en-US" dirty="0"/>
-              <a:t>Teams of 4 members: To Dos …</a:t>
+              <a:t>Teams of 4 members: To Dos … [DONE! Thanks to our TA and everyone in-class for speedy responses]</a:t>
             </a:r>
           </a:p>
           <a:p>
             <a:pPr lvl="1"/>
             <a:r>
-              <a:rPr lang="en-US" b="1" dirty="0"/>
+              <a:rPr lang="en-US" b="1" dirty="0">
+                <a:solidFill>
+                  <a:schemeClr val="bg1">
+                    <a:lumMod val="75000"/>
+                    <a:lumOff val="25000"/>
+                  </a:schemeClr>
+                </a:solidFill>
+              </a:rPr>
               <a:t>First: </a:t>
             </a:r>
             <a:r>
-              <a:rPr lang="en-US" dirty="0"/>
-              <a:t>final your friends and people you </a:t>
-            </a:r>
-            <a:r>
-              <a:rPr lang="en-US" dirty="0" err="1"/>
-              <a:t>wantr</a:t>
-            </a:r>
-            <a:r>
-              <a:rPr lang="en-US" dirty="0"/>
-              <a:t> to work with, form a team (with everyone’s agreement)</a:t>
+              <a:rPr lang="en-US" dirty="0">
+                <a:solidFill>
+                  <a:schemeClr val="bg1">
+                    <a:lumMod val="75000"/>
+                    <a:lumOff val="25000"/>
+                  </a:schemeClr>
+                </a:solidFill>
+              </a:rPr>
+              <a:t>final your friends and people you want to work with, form a team (with everyone’s agreement)</a:t>
             </a:r>
           </a:p>
           <a:p>
             <a:pPr lvl="1"/>
             <a:r>
-              <a:rPr lang="en-US" dirty="0"/>
-              <a:t>Second: Follow this link:  </a:t>
-            </a:r>
-            <a:r>
               <a:rPr lang="en-US" dirty="0">
-                <a:hlinkClick r:id="rId3"/>
+                <a:solidFill>
+                  <a:schemeClr val="bg1">
+                    <a:lumMod val="75000"/>
+                    <a:lumOff val="25000"/>
+                  </a:schemeClr>
+                </a:solidFill>
               </a:rPr>
-              <a:t>https://docs.qq.com/sheet/DRFFYYndTcXVzRG1v?tab=09pftn</a:t>
-            </a:r>
-            <a:r>
-              <a:rPr lang="en-US" dirty="0"/>
-              <a:t>.</a:t>
+              <a:t>Second: Follow this link:</a:t>
             </a:r>
           </a:p>
           <a:p>
             <a:pPr lvl="2"/>
             <a:r>
-              <a:rPr lang="en-US" dirty="0"/>
+              <a:rPr lang="en-US" dirty="0">
+                <a:solidFill>
+                  <a:schemeClr val="bg1">
+                    <a:lumMod val="75000"/>
+                    <a:lumOff val="25000"/>
+                  </a:schemeClr>
+                </a:solidFill>
+              </a:rPr>
               <a:t>On </a:t>
             </a:r>
             <a:r>
-              <a:rPr lang="zh-CN" altLang="en-US" dirty="0"/>
+              <a:rPr lang="zh-CN" altLang="en-US" dirty="0">
+                <a:solidFill>
+                  <a:schemeClr val="bg1">
+                    <a:lumMod val="75000"/>
+                    <a:lumOff val="25000"/>
+                  </a:schemeClr>
+                </a:solidFill>
+              </a:rPr>
               <a:t>工作表</a:t>
             </a:r>
             <a:r>
-              <a:rPr lang="en-US" altLang="zh-CN" dirty="0"/>
+              <a:rPr lang="en-US" altLang="zh-CN" dirty="0">
+                <a:solidFill>
+                  <a:schemeClr val="bg1">
+                    <a:lumMod val="75000"/>
+                    <a:lumOff val="25000"/>
+                  </a:schemeClr>
+                </a:solidFill>
+              </a:rPr>
               <a:t>2</a:t>
             </a:r>
             <a:r>
-              <a:rPr lang="zh-CN" altLang="en-US" dirty="0"/>
+              <a:rPr lang="zh-CN" altLang="en-US" dirty="0">
+                <a:solidFill>
+                  <a:schemeClr val="bg1">
+                    <a:lumMod val="75000"/>
+                    <a:lumOff val="25000"/>
+                  </a:schemeClr>
+                </a:solidFill>
+              </a:rPr>
               <a:t>：</a:t>
             </a:r>
             <a:r>
-              <a:rPr lang="en-US" altLang="zh-CN" dirty="0"/>
+              <a:rPr lang="en-US" altLang="zh-CN" dirty="0">
+                <a:solidFill>
+                  <a:schemeClr val="bg1">
+                    <a:lumMod val="75000"/>
+                    <a:lumOff val="25000"/>
+                  </a:schemeClr>
+                </a:solidFill>
+              </a:rPr>
               <a:t>Enter</a:t>
             </a:r>
             <a:r>
-              <a:rPr lang="zh-CN" altLang="en-US" dirty="0"/>
+              <a:rPr lang="zh-CN" altLang="en-US" dirty="0">
+                <a:solidFill>
+                  <a:schemeClr val="bg1">
+                    <a:lumMod val="75000"/>
+                    <a:lumOff val="25000"/>
+                  </a:schemeClr>
+                </a:solidFill>
+              </a:rPr>
               <a:t> </a:t>
             </a:r>
             <a:r>
-              <a:rPr lang="en-US" altLang="zh-CN" dirty="0"/>
+              <a:rPr lang="en-US" altLang="zh-CN" dirty="0">
+                <a:solidFill>
+                  <a:schemeClr val="bg1">
+                    <a:lumMod val="75000"/>
+                    <a:lumOff val="25000"/>
+                  </a:schemeClr>
+                </a:solidFill>
+              </a:rPr>
               <a:t>your names besides an available team</a:t>
             </a:r>
-            <a:endParaRPr lang="en-US" dirty="0"/>
+            <a:endParaRPr lang="en-US" dirty="0">
+              <a:solidFill>
+                <a:schemeClr val="bg1">
+                  <a:lumMod val="75000"/>
+                  <a:lumOff val="25000"/>
+                </a:schemeClr>
+              </a:solidFill>
+            </a:endParaRPr>
           </a:p>
           <a:p>
             <a:pPr lvl="2"/>
             <a:r>
-              <a:rPr lang="en-US" dirty="0"/>
+              <a:rPr lang="en-US" dirty="0">
+                <a:solidFill>
+                  <a:schemeClr val="bg1">
+                    <a:lumMod val="75000"/>
+                    <a:lumOff val="25000"/>
+                  </a:schemeClr>
+                </a:solidFill>
+              </a:rPr>
               <a:t>On </a:t>
             </a:r>
             <a:r>
-              <a:rPr lang="zh-CN" altLang="en-US" dirty="0"/>
+              <a:rPr lang="zh-CN" altLang="en-US" dirty="0">
+                <a:solidFill>
+                  <a:schemeClr val="bg1">
+                    <a:lumMod val="75000"/>
+                    <a:lumOff val="25000"/>
+                  </a:schemeClr>
+                </a:solidFill>
+              </a:rPr>
               <a:t>工作表</a:t>
             </a:r>
             <a:r>
-              <a:rPr lang="en-US" altLang="zh-CN" dirty="0"/>
+              <a:rPr lang="en-US" altLang="zh-CN" dirty="0">
+                <a:solidFill>
+                  <a:schemeClr val="bg1">
+                    <a:lumMod val="75000"/>
+                    <a:lumOff val="25000"/>
+                  </a:schemeClr>
+                </a:solidFill>
+              </a:rPr>
               <a:t>1</a:t>
             </a:r>
             <a:r>
-              <a:rPr lang="zh-CN" altLang="en-US" dirty="0"/>
+              <a:rPr lang="zh-CN" altLang="en-US" dirty="0">
+                <a:solidFill>
+                  <a:schemeClr val="bg1">
+                    <a:lumMod val="75000"/>
+                    <a:lumOff val="25000"/>
+                  </a:schemeClr>
+                </a:solidFill>
+              </a:rPr>
               <a:t>：</a:t>
             </a:r>
             <a:r>
-              <a:rPr lang="en-US" altLang="zh-CN" dirty="0"/>
+              <a:rPr lang="en-US" altLang="zh-CN" dirty="0">
+                <a:solidFill>
+                  <a:schemeClr val="bg1">
+                    <a:lumMod val="75000"/>
+                    <a:lumOff val="25000"/>
+                  </a:schemeClr>
+                </a:solidFill>
+              </a:rPr>
               <a:t>Find names of each team member and enter the appropriate team-number under Column-C</a:t>
             </a:r>
           </a:p>
@@ -11788,13 +11894,23 @@
           </a:p>
           <a:p>
             <a:r>
-              <a:rPr lang="en-US" dirty="0"/>
+              <a:rPr lang="en-US" dirty="0">
+                <a:solidFill>
+                  <a:schemeClr val="bg1">
+                    <a:lumMod val="75000"/>
+                    <a:lumOff val="25000"/>
+                  </a:schemeClr>
+                </a:solidFill>
+              </a:rPr>
               <a:t>Deadline for forming teams: </a:t>
             </a:r>
             <a:r>
               <a:rPr lang="en-US" b="1" dirty="0">
                 <a:solidFill>
-                  <a:srgbClr val="FFFF00"/>
+                  <a:schemeClr val="bg1">
+                    <a:lumMod val="75000"/>
+                    <a:lumOff val="25000"/>
+                  </a:schemeClr>
                 </a:solidFill>
               </a:rPr>
               <a:t>Wednesday before class</a:t>
